--- a/images/slides/Powerpoint/Dashboard Pictures (Potrait).pptx
+++ b/images/slides/Powerpoint/Dashboard Pictures (Potrait).pptx
@@ -2,33 +2,25 @@
 <file path=ppt/presentation.xml><?xml version="1.0" encoding="utf-8"?>
 <p:presentation xmlns:a="http://schemas.openxmlformats.org/drawingml/2006/main" xmlns:r="http://schemas.openxmlformats.org/officeDocument/2006/relationships" xmlns:p="http://schemas.openxmlformats.org/presentationml/2006/main" saveSubsetFonts="1">
   <p:sldMasterIdLst>
-    <p:sldMasterId id="2147483756" r:id="rId1"/>
-    <p:sldMasterId id="2147483768" r:id="rId2"/>
+    <p:sldMasterId id="2147483780" r:id="rId1"/>
+    <p:sldMasterId id="2147483792" r:id="rId2"/>
   </p:sldMasterIdLst>
   <p:sldIdLst>
     <p:sldId id="260" r:id="rId3"/>
-    <p:sldId id="283" r:id="rId4"/>
-    <p:sldId id="272" r:id="rId5"/>
-    <p:sldId id="280" r:id="rId6"/>
-    <p:sldId id="273" r:id="rId7"/>
-    <p:sldId id="284" r:id="rId8"/>
-    <p:sldId id="275" r:id="rId9"/>
-    <p:sldId id="285" r:id="rId10"/>
-    <p:sldId id="278" r:id="rId11"/>
-    <p:sldId id="286" r:id="rId12"/>
-    <p:sldId id="279" r:id="rId13"/>
-    <p:sldId id="287" r:id="rId14"/>
-    <p:sldId id="282" r:id="rId15"/>
-    <p:sldId id="274" r:id="rId16"/>
+    <p:sldId id="272" r:id="rId4"/>
+    <p:sldId id="273" r:id="rId5"/>
+    <p:sldId id="275" r:id="rId6"/>
+    <p:sldId id="278" r:id="rId7"/>
+    <p:sldId id="279" r:id="rId8"/>
   </p:sldIdLst>
-  <p:sldSz cx="5143500" cy="9144000" type="screen16x9"/>
+  <p:sldSz cx="20116800" cy="35661600"/>
   <p:notesSz cx="7010400" cy="9236075"/>
   <p:defaultTextStyle>
     <a:defPPr>
       <a:defRPr lang="en-US"/>
     </a:defPPr>
-    <a:lvl1pPr marL="0" algn="l" defTabSz="467533" rtl="0" eaLnBrk="1" latinLnBrk="0" hangingPunct="1">
-      <a:defRPr sz="920" kern="1200">
+    <a:lvl1pPr marL="0" algn="l" defTabSz="1824909" rtl="0" eaLnBrk="1" latinLnBrk="0" hangingPunct="1">
+      <a:defRPr sz="3592" kern="1200">
         <a:solidFill>
           <a:schemeClr val="tx1"/>
         </a:solidFill>
@@ -37,8 +29,8 @@
         <a:cs typeface="+mn-cs"/>
       </a:defRPr>
     </a:lvl1pPr>
-    <a:lvl2pPr marL="233766" algn="l" defTabSz="467533" rtl="0" eaLnBrk="1" latinLnBrk="0" hangingPunct="1">
-      <a:defRPr sz="920" kern="1200">
+    <a:lvl2pPr marL="912451" algn="l" defTabSz="1824909" rtl="0" eaLnBrk="1" latinLnBrk="0" hangingPunct="1">
+      <a:defRPr sz="3592" kern="1200">
         <a:solidFill>
           <a:schemeClr val="tx1"/>
         </a:solidFill>
@@ -47,8 +39,8 @@
         <a:cs typeface="+mn-cs"/>
       </a:defRPr>
     </a:lvl2pPr>
-    <a:lvl3pPr marL="467533" algn="l" defTabSz="467533" rtl="0" eaLnBrk="1" latinLnBrk="0" hangingPunct="1">
-      <a:defRPr sz="920" kern="1200">
+    <a:lvl3pPr marL="1824909" algn="l" defTabSz="1824909" rtl="0" eaLnBrk="1" latinLnBrk="0" hangingPunct="1">
+      <a:defRPr sz="3592" kern="1200">
         <a:solidFill>
           <a:schemeClr val="tx1"/>
         </a:solidFill>
@@ -57,8 +49,8 @@
         <a:cs typeface="+mn-cs"/>
       </a:defRPr>
     </a:lvl3pPr>
-    <a:lvl4pPr marL="701299" algn="l" defTabSz="467533" rtl="0" eaLnBrk="1" latinLnBrk="0" hangingPunct="1">
-      <a:defRPr sz="920" kern="1200">
+    <a:lvl4pPr marL="2737364" algn="l" defTabSz="1824909" rtl="0" eaLnBrk="1" latinLnBrk="0" hangingPunct="1">
+      <a:defRPr sz="3592" kern="1200">
         <a:solidFill>
           <a:schemeClr val="tx1"/>
         </a:solidFill>
@@ -67,8 +59,8 @@
         <a:cs typeface="+mn-cs"/>
       </a:defRPr>
     </a:lvl4pPr>
-    <a:lvl5pPr marL="935065" algn="l" defTabSz="467533" rtl="0" eaLnBrk="1" latinLnBrk="0" hangingPunct="1">
-      <a:defRPr sz="920" kern="1200">
+    <a:lvl5pPr marL="3649818" algn="l" defTabSz="1824909" rtl="0" eaLnBrk="1" latinLnBrk="0" hangingPunct="1">
+      <a:defRPr sz="3592" kern="1200">
         <a:solidFill>
           <a:schemeClr val="tx1"/>
         </a:solidFill>
@@ -77,8 +69,8 @@
         <a:cs typeface="+mn-cs"/>
       </a:defRPr>
     </a:lvl5pPr>
-    <a:lvl6pPr marL="1168832" algn="l" defTabSz="467533" rtl="0" eaLnBrk="1" latinLnBrk="0" hangingPunct="1">
-      <a:defRPr sz="920" kern="1200">
+    <a:lvl6pPr marL="4562273" algn="l" defTabSz="1824909" rtl="0" eaLnBrk="1" latinLnBrk="0" hangingPunct="1">
+      <a:defRPr sz="3592" kern="1200">
         <a:solidFill>
           <a:schemeClr val="tx1"/>
         </a:solidFill>
@@ -87,8 +79,8 @@
         <a:cs typeface="+mn-cs"/>
       </a:defRPr>
     </a:lvl6pPr>
-    <a:lvl7pPr marL="1402598" algn="l" defTabSz="467533" rtl="0" eaLnBrk="1" latinLnBrk="0" hangingPunct="1">
-      <a:defRPr sz="920" kern="1200">
+    <a:lvl7pPr marL="5474728" algn="l" defTabSz="1824909" rtl="0" eaLnBrk="1" latinLnBrk="0" hangingPunct="1">
+      <a:defRPr sz="3592" kern="1200">
         <a:solidFill>
           <a:schemeClr val="tx1"/>
         </a:solidFill>
@@ -97,8 +89,8 @@
         <a:cs typeface="+mn-cs"/>
       </a:defRPr>
     </a:lvl7pPr>
-    <a:lvl8pPr marL="1636365" algn="l" defTabSz="467533" rtl="0" eaLnBrk="1" latinLnBrk="0" hangingPunct="1">
-      <a:defRPr sz="920" kern="1200">
+    <a:lvl8pPr marL="6387182" algn="l" defTabSz="1824909" rtl="0" eaLnBrk="1" latinLnBrk="0" hangingPunct="1">
+      <a:defRPr sz="3592" kern="1200">
         <a:solidFill>
           <a:schemeClr val="tx1"/>
         </a:solidFill>
@@ -107,8 +99,8 @@
         <a:cs typeface="+mn-cs"/>
       </a:defRPr>
     </a:lvl8pPr>
-    <a:lvl9pPr marL="1870131" algn="l" defTabSz="467533" rtl="0" eaLnBrk="1" latinLnBrk="0" hangingPunct="1">
-      <a:defRPr sz="920" kern="1200">
+    <a:lvl9pPr marL="7299637" algn="l" defTabSz="1824909" rtl="0" eaLnBrk="1" latinLnBrk="0" hangingPunct="1">
+      <a:defRPr sz="3592" kern="1200">
         <a:solidFill>
           <a:schemeClr val="tx1"/>
         </a:solidFill>
@@ -155,15 +147,15 @@
         </p:nvSpPr>
         <p:spPr>
           <a:xfrm>
-            <a:off x="385763" y="1496484"/>
-            <a:ext cx="4371975" cy="3183467"/>
+            <a:off x="1508760" y="5836288"/>
+            <a:ext cx="17099280" cy="12415520"/>
           </a:xfrm>
         </p:spPr>
         <p:txBody>
           <a:bodyPr anchor="b"/>
           <a:lstStyle>
             <a:lvl1pPr algn="ctr">
-              <a:defRPr sz="3375"/>
+              <a:defRPr sz="13200"/>
             </a:lvl1pPr>
           </a:lstStyle>
           <a:p>
@@ -187,8 +179,8 @@
         </p:nvSpPr>
         <p:spPr>
           <a:xfrm>
-            <a:off x="642938" y="4802717"/>
-            <a:ext cx="3857625" cy="2207683"/>
+            <a:off x="2514600" y="18730598"/>
+            <a:ext cx="15087600" cy="8609962"/>
           </a:xfrm>
         </p:spPr>
         <p:txBody>
@@ -196,39 +188,39 @@
           <a:lstStyle>
             <a:lvl1pPr marL="0" indent="0" algn="ctr">
               <a:buNone/>
-              <a:defRPr sz="1350"/>
+              <a:defRPr sz="5280"/>
             </a:lvl1pPr>
-            <a:lvl2pPr marL="257175" indent="0" algn="ctr">
-              <a:buNone/>
-              <a:defRPr sz="1125"/>
+            <a:lvl2pPr marL="1005840" indent="0" algn="ctr">
+              <a:buNone/>
+              <a:defRPr sz="4400"/>
             </a:lvl2pPr>
-            <a:lvl3pPr marL="514350" indent="0" algn="ctr">
-              <a:buNone/>
-              <a:defRPr sz="1013"/>
+            <a:lvl3pPr marL="2011680" indent="0" algn="ctr">
+              <a:buNone/>
+              <a:defRPr sz="3960"/>
             </a:lvl3pPr>
-            <a:lvl4pPr marL="771525" indent="0" algn="ctr">
-              <a:buNone/>
-              <a:defRPr sz="900"/>
+            <a:lvl4pPr marL="3017520" indent="0" algn="ctr">
+              <a:buNone/>
+              <a:defRPr sz="3520"/>
             </a:lvl4pPr>
-            <a:lvl5pPr marL="1028700" indent="0" algn="ctr">
-              <a:buNone/>
-              <a:defRPr sz="900"/>
+            <a:lvl5pPr marL="4023360" indent="0" algn="ctr">
+              <a:buNone/>
+              <a:defRPr sz="3520"/>
             </a:lvl5pPr>
-            <a:lvl6pPr marL="1285875" indent="0" algn="ctr">
-              <a:buNone/>
-              <a:defRPr sz="900"/>
+            <a:lvl6pPr marL="5029200" indent="0" algn="ctr">
+              <a:buNone/>
+              <a:defRPr sz="3520"/>
             </a:lvl6pPr>
-            <a:lvl7pPr marL="1543050" indent="0" algn="ctr">
-              <a:buNone/>
-              <a:defRPr sz="900"/>
+            <a:lvl7pPr marL="6035040" indent="0" algn="ctr">
+              <a:buNone/>
+              <a:defRPr sz="3520"/>
             </a:lvl7pPr>
-            <a:lvl8pPr marL="1800225" indent="0" algn="ctr">
-              <a:buNone/>
-              <a:defRPr sz="900"/>
+            <a:lvl8pPr marL="7040880" indent="0" algn="ctr">
+              <a:buNone/>
+              <a:defRPr sz="3520"/>
             </a:lvl8pPr>
-            <a:lvl9pPr marL="2057400" indent="0" algn="ctr">
-              <a:buNone/>
-              <a:defRPr sz="900"/>
+            <a:lvl9pPr marL="8046720" indent="0" algn="ctr">
+              <a:buNone/>
+              <a:defRPr sz="3520"/>
             </a:lvl9pPr>
           </a:lstStyle>
           <a:p>
@@ -264,7 +256,7 @@
                 </a:solidFill>
               </a:rPr>
               <a:pPr/>
-              <a:t>11/2/2018</a:t>
+              <a:t>11/7/2018</a:t>
             </a:fld>
             <a:endParaRPr lang="en-US">
               <a:solidFill>
@@ -340,7 +332,7 @@
     </p:spTree>
     <p:extLst>
       <p:ext uri="{BB962C8B-B14F-4D97-AF65-F5344CB8AC3E}">
-        <p14:creationId xmlns:p14="http://schemas.microsoft.com/office/powerpoint/2010/main" val="36747907"/>
+        <p14:creationId xmlns:p14="http://schemas.microsoft.com/office/powerpoint/2010/main" val="1605915237"/>
       </p:ext>
     </p:extLst>
   </p:cSld>
@@ -427,7 +419,7 @@
             <a:pPr lvl="0"/>
             <a:r>
               <a:rPr lang="en-US" smtClean="0"/>
-              <a:t>Click to edit Master text styles</a:t>
+              <a:t>Edit Master text styles</a:t>
             </a:r>
           </a:p>
           <a:p>
@@ -485,7 +477,7 @@
                 </a:solidFill>
               </a:rPr>
               <a:pPr/>
-              <a:t>11/2/2018</a:t>
+              <a:t>11/7/2018</a:t>
             </a:fld>
             <a:endParaRPr lang="en-US">
               <a:solidFill>
@@ -561,7 +553,7 @@
     </p:spTree>
     <p:extLst>
       <p:ext uri="{BB962C8B-B14F-4D97-AF65-F5344CB8AC3E}">
-        <p14:creationId xmlns:p14="http://schemas.microsoft.com/office/powerpoint/2010/main" val="1363095444"/>
+        <p14:creationId xmlns:p14="http://schemas.microsoft.com/office/powerpoint/2010/main" val="1100752970"/>
       </p:ext>
     </p:extLst>
   </p:cSld>
@@ -619,8 +611,8 @@
         </p:nvSpPr>
         <p:spPr>
           <a:xfrm>
-            <a:off x="3680818" y="486834"/>
-            <a:ext cx="1109067" cy="7749117"/>
+            <a:off x="14396086" y="1898650"/>
+            <a:ext cx="4337685" cy="30221558"/>
           </a:xfrm>
         </p:spPr>
         <p:txBody>
@@ -647,8 +639,8 @@
         </p:nvSpPr>
         <p:spPr>
           <a:xfrm>
-            <a:off x="353616" y="486834"/>
-            <a:ext cx="3262908" cy="7749117"/>
+            <a:off x="1383031" y="1898650"/>
+            <a:ext cx="12761595" cy="30221558"/>
           </a:xfrm>
         </p:spPr>
         <p:txBody>
@@ -658,7 +650,7 @@
             <a:pPr lvl="0"/>
             <a:r>
               <a:rPr lang="en-US" smtClean="0"/>
-              <a:t>Click to edit Master text styles</a:t>
+              <a:t>Edit Master text styles</a:t>
             </a:r>
           </a:p>
           <a:p>
@@ -716,7 +708,7 @@
                 </a:solidFill>
               </a:rPr>
               <a:pPr/>
-              <a:t>11/2/2018</a:t>
+              <a:t>11/7/2018</a:t>
             </a:fld>
             <a:endParaRPr lang="en-US">
               <a:solidFill>
@@ -792,7 +784,7 @@
     </p:spTree>
     <p:extLst>
       <p:ext uri="{BB962C8B-B14F-4D97-AF65-F5344CB8AC3E}">
-        <p14:creationId xmlns:p14="http://schemas.microsoft.com/office/powerpoint/2010/main" val="2049346824"/>
+        <p14:creationId xmlns:p14="http://schemas.microsoft.com/office/powerpoint/2010/main" val="57550063"/>
       </p:ext>
     </p:extLst>
   </p:cSld>
@@ -850,15 +842,15 @@
         </p:nvSpPr>
         <p:spPr>
           <a:xfrm>
-            <a:off x="385763" y="1496484"/>
-            <a:ext cx="4371975" cy="3183467"/>
+            <a:off x="1508760" y="5836288"/>
+            <a:ext cx="17099280" cy="12415520"/>
           </a:xfrm>
         </p:spPr>
         <p:txBody>
           <a:bodyPr anchor="b"/>
           <a:lstStyle>
             <a:lvl1pPr algn="ctr">
-              <a:defRPr sz="3375"/>
+              <a:defRPr sz="13200"/>
             </a:lvl1pPr>
           </a:lstStyle>
           <a:p>
@@ -882,8 +874,8 @@
         </p:nvSpPr>
         <p:spPr>
           <a:xfrm>
-            <a:off x="642938" y="4802717"/>
-            <a:ext cx="3857625" cy="2207683"/>
+            <a:off x="2514600" y="18730598"/>
+            <a:ext cx="15087600" cy="8609962"/>
           </a:xfrm>
         </p:spPr>
         <p:txBody>
@@ -891,39 +883,39 @@
           <a:lstStyle>
             <a:lvl1pPr marL="0" indent="0" algn="ctr">
               <a:buNone/>
-              <a:defRPr sz="1350"/>
+              <a:defRPr sz="5280"/>
             </a:lvl1pPr>
-            <a:lvl2pPr marL="257175" indent="0" algn="ctr">
-              <a:buNone/>
-              <a:defRPr sz="1125"/>
+            <a:lvl2pPr marL="1005840" indent="0" algn="ctr">
+              <a:buNone/>
+              <a:defRPr sz="4400"/>
             </a:lvl2pPr>
-            <a:lvl3pPr marL="514350" indent="0" algn="ctr">
-              <a:buNone/>
-              <a:defRPr sz="1013"/>
+            <a:lvl3pPr marL="2011680" indent="0" algn="ctr">
+              <a:buNone/>
+              <a:defRPr sz="3960"/>
             </a:lvl3pPr>
-            <a:lvl4pPr marL="771525" indent="0" algn="ctr">
-              <a:buNone/>
-              <a:defRPr sz="900"/>
+            <a:lvl4pPr marL="3017520" indent="0" algn="ctr">
+              <a:buNone/>
+              <a:defRPr sz="3520"/>
             </a:lvl4pPr>
-            <a:lvl5pPr marL="1028700" indent="0" algn="ctr">
-              <a:buNone/>
-              <a:defRPr sz="900"/>
+            <a:lvl5pPr marL="4023360" indent="0" algn="ctr">
+              <a:buNone/>
+              <a:defRPr sz="3520"/>
             </a:lvl5pPr>
-            <a:lvl6pPr marL="1285875" indent="0" algn="ctr">
-              <a:buNone/>
-              <a:defRPr sz="900"/>
+            <a:lvl6pPr marL="5029200" indent="0" algn="ctr">
+              <a:buNone/>
+              <a:defRPr sz="3520"/>
             </a:lvl6pPr>
-            <a:lvl7pPr marL="1543050" indent="0" algn="ctr">
-              <a:buNone/>
-              <a:defRPr sz="900"/>
+            <a:lvl7pPr marL="6035040" indent="0" algn="ctr">
+              <a:buNone/>
+              <a:defRPr sz="3520"/>
             </a:lvl7pPr>
-            <a:lvl8pPr marL="1800225" indent="0" algn="ctr">
-              <a:buNone/>
-              <a:defRPr sz="900"/>
+            <a:lvl8pPr marL="7040880" indent="0" algn="ctr">
+              <a:buNone/>
+              <a:defRPr sz="3520"/>
             </a:lvl8pPr>
-            <a:lvl9pPr marL="2057400" indent="0" algn="ctr">
-              <a:buNone/>
-              <a:defRPr sz="900"/>
+            <a:lvl9pPr marL="8046720" indent="0" algn="ctr">
+              <a:buNone/>
+              <a:defRPr sz="3520"/>
             </a:lvl9pPr>
           </a:lstStyle>
           <a:p>
@@ -959,7 +951,7 @@
                 </a:solidFill>
               </a:rPr>
               <a:pPr/>
-              <a:t>11/2/2018</a:t>
+              <a:t>11/7/2018</a:t>
             </a:fld>
             <a:endParaRPr lang="en-US">
               <a:solidFill>
@@ -1035,7 +1027,7 @@
     </p:spTree>
     <p:extLst>
       <p:ext uri="{BB962C8B-B14F-4D97-AF65-F5344CB8AC3E}">
-        <p14:creationId xmlns:p14="http://schemas.microsoft.com/office/powerpoint/2010/main" val="1541921976"/>
+        <p14:creationId xmlns:p14="http://schemas.microsoft.com/office/powerpoint/2010/main" val="2848509676"/>
       </p:ext>
     </p:extLst>
   </p:cSld>
@@ -1122,7 +1114,7 @@
             <a:pPr lvl="0"/>
             <a:r>
               <a:rPr lang="en-US" smtClean="0"/>
-              <a:t>Click to edit Master text styles</a:t>
+              <a:t>Edit Master text styles</a:t>
             </a:r>
           </a:p>
           <a:p>
@@ -1180,7 +1172,7 @@
                 </a:solidFill>
               </a:rPr>
               <a:pPr/>
-              <a:t>11/2/2018</a:t>
+              <a:t>11/7/2018</a:t>
             </a:fld>
             <a:endParaRPr lang="en-US">
               <a:solidFill>
@@ -1256,7 +1248,7 @@
     </p:spTree>
     <p:extLst>
       <p:ext uri="{BB962C8B-B14F-4D97-AF65-F5344CB8AC3E}">
-        <p14:creationId xmlns:p14="http://schemas.microsoft.com/office/powerpoint/2010/main" val="2433235500"/>
+        <p14:creationId xmlns:p14="http://schemas.microsoft.com/office/powerpoint/2010/main" val="1238639850"/>
       </p:ext>
     </p:extLst>
   </p:cSld>
@@ -1314,15 +1306,15 @@
         </p:nvSpPr>
         <p:spPr>
           <a:xfrm>
-            <a:off x="350937" y="2279653"/>
-            <a:ext cx="4436269" cy="3803649"/>
+            <a:off x="1372554" y="8890646"/>
+            <a:ext cx="17350740" cy="14834232"/>
           </a:xfrm>
         </p:spPr>
         <p:txBody>
           <a:bodyPr anchor="b"/>
           <a:lstStyle>
             <a:lvl1pPr>
-              <a:defRPr sz="3375"/>
+              <a:defRPr sz="13200"/>
             </a:lvl1pPr>
           </a:lstStyle>
           <a:p>
@@ -1346,8 +1338,8 @@
         </p:nvSpPr>
         <p:spPr>
           <a:xfrm>
-            <a:off x="350937" y="6119286"/>
-            <a:ext cx="4436269" cy="2000249"/>
+            <a:off x="1372554" y="23865216"/>
+            <a:ext cx="17350740" cy="7800972"/>
           </a:xfrm>
         </p:spPr>
         <p:txBody>
@@ -1355,15 +1347,15 @@
           <a:lstStyle>
             <a:lvl1pPr marL="0" indent="0">
               <a:buNone/>
-              <a:defRPr sz="1350">
+              <a:defRPr sz="5280">
                 <a:solidFill>
                   <a:schemeClr val="tx1"/>
                 </a:solidFill>
               </a:defRPr>
             </a:lvl1pPr>
-            <a:lvl2pPr marL="257175" indent="0">
-              <a:buNone/>
-              <a:defRPr sz="1125">
+            <a:lvl2pPr marL="1005840" indent="0">
+              <a:buNone/>
+              <a:defRPr sz="4400">
                 <a:solidFill>
                   <a:schemeClr val="tx1">
                     <a:tint val="75000"/>
@@ -1371,9 +1363,9 @@
                 </a:solidFill>
               </a:defRPr>
             </a:lvl2pPr>
-            <a:lvl3pPr marL="514350" indent="0">
-              <a:buNone/>
-              <a:defRPr sz="1013">
+            <a:lvl3pPr marL="2011680" indent="0">
+              <a:buNone/>
+              <a:defRPr sz="3960">
                 <a:solidFill>
                   <a:schemeClr val="tx1">
                     <a:tint val="75000"/>
@@ -1381,9 +1373,9 @@
                 </a:solidFill>
               </a:defRPr>
             </a:lvl3pPr>
-            <a:lvl4pPr marL="771525" indent="0">
-              <a:buNone/>
-              <a:defRPr sz="900">
+            <a:lvl4pPr marL="3017520" indent="0">
+              <a:buNone/>
+              <a:defRPr sz="3520">
                 <a:solidFill>
                   <a:schemeClr val="tx1">
                     <a:tint val="75000"/>
@@ -1391,9 +1383,9 @@
                 </a:solidFill>
               </a:defRPr>
             </a:lvl4pPr>
-            <a:lvl5pPr marL="1028700" indent="0">
-              <a:buNone/>
-              <a:defRPr sz="900">
+            <a:lvl5pPr marL="4023360" indent="0">
+              <a:buNone/>
+              <a:defRPr sz="3520">
                 <a:solidFill>
                   <a:schemeClr val="tx1">
                     <a:tint val="75000"/>
@@ -1401,9 +1393,9 @@
                 </a:solidFill>
               </a:defRPr>
             </a:lvl5pPr>
-            <a:lvl6pPr marL="1285875" indent="0">
-              <a:buNone/>
-              <a:defRPr sz="900">
+            <a:lvl6pPr marL="5029200" indent="0">
+              <a:buNone/>
+              <a:defRPr sz="3520">
                 <a:solidFill>
                   <a:schemeClr val="tx1">
                     <a:tint val="75000"/>
@@ -1411,9 +1403,9 @@
                 </a:solidFill>
               </a:defRPr>
             </a:lvl6pPr>
-            <a:lvl7pPr marL="1543050" indent="0">
-              <a:buNone/>
-              <a:defRPr sz="900">
+            <a:lvl7pPr marL="6035040" indent="0">
+              <a:buNone/>
+              <a:defRPr sz="3520">
                 <a:solidFill>
                   <a:schemeClr val="tx1">
                     <a:tint val="75000"/>
@@ -1421,9 +1413,9 @@
                 </a:solidFill>
               </a:defRPr>
             </a:lvl7pPr>
-            <a:lvl8pPr marL="1800225" indent="0">
-              <a:buNone/>
-              <a:defRPr sz="900">
+            <a:lvl8pPr marL="7040880" indent="0">
+              <a:buNone/>
+              <a:defRPr sz="3520">
                 <a:solidFill>
                   <a:schemeClr val="tx1">
                     <a:tint val="75000"/>
@@ -1431,9 +1423,9 @@
                 </a:solidFill>
               </a:defRPr>
             </a:lvl8pPr>
-            <a:lvl9pPr marL="2057400" indent="0">
-              <a:buNone/>
-              <a:defRPr sz="900">
+            <a:lvl9pPr marL="8046720" indent="0">
+              <a:buNone/>
+              <a:defRPr sz="3520">
                 <a:solidFill>
                   <a:schemeClr val="tx1">
                     <a:tint val="75000"/>
@@ -1446,7 +1438,7 @@
             <a:pPr lvl="0"/>
             <a:r>
               <a:rPr lang="en-US" smtClean="0"/>
-              <a:t>Click to edit Master text styles</a:t>
+              <a:t>Edit Master text styles</a:t>
             </a:r>
           </a:p>
         </p:txBody>
@@ -1475,7 +1467,7 @@
                 </a:solidFill>
               </a:rPr>
               <a:pPr/>
-              <a:t>11/2/2018</a:t>
+              <a:t>11/7/2018</a:t>
             </a:fld>
             <a:endParaRPr lang="en-US">
               <a:solidFill>
@@ -1551,7 +1543,7 @@
     </p:spTree>
     <p:extLst>
       <p:ext uri="{BB962C8B-B14F-4D97-AF65-F5344CB8AC3E}">
-        <p14:creationId xmlns:p14="http://schemas.microsoft.com/office/powerpoint/2010/main" val="144621769"/>
+        <p14:creationId xmlns:p14="http://schemas.microsoft.com/office/powerpoint/2010/main" val="1755219837"/>
       </p:ext>
     </p:extLst>
   </p:cSld>
@@ -1632,8 +1624,8 @@
         </p:nvSpPr>
         <p:spPr>
           <a:xfrm>
-            <a:off x="353615" y="2434167"/>
-            <a:ext cx="2185988" cy="5801784"/>
+            <a:off x="1383030" y="9493250"/>
+            <a:ext cx="8549640" cy="22626958"/>
           </a:xfrm>
         </p:spPr>
         <p:txBody>
@@ -1643,7 +1635,7 @@
             <a:pPr lvl="0"/>
             <a:r>
               <a:rPr lang="en-US" smtClean="0"/>
-              <a:t>Click to edit Master text styles</a:t>
+              <a:t>Edit Master text styles</a:t>
             </a:r>
           </a:p>
           <a:p>
@@ -1689,8 +1681,8 @@
         </p:nvSpPr>
         <p:spPr>
           <a:xfrm>
-            <a:off x="2603897" y="2434167"/>
-            <a:ext cx="2185988" cy="5801784"/>
+            <a:off x="10184130" y="9493250"/>
+            <a:ext cx="8549640" cy="22626958"/>
           </a:xfrm>
         </p:spPr>
         <p:txBody>
@@ -1700,7 +1692,7 @@
             <a:pPr lvl="0"/>
             <a:r>
               <a:rPr lang="en-US" smtClean="0"/>
-              <a:t>Click to edit Master text styles</a:t>
+              <a:t>Edit Master text styles</a:t>
             </a:r>
           </a:p>
           <a:p>
@@ -1758,7 +1750,7 @@
                 </a:solidFill>
               </a:rPr>
               <a:pPr/>
-              <a:t>11/2/2018</a:t>
+              <a:t>11/7/2018</a:t>
             </a:fld>
             <a:endParaRPr lang="en-US">
               <a:solidFill>
@@ -1834,7 +1826,7 @@
     </p:spTree>
     <p:extLst>
       <p:ext uri="{BB962C8B-B14F-4D97-AF65-F5344CB8AC3E}">
-        <p14:creationId xmlns:p14="http://schemas.microsoft.com/office/powerpoint/2010/main" val="3037389503"/>
+        <p14:creationId xmlns:p14="http://schemas.microsoft.com/office/powerpoint/2010/main" val="2972679242"/>
       </p:ext>
     </p:extLst>
   </p:cSld>
@@ -1892,8 +1884,8 @@
         </p:nvSpPr>
         <p:spPr>
           <a:xfrm>
-            <a:off x="354285" y="486836"/>
-            <a:ext cx="4436269" cy="1767417"/>
+            <a:off x="1385650" y="1898658"/>
+            <a:ext cx="17350740" cy="6892928"/>
           </a:xfrm>
         </p:spPr>
         <p:txBody>
@@ -1920,8 +1912,8 @@
         </p:nvSpPr>
         <p:spPr>
           <a:xfrm>
-            <a:off x="354286" y="2241551"/>
-            <a:ext cx="2175941" cy="1098549"/>
+            <a:off x="1385652" y="8742048"/>
+            <a:ext cx="8510348" cy="4284342"/>
           </a:xfrm>
         </p:spPr>
         <p:txBody>
@@ -1929,46 +1921,46 @@
           <a:lstStyle>
             <a:lvl1pPr marL="0" indent="0">
               <a:buNone/>
-              <a:defRPr sz="1350" b="1"/>
+              <a:defRPr sz="5280" b="1"/>
             </a:lvl1pPr>
-            <a:lvl2pPr marL="257175" indent="0">
-              <a:buNone/>
-              <a:defRPr sz="1125" b="1"/>
+            <a:lvl2pPr marL="1005840" indent="0">
+              <a:buNone/>
+              <a:defRPr sz="4400" b="1"/>
             </a:lvl2pPr>
-            <a:lvl3pPr marL="514350" indent="0">
-              <a:buNone/>
-              <a:defRPr sz="1013" b="1"/>
+            <a:lvl3pPr marL="2011680" indent="0">
+              <a:buNone/>
+              <a:defRPr sz="3960" b="1"/>
             </a:lvl3pPr>
-            <a:lvl4pPr marL="771525" indent="0">
-              <a:buNone/>
-              <a:defRPr sz="900" b="1"/>
+            <a:lvl4pPr marL="3017520" indent="0">
+              <a:buNone/>
+              <a:defRPr sz="3520" b="1"/>
             </a:lvl4pPr>
-            <a:lvl5pPr marL="1028700" indent="0">
-              <a:buNone/>
-              <a:defRPr sz="900" b="1"/>
+            <a:lvl5pPr marL="4023360" indent="0">
+              <a:buNone/>
+              <a:defRPr sz="3520" b="1"/>
             </a:lvl5pPr>
-            <a:lvl6pPr marL="1285875" indent="0">
-              <a:buNone/>
-              <a:defRPr sz="900" b="1"/>
+            <a:lvl6pPr marL="5029200" indent="0">
+              <a:buNone/>
+              <a:defRPr sz="3520" b="1"/>
             </a:lvl6pPr>
-            <a:lvl7pPr marL="1543050" indent="0">
-              <a:buNone/>
-              <a:defRPr sz="900" b="1"/>
+            <a:lvl7pPr marL="6035040" indent="0">
+              <a:buNone/>
+              <a:defRPr sz="3520" b="1"/>
             </a:lvl7pPr>
-            <a:lvl8pPr marL="1800225" indent="0">
-              <a:buNone/>
-              <a:defRPr sz="900" b="1"/>
+            <a:lvl8pPr marL="7040880" indent="0">
+              <a:buNone/>
+              <a:defRPr sz="3520" b="1"/>
             </a:lvl8pPr>
-            <a:lvl9pPr marL="2057400" indent="0">
-              <a:buNone/>
-              <a:defRPr sz="900" b="1"/>
+            <a:lvl9pPr marL="8046720" indent="0">
+              <a:buNone/>
+              <a:defRPr sz="3520" b="1"/>
             </a:lvl9pPr>
           </a:lstStyle>
           <a:p>
             <a:pPr lvl="0"/>
             <a:r>
               <a:rPr lang="en-US" smtClean="0"/>
-              <a:t>Click to edit Master text styles</a:t>
+              <a:t>Edit Master text styles</a:t>
             </a:r>
           </a:p>
         </p:txBody>
@@ -1985,8 +1977,8 @@
         </p:nvSpPr>
         <p:spPr>
           <a:xfrm>
-            <a:off x="354286" y="3340100"/>
-            <a:ext cx="2175941" cy="4912784"/>
+            <a:off x="1385652" y="13026390"/>
+            <a:ext cx="8510348" cy="19159858"/>
           </a:xfrm>
         </p:spPr>
         <p:txBody>
@@ -1996,7 +1988,7 @@
             <a:pPr lvl="0"/>
             <a:r>
               <a:rPr lang="en-US" smtClean="0"/>
-              <a:t>Click to edit Master text styles</a:t>
+              <a:t>Edit Master text styles</a:t>
             </a:r>
           </a:p>
           <a:p>
@@ -2042,8 +2034,8 @@
         </p:nvSpPr>
         <p:spPr>
           <a:xfrm>
-            <a:off x="2603897" y="2241551"/>
-            <a:ext cx="2186657" cy="1098549"/>
+            <a:off x="10184131" y="8742048"/>
+            <a:ext cx="8552260" cy="4284342"/>
           </a:xfrm>
         </p:spPr>
         <p:txBody>
@@ -2051,46 +2043,46 @@
           <a:lstStyle>
             <a:lvl1pPr marL="0" indent="0">
               <a:buNone/>
-              <a:defRPr sz="1350" b="1"/>
+              <a:defRPr sz="5280" b="1"/>
             </a:lvl1pPr>
-            <a:lvl2pPr marL="257175" indent="0">
-              <a:buNone/>
-              <a:defRPr sz="1125" b="1"/>
+            <a:lvl2pPr marL="1005840" indent="0">
+              <a:buNone/>
+              <a:defRPr sz="4400" b="1"/>
             </a:lvl2pPr>
-            <a:lvl3pPr marL="514350" indent="0">
-              <a:buNone/>
-              <a:defRPr sz="1013" b="1"/>
+            <a:lvl3pPr marL="2011680" indent="0">
+              <a:buNone/>
+              <a:defRPr sz="3960" b="1"/>
             </a:lvl3pPr>
-            <a:lvl4pPr marL="771525" indent="0">
-              <a:buNone/>
-              <a:defRPr sz="900" b="1"/>
+            <a:lvl4pPr marL="3017520" indent="0">
+              <a:buNone/>
+              <a:defRPr sz="3520" b="1"/>
             </a:lvl4pPr>
-            <a:lvl5pPr marL="1028700" indent="0">
-              <a:buNone/>
-              <a:defRPr sz="900" b="1"/>
+            <a:lvl5pPr marL="4023360" indent="0">
+              <a:buNone/>
+              <a:defRPr sz="3520" b="1"/>
             </a:lvl5pPr>
-            <a:lvl6pPr marL="1285875" indent="0">
-              <a:buNone/>
-              <a:defRPr sz="900" b="1"/>
+            <a:lvl6pPr marL="5029200" indent="0">
+              <a:buNone/>
+              <a:defRPr sz="3520" b="1"/>
             </a:lvl6pPr>
-            <a:lvl7pPr marL="1543050" indent="0">
-              <a:buNone/>
-              <a:defRPr sz="900" b="1"/>
+            <a:lvl7pPr marL="6035040" indent="0">
+              <a:buNone/>
+              <a:defRPr sz="3520" b="1"/>
             </a:lvl7pPr>
-            <a:lvl8pPr marL="1800225" indent="0">
-              <a:buNone/>
-              <a:defRPr sz="900" b="1"/>
+            <a:lvl8pPr marL="7040880" indent="0">
+              <a:buNone/>
+              <a:defRPr sz="3520" b="1"/>
             </a:lvl8pPr>
-            <a:lvl9pPr marL="2057400" indent="0">
-              <a:buNone/>
-              <a:defRPr sz="900" b="1"/>
+            <a:lvl9pPr marL="8046720" indent="0">
+              <a:buNone/>
+              <a:defRPr sz="3520" b="1"/>
             </a:lvl9pPr>
           </a:lstStyle>
           <a:p>
             <a:pPr lvl="0"/>
             <a:r>
               <a:rPr lang="en-US" smtClean="0"/>
-              <a:t>Click to edit Master text styles</a:t>
+              <a:t>Edit Master text styles</a:t>
             </a:r>
           </a:p>
         </p:txBody>
@@ -2107,8 +2099,8 @@
         </p:nvSpPr>
         <p:spPr>
           <a:xfrm>
-            <a:off x="2603897" y="3340100"/>
-            <a:ext cx="2186657" cy="4912784"/>
+            <a:off x="10184131" y="13026390"/>
+            <a:ext cx="8552260" cy="19159858"/>
           </a:xfrm>
         </p:spPr>
         <p:txBody>
@@ -2118,7 +2110,7 @@
             <a:pPr lvl="0"/>
             <a:r>
               <a:rPr lang="en-US" smtClean="0"/>
-              <a:t>Click to edit Master text styles</a:t>
+              <a:t>Edit Master text styles</a:t>
             </a:r>
           </a:p>
           <a:p>
@@ -2176,7 +2168,7 @@
                 </a:solidFill>
               </a:rPr>
               <a:pPr/>
-              <a:t>11/2/2018</a:t>
+              <a:t>11/7/2018</a:t>
             </a:fld>
             <a:endParaRPr lang="en-US">
               <a:solidFill>
@@ -2252,7 +2244,7 @@
     </p:spTree>
     <p:extLst>
       <p:ext uri="{BB962C8B-B14F-4D97-AF65-F5344CB8AC3E}">
-        <p14:creationId xmlns:p14="http://schemas.microsoft.com/office/powerpoint/2010/main" val="4048208328"/>
+        <p14:creationId xmlns:p14="http://schemas.microsoft.com/office/powerpoint/2010/main" val="974643437"/>
       </p:ext>
     </p:extLst>
   </p:cSld>
@@ -2345,7 +2337,7 @@
                 </a:solidFill>
               </a:rPr>
               <a:pPr/>
-              <a:t>11/2/2018</a:t>
+              <a:t>11/7/2018</a:t>
             </a:fld>
             <a:endParaRPr lang="en-US">
               <a:solidFill>
@@ -2421,7 +2413,7 @@
     </p:spTree>
     <p:extLst>
       <p:ext uri="{BB962C8B-B14F-4D97-AF65-F5344CB8AC3E}">
-        <p14:creationId xmlns:p14="http://schemas.microsoft.com/office/powerpoint/2010/main" val="3260368312"/>
+        <p14:creationId xmlns:p14="http://schemas.microsoft.com/office/powerpoint/2010/main" val="205899230"/>
       </p:ext>
     </p:extLst>
   </p:cSld>
@@ -2491,7 +2483,7 @@
                 </a:solidFill>
               </a:rPr>
               <a:pPr/>
-              <a:t>11/2/2018</a:t>
+              <a:t>11/7/2018</a:t>
             </a:fld>
             <a:endParaRPr lang="en-US">
               <a:solidFill>
@@ -2567,7 +2559,7 @@
     </p:spTree>
     <p:extLst>
       <p:ext uri="{BB962C8B-B14F-4D97-AF65-F5344CB8AC3E}">
-        <p14:creationId xmlns:p14="http://schemas.microsoft.com/office/powerpoint/2010/main" val="1277766384"/>
+        <p14:creationId xmlns:p14="http://schemas.microsoft.com/office/powerpoint/2010/main" val="368694137"/>
       </p:ext>
     </p:extLst>
   </p:cSld>
@@ -2625,15 +2617,15 @@
         </p:nvSpPr>
         <p:spPr>
           <a:xfrm>
-            <a:off x="354285" y="609600"/>
-            <a:ext cx="1658913" cy="2133600"/>
+            <a:off x="1385650" y="2377440"/>
+            <a:ext cx="6488192" cy="8321040"/>
           </a:xfrm>
         </p:spPr>
         <p:txBody>
           <a:bodyPr anchor="b"/>
           <a:lstStyle>
             <a:lvl1pPr>
-              <a:defRPr sz="1800"/>
+              <a:defRPr sz="7040"/>
             </a:lvl1pPr>
           </a:lstStyle>
           <a:p>
@@ -2657,46 +2649,46 @@
         </p:nvSpPr>
         <p:spPr>
           <a:xfrm>
-            <a:off x="2186657" y="1316569"/>
-            <a:ext cx="2603897" cy="6498167"/>
+            <a:off x="8552260" y="5134618"/>
+            <a:ext cx="10184130" cy="25342850"/>
           </a:xfrm>
         </p:spPr>
         <p:txBody>
           <a:bodyPr/>
           <a:lstStyle>
             <a:lvl1pPr>
-              <a:defRPr sz="1800"/>
+              <a:defRPr sz="7040"/>
             </a:lvl1pPr>
             <a:lvl2pPr>
-              <a:defRPr sz="1575"/>
+              <a:defRPr sz="6160"/>
             </a:lvl2pPr>
             <a:lvl3pPr>
-              <a:defRPr sz="1350"/>
+              <a:defRPr sz="5280"/>
             </a:lvl3pPr>
             <a:lvl4pPr>
-              <a:defRPr sz="1125"/>
+              <a:defRPr sz="4400"/>
             </a:lvl4pPr>
             <a:lvl5pPr>
-              <a:defRPr sz="1125"/>
+              <a:defRPr sz="4400"/>
             </a:lvl5pPr>
             <a:lvl6pPr>
-              <a:defRPr sz="1125"/>
+              <a:defRPr sz="4400"/>
             </a:lvl6pPr>
             <a:lvl7pPr>
-              <a:defRPr sz="1125"/>
+              <a:defRPr sz="4400"/>
             </a:lvl7pPr>
             <a:lvl8pPr>
-              <a:defRPr sz="1125"/>
+              <a:defRPr sz="4400"/>
             </a:lvl8pPr>
             <a:lvl9pPr>
-              <a:defRPr sz="1125"/>
+              <a:defRPr sz="4400"/>
             </a:lvl9pPr>
           </a:lstStyle>
           <a:p>
             <a:pPr lvl="0"/>
             <a:r>
               <a:rPr lang="en-US" smtClean="0"/>
-              <a:t>Click to edit Master text styles</a:t>
+              <a:t>Edit Master text styles</a:t>
             </a:r>
           </a:p>
           <a:p>
@@ -2742,8 +2734,8 @@
         </p:nvSpPr>
         <p:spPr>
           <a:xfrm>
-            <a:off x="354285" y="2743200"/>
-            <a:ext cx="1658913" cy="5082117"/>
+            <a:off x="1385650" y="10698480"/>
+            <a:ext cx="6488192" cy="19820258"/>
           </a:xfrm>
         </p:spPr>
         <p:txBody>
@@ -2751,46 +2743,46 @@
           <a:lstStyle>
             <a:lvl1pPr marL="0" indent="0">
               <a:buNone/>
-              <a:defRPr sz="900"/>
+              <a:defRPr sz="3520"/>
             </a:lvl1pPr>
-            <a:lvl2pPr marL="257175" indent="0">
-              <a:buNone/>
-              <a:defRPr sz="788"/>
+            <a:lvl2pPr marL="1005840" indent="0">
+              <a:buNone/>
+              <a:defRPr sz="3080"/>
             </a:lvl2pPr>
-            <a:lvl3pPr marL="514350" indent="0">
-              <a:buNone/>
-              <a:defRPr sz="675"/>
+            <a:lvl3pPr marL="2011680" indent="0">
+              <a:buNone/>
+              <a:defRPr sz="2640"/>
             </a:lvl3pPr>
-            <a:lvl4pPr marL="771525" indent="0">
-              <a:buNone/>
-              <a:defRPr sz="563"/>
+            <a:lvl4pPr marL="3017520" indent="0">
+              <a:buNone/>
+              <a:defRPr sz="2200"/>
             </a:lvl4pPr>
-            <a:lvl5pPr marL="1028700" indent="0">
-              <a:buNone/>
-              <a:defRPr sz="563"/>
+            <a:lvl5pPr marL="4023360" indent="0">
+              <a:buNone/>
+              <a:defRPr sz="2200"/>
             </a:lvl5pPr>
-            <a:lvl6pPr marL="1285875" indent="0">
-              <a:buNone/>
-              <a:defRPr sz="563"/>
+            <a:lvl6pPr marL="5029200" indent="0">
+              <a:buNone/>
+              <a:defRPr sz="2200"/>
             </a:lvl6pPr>
-            <a:lvl7pPr marL="1543050" indent="0">
-              <a:buNone/>
-              <a:defRPr sz="563"/>
+            <a:lvl7pPr marL="6035040" indent="0">
+              <a:buNone/>
+              <a:defRPr sz="2200"/>
             </a:lvl7pPr>
-            <a:lvl8pPr marL="1800225" indent="0">
-              <a:buNone/>
-              <a:defRPr sz="563"/>
+            <a:lvl8pPr marL="7040880" indent="0">
+              <a:buNone/>
+              <a:defRPr sz="2200"/>
             </a:lvl8pPr>
-            <a:lvl9pPr marL="2057400" indent="0">
-              <a:buNone/>
-              <a:defRPr sz="563"/>
+            <a:lvl9pPr marL="8046720" indent="0">
+              <a:buNone/>
+              <a:defRPr sz="2200"/>
             </a:lvl9pPr>
           </a:lstStyle>
           <a:p>
             <a:pPr lvl="0"/>
             <a:r>
               <a:rPr lang="en-US" smtClean="0"/>
-              <a:t>Click to edit Master text styles</a:t>
+              <a:t>Edit Master text styles</a:t>
             </a:r>
           </a:p>
         </p:txBody>
@@ -2819,7 +2811,7 @@
                 </a:solidFill>
               </a:rPr>
               <a:pPr/>
-              <a:t>11/2/2018</a:t>
+              <a:t>11/7/2018</a:t>
             </a:fld>
             <a:endParaRPr lang="en-US">
               <a:solidFill>
@@ -2895,7 +2887,7 @@
     </p:spTree>
     <p:extLst>
       <p:ext uri="{BB962C8B-B14F-4D97-AF65-F5344CB8AC3E}">
-        <p14:creationId xmlns:p14="http://schemas.microsoft.com/office/powerpoint/2010/main" val="2059662361"/>
+        <p14:creationId xmlns:p14="http://schemas.microsoft.com/office/powerpoint/2010/main" val="1565447742"/>
       </p:ext>
     </p:extLst>
   </p:cSld>
@@ -2982,7 +2974,7 @@
             <a:pPr lvl="0"/>
             <a:r>
               <a:rPr lang="en-US" smtClean="0"/>
-              <a:t>Click to edit Master text styles</a:t>
+              <a:t>Edit Master text styles</a:t>
             </a:r>
           </a:p>
           <a:p>
@@ -3040,7 +3032,7 @@
                 </a:solidFill>
               </a:rPr>
               <a:pPr/>
-              <a:t>11/2/2018</a:t>
+              <a:t>11/7/2018</a:t>
             </a:fld>
             <a:endParaRPr lang="en-US">
               <a:solidFill>
@@ -3116,7 +3108,7 @@
     </p:spTree>
     <p:extLst>
       <p:ext uri="{BB962C8B-B14F-4D97-AF65-F5344CB8AC3E}">
-        <p14:creationId xmlns:p14="http://schemas.microsoft.com/office/powerpoint/2010/main" val="1232420703"/>
+        <p14:creationId xmlns:p14="http://schemas.microsoft.com/office/powerpoint/2010/main" val="1243747086"/>
       </p:ext>
     </p:extLst>
   </p:cSld>
@@ -3174,15 +3166,15 @@
         </p:nvSpPr>
         <p:spPr>
           <a:xfrm>
-            <a:off x="354285" y="609600"/>
-            <a:ext cx="1658913" cy="2133600"/>
+            <a:off x="1385650" y="2377440"/>
+            <a:ext cx="6488192" cy="8321040"/>
           </a:xfrm>
         </p:spPr>
         <p:txBody>
           <a:bodyPr anchor="b"/>
           <a:lstStyle>
             <a:lvl1pPr>
-              <a:defRPr sz="1800"/>
+              <a:defRPr sz="7040"/>
             </a:lvl1pPr>
           </a:lstStyle>
           <a:p>
@@ -3206,8 +3198,8 @@
         </p:nvSpPr>
         <p:spPr>
           <a:xfrm>
-            <a:off x="2186657" y="1316569"/>
-            <a:ext cx="2603897" cy="6498167"/>
+            <a:off x="8552260" y="5134618"/>
+            <a:ext cx="10184130" cy="25342850"/>
           </a:xfrm>
         </p:spPr>
         <p:txBody>
@@ -3215,39 +3207,39 @@
           <a:lstStyle>
             <a:lvl1pPr marL="0" indent="0">
               <a:buNone/>
-              <a:defRPr sz="1800"/>
+              <a:defRPr sz="7040"/>
             </a:lvl1pPr>
-            <a:lvl2pPr marL="257175" indent="0">
-              <a:buNone/>
-              <a:defRPr sz="1575"/>
+            <a:lvl2pPr marL="1005840" indent="0">
+              <a:buNone/>
+              <a:defRPr sz="6160"/>
             </a:lvl2pPr>
-            <a:lvl3pPr marL="514350" indent="0">
-              <a:buNone/>
-              <a:defRPr sz="1350"/>
+            <a:lvl3pPr marL="2011680" indent="0">
+              <a:buNone/>
+              <a:defRPr sz="5280"/>
             </a:lvl3pPr>
-            <a:lvl4pPr marL="771525" indent="0">
-              <a:buNone/>
-              <a:defRPr sz="1125"/>
+            <a:lvl4pPr marL="3017520" indent="0">
+              <a:buNone/>
+              <a:defRPr sz="4400"/>
             </a:lvl4pPr>
-            <a:lvl5pPr marL="1028700" indent="0">
-              <a:buNone/>
-              <a:defRPr sz="1125"/>
+            <a:lvl5pPr marL="4023360" indent="0">
+              <a:buNone/>
+              <a:defRPr sz="4400"/>
             </a:lvl5pPr>
-            <a:lvl6pPr marL="1285875" indent="0">
-              <a:buNone/>
-              <a:defRPr sz="1125"/>
+            <a:lvl6pPr marL="5029200" indent="0">
+              <a:buNone/>
+              <a:defRPr sz="4400"/>
             </a:lvl6pPr>
-            <a:lvl7pPr marL="1543050" indent="0">
-              <a:buNone/>
-              <a:defRPr sz="1125"/>
+            <a:lvl7pPr marL="6035040" indent="0">
+              <a:buNone/>
+              <a:defRPr sz="4400"/>
             </a:lvl7pPr>
-            <a:lvl8pPr marL="1800225" indent="0">
-              <a:buNone/>
-              <a:defRPr sz="1125"/>
+            <a:lvl8pPr marL="7040880" indent="0">
+              <a:buNone/>
+              <a:defRPr sz="4400"/>
             </a:lvl8pPr>
-            <a:lvl9pPr marL="2057400" indent="0">
-              <a:buNone/>
-              <a:defRPr sz="1125"/>
+            <a:lvl9pPr marL="8046720" indent="0">
+              <a:buNone/>
+              <a:defRPr sz="4400"/>
             </a:lvl9pPr>
           </a:lstStyle>
           <a:p>
@@ -3271,8 +3263,8 @@
         </p:nvSpPr>
         <p:spPr>
           <a:xfrm>
-            <a:off x="354285" y="2743200"/>
-            <a:ext cx="1658913" cy="5082117"/>
+            <a:off x="1385650" y="10698480"/>
+            <a:ext cx="6488192" cy="19820258"/>
           </a:xfrm>
         </p:spPr>
         <p:txBody>
@@ -3280,46 +3272,46 @@
           <a:lstStyle>
             <a:lvl1pPr marL="0" indent="0">
               <a:buNone/>
-              <a:defRPr sz="900"/>
+              <a:defRPr sz="3520"/>
             </a:lvl1pPr>
-            <a:lvl2pPr marL="257175" indent="0">
-              <a:buNone/>
-              <a:defRPr sz="788"/>
+            <a:lvl2pPr marL="1005840" indent="0">
+              <a:buNone/>
+              <a:defRPr sz="3080"/>
             </a:lvl2pPr>
-            <a:lvl3pPr marL="514350" indent="0">
-              <a:buNone/>
-              <a:defRPr sz="675"/>
+            <a:lvl3pPr marL="2011680" indent="0">
+              <a:buNone/>
+              <a:defRPr sz="2640"/>
             </a:lvl3pPr>
-            <a:lvl4pPr marL="771525" indent="0">
-              <a:buNone/>
-              <a:defRPr sz="563"/>
+            <a:lvl4pPr marL="3017520" indent="0">
+              <a:buNone/>
+              <a:defRPr sz="2200"/>
             </a:lvl4pPr>
-            <a:lvl5pPr marL="1028700" indent="0">
-              <a:buNone/>
-              <a:defRPr sz="563"/>
+            <a:lvl5pPr marL="4023360" indent="0">
+              <a:buNone/>
+              <a:defRPr sz="2200"/>
             </a:lvl5pPr>
-            <a:lvl6pPr marL="1285875" indent="0">
-              <a:buNone/>
-              <a:defRPr sz="563"/>
+            <a:lvl6pPr marL="5029200" indent="0">
+              <a:buNone/>
+              <a:defRPr sz="2200"/>
             </a:lvl6pPr>
-            <a:lvl7pPr marL="1543050" indent="0">
-              <a:buNone/>
-              <a:defRPr sz="563"/>
+            <a:lvl7pPr marL="6035040" indent="0">
+              <a:buNone/>
+              <a:defRPr sz="2200"/>
             </a:lvl7pPr>
-            <a:lvl8pPr marL="1800225" indent="0">
-              <a:buNone/>
-              <a:defRPr sz="563"/>
+            <a:lvl8pPr marL="7040880" indent="0">
+              <a:buNone/>
+              <a:defRPr sz="2200"/>
             </a:lvl8pPr>
-            <a:lvl9pPr marL="2057400" indent="0">
-              <a:buNone/>
-              <a:defRPr sz="563"/>
+            <a:lvl9pPr marL="8046720" indent="0">
+              <a:buNone/>
+              <a:defRPr sz="2200"/>
             </a:lvl9pPr>
           </a:lstStyle>
           <a:p>
             <a:pPr lvl="0"/>
             <a:r>
               <a:rPr lang="en-US" smtClean="0"/>
-              <a:t>Click to edit Master text styles</a:t>
+              <a:t>Edit Master text styles</a:t>
             </a:r>
           </a:p>
         </p:txBody>
@@ -3348,7 +3340,7 @@
                 </a:solidFill>
               </a:rPr>
               <a:pPr/>
-              <a:t>11/2/2018</a:t>
+              <a:t>11/7/2018</a:t>
             </a:fld>
             <a:endParaRPr lang="en-US">
               <a:solidFill>
@@ -3424,7 +3416,7 @@
     </p:spTree>
     <p:extLst>
       <p:ext uri="{BB962C8B-B14F-4D97-AF65-F5344CB8AC3E}">
-        <p14:creationId xmlns:p14="http://schemas.microsoft.com/office/powerpoint/2010/main" val="2923155768"/>
+        <p14:creationId xmlns:p14="http://schemas.microsoft.com/office/powerpoint/2010/main" val="3407373736"/>
       </p:ext>
     </p:extLst>
   </p:cSld>
@@ -3511,7 +3503,7 @@
             <a:pPr lvl="0"/>
             <a:r>
               <a:rPr lang="en-US" smtClean="0"/>
-              <a:t>Click to edit Master text styles</a:t>
+              <a:t>Edit Master text styles</a:t>
             </a:r>
           </a:p>
           <a:p>
@@ -3569,7 +3561,7 @@
                 </a:solidFill>
               </a:rPr>
               <a:pPr/>
-              <a:t>11/2/2018</a:t>
+              <a:t>11/7/2018</a:t>
             </a:fld>
             <a:endParaRPr lang="en-US">
               <a:solidFill>
@@ -3645,7 +3637,7 @@
     </p:spTree>
     <p:extLst>
       <p:ext uri="{BB962C8B-B14F-4D97-AF65-F5344CB8AC3E}">
-        <p14:creationId xmlns:p14="http://schemas.microsoft.com/office/powerpoint/2010/main" val="2180123778"/>
+        <p14:creationId xmlns:p14="http://schemas.microsoft.com/office/powerpoint/2010/main" val="868807606"/>
       </p:ext>
     </p:extLst>
   </p:cSld>
@@ -3703,8 +3695,8 @@
         </p:nvSpPr>
         <p:spPr>
           <a:xfrm>
-            <a:off x="3680818" y="486834"/>
-            <a:ext cx="1109067" cy="7749117"/>
+            <a:off x="14396086" y="1898650"/>
+            <a:ext cx="4337685" cy="30221558"/>
           </a:xfrm>
         </p:spPr>
         <p:txBody>
@@ -3731,8 +3723,8 @@
         </p:nvSpPr>
         <p:spPr>
           <a:xfrm>
-            <a:off x="353616" y="486834"/>
-            <a:ext cx="3262908" cy="7749117"/>
+            <a:off x="1383031" y="1898650"/>
+            <a:ext cx="12761595" cy="30221558"/>
           </a:xfrm>
         </p:spPr>
         <p:txBody>
@@ -3742,7 +3734,7 @@
             <a:pPr lvl="0"/>
             <a:r>
               <a:rPr lang="en-US" smtClean="0"/>
-              <a:t>Click to edit Master text styles</a:t>
+              <a:t>Edit Master text styles</a:t>
             </a:r>
           </a:p>
           <a:p>
@@ -3800,7 +3792,7 @@
                 </a:solidFill>
               </a:rPr>
               <a:pPr/>
-              <a:t>11/2/2018</a:t>
+              <a:t>11/7/2018</a:t>
             </a:fld>
             <a:endParaRPr lang="en-US">
               <a:solidFill>
@@ -3876,7 +3868,7 @@
     </p:spTree>
     <p:extLst>
       <p:ext uri="{BB962C8B-B14F-4D97-AF65-F5344CB8AC3E}">
-        <p14:creationId xmlns:p14="http://schemas.microsoft.com/office/powerpoint/2010/main" val="3496257612"/>
+        <p14:creationId xmlns:p14="http://schemas.microsoft.com/office/powerpoint/2010/main" val="4033047099"/>
       </p:ext>
     </p:extLst>
   </p:cSld>
@@ -3934,15 +3926,15 @@
         </p:nvSpPr>
         <p:spPr>
           <a:xfrm>
-            <a:off x="350937" y="2279653"/>
-            <a:ext cx="4436269" cy="3803649"/>
+            <a:off x="1372554" y="8890646"/>
+            <a:ext cx="17350740" cy="14834232"/>
           </a:xfrm>
         </p:spPr>
         <p:txBody>
           <a:bodyPr anchor="b"/>
           <a:lstStyle>
             <a:lvl1pPr>
-              <a:defRPr sz="3375"/>
+              <a:defRPr sz="13200"/>
             </a:lvl1pPr>
           </a:lstStyle>
           <a:p>
@@ -3966,8 +3958,8 @@
         </p:nvSpPr>
         <p:spPr>
           <a:xfrm>
-            <a:off x="350937" y="6119286"/>
-            <a:ext cx="4436269" cy="2000249"/>
+            <a:off x="1372554" y="23865216"/>
+            <a:ext cx="17350740" cy="7800972"/>
           </a:xfrm>
         </p:spPr>
         <p:txBody>
@@ -3975,15 +3967,15 @@
           <a:lstStyle>
             <a:lvl1pPr marL="0" indent="0">
               <a:buNone/>
-              <a:defRPr sz="1350">
+              <a:defRPr sz="5280">
                 <a:solidFill>
                   <a:schemeClr val="tx1"/>
                 </a:solidFill>
               </a:defRPr>
             </a:lvl1pPr>
-            <a:lvl2pPr marL="257175" indent="0">
-              <a:buNone/>
-              <a:defRPr sz="1125">
+            <a:lvl2pPr marL="1005840" indent="0">
+              <a:buNone/>
+              <a:defRPr sz="4400">
                 <a:solidFill>
                   <a:schemeClr val="tx1">
                     <a:tint val="75000"/>
@@ -3991,9 +3983,9 @@
                 </a:solidFill>
               </a:defRPr>
             </a:lvl2pPr>
-            <a:lvl3pPr marL="514350" indent="0">
-              <a:buNone/>
-              <a:defRPr sz="1013">
+            <a:lvl3pPr marL="2011680" indent="0">
+              <a:buNone/>
+              <a:defRPr sz="3960">
                 <a:solidFill>
                   <a:schemeClr val="tx1">
                     <a:tint val="75000"/>
@@ -4001,9 +3993,9 @@
                 </a:solidFill>
               </a:defRPr>
             </a:lvl3pPr>
-            <a:lvl4pPr marL="771525" indent="0">
-              <a:buNone/>
-              <a:defRPr sz="900">
+            <a:lvl4pPr marL="3017520" indent="0">
+              <a:buNone/>
+              <a:defRPr sz="3520">
                 <a:solidFill>
                   <a:schemeClr val="tx1">
                     <a:tint val="75000"/>
@@ -4011,9 +4003,9 @@
                 </a:solidFill>
               </a:defRPr>
             </a:lvl4pPr>
-            <a:lvl5pPr marL="1028700" indent="0">
-              <a:buNone/>
-              <a:defRPr sz="900">
+            <a:lvl5pPr marL="4023360" indent="0">
+              <a:buNone/>
+              <a:defRPr sz="3520">
                 <a:solidFill>
                   <a:schemeClr val="tx1">
                     <a:tint val="75000"/>
@@ -4021,9 +4013,9 @@
                 </a:solidFill>
               </a:defRPr>
             </a:lvl5pPr>
-            <a:lvl6pPr marL="1285875" indent="0">
-              <a:buNone/>
-              <a:defRPr sz="900">
+            <a:lvl6pPr marL="5029200" indent="0">
+              <a:buNone/>
+              <a:defRPr sz="3520">
                 <a:solidFill>
                   <a:schemeClr val="tx1">
                     <a:tint val="75000"/>
@@ -4031,9 +4023,9 @@
                 </a:solidFill>
               </a:defRPr>
             </a:lvl6pPr>
-            <a:lvl7pPr marL="1543050" indent="0">
-              <a:buNone/>
-              <a:defRPr sz="900">
+            <a:lvl7pPr marL="6035040" indent="0">
+              <a:buNone/>
+              <a:defRPr sz="3520">
                 <a:solidFill>
                   <a:schemeClr val="tx1">
                     <a:tint val="75000"/>
@@ -4041,9 +4033,9 @@
                 </a:solidFill>
               </a:defRPr>
             </a:lvl7pPr>
-            <a:lvl8pPr marL="1800225" indent="0">
-              <a:buNone/>
-              <a:defRPr sz="900">
+            <a:lvl8pPr marL="7040880" indent="0">
+              <a:buNone/>
+              <a:defRPr sz="3520">
                 <a:solidFill>
                   <a:schemeClr val="tx1">
                     <a:tint val="75000"/>
@@ -4051,9 +4043,9 @@
                 </a:solidFill>
               </a:defRPr>
             </a:lvl8pPr>
-            <a:lvl9pPr marL="2057400" indent="0">
-              <a:buNone/>
-              <a:defRPr sz="900">
+            <a:lvl9pPr marL="8046720" indent="0">
+              <a:buNone/>
+              <a:defRPr sz="3520">
                 <a:solidFill>
                   <a:schemeClr val="tx1">
                     <a:tint val="75000"/>
@@ -4066,7 +4058,7 @@
             <a:pPr lvl="0"/>
             <a:r>
               <a:rPr lang="en-US" smtClean="0"/>
-              <a:t>Click to edit Master text styles</a:t>
+              <a:t>Edit Master text styles</a:t>
             </a:r>
           </a:p>
         </p:txBody>
@@ -4095,7 +4087,7 @@
                 </a:solidFill>
               </a:rPr>
               <a:pPr/>
-              <a:t>11/2/2018</a:t>
+              <a:t>11/7/2018</a:t>
             </a:fld>
             <a:endParaRPr lang="en-US">
               <a:solidFill>
@@ -4171,7 +4163,7 @@
     </p:spTree>
     <p:extLst>
       <p:ext uri="{BB962C8B-B14F-4D97-AF65-F5344CB8AC3E}">
-        <p14:creationId xmlns:p14="http://schemas.microsoft.com/office/powerpoint/2010/main" val="2219084061"/>
+        <p14:creationId xmlns:p14="http://schemas.microsoft.com/office/powerpoint/2010/main" val="2482724468"/>
       </p:ext>
     </p:extLst>
   </p:cSld>
@@ -4252,8 +4244,8 @@
         </p:nvSpPr>
         <p:spPr>
           <a:xfrm>
-            <a:off x="353615" y="2434167"/>
-            <a:ext cx="2185988" cy="5801784"/>
+            <a:off x="1383030" y="9493250"/>
+            <a:ext cx="8549640" cy="22626958"/>
           </a:xfrm>
         </p:spPr>
         <p:txBody>
@@ -4263,7 +4255,7 @@
             <a:pPr lvl="0"/>
             <a:r>
               <a:rPr lang="en-US" smtClean="0"/>
-              <a:t>Click to edit Master text styles</a:t>
+              <a:t>Edit Master text styles</a:t>
             </a:r>
           </a:p>
           <a:p>
@@ -4309,8 +4301,8 @@
         </p:nvSpPr>
         <p:spPr>
           <a:xfrm>
-            <a:off x="2603897" y="2434167"/>
-            <a:ext cx="2185988" cy="5801784"/>
+            <a:off x="10184130" y="9493250"/>
+            <a:ext cx="8549640" cy="22626958"/>
           </a:xfrm>
         </p:spPr>
         <p:txBody>
@@ -4320,7 +4312,7 @@
             <a:pPr lvl="0"/>
             <a:r>
               <a:rPr lang="en-US" smtClean="0"/>
-              <a:t>Click to edit Master text styles</a:t>
+              <a:t>Edit Master text styles</a:t>
             </a:r>
           </a:p>
           <a:p>
@@ -4378,7 +4370,7 @@
                 </a:solidFill>
               </a:rPr>
               <a:pPr/>
-              <a:t>11/2/2018</a:t>
+              <a:t>11/7/2018</a:t>
             </a:fld>
             <a:endParaRPr lang="en-US">
               <a:solidFill>
@@ -4454,7 +4446,7 @@
     </p:spTree>
     <p:extLst>
       <p:ext uri="{BB962C8B-B14F-4D97-AF65-F5344CB8AC3E}">
-        <p14:creationId xmlns:p14="http://schemas.microsoft.com/office/powerpoint/2010/main" val="1820447002"/>
+        <p14:creationId xmlns:p14="http://schemas.microsoft.com/office/powerpoint/2010/main" val="3429851366"/>
       </p:ext>
     </p:extLst>
   </p:cSld>
@@ -4512,8 +4504,8 @@
         </p:nvSpPr>
         <p:spPr>
           <a:xfrm>
-            <a:off x="354285" y="486836"/>
-            <a:ext cx="4436269" cy="1767417"/>
+            <a:off x="1385650" y="1898658"/>
+            <a:ext cx="17350740" cy="6892928"/>
           </a:xfrm>
         </p:spPr>
         <p:txBody>
@@ -4540,8 +4532,8 @@
         </p:nvSpPr>
         <p:spPr>
           <a:xfrm>
-            <a:off x="354286" y="2241551"/>
-            <a:ext cx="2175941" cy="1098549"/>
+            <a:off x="1385652" y="8742048"/>
+            <a:ext cx="8510348" cy="4284342"/>
           </a:xfrm>
         </p:spPr>
         <p:txBody>
@@ -4549,46 +4541,46 @@
           <a:lstStyle>
             <a:lvl1pPr marL="0" indent="0">
               <a:buNone/>
-              <a:defRPr sz="1350" b="1"/>
+              <a:defRPr sz="5280" b="1"/>
             </a:lvl1pPr>
-            <a:lvl2pPr marL="257175" indent="0">
-              <a:buNone/>
-              <a:defRPr sz="1125" b="1"/>
+            <a:lvl2pPr marL="1005840" indent="0">
+              <a:buNone/>
+              <a:defRPr sz="4400" b="1"/>
             </a:lvl2pPr>
-            <a:lvl3pPr marL="514350" indent="0">
-              <a:buNone/>
-              <a:defRPr sz="1013" b="1"/>
+            <a:lvl3pPr marL="2011680" indent="0">
+              <a:buNone/>
+              <a:defRPr sz="3960" b="1"/>
             </a:lvl3pPr>
-            <a:lvl4pPr marL="771525" indent="0">
-              <a:buNone/>
-              <a:defRPr sz="900" b="1"/>
+            <a:lvl4pPr marL="3017520" indent="0">
+              <a:buNone/>
+              <a:defRPr sz="3520" b="1"/>
             </a:lvl4pPr>
-            <a:lvl5pPr marL="1028700" indent="0">
-              <a:buNone/>
-              <a:defRPr sz="900" b="1"/>
+            <a:lvl5pPr marL="4023360" indent="0">
+              <a:buNone/>
+              <a:defRPr sz="3520" b="1"/>
             </a:lvl5pPr>
-            <a:lvl6pPr marL="1285875" indent="0">
-              <a:buNone/>
-              <a:defRPr sz="900" b="1"/>
+            <a:lvl6pPr marL="5029200" indent="0">
+              <a:buNone/>
+              <a:defRPr sz="3520" b="1"/>
             </a:lvl6pPr>
-            <a:lvl7pPr marL="1543050" indent="0">
-              <a:buNone/>
-              <a:defRPr sz="900" b="1"/>
+            <a:lvl7pPr marL="6035040" indent="0">
+              <a:buNone/>
+              <a:defRPr sz="3520" b="1"/>
             </a:lvl7pPr>
-            <a:lvl8pPr marL="1800225" indent="0">
-              <a:buNone/>
-              <a:defRPr sz="900" b="1"/>
+            <a:lvl8pPr marL="7040880" indent="0">
+              <a:buNone/>
+              <a:defRPr sz="3520" b="1"/>
             </a:lvl8pPr>
-            <a:lvl9pPr marL="2057400" indent="0">
-              <a:buNone/>
-              <a:defRPr sz="900" b="1"/>
+            <a:lvl9pPr marL="8046720" indent="0">
+              <a:buNone/>
+              <a:defRPr sz="3520" b="1"/>
             </a:lvl9pPr>
           </a:lstStyle>
           <a:p>
             <a:pPr lvl="0"/>
             <a:r>
               <a:rPr lang="en-US" smtClean="0"/>
-              <a:t>Click to edit Master text styles</a:t>
+              <a:t>Edit Master text styles</a:t>
             </a:r>
           </a:p>
         </p:txBody>
@@ -4605,8 +4597,8 @@
         </p:nvSpPr>
         <p:spPr>
           <a:xfrm>
-            <a:off x="354286" y="3340100"/>
-            <a:ext cx="2175941" cy="4912784"/>
+            <a:off x="1385652" y="13026390"/>
+            <a:ext cx="8510348" cy="19159858"/>
           </a:xfrm>
         </p:spPr>
         <p:txBody>
@@ -4616,7 +4608,7 @@
             <a:pPr lvl="0"/>
             <a:r>
               <a:rPr lang="en-US" smtClean="0"/>
-              <a:t>Click to edit Master text styles</a:t>
+              <a:t>Edit Master text styles</a:t>
             </a:r>
           </a:p>
           <a:p>
@@ -4662,8 +4654,8 @@
         </p:nvSpPr>
         <p:spPr>
           <a:xfrm>
-            <a:off x="2603897" y="2241551"/>
-            <a:ext cx="2186657" cy="1098549"/>
+            <a:off x="10184131" y="8742048"/>
+            <a:ext cx="8552260" cy="4284342"/>
           </a:xfrm>
         </p:spPr>
         <p:txBody>
@@ -4671,46 +4663,46 @@
           <a:lstStyle>
             <a:lvl1pPr marL="0" indent="0">
               <a:buNone/>
-              <a:defRPr sz="1350" b="1"/>
+              <a:defRPr sz="5280" b="1"/>
             </a:lvl1pPr>
-            <a:lvl2pPr marL="257175" indent="0">
-              <a:buNone/>
-              <a:defRPr sz="1125" b="1"/>
+            <a:lvl2pPr marL="1005840" indent="0">
+              <a:buNone/>
+              <a:defRPr sz="4400" b="1"/>
             </a:lvl2pPr>
-            <a:lvl3pPr marL="514350" indent="0">
-              <a:buNone/>
-              <a:defRPr sz="1013" b="1"/>
+            <a:lvl3pPr marL="2011680" indent="0">
+              <a:buNone/>
+              <a:defRPr sz="3960" b="1"/>
             </a:lvl3pPr>
-            <a:lvl4pPr marL="771525" indent="0">
-              <a:buNone/>
-              <a:defRPr sz="900" b="1"/>
+            <a:lvl4pPr marL="3017520" indent="0">
+              <a:buNone/>
+              <a:defRPr sz="3520" b="1"/>
             </a:lvl4pPr>
-            <a:lvl5pPr marL="1028700" indent="0">
-              <a:buNone/>
-              <a:defRPr sz="900" b="1"/>
+            <a:lvl5pPr marL="4023360" indent="0">
+              <a:buNone/>
+              <a:defRPr sz="3520" b="1"/>
             </a:lvl5pPr>
-            <a:lvl6pPr marL="1285875" indent="0">
-              <a:buNone/>
-              <a:defRPr sz="900" b="1"/>
+            <a:lvl6pPr marL="5029200" indent="0">
+              <a:buNone/>
+              <a:defRPr sz="3520" b="1"/>
             </a:lvl6pPr>
-            <a:lvl7pPr marL="1543050" indent="0">
-              <a:buNone/>
-              <a:defRPr sz="900" b="1"/>
+            <a:lvl7pPr marL="6035040" indent="0">
+              <a:buNone/>
+              <a:defRPr sz="3520" b="1"/>
             </a:lvl7pPr>
-            <a:lvl8pPr marL="1800225" indent="0">
-              <a:buNone/>
-              <a:defRPr sz="900" b="1"/>
+            <a:lvl8pPr marL="7040880" indent="0">
+              <a:buNone/>
+              <a:defRPr sz="3520" b="1"/>
             </a:lvl8pPr>
-            <a:lvl9pPr marL="2057400" indent="0">
-              <a:buNone/>
-              <a:defRPr sz="900" b="1"/>
+            <a:lvl9pPr marL="8046720" indent="0">
+              <a:buNone/>
+              <a:defRPr sz="3520" b="1"/>
             </a:lvl9pPr>
           </a:lstStyle>
           <a:p>
             <a:pPr lvl="0"/>
             <a:r>
               <a:rPr lang="en-US" smtClean="0"/>
-              <a:t>Click to edit Master text styles</a:t>
+              <a:t>Edit Master text styles</a:t>
             </a:r>
           </a:p>
         </p:txBody>
@@ -4727,8 +4719,8 @@
         </p:nvSpPr>
         <p:spPr>
           <a:xfrm>
-            <a:off x="2603897" y="3340100"/>
-            <a:ext cx="2186657" cy="4912784"/>
+            <a:off x="10184131" y="13026390"/>
+            <a:ext cx="8552260" cy="19159858"/>
           </a:xfrm>
         </p:spPr>
         <p:txBody>
@@ -4738,7 +4730,7 @@
             <a:pPr lvl="0"/>
             <a:r>
               <a:rPr lang="en-US" smtClean="0"/>
-              <a:t>Click to edit Master text styles</a:t>
+              <a:t>Edit Master text styles</a:t>
             </a:r>
           </a:p>
           <a:p>
@@ -4796,7 +4788,7 @@
                 </a:solidFill>
               </a:rPr>
               <a:pPr/>
-              <a:t>11/2/2018</a:t>
+              <a:t>11/7/2018</a:t>
             </a:fld>
             <a:endParaRPr lang="en-US">
               <a:solidFill>
@@ -4872,7 +4864,7 @@
     </p:spTree>
     <p:extLst>
       <p:ext uri="{BB962C8B-B14F-4D97-AF65-F5344CB8AC3E}">
-        <p14:creationId xmlns:p14="http://schemas.microsoft.com/office/powerpoint/2010/main" val="2540467972"/>
+        <p14:creationId xmlns:p14="http://schemas.microsoft.com/office/powerpoint/2010/main" val="2926683498"/>
       </p:ext>
     </p:extLst>
   </p:cSld>
@@ -4965,7 +4957,7 @@
                 </a:solidFill>
               </a:rPr>
               <a:pPr/>
-              <a:t>11/2/2018</a:t>
+              <a:t>11/7/2018</a:t>
             </a:fld>
             <a:endParaRPr lang="en-US">
               <a:solidFill>
@@ -5041,7 +5033,7 @@
     </p:spTree>
     <p:extLst>
       <p:ext uri="{BB962C8B-B14F-4D97-AF65-F5344CB8AC3E}">
-        <p14:creationId xmlns:p14="http://schemas.microsoft.com/office/powerpoint/2010/main" val="450904891"/>
+        <p14:creationId xmlns:p14="http://schemas.microsoft.com/office/powerpoint/2010/main" val="808447776"/>
       </p:ext>
     </p:extLst>
   </p:cSld>
@@ -5111,7 +5103,7 @@
                 </a:solidFill>
               </a:rPr>
               <a:pPr/>
-              <a:t>11/2/2018</a:t>
+              <a:t>11/7/2018</a:t>
             </a:fld>
             <a:endParaRPr lang="en-US">
               <a:solidFill>
@@ -5187,7 +5179,7 @@
     </p:spTree>
     <p:extLst>
       <p:ext uri="{BB962C8B-B14F-4D97-AF65-F5344CB8AC3E}">
-        <p14:creationId xmlns:p14="http://schemas.microsoft.com/office/powerpoint/2010/main" val="1629854292"/>
+        <p14:creationId xmlns:p14="http://schemas.microsoft.com/office/powerpoint/2010/main" val="336651525"/>
       </p:ext>
     </p:extLst>
   </p:cSld>
@@ -5245,15 +5237,15 @@
         </p:nvSpPr>
         <p:spPr>
           <a:xfrm>
-            <a:off x="354285" y="609600"/>
-            <a:ext cx="1658913" cy="2133600"/>
+            <a:off x="1385650" y="2377440"/>
+            <a:ext cx="6488192" cy="8321040"/>
           </a:xfrm>
         </p:spPr>
         <p:txBody>
           <a:bodyPr anchor="b"/>
           <a:lstStyle>
             <a:lvl1pPr>
-              <a:defRPr sz="1800"/>
+              <a:defRPr sz="7040"/>
             </a:lvl1pPr>
           </a:lstStyle>
           <a:p>
@@ -5277,46 +5269,46 @@
         </p:nvSpPr>
         <p:spPr>
           <a:xfrm>
-            <a:off x="2186657" y="1316569"/>
-            <a:ext cx="2603897" cy="6498167"/>
+            <a:off x="8552260" y="5134618"/>
+            <a:ext cx="10184130" cy="25342850"/>
           </a:xfrm>
         </p:spPr>
         <p:txBody>
           <a:bodyPr/>
           <a:lstStyle>
             <a:lvl1pPr>
-              <a:defRPr sz="1800"/>
+              <a:defRPr sz="7040"/>
             </a:lvl1pPr>
             <a:lvl2pPr>
-              <a:defRPr sz="1575"/>
+              <a:defRPr sz="6160"/>
             </a:lvl2pPr>
             <a:lvl3pPr>
-              <a:defRPr sz="1350"/>
+              <a:defRPr sz="5280"/>
             </a:lvl3pPr>
             <a:lvl4pPr>
-              <a:defRPr sz="1125"/>
+              <a:defRPr sz="4400"/>
             </a:lvl4pPr>
             <a:lvl5pPr>
-              <a:defRPr sz="1125"/>
+              <a:defRPr sz="4400"/>
             </a:lvl5pPr>
             <a:lvl6pPr>
-              <a:defRPr sz="1125"/>
+              <a:defRPr sz="4400"/>
             </a:lvl6pPr>
             <a:lvl7pPr>
-              <a:defRPr sz="1125"/>
+              <a:defRPr sz="4400"/>
             </a:lvl7pPr>
             <a:lvl8pPr>
-              <a:defRPr sz="1125"/>
+              <a:defRPr sz="4400"/>
             </a:lvl8pPr>
             <a:lvl9pPr>
-              <a:defRPr sz="1125"/>
+              <a:defRPr sz="4400"/>
             </a:lvl9pPr>
           </a:lstStyle>
           <a:p>
             <a:pPr lvl="0"/>
             <a:r>
               <a:rPr lang="en-US" smtClean="0"/>
-              <a:t>Click to edit Master text styles</a:t>
+              <a:t>Edit Master text styles</a:t>
             </a:r>
           </a:p>
           <a:p>
@@ -5362,8 +5354,8 @@
         </p:nvSpPr>
         <p:spPr>
           <a:xfrm>
-            <a:off x="354285" y="2743200"/>
-            <a:ext cx="1658913" cy="5082117"/>
+            <a:off x="1385650" y="10698480"/>
+            <a:ext cx="6488192" cy="19820258"/>
           </a:xfrm>
         </p:spPr>
         <p:txBody>
@@ -5371,46 +5363,46 @@
           <a:lstStyle>
             <a:lvl1pPr marL="0" indent="0">
               <a:buNone/>
-              <a:defRPr sz="900"/>
+              <a:defRPr sz="3520"/>
             </a:lvl1pPr>
-            <a:lvl2pPr marL="257175" indent="0">
-              <a:buNone/>
-              <a:defRPr sz="788"/>
+            <a:lvl2pPr marL="1005840" indent="0">
+              <a:buNone/>
+              <a:defRPr sz="3080"/>
             </a:lvl2pPr>
-            <a:lvl3pPr marL="514350" indent="0">
-              <a:buNone/>
-              <a:defRPr sz="675"/>
+            <a:lvl3pPr marL="2011680" indent="0">
+              <a:buNone/>
+              <a:defRPr sz="2640"/>
             </a:lvl3pPr>
-            <a:lvl4pPr marL="771525" indent="0">
-              <a:buNone/>
-              <a:defRPr sz="563"/>
+            <a:lvl4pPr marL="3017520" indent="0">
+              <a:buNone/>
+              <a:defRPr sz="2200"/>
             </a:lvl4pPr>
-            <a:lvl5pPr marL="1028700" indent="0">
-              <a:buNone/>
-              <a:defRPr sz="563"/>
+            <a:lvl5pPr marL="4023360" indent="0">
+              <a:buNone/>
+              <a:defRPr sz="2200"/>
             </a:lvl5pPr>
-            <a:lvl6pPr marL="1285875" indent="0">
-              <a:buNone/>
-              <a:defRPr sz="563"/>
+            <a:lvl6pPr marL="5029200" indent="0">
+              <a:buNone/>
+              <a:defRPr sz="2200"/>
             </a:lvl6pPr>
-            <a:lvl7pPr marL="1543050" indent="0">
-              <a:buNone/>
-              <a:defRPr sz="563"/>
+            <a:lvl7pPr marL="6035040" indent="0">
+              <a:buNone/>
+              <a:defRPr sz="2200"/>
             </a:lvl7pPr>
-            <a:lvl8pPr marL="1800225" indent="0">
-              <a:buNone/>
-              <a:defRPr sz="563"/>
+            <a:lvl8pPr marL="7040880" indent="0">
+              <a:buNone/>
+              <a:defRPr sz="2200"/>
             </a:lvl8pPr>
-            <a:lvl9pPr marL="2057400" indent="0">
-              <a:buNone/>
-              <a:defRPr sz="563"/>
+            <a:lvl9pPr marL="8046720" indent="0">
+              <a:buNone/>
+              <a:defRPr sz="2200"/>
             </a:lvl9pPr>
           </a:lstStyle>
           <a:p>
             <a:pPr lvl="0"/>
             <a:r>
               <a:rPr lang="en-US" smtClean="0"/>
-              <a:t>Click to edit Master text styles</a:t>
+              <a:t>Edit Master text styles</a:t>
             </a:r>
           </a:p>
         </p:txBody>
@@ -5439,7 +5431,7 @@
                 </a:solidFill>
               </a:rPr>
               <a:pPr/>
-              <a:t>11/2/2018</a:t>
+              <a:t>11/7/2018</a:t>
             </a:fld>
             <a:endParaRPr lang="en-US">
               <a:solidFill>
@@ -5515,7 +5507,7 @@
     </p:spTree>
     <p:extLst>
       <p:ext uri="{BB962C8B-B14F-4D97-AF65-F5344CB8AC3E}">
-        <p14:creationId xmlns:p14="http://schemas.microsoft.com/office/powerpoint/2010/main" val="3304495901"/>
+        <p14:creationId xmlns:p14="http://schemas.microsoft.com/office/powerpoint/2010/main" val="3549837839"/>
       </p:ext>
     </p:extLst>
   </p:cSld>
@@ -5573,15 +5565,15 @@
         </p:nvSpPr>
         <p:spPr>
           <a:xfrm>
-            <a:off x="354285" y="609600"/>
-            <a:ext cx="1658913" cy="2133600"/>
+            <a:off x="1385650" y="2377440"/>
+            <a:ext cx="6488192" cy="8321040"/>
           </a:xfrm>
         </p:spPr>
         <p:txBody>
           <a:bodyPr anchor="b"/>
           <a:lstStyle>
             <a:lvl1pPr>
-              <a:defRPr sz="1800"/>
+              <a:defRPr sz="7040"/>
             </a:lvl1pPr>
           </a:lstStyle>
           <a:p>
@@ -5605,8 +5597,8 @@
         </p:nvSpPr>
         <p:spPr>
           <a:xfrm>
-            <a:off x="2186657" y="1316569"/>
-            <a:ext cx="2603897" cy="6498167"/>
+            <a:off x="8552260" y="5134618"/>
+            <a:ext cx="10184130" cy="25342850"/>
           </a:xfrm>
         </p:spPr>
         <p:txBody>
@@ -5614,39 +5606,39 @@
           <a:lstStyle>
             <a:lvl1pPr marL="0" indent="0">
               <a:buNone/>
-              <a:defRPr sz="1800"/>
+              <a:defRPr sz="7040"/>
             </a:lvl1pPr>
-            <a:lvl2pPr marL="257175" indent="0">
-              <a:buNone/>
-              <a:defRPr sz="1575"/>
+            <a:lvl2pPr marL="1005840" indent="0">
+              <a:buNone/>
+              <a:defRPr sz="6160"/>
             </a:lvl2pPr>
-            <a:lvl3pPr marL="514350" indent="0">
-              <a:buNone/>
-              <a:defRPr sz="1350"/>
+            <a:lvl3pPr marL="2011680" indent="0">
+              <a:buNone/>
+              <a:defRPr sz="5280"/>
             </a:lvl3pPr>
-            <a:lvl4pPr marL="771525" indent="0">
-              <a:buNone/>
-              <a:defRPr sz="1125"/>
+            <a:lvl4pPr marL="3017520" indent="0">
+              <a:buNone/>
+              <a:defRPr sz="4400"/>
             </a:lvl4pPr>
-            <a:lvl5pPr marL="1028700" indent="0">
-              <a:buNone/>
-              <a:defRPr sz="1125"/>
+            <a:lvl5pPr marL="4023360" indent="0">
+              <a:buNone/>
+              <a:defRPr sz="4400"/>
             </a:lvl5pPr>
-            <a:lvl6pPr marL="1285875" indent="0">
-              <a:buNone/>
-              <a:defRPr sz="1125"/>
+            <a:lvl6pPr marL="5029200" indent="0">
+              <a:buNone/>
+              <a:defRPr sz="4400"/>
             </a:lvl6pPr>
-            <a:lvl7pPr marL="1543050" indent="0">
-              <a:buNone/>
-              <a:defRPr sz="1125"/>
+            <a:lvl7pPr marL="6035040" indent="0">
+              <a:buNone/>
+              <a:defRPr sz="4400"/>
             </a:lvl7pPr>
-            <a:lvl8pPr marL="1800225" indent="0">
-              <a:buNone/>
-              <a:defRPr sz="1125"/>
+            <a:lvl8pPr marL="7040880" indent="0">
+              <a:buNone/>
+              <a:defRPr sz="4400"/>
             </a:lvl8pPr>
-            <a:lvl9pPr marL="2057400" indent="0">
-              <a:buNone/>
-              <a:defRPr sz="1125"/>
+            <a:lvl9pPr marL="8046720" indent="0">
+              <a:buNone/>
+              <a:defRPr sz="4400"/>
             </a:lvl9pPr>
           </a:lstStyle>
           <a:p>
@@ -5670,8 +5662,8 @@
         </p:nvSpPr>
         <p:spPr>
           <a:xfrm>
-            <a:off x="354285" y="2743200"/>
-            <a:ext cx="1658913" cy="5082117"/>
+            <a:off x="1385650" y="10698480"/>
+            <a:ext cx="6488192" cy="19820258"/>
           </a:xfrm>
         </p:spPr>
         <p:txBody>
@@ -5679,46 +5671,46 @@
           <a:lstStyle>
             <a:lvl1pPr marL="0" indent="0">
               <a:buNone/>
-              <a:defRPr sz="900"/>
+              <a:defRPr sz="3520"/>
             </a:lvl1pPr>
-            <a:lvl2pPr marL="257175" indent="0">
-              <a:buNone/>
-              <a:defRPr sz="788"/>
+            <a:lvl2pPr marL="1005840" indent="0">
+              <a:buNone/>
+              <a:defRPr sz="3080"/>
             </a:lvl2pPr>
-            <a:lvl3pPr marL="514350" indent="0">
-              <a:buNone/>
-              <a:defRPr sz="675"/>
+            <a:lvl3pPr marL="2011680" indent="0">
+              <a:buNone/>
+              <a:defRPr sz="2640"/>
             </a:lvl3pPr>
-            <a:lvl4pPr marL="771525" indent="0">
-              <a:buNone/>
-              <a:defRPr sz="563"/>
+            <a:lvl4pPr marL="3017520" indent="0">
+              <a:buNone/>
+              <a:defRPr sz="2200"/>
             </a:lvl4pPr>
-            <a:lvl5pPr marL="1028700" indent="0">
-              <a:buNone/>
-              <a:defRPr sz="563"/>
+            <a:lvl5pPr marL="4023360" indent="0">
+              <a:buNone/>
+              <a:defRPr sz="2200"/>
             </a:lvl5pPr>
-            <a:lvl6pPr marL="1285875" indent="0">
-              <a:buNone/>
-              <a:defRPr sz="563"/>
+            <a:lvl6pPr marL="5029200" indent="0">
+              <a:buNone/>
+              <a:defRPr sz="2200"/>
             </a:lvl6pPr>
-            <a:lvl7pPr marL="1543050" indent="0">
-              <a:buNone/>
-              <a:defRPr sz="563"/>
+            <a:lvl7pPr marL="6035040" indent="0">
+              <a:buNone/>
+              <a:defRPr sz="2200"/>
             </a:lvl7pPr>
-            <a:lvl8pPr marL="1800225" indent="0">
-              <a:buNone/>
-              <a:defRPr sz="563"/>
+            <a:lvl8pPr marL="7040880" indent="0">
+              <a:buNone/>
+              <a:defRPr sz="2200"/>
             </a:lvl8pPr>
-            <a:lvl9pPr marL="2057400" indent="0">
-              <a:buNone/>
-              <a:defRPr sz="563"/>
+            <a:lvl9pPr marL="8046720" indent="0">
+              <a:buNone/>
+              <a:defRPr sz="2200"/>
             </a:lvl9pPr>
           </a:lstStyle>
           <a:p>
             <a:pPr lvl="0"/>
             <a:r>
               <a:rPr lang="en-US" smtClean="0"/>
-              <a:t>Click to edit Master text styles</a:t>
+              <a:t>Edit Master text styles</a:t>
             </a:r>
           </a:p>
         </p:txBody>
@@ -5747,7 +5739,7 @@
                 </a:solidFill>
               </a:rPr>
               <a:pPr/>
-              <a:t>11/2/2018</a:t>
+              <a:t>11/7/2018</a:t>
             </a:fld>
             <a:endParaRPr lang="en-US">
               <a:solidFill>
@@ -5823,7 +5815,7 @@
     </p:spTree>
     <p:extLst>
       <p:ext uri="{BB962C8B-B14F-4D97-AF65-F5344CB8AC3E}">
-        <p14:creationId xmlns:p14="http://schemas.microsoft.com/office/powerpoint/2010/main" val="991952403"/>
+        <p14:creationId xmlns:p14="http://schemas.microsoft.com/office/powerpoint/2010/main" val="1331333261"/>
       </p:ext>
     </p:extLst>
   </p:cSld>
@@ -5886,8 +5878,8 @@
         </p:nvSpPr>
         <p:spPr>
           <a:xfrm>
-            <a:off x="353616" y="486836"/>
-            <a:ext cx="4436269" cy="1767417"/>
+            <a:off x="1383030" y="1898658"/>
+            <a:ext cx="17350740" cy="6892928"/>
           </a:xfrm>
           <a:prstGeom prst="rect">
             <a:avLst/>
@@ -5919,8 +5911,8 @@
         </p:nvSpPr>
         <p:spPr>
           <a:xfrm>
-            <a:off x="353616" y="2434167"/>
-            <a:ext cx="4436269" cy="5801784"/>
+            <a:off x="1383030" y="9493250"/>
+            <a:ext cx="17350740" cy="22626958"/>
           </a:xfrm>
           <a:prstGeom prst="rect">
             <a:avLst/>
@@ -5935,7 +5927,7 @@
             <a:pPr lvl="0"/>
             <a:r>
               <a:rPr lang="en-US" smtClean="0"/>
-              <a:t>Click to edit Master text styles</a:t>
+              <a:t>Edit Master text styles</a:t>
             </a:r>
           </a:p>
           <a:p>
@@ -5981,8 +5973,8 @@
         </p:nvSpPr>
         <p:spPr>
           <a:xfrm>
-            <a:off x="353615" y="8475136"/>
-            <a:ext cx="1157288" cy="486833"/>
+            <a:off x="1383030" y="33053028"/>
+            <a:ext cx="4526280" cy="1898650"/>
           </a:xfrm>
           <a:prstGeom prst="rect">
             <a:avLst/>
@@ -5992,7 +5984,7 @@
           <a:bodyPr vert="horz" lIns="91440" tIns="45720" rIns="91440" bIns="45720" rtlCol="0" anchor="ctr"/>
           <a:lstStyle>
             <a:lvl1pPr algn="l">
-              <a:defRPr sz="675">
+              <a:defRPr sz="2640">
                 <a:solidFill>
                   <a:schemeClr val="tx1">
                     <a:tint val="75000"/>
@@ -6011,7 +6003,7 @@
                 </a:solidFill>
               </a:rPr>
               <a:pPr/>
-              <a:t>11/2/2018</a:t>
+              <a:t>11/7/2018</a:t>
             </a:fld>
             <a:endParaRPr lang="en-US">
               <a:solidFill>
@@ -6035,8 +6027,8 @@
         </p:nvSpPr>
         <p:spPr>
           <a:xfrm>
-            <a:off x="1703785" y="8475136"/>
-            <a:ext cx="1735931" cy="486833"/>
+            <a:off x="6663690" y="33053028"/>
+            <a:ext cx="6789420" cy="1898650"/>
           </a:xfrm>
           <a:prstGeom prst="rect">
             <a:avLst/>
@@ -6046,7 +6038,7 @@
           <a:bodyPr vert="horz" lIns="91440" tIns="45720" rIns="91440" bIns="45720" rtlCol="0" anchor="ctr"/>
           <a:lstStyle>
             <a:lvl1pPr algn="ctr">
-              <a:defRPr sz="675">
+              <a:defRPr sz="2640">
                 <a:solidFill>
                   <a:schemeClr val="tx1">
                     <a:tint val="75000"/>
@@ -6078,8 +6070,8 @@
         </p:nvSpPr>
         <p:spPr>
           <a:xfrm>
-            <a:off x="3632597" y="8475136"/>
-            <a:ext cx="1157288" cy="486833"/>
+            <a:off x="14207490" y="33053028"/>
+            <a:ext cx="4526280" cy="1898650"/>
           </a:xfrm>
           <a:prstGeom prst="rect">
             <a:avLst/>
@@ -6089,7 +6081,7 @@
           <a:bodyPr vert="horz" lIns="91440" tIns="45720" rIns="91440" bIns="45720" rtlCol="0" anchor="ctr"/>
           <a:lstStyle>
             <a:lvl1pPr algn="r">
-              <a:defRPr sz="675">
+              <a:defRPr sz="2640">
                 <a:solidFill>
                   <a:schemeClr val="tx1">
                     <a:tint val="75000"/>
@@ -6123,23 +6115,23 @@
     </p:spTree>
     <p:extLst>
       <p:ext uri="{BB962C8B-B14F-4D97-AF65-F5344CB8AC3E}">
-        <p14:creationId xmlns:p14="http://schemas.microsoft.com/office/powerpoint/2010/main" val="1493987371"/>
+        <p14:creationId xmlns:p14="http://schemas.microsoft.com/office/powerpoint/2010/main" val="58526819"/>
       </p:ext>
     </p:extLst>
   </p:cSld>
   <p:clrMap bg1="lt1" tx1="dk1" bg2="lt2" tx2="dk2" accent1="accent1" accent2="accent2" accent3="accent3" accent4="accent4" accent5="accent5" accent6="accent6" hlink="hlink" folHlink="folHlink"/>
   <p:sldLayoutIdLst>
-    <p:sldLayoutId id="2147483757" r:id="rId1"/>
-    <p:sldLayoutId id="2147483758" r:id="rId2"/>
-    <p:sldLayoutId id="2147483759" r:id="rId3"/>
-    <p:sldLayoutId id="2147483760" r:id="rId4"/>
-    <p:sldLayoutId id="2147483761" r:id="rId5"/>
-    <p:sldLayoutId id="2147483762" r:id="rId6"/>
-    <p:sldLayoutId id="2147483763" r:id="rId7"/>
-    <p:sldLayoutId id="2147483764" r:id="rId8"/>
-    <p:sldLayoutId id="2147483765" r:id="rId9"/>
-    <p:sldLayoutId id="2147483766" r:id="rId10"/>
-    <p:sldLayoutId id="2147483767" r:id="rId11"/>
+    <p:sldLayoutId id="2147483781" r:id="rId1"/>
+    <p:sldLayoutId id="2147483782" r:id="rId2"/>
+    <p:sldLayoutId id="2147483783" r:id="rId3"/>
+    <p:sldLayoutId id="2147483784" r:id="rId4"/>
+    <p:sldLayoutId id="2147483785" r:id="rId5"/>
+    <p:sldLayoutId id="2147483786" r:id="rId6"/>
+    <p:sldLayoutId id="2147483787" r:id="rId7"/>
+    <p:sldLayoutId id="2147483788" r:id="rId8"/>
+    <p:sldLayoutId id="2147483789" r:id="rId9"/>
+    <p:sldLayoutId id="2147483790" r:id="rId10"/>
+    <p:sldLayoutId id="2147483791" r:id="rId11"/>
   </p:sldLayoutIdLst>
   <mc:AlternateContent xmlns:mc="http://schemas.openxmlformats.org/markup-compatibility/2006" xmlns:p14="http://schemas.microsoft.com/office/powerpoint/2010/main">
     <mc:Choice Requires="p14">
@@ -6162,7 +6154,7 @@
   </p:timing>
   <p:txStyles>
     <p:titleStyle>
-      <a:lvl1pPr algn="l" defTabSz="514350" rtl="0" eaLnBrk="1" latinLnBrk="0" hangingPunct="1">
+      <a:lvl1pPr algn="l" defTabSz="2011680" rtl="0" eaLnBrk="1" latinLnBrk="0" hangingPunct="1">
         <a:lnSpc>
           <a:spcPct val="90000"/>
         </a:lnSpc>
@@ -6170,7 +6162,7 @@
           <a:spcPct val="0"/>
         </a:spcBef>
         <a:buNone/>
-        <a:defRPr sz="2475" kern="1200">
+        <a:defRPr sz="9680" kern="1200">
           <a:solidFill>
             <a:schemeClr val="tx1"/>
           </a:solidFill>
@@ -6181,16 +6173,16 @@
       </a:lvl1pPr>
     </p:titleStyle>
     <p:bodyStyle>
-      <a:lvl1pPr marL="128588" indent="-128588" algn="l" defTabSz="514350" rtl="0" eaLnBrk="1" latinLnBrk="0" hangingPunct="1">
+      <a:lvl1pPr marL="502920" indent="-502920" algn="l" defTabSz="2011680" rtl="0" eaLnBrk="1" latinLnBrk="0" hangingPunct="1">
         <a:lnSpc>
           <a:spcPct val="90000"/>
         </a:lnSpc>
         <a:spcBef>
-          <a:spcPts val="563"/>
+          <a:spcPts val="2200"/>
         </a:spcBef>
         <a:buFont typeface="Arial" panose="020B0604020202020204" pitchFamily="34" charset="0"/>
         <a:buChar char="•"/>
-        <a:defRPr sz="1575" kern="1200">
+        <a:defRPr sz="6160" kern="1200">
           <a:solidFill>
             <a:schemeClr val="tx1"/>
           </a:solidFill>
@@ -6199,16 +6191,16 @@
           <a:cs typeface="+mn-cs"/>
         </a:defRPr>
       </a:lvl1pPr>
-      <a:lvl2pPr marL="385763" indent="-128588" algn="l" defTabSz="514350" rtl="0" eaLnBrk="1" latinLnBrk="0" hangingPunct="1">
+      <a:lvl2pPr marL="1508760" indent="-502920" algn="l" defTabSz="2011680" rtl="0" eaLnBrk="1" latinLnBrk="0" hangingPunct="1">
         <a:lnSpc>
           <a:spcPct val="90000"/>
         </a:lnSpc>
         <a:spcBef>
-          <a:spcPts val="281"/>
+          <a:spcPts val="1100"/>
         </a:spcBef>
         <a:buFont typeface="Arial" panose="020B0604020202020204" pitchFamily="34" charset="0"/>
         <a:buChar char="•"/>
-        <a:defRPr sz="1350" kern="1200">
+        <a:defRPr sz="5280" kern="1200">
           <a:solidFill>
             <a:schemeClr val="tx1"/>
           </a:solidFill>
@@ -6217,16 +6209,16 @@
           <a:cs typeface="+mn-cs"/>
         </a:defRPr>
       </a:lvl2pPr>
-      <a:lvl3pPr marL="642938" indent="-128588" algn="l" defTabSz="514350" rtl="0" eaLnBrk="1" latinLnBrk="0" hangingPunct="1">
+      <a:lvl3pPr marL="2514600" indent="-502920" algn="l" defTabSz="2011680" rtl="0" eaLnBrk="1" latinLnBrk="0" hangingPunct="1">
         <a:lnSpc>
           <a:spcPct val="90000"/>
         </a:lnSpc>
         <a:spcBef>
-          <a:spcPts val="281"/>
+          <a:spcPts val="1100"/>
         </a:spcBef>
         <a:buFont typeface="Arial" panose="020B0604020202020204" pitchFamily="34" charset="0"/>
         <a:buChar char="•"/>
-        <a:defRPr sz="1125" kern="1200">
+        <a:defRPr sz="4400" kern="1200">
           <a:solidFill>
             <a:schemeClr val="tx1"/>
           </a:solidFill>
@@ -6235,16 +6227,16 @@
           <a:cs typeface="+mn-cs"/>
         </a:defRPr>
       </a:lvl3pPr>
-      <a:lvl4pPr marL="900113" indent="-128588" algn="l" defTabSz="514350" rtl="0" eaLnBrk="1" latinLnBrk="0" hangingPunct="1">
+      <a:lvl4pPr marL="3520440" indent="-502920" algn="l" defTabSz="2011680" rtl="0" eaLnBrk="1" latinLnBrk="0" hangingPunct="1">
         <a:lnSpc>
           <a:spcPct val="90000"/>
         </a:lnSpc>
         <a:spcBef>
-          <a:spcPts val="281"/>
+          <a:spcPts val="1100"/>
         </a:spcBef>
         <a:buFont typeface="Arial" panose="020B0604020202020204" pitchFamily="34" charset="0"/>
         <a:buChar char="•"/>
-        <a:defRPr sz="1013" kern="1200">
+        <a:defRPr sz="3960" kern="1200">
           <a:solidFill>
             <a:schemeClr val="tx1"/>
           </a:solidFill>
@@ -6253,16 +6245,16 @@
           <a:cs typeface="+mn-cs"/>
         </a:defRPr>
       </a:lvl4pPr>
-      <a:lvl5pPr marL="1157288" indent="-128588" algn="l" defTabSz="514350" rtl="0" eaLnBrk="1" latinLnBrk="0" hangingPunct="1">
+      <a:lvl5pPr marL="4526280" indent="-502920" algn="l" defTabSz="2011680" rtl="0" eaLnBrk="1" latinLnBrk="0" hangingPunct="1">
         <a:lnSpc>
           <a:spcPct val="90000"/>
         </a:lnSpc>
         <a:spcBef>
-          <a:spcPts val="281"/>
+          <a:spcPts val="1100"/>
         </a:spcBef>
         <a:buFont typeface="Arial" panose="020B0604020202020204" pitchFamily="34" charset="0"/>
         <a:buChar char="•"/>
-        <a:defRPr sz="1013" kern="1200">
+        <a:defRPr sz="3960" kern="1200">
           <a:solidFill>
             <a:schemeClr val="tx1"/>
           </a:solidFill>
@@ -6271,16 +6263,16 @@
           <a:cs typeface="+mn-cs"/>
         </a:defRPr>
       </a:lvl5pPr>
-      <a:lvl6pPr marL="1414463" indent="-128588" algn="l" defTabSz="514350" rtl="0" eaLnBrk="1" latinLnBrk="0" hangingPunct="1">
+      <a:lvl6pPr marL="5532120" indent="-502920" algn="l" defTabSz="2011680" rtl="0" eaLnBrk="1" latinLnBrk="0" hangingPunct="1">
         <a:lnSpc>
           <a:spcPct val="90000"/>
         </a:lnSpc>
         <a:spcBef>
-          <a:spcPts val="281"/>
+          <a:spcPts val="1100"/>
         </a:spcBef>
         <a:buFont typeface="Arial" panose="020B0604020202020204" pitchFamily="34" charset="0"/>
         <a:buChar char="•"/>
-        <a:defRPr sz="1013" kern="1200">
+        <a:defRPr sz="3960" kern="1200">
           <a:solidFill>
             <a:schemeClr val="tx1"/>
           </a:solidFill>
@@ -6289,16 +6281,16 @@
           <a:cs typeface="+mn-cs"/>
         </a:defRPr>
       </a:lvl6pPr>
-      <a:lvl7pPr marL="1671638" indent="-128588" algn="l" defTabSz="514350" rtl="0" eaLnBrk="1" latinLnBrk="0" hangingPunct="1">
+      <a:lvl7pPr marL="6537960" indent="-502920" algn="l" defTabSz="2011680" rtl="0" eaLnBrk="1" latinLnBrk="0" hangingPunct="1">
         <a:lnSpc>
           <a:spcPct val="90000"/>
         </a:lnSpc>
         <a:spcBef>
-          <a:spcPts val="281"/>
+          <a:spcPts val="1100"/>
         </a:spcBef>
         <a:buFont typeface="Arial" panose="020B0604020202020204" pitchFamily="34" charset="0"/>
         <a:buChar char="•"/>
-        <a:defRPr sz="1013" kern="1200">
+        <a:defRPr sz="3960" kern="1200">
           <a:solidFill>
             <a:schemeClr val="tx1"/>
           </a:solidFill>
@@ -6307,16 +6299,16 @@
           <a:cs typeface="+mn-cs"/>
         </a:defRPr>
       </a:lvl7pPr>
-      <a:lvl8pPr marL="1928813" indent="-128588" algn="l" defTabSz="514350" rtl="0" eaLnBrk="1" latinLnBrk="0" hangingPunct="1">
+      <a:lvl8pPr marL="7543800" indent="-502920" algn="l" defTabSz="2011680" rtl="0" eaLnBrk="1" latinLnBrk="0" hangingPunct="1">
         <a:lnSpc>
           <a:spcPct val="90000"/>
         </a:lnSpc>
         <a:spcBef>
-          <a:spcPts val="281"/>
+          <a:spcPts val="1100"/>
         </a:spcBef>
         <a:buFont typeface="Arial" panose="020B0604020202020204" pitchFamily="34" charset="0"/>
         <a:buChar char="•"/>
-        <a:defRPr sz="1013" kern="1200">
+        <a:defRPr sz="3960" kern="1200">
           <a:solidFill>
             <a:schemeClr val="tx1"/>
           </a:solidFill>
@@ -6325,16 +6317,16 @@
           <a:cs typeface="+mn-cs"/>
         </a:defRPr>
       </a:lvl8pPr>
-      <a:lvl9pPr marL="2185988" indent="-128588" algn="l" defTabSz="514350" rtl="0" eaLnBrk="1" latinLnBrk="0" hangingPunct="1">
+      <a:lvl9pPr marL="8549640" indent="-502920" algn="l" defTabSz="2011680" rtl="0" eaLnBrk="1" latinLnBrk="0" hangingPunct="1">
         <a:lnSpc>
           <a:spcPct val="90000"/>
         </a:lnSpc>
         <a:spcBef>
-          <a:spcPts val="281"/>
+          <a:spcPts val="1100"/>
         </a:spcBef>
         <a:buFont typeface="Arial" panose="020B0604020202020204" pitchFamily="34" charset="0"/>
         <a:buChar char="•"/>
-        <a:defRPr sz="1013" kern="1200">
+        <a:defRPr sz="3960" kern="1200">
           <a:solidFill>
             <a:schemeClr val="tx1"/>
           </a:solidFill>
@@ -6348,8 +6340,8 @@
       <a:defPPr>
         <a:defRPr lang="en-US"/>
       </a:defPPr>
-      <a:lvl1pPr marL="0" algn="l" defTabSz="514350" rtl="0" eaLnBrk="1" latinLnBrk="0" hangingPunct="1">
-        <a:defRPr sz="1013" kern="1200">
+      <a:lvl1pPr marL="0" algn="l" defTabSz="2011680" rtl="0" eaLnBrk="1" latinLnBrk="0" hangingPunct="1">
+        <a:defRPr sz="3960" kern="1200">
           <a:solidFill>
             <a:schemeClr val="tx1"/>
           </a:solidFill>
@@ -6358,8 +6350,8 @@
           <a:cs typeface="+mn-cs"/>
         </a:defRPr>
       </a:lvl1pPr>
-      <a:lvl2pPr marL="257175" algn="l" defTabSz="514350" rtl="0" eaLnBrk="1" latinLnBrk="0" hangingPunct="1">
-        <a:defRPr sz="1013" kern="1200">
+      <a:lvl2pPr marL="1005840" algn="l" defTabSz="2011680" rtl="0" eaLnBrk="1" latinLnBrk="0" hangingPunct="1">
+        <a:defRPr sz="3960" kern="1200">
           <a:solidFill>
             <a:schemeClr val="tx1"/>
           </a:solidFill>
@@ -6368,8 +6360,8 @@
           <a:cs typeface="+mn-cs"/>
         </a:defRPr>
       </a:lvl2pPr>
-      <a:lvl3pPr marL="514350" algn="l" defTabSz="514350" rtl="0" eaLnBrk="1" latinLnBrk="0" hangingPunct="1">
-        <a:defRPr sz="1013" kern="1200">
+      <a:lvl3pPr marL="2011680" algn="l" defTabSz="2011680" rtl="0" eaLnBrk="1" latinLnBrk="0" hangingPunct="1">
+        <a:defRPr sz="3960" kern="1200">
           <a:solidFill>
             <a:schemeClr val="tx1"/>
           </a:solidFill>
@@ -6378,8 +6370,8 @@
           <a:cs typeface="+mn-cs"/>
         </a:defRPr>
       </a:lvl3pPr>
-      <a:lvl4pPr marL="771525" algn="l" defTabSz="514350" rtl="0" eaLnBrk="1" latinLnBrk="0" hangingPunct="1">
-        <a:defRPr sz="1013" kern="1200">
+      <a:lvl4pPr marL="3017520" algn="l" defTabSz="2011680" rtl="0" eaLnBrk="1" latinLnBrk="0" hangingPunct="1">
+        <a:defRPr sz="3960" kern="1200">
           <a:solidFill>
             <a:schemeClr val="tx1"/>
           </a:solidFill>
@@ -6388,8 +6380,8 @@
           <a:cs typeface="+mn-cs"/>
         </a:defRPr>
       </a:lvl4pPr>
-      <a:lvl5pPr marL="1028700" algn="l" defTabSz="514350" rtl="0" eaLnBrk="1" latinLnBrk="0" hangingPunct="1">
-        <a:defRPr sz="1013" kern="1200">
+      <a:lvl5pPr marL="4023360" algn="l" defTabSz="2011680" rtl="0" eaLnBrk="1" latinLnBrk="0" hangingPunct="1">
+        <a:defRPr sz="3960" kern="1200">
           <a:solidFill>
             <a:schemeClr val="tx1"/>
           </a:solidFill>
@@ -6398,8 +6390,8 @@
           <a:cs typeface="+mn-cs"/>
         </a:defRPr>
       </a:lvl5pPr>
-      <a:lvl6pPr marL="1285875" algn="l" defTabSz="514350" rtl="0" eaLnBrk="1" latinLnBrk="0" hangingPunct="1">
-        <a:defRPr sz="1013" kern="1200">
+      <a:lvl6pPr marL="5029200" algn="l" defTabSz="2011680" rtl="0" eaLnBrk="1" latinLnBrk="0" hangingPunct="1">
+        <a:defRPr sz="3960" kern="1200">
           <a:solidFill>
             <a:schemeClr val="tx1"/>
           </a:solidFill>
@@ -6408,8 +6400,8 @@
           <a:cs typeface="+mn-cs"/>
         </a:defRPr>
       </a:lvl6pPr>
-      <a:lvl7pPr marL="1543050" algn="l" defTabSz="514350" rtl="0" eaLnBrk="1" latinLnBrk="0" hangingPunct="1">
-        <a:defRPr sz="1013" kern="1200">
+      <a:lvl7pPr marL="6035040" algn="l" defTabSz="2011680" rtl="0" eaLnBrk="1" latinLnBrk="0" hangingPunct="1">
+        <a:defRPr sz="3960" kern="1200">
           <a:solidFill>
             <a:schemeClr val="tx1"/>
           </a:solidFill>
@@ -6418,8 +6410,8 @@
           <a:cs typeface="+mn-cs"/>
         </a:defRPr>
       </a:lvl7pPr>
-      <a:lvl8pPr marL="1800225" algn="l" defTabSz="514350" rtl="0" eaLnBrk="1" latinLnBrk="0" hangingPunct="1">
-        <a:defRPr sz="1013" kern="1200">
+      <a:lvl8pPr marL="7040880" algn="l" defTabSz="2011680" rtl="0" eaLnBrk="1" latinLnBrk="0" hangingPunct="1">
+        <a:defRPr sz="3960" kern="1200">
           <a:solidFill>
             <a:schemeClr val="tx1"/>
           </a:solidFill>
@@ -6428,8 +6420,8 @@
           <a:cs typeface="+mn-cs"/>
         </a:defRPr>
       </a:lvl8pPr>
-      <a:lvl9pPr marL="2057400" algn="l" defTabSz="514350" rtl="0" eaLnBrk="1" latinLnBrk="0" hangingPunct="1">
-        <a:defRPr sz="1013" kern="1200">
+      <a:lvl9pPr marL="8046720" algn="l" defTabSz="2011680" rtl="0" eaLnBrk="1" latinLnBrk="0" hangingPunct="1">
+        <a:defRPr sz="3960" kern="1200">
           <a:solidFill>
             <a:schemeClr val="tx1"/>
           </a:solidFill>
@@ -6477,8 +6469,8 @@
         </p:nvSpPr>
         <p:spPr>
           <a:xfrm>
-            <a:off x="353616" y="486836"/>
-            <a:ext cx="4436269" cy="1767417"/>
+            <a:off x="1383030" y="1898658"/>
+            <a:ext cx="17350740" cy="6892928"/>
           </a:xfrm>
           <a:prstGeom prst="rect">
             <a:avLst/>
@@ -6510,8 +6502,8 @@
         </p:nvSpPr>
         <p:spPr>
           <a:xfrm>
-            <a:off x="353616" y="2434167"/>
-            <a:ext cx="4436269" cy="5801784"/>
+            <a:off x="1383030" y="9493250"/>
+            <a:ext cx="17350740" cy="22626958"/>
           </a:xfrm>
           <a:prstGeom prst="rect">
             <a:avLst/>
@@ -6526,7 +6518,7 @@
             <a:pPr lvl="0"/>
             <a:r>
               <a:rPr lang="en-US" smtClean="0"/>
-              <a:t>Click to edit Master text styles</a:t>
+              <a:t>Edit Master text styles</a:t>
             </a:r>
           </a:p>
           <a:p>
@@ -6572,8 +6564,8 @@
         </p:nvSpPr>
         <p:spPr>
           <a:xfrm>
-            <a:off x="353615" y="8475136"/>
-            <a:ext cx="1157288" cy="486833"/>
+            <a:off x="1383030" y="33053028"/>
+            <a:ext cx="4526280" cy="1898650"/>
           </a:xfrm>
           <a:prstGeom prst="rect">
             <a:avLst/>
@@ -6583,7 +6575,7 @@
           <a:bodyPr vert="horz" lIns="91440" tIns="45720" rIns="91440" bIns="45720" rtlCol="0" anchor="ctr"/>
           <a:lstStyle>
             <a:lvl1pPr algn="l">
-              <a:defRPr sz="675">
+              <a:defRPr sz="2640">
                 <a:solidFill>
                   <a:schemeClr val="tx1">
                     <a:tint val="75000"/>
@@ -6602,7 +6594,7 @@
                 </a:solidFill>
               </a:rPr>
               <a:pPr/>
-              <a:t>11/2/2018</a:t>
+              <a:t>11/7/2018</a:t>
             </a:fld>
             <a:endParaRPr lang="en-US">
               <a:solidFill>
@@ -6626,8 +6618,8 @@
         </p:nvSpPr>
         <p:spPr>
           <a:xfrm>
-            <a:off x="1703785" y="8475136"/>
-            <a:ext cx="1735931" cy="486833"/>
+            <a:off x="6663690" y="33053028"/>
+            <a:ext cx="6789420" cy="1898650"/>
           </a:xfrm>
           <a:prstGeom prst="rect">
             <a:avLst/>
@@ -6637,7 +6629,7 @@
           <a:bodyPr vert="horz" lIns="91440" tIns="45720" rIns="91440" bIns="45720" rtlCol="0" anchor="ctr"/>
           <a:lstStyle>
             <a:lvl1pPr algn="ctr">
-              <a:defRPr sz="675">
+              <a:defRPr sz="2640">
                 <a:solidFill>
                   <a:schemeClr val="tx1">
                     <a:tint val="75000"/>
@@ -6669,8 +6661,8 @@
         </p:nvSpPr>
         <p:spPr>
           <a:xfrm>
-            <a:off x="3632597" y="8475136"/>
-            <a:ext cx="1157288" cy="486833"/>
+            <a:off x="14207490" y="33053028"/>
+            <a:ext cx="4526280" cy="1898650"/>
           </a:xfrm>
           <a:prstGeom prst="rect">
             <a:avLst/>
@@ -6680,7 +6672,7 @@
           <a:bodyPr vert="horz" lIns="91440" tIns="45720" rIns="91440" bIns="45720" rtlCol="0" anchor="ctr"/>
           <a:lstStyle>
             <a:lvl1pPr algn="r">
-              <a:defRPr sz="675">
+              <a:defRPr sz="2640">
                 <a:solidFill>
                   <a:schemeClr val="tx1">
                     <a:tint val="75000"/>
@@ -6714,23 +6706,23 @@
     </p:spTree>
     <p:extLst>
       <p:ext uri="{BB962C8B-B14F-4D97-AF65-F5344CB8AC3E}">
-        <p14:creationId xmlns:p14="http://schemas.microsoft.com/office/powerpoint/2010/main" val="437501683"/>
+        <p14:creationId xmlns:p14="http://schemas.microsoft.com/office/powerpoint/2010/main" val="3105217825"/>
       </p:ext>
     </p:extLst>
   </p:cSld>
   <p:clrMap bg1="lt1" tx1="dk1" bg2="lt2" tx2="dk2" accent1="accent1" accent2="accent2" accent3="accent3" accent4="accent4" accent5="accent5" accent6="accent6" hlink="hlink" folHlink="folHlink"/>
   <p:sldLayoutIdLst>
-    <p:sldLayoutId id="2147483769" r:id="rId1"/>
-    <p:sldLayoutId id="2147483770" r:id="rId2"/>
-    <p:sldLayoutId id="2147483771" r:id="rId3"/>
-    <p:sldLayoutId id="2147483772" r:id="rId4"/>
-    <p:sldLayoutId id="2147483773" r:id="rId5"/>
-    <p:sldLayoutId id="2147483774" r:id="rId6"/>
-    <p:sldLayoutId id="2147483775" r:id="rId7"/>
-    <p:sldLayoutId id="2147483776" r:id="rId8"/>
-    <p:sldLayoutId id="2147483777" r:id="rId9"/>
-    <p:sldLayoutId id="2147483778" r:id="rId10"/>
-    <p:sldLayoutId id="2147483779" r:id="rId11"/>
+    <p:sldLayoutId id="2147483793" r:id="rId1"/>
+    <p:sldLayoutId id="2147483794" r:id="rId2"/>
+    <p:sldLayoutId id="2147483795" r:id="rId3"/>
+    <p:sldLayoutId id="2147483796" r:id="rId4"/>
+    <p:sldLayoutId id="2147483797" r:id="rId5"/>
+    <p:sldLayoutId id="2147483798" r:id="rId6"/>
+    <p:sldLayoutId id="2147483799" r:id="rId7"/>
+    <p:sldLayoutId id="2147483800" r:id="rId8"/>
+    <p:sldLayoutId id="2147483801" r:id="rId9"/>
+    <p:sldLayoutId id="2147483802" r:id="rId10"/>
+    <p:sldLayoutId id="2147483803" r:id="rId11"/>
   </p:sldLayoutIdLst>
   <mc:AlternateContent xmlns:mc="http://schemas.openxmlformats.org/markup-compatibility/2006" xmlns:p14="http://schemas.microsoft.com/office/powerpoint/2010/main">
     <mc:Choice Requires="p14">
@@ -6753,7 +6745,7 @@
   </p:timing>
   <p:txStyles>
     <p:titleStyle>
-      <a:lvl1pPr algn="l" defTabSz="514350" rtl="0" eaLnBrk="1" latinLnBrk="0" hangingPunct="1">
+      <a:lvl1pPr algn="l" defTabSz="2011680" rtl="0" eaLnBrk="1" latinLnBrk="0" hangingPunct="1">
         <a:lnSpc>
           <a:spcPct val="90000"/>
         </a:lnSpc>
@@ -6761,7 +6753,7 @@
           <a:spcPct val="0"/>
         </a:spcBef>
         <a:buNone/>
-        <a:defRPr sz="2475" kern="1200">
+        <a:defRPr sz="9680" kern="1200">
           <a:solidFill>
             <a:schemeClr val="tx1"/>
           </a:solidFill>
@@ -6772,16 +6764,16 @@
       </a:lvl1pPr>
     </p:titleStyle>
     <p:bodyStyle>
-      <a:lvl1pPr marL="128588" indent="-128588" algn="l" defTabSz="514350" rtl="0" eaLnBrk="1" latinLnBrk="0" hangingPunct="1">
+      <a:lvl1pPr marL="502920" indent="-502920" algn="l" defTabSz="2011680" rtl="0" eaLnBrk="1" latinLnBrk="0" hangingPunct="1">
         <a:lnSpc>
           <a:spcPct val="90000"/>
         </a:lnSpc>
         <a:spcBef>
-          <a:spcPts val="563"/>
+          <a:spcPts val="2200"/>
         </a:spcBef>
         <a:buFont typeface="Arial" panose="020B0604020202020204" pitchFamily="34" charset="0"/>
         <a:buChar char="•"/>
-        <a:defRPr sz="1575" kern="1200">
+        <a:defRPr sz="6160" kern="1200">
           <a:solidFill>
             <a:schemeClr val="tx1"/>
           </a:solidFill>
@@ -6790,16 +6782,16 @@
           <a:cs typeface="+mn-cs"/>
         </a:defRPr>
       </a:lvl1pPr>
-      <a:lvl2pPr marL="385763" indent="-128588" algn="l" defTabSz="514350" rtl="0" eaLnBrk="1" latinLnBrk="0" hangingPunct="1">
+      <a:lvl2pPr marL="1508760" indent="-502920" algn="l" defTabSz="2011680" rtl="0" eaLnBrk="1" latinLnBrk="0" hangingPunct="1">
         <a:lnSpc>
           <a:spcPct val="90000"/>
         </a:lnSpc>
         <a:spcBef>
-          <a:spcPts val="281"/>
+          <a:spcPts val="1100"/>
         </a:spcBef>
         <a:buFont typeface="Arial" panose="020B0604020202020204" pitchFamily="34" charset="0"/>
         <a:buChar char="•"/>
-        <a:defRPr sz="1350" kern="1200">
+        <a:defRPr sz="5280" kern="1200">
           <a:solidFill>
             <a:schemeClr val="tx1"/>
           </a:solidFill>
@@ -6808,16 +6800,16 @@
           <a:cs typeface="+mn-cs"/>
         </a:defRPr>
       </a:lvl2pPr>
-      <a:lvl3pPr marL="642938" indent="-128588" algn="l" defTabSz="514350" rtl="0" eaLnBrk="1" latinLnBrk="0" hangingPunct="1">
+      <a:lvl3pPr marL="2514600" indent="-502920" algn="l" defTabSz="2011680" rtl="0" eaLnBrk="1" latinLnBrk="0" hangingPunct="1">
         <a:lnSpc>
           <a:spcPct val="90000"/>
         </a:lnSpc>
         <a:spcBef>
-          <a:spcPts val="281"/>
+          <a:spcPts val="1100"/>
         </a:spcBef>
         <a:buFont typeface="Arial" panose="020B0604020202020204" pitchFamily="34" charset="0"/>
         <a:buChar char="•"/>
-        <a:defRPr sz="1125" kern="1200">
+        <a:defRPr sz="4400" kern="1200">
           <a:solidFill>
             <a:schemeClr val="tx1"/>
           </a:solidFill>
@@ -6826,16 +6818,16 @@
           <a:cs typeface="+mn-cs"/>
         </a:defRPr>
       </a:lvl3pPr>
-      <a:lvl4pPr marL="900113" indent="-128588" algn="l" defTabSz="514350" rtl="0" eaLnBrk="1" latinLnBrk="0" hangingPunct="1">
+      <a:lvl4pPr marL="3520440" indent="-502920" algn="l" defTabSz="2011680" rtl="0" eaLnBrk="1" latinLnBrk="0" hangingPunct="1">
         <a:lnSpc>
           <a:spcPct val="90000"/>
         </a:lnSpc>
         <a:spcBef>
-          <a:spcPts val="281"/>
+          <a:spcPts val="1100"/>
         </a:spcBef>
         <a:buFont typeface="Arial" panose="020B0604020202020204" pitchFamily="34" charset="0"/>
         <a:buChar char="•"/>
-        <a:defRPr sz="1013" kern="1200">
+        <a:defRPr sz="3960" kern="1200">
           <a:solidFill>
             <a:schemeClr val="tx1"/>
           </a:solidFill>
@@ -6844,16 +6836,16 @@
           <a:cs typeface="+mn-cs"/>
         </a:defRPr>
       </a:lvl4pPr>
-      <a:lvl5pPr marL="1157288" indent="-128588" algn="l" defTabSz="514350" rtl="0" eaLnBrk="1" latinLnBrk="0" hangingPunct="1">
+      <a:lvl5pPr marL="4526280" indent="-502920" algn="l" defTabSz="2011680" rtl="0" eaLnBrk="1" latinLnBrk="0" hangingPunct="1">
         <a:lnSpc>
           <a:spcPct val="90000"/>
         </a:lnSpc>
         <a:spcBef>
-          <a:spcPts val="281"/>
+          <a:spcPts val="1100"/>
         </a:spcBef>
         <a:buFont typeface="Arial" panose="020B0604020202020204" pitchFamily="34" charset="0"/>
         <a:buChar char="•"/>
-        <a:defRPr sz="1013" kern="1200">
+        <a:defRPr sz="3960" kern="1200">
           <a:solidFill>
             <a:schemeClr val="tx1"/>
           </a:solidFill>
@@ -6862,16 +6854,16 @@
           <a:cs typeface="+mn-cs"/>
         </a:defRPr>
       </a:lvl5pPr>
-      <a:lvl6pPr marL="1414463" indent="-128588" algn="l" defTabSz="514350" rtl="0" eaLnBrk="1" latinLnBrk="0" hangingPunct="1">
+      <a:lvl6pPr marL="5532120" indent="-502920" algn="l" defTabSz="2011680" rtl="0" eaLnBrk="1" latinLnBrk="0" hangingPunct="1">
         <a:lnSpc>
           <a:spcPct val="90000"/>
         </a:lnSpc>
         <a:spcBef>
-          <a:spcPts val="281"/>
+          <a:spcPts val="1100"/>
         </a:spcBef>
         <a:buFont typeface="Arial" panose="020B0604020202020204" pitchFamily="34" charset="0"/>
         <a:buChar char="•"/>
-        <a:defRPr sz="1013" kern="1200">
+        <a:defRPr sz="3960" kern="1200">
           <a:solidFill>
             <a:schemeClr val="tx1"/>
           </a:solidFill>
@@ -6880,16 +6872,16 @@
           <a:cs typeface="+mn-cs"/>
         </a:defRPr>
       </a:lvl6pPr>
-      <a:lvl7pPr marL="1671638" indent="-128588" algn="l" defTabSz="514350" rtl="0" eaLnBrk="1" latinLnBrk="0" hangingPunct="1">
+      <a:lvl7pPr marL="6537960" indent="-502920" algn="l" defTabSz="2011680" rtl="0" eaLnBrk="1" latinLnBrk="0" hangingPunct="1">
         <a:lnSpc>
           <a:spcPct val="90000"/>
         </a:lnSpc>
         <a:spcBef>
-          <a:spcPts val="281"/>
+          <a:spcPts val="1100"/>
         </a:spcBef>
         <a:buFont typeface="Arial" panose="020B0604020202020204" pitchFamily="34" charset="0"/>
         <a:buChar char="•"/>
-        <a:defRPr sz="1013" kern="1200">
+        <a:defRPr sz="3960" kern="1200">
           <a:solidFill>
             <a:schemeClr val="tx1"/>
           </a:solidFill>
@@ -6898,16 +6890,16 @@
           <a:cs typeface="+mn-cs"/>
         </a:defRPr>
       </a:lvl7pPr>
-      <a:lvl8pPr marL="1928813" indent="-128588" algn="l" defTabSz="514350" rtl="0" eaLnBrk="1" latinLnBrk="0" hangingPunct="1">
+      <a:lvl8pPr marL="7543800" indent="-502920" algn="l" defTabSz="2011680" rtl="0" eaLnBrk="1" latinLnBrk="0" hangingPunct="1">
         <a:lnSpc>
           <a:spcPct val="90000"/>
         </a:lnSpc>
         <a:spcBef>
-          <a:spcPts val="281"/>
+          <a:spcPts val="1100"/>
         </a:spcBef>
         <a:buFont typeface="Arial" panose="020B0604020202020204" pitchFamily="34" charset="0"/>
         <a:buChar char="•"/>
-        <a:defRPr sz="1013" kern="1200">
+        <a:defRPr sz="3960" kern="1200">
           <a:solidFill>
             <a:schemeClr val="tx1"/>
           </a:solidFill>
@@ -6916,16 +6908,16 @@
           <a:cs typeface="+mn-cs"/>
         </a:defRPr>
       </a:lvl8pPr>
-      <a:lvl9pPr marL="2185988" indent="-128588" algn="l" defTabSz="514350" rtl="0" eaLnBrk="1" latinLnBrk="0" hangingPunct="1">
+      <a:lvl9pPr marL="8549640" indent="-502920" algn="l" defTabSz="2011680" rtl="0" eaLnBrk="1" latinLnBrk="0" hangingPunct="1">
         <a:lnSpc>
           <a:spcPct val="90000"/>
         </a:lnSpc>
         <a:spcBef>
-          <a:spcPts val="281"/>
+          <a:spcPts val="1100"/>
         </a:spcBef>
         <a:buFont typeface="Arial" panose="020B0604020202020204" pitchFamily="34" charset="0"/>
         <a:buChar char="•"/>
-        <a:defRPr sz="1013" kern="1200">
+        <a:defRPr sz="3960" kern="1200">
           <a:solidFill>
             <a:schemeClr val="tx1"/>
           </a:solidFill>
@@ -6939,8 +6931,8 @@
       <a:defPPr>
         <a:defRPr lang="en-US"/>
       </a:defPPr>
-      <a:lvl1pPr marL="0" algn="l" defTabSz="514350" rtl="0" eaLnBrk="1" latinLnBrk="0" hangingPunct="1">
-        <a:defRPr sz="1013" kern="1200">
+      <a:lvl1pPr marL="0" algn="l" defTabSz="2011680" rtl="0" eaLnBrk="1" latinLnBrk="0" hangingPunct="1">
+        <a:defRPr sz="3960" kern="1200">
           <a:solidFill>
             <a:schemeClr val="tx1"/>
           </a:solidFill>
@@ -6949,8 +6941,8 @@
           <a:cs typeface="+mn-cs"/>
         </a:defRPr>
       </a:lvl1pPr>
-      <a:lvl2pPr marL="257175" algn="l" defTabSz="514350" rtl="0" eaLnBrk="1" latinLnBrk="0" hangingPunct="1">
-        <a:defRPr sz="1013" kern="1200">
+      <a:lvl2pPr marL="1005840" algn="l" defTabSz="2011680" rtl="0" eaLnBrk="1" latinLnBrk="0" hangingPunct="1">
+        <a:defRPr sz="3960" kern="1200">
           <a:solidFill>
             <a:schemeClr val="tx1"/>
           </a:solidFill>
@@ -6959,8 +6951,8 @@
           <a:cs typeface="+mn-cs"/>
         </a:defRPr>
       </a:lvl2pPr>
-      <a:lvl3pPr marL="514350" algn="l" defTabSz="514350" rtl="0" eaLnBrk="1" latinLnBrk="0" hangingPunct="1">
-        <a:defRPr sz="1013" kern="1200">
+      <a:lvl3pPr marL="2011680" algn="l" defTabSz="2011680" rtl="0" eaLnBrk="1" latinLnBrk="0" hangingPunct="1">
+        <a:defRPr sz="3960" kern="1200">
           <a:solidFill>
             <a:schemeClr val="tx1"/>
           </a:solidFill>
@@ -6969,8 +6961,8 @@
           <a:cs typeface="+mn-cs"/>
         </a:defRPr>
       </a:lvl3pPr>
-      <a:lvl4pPr marL="771525" algn="l" defTabSz="514350" rtl="0" eaLnBrk="1" latinLnBrk="0" hangingPunct="1">
-        <a:defRPr sz="1013" kern="1200">
+      <a:lvl4pPr marL="3017520" algn="l" defTabSz="2011680" rtl="0" eaLnBrk="1" latinLnBrk="0" hangingPunct="1">
+        <a:defRPr sz="3960" kern="1200">
           <a:solidFill>
             <a:schemeClr val="tx1"/>
           </a:solidFill>
@@ -6979,8 +6971,8 @@
           <a:cs typeface="+mn-cs"/>
         </a:defRPr>
       </a:lvl4pPr>
-      <a:lvl5pPr marL="1028700" algn="l" defTabSz="514350" rtl="0" eaLnBrk="1" latinLnBrk="0" hangingPunct="1">
-        <a:defRPr sz="1013" kern="1200">
+      <a:lvl5pPr marL="4023360" algn="l" defTabSz="2011680" rtl="0" eaLnBrk="1" latinLnBrk="0" hangingPunct="1">
+        <a:defRPr sz="3960" kern="1200">
           <a:solidFill>
             <a:schemeClr val="tx1"/>
           </a:solidFill>
@@ -6989,8 +6981,8 @@
           <a:cs typeface="+mn-cs"/>
         </a:defRPr>
       </a:lvl5pPr>
-      <a:lvl6pPr marL="1285875" algn="l" defTabSz="514350" rtl="0" eaLnBrk="1" latinLnBrk="0" hangingPunct="1">
-        <a:defRPr sz="1013" kern="1200">
+      <a:lvl6pPr marL="5029200" algn="l" defTabSz="2011680" rtl="0" eaLnBrk="1" latinLnBrk="0" hangingPunct="1">
+        <a:defRPr sz="3960" kern="1200">
           <a:solidFill>
             <a:schemeClr val="tx1"/>
           </a:solidFill>
@@ -6999,8 +6991,8 @@
           <a:cs typeface="+mn-cs"/>
         </a:defRPr>
       </a:lvl6pPr>
-      <a:lvl7pPr marL="1543050" algn="l" defTabSz="514350" rtl="0" eaLnBrk="1" latinLnBrk="0" hangingPunct="1">
-        <a:defRPr sz="1013" kern="1200">
+      <a:lvl7pPr marL="6035040" algn="l" defTabSz="2011680" rtl="0" eaLnBrk="1" latinLnBrk="0" hangingPunct="1">
+        <a:defRPr sz="3960" kern="1200">
           <a:solidFill>
             <a:schemeClr val="tx1"/>
           </a:solidFill>
@@ -7009,8 +7001,8 @@
           <a:cs typeface="+mn-cs"/>
         </a:defRPr>
       </a:lvl7pPr>
-      <a:lvl8pPr marL="1800225" algn="l" defTabSz="514350" rtl="0" eaLnBrk="1" latinLnBrk="0" hangingPunct="1">
-        <a:defRPr sz="1013" kern="1200">
+      <a:lvl8pPr marL="7040880" algn="l" defTabSz="2011680" rtl="0" eaLnBrk="1" latinLnBrk="0" hangingPunct="1">
+        <a:defRPr sz="3960" kern="1200">
           <a:solidFill>
             <a:schemeClr val="tx1"/>
           </a:solidFill>
@@ -7019,8 +7011,8 @@
           <a:cs typeface="+mn-cs"/>
         </a:defRPr>
       </a:lvl8pPr>
-      <a:lvl9pPr marL="2057400" algn="l" defTabSz="514350" rtl="0" eaLnBrk="1" latinLnBrk="0" hangingPunct="1">
-        <a:defRPr sz="1013" kern="1200">
+      <a:lvl9pPr marL="8046720" algn="l" defTabSz="2011680" rtl="0" eaLnBrk="1" latinLnBrk="0" hangingPunct="1">
+        <a:defRPr sz="3960" kern="1200">
           <a:solidFill>
             <a:schemeClr val="tx1"/>
           </a:solidFill>
@@ -7040,8 +7032,8 @@
     <p:bg>
       <p:bgPr>
         <a:solidFill>
-          <a:schemeClr val="bg1">
-            <a:lumMod val="50000"/>
+          <a:schemeClr val="accent1">
+            <a:lumMod val="75000"/>
           </a:schemeClr>
         </a:solidFill>
         <a:effectLst/>
@@ -7069,8 +7061,8 @@
         </p:nvSpPr>
         <p:spPr>
           <a:xfrm>
-            <a:off x="662000" y="1001220"/>
-            <a:ext cx="3819500" cy="5104872"/>
+            <a:off x="2610375" y="3904758"/>
+            <a:ext cx="14896050" cy="19909002"/>
           </a:xfrm>
           <a:prstGeom prst="rect">
             <a:avLst/>
@@ -7079,7 +7071,7 @@
           <a:effectLst/>
         </p:spPr>
         <p:txBody>
-          <a:bodyPr wrap="square" lIns="26302" tIns="13151" rIns="26302" bIns="13151">
+          <a:bodyPr wrap="square" lIns="102578" tIns="51289" rIns="102578" bIns="51289">
             <a:spAutoFit/>
           </a:bodyPr>
           <a:lstStyle/>
@@ -7090,7 +7082,7 @@
               </a:lnSpc>
             </a:pPr>
             <a:r>
-              <a:rPr lang="en-US" sz="3200" dirty="0">
+              <a:rPr lang="en-US" sz="12480" dirty="0">
                 <a:ln w="0"/>
                 <a:solidFill>
                   <a:schemeClr val="bg1"/>
@@ -7100,7 +7092,7 @@
               <a:t>PLEASE</a:t>
             </a:r>
             <a:r>
-              <a:rPr lang="en-US" sz="3200" dirty="0">
+              <a:rPr lang="en-US" sz="12480" dirty="0">
                 <a:ln w="0"/>
                 <a:solidFill>
                   <a:schemeClr val="bg2">
@@ -7112,7 +7104,7 @@
               <a:t> </a:t>
             </a:r>
             <a:r>
-              <a:rPr lang="en-US" sz="2800" dirty="0">
+              <a:rPr lang="en-US" sz="10920" dirty="0">
                 <a:ln w="0"/>
                 <a:solidFill>
                   <a:schemeClr val="bg2">
@@ -7124,7 +7116,7 @@
               <a:t>RESERVE </a:t>
             </a:r>
             <a:r>
-              <a:rPr lang="en-US" sz="3200" b="1" dirty="0">
+              <a:rPr lang="en-US" sz="12480" b="1" dirty="0">
                 <a:ln w="0"/>
                 <a:solidFill>
                   <a:schemeClr val="accent4">
@@ -7144,7 +7136,7 @@
               <a:t>CELLPHONE</a:t>
             </a:r>
             <a:r>
-              <a:rPr lang="en-US" sz="2800" dirty="0">
+              <a:rPr lang="en-US" sz="10920" dirty="0">
                 <a:ln w="0"/>
                 <a:solidFill>
                   <a:schemeClr val="bg1"/>
@@ -7154,7 +7146,7 @@
               <a:t> </a:t>
             </a:r>
             <a:r>
-              <a:rPr lang="en-US" sz="2800" dirty="0">
+              <a:rPr lang="en-US" sz="10920" dirty="0">
                 <a:ln w="0"/>
                 <a:solidFill>
                   <a:schemeClr val="bg2">
@@ -7166,7 +7158,7 @@
               <a:t>USE</a:t>
             </a:r>
             <a:r>
-              <a:rPr lang="en-US" sz="2800" dirty="0">
+              <a:rPr lang="en-US" sz="10920" dirty="0">
                 <a:ln w="0"/>
                 <a:solidFill>
                   <a:schemeClr val="bg1"/>
@@ -7176,7 +7168,7 @@
               <a:t> </a:t>
             </a:r>
             <a:r>
-              <a:rPr lang="en-US" sz="2800" dirty="0">
+              <a:rPr lang="en-US" sz="10920" dirty="0">
                 <a:ln w="0"/>
                 <a:solidFill>
                   <a:schemeClr val="bg2">
@@ -7188,7 +7180,7 @@
               <a:t>FOR</a:t>
             </a:r>
             <a:r>
-              <a:rPr lang="en-US" sz="2800" dirty="0">
+              <a:rPr lang="en-US" sz="10920" dirty="0">
                 <a:ln w="0"/>
                 <a:solidFill>
                   <a:schemeClr val="bg1"/>
@@ -7198,7 +7190,7 @@
               <a:t> </a:t>
             </a:r>
             <a:r>
-              <a:rPr lang="en-US" sz="3200" b="1" dirty="0">
+              <a:rPr lang="en-US" sz="12480" b="1" dirty="0">
                 <a:ln w="0"/>
                 <a:solidFill>
                   <a:schemeClr val="accent2">
@@ -7218,32 +7210,15 @@
               <a:t>IMPORTANT</a:t>
             </a:r>
             <a:r>
-              <a:rPr lang="en-US" sz="2800" dirty="0">
+              <a:rPr lang="en-US" sz="10920" dirty="0">
                 <a:ln w="0"/>
                 <a:solidFill>
                   <a:schemeClr val="bg1"/>
                 </a:solidFill>
                 <a:latin typeface="Century Gothic" panose="020B0502020202020204" pitchFamily="34" charset="0"/>
               </a:rPr>
-              <a:t> </a:t>
-            </a:r>
-            <a:r>
-              <a:rPr lang="en-US" sz="2800" dirty="0">
-                <a:ln w="0"/>
-                <a:solidFill>
-                  <a:schemeClr val="bg1"/>
-                </a:solidFill>
-                <a:latin typeface="Century Gothic" panose="020B0502020202020204" pitchFamily="34" charset="0"/>
-              </a:rPr>
-              <a:t>CALLS</a:t>
-            </a:r>
-            <a:endParaRPr lang="en-US" sz="2800" dirty="0">
-              <a:ln w="0"/>
-              <a:solidFill>
-                <a:schemeClr val="bg1"/>
-              </a:solidFill>
-              <a:latin typeface="Century Gothic" panose="020B0502020202020204" pitchFamily="34" charset="0"/>
-            </a:endParaRPr>
+              <a:t> CALLS</a:t>
+            </a:r>
           </a:p>
           <a:p>
             <a:pPr>
@@ -7252,7 +7227,7 @@
               </a:lnSpc>
             </a:pPr>
             <a:r>
-              <a:rPr lang="en-US" sz="2800" dirty="0">
+              <a:rPr lang="en-US" sz="10920" dirty="0">
                 <a:ln w="0"/>
                 <a:solidFill>
                   <a:schemeClr val="bg2">
@@ -7264,7 +7239,7 @@
               <a:t>USE THE </a:t>
             </a:r>
             <a:r>
-              <a:rPr lang="en-US" sz="3200" b="1" dirty="0">
+              <a:rPr lang="en-US" sz="12480" b="1" dirty="0">
                 <a:ln w="0"/>
                 <a:solidFill>
                   <a:srgbClr val="FFFF00"/>
@@ -7281,7 +7256,7 @@
               <a:t>BREAKROOM</a:t>
             </a:r>
             <a:r>
-              <a:rPr lang="en-US" sz="2800" b="1" dirty="0">
+              <a:rPr lang="en-US" sz="10920" b="1" dirty="0">
                 <a:ln w="0"/>
                 <a:solidFill>
                   <a:schemeClr val="bg1"/>
@@ -7291,7 +7266,7 @@
               <a:t> </a:t>
             </a:r>
             <a:r>
-              <a:rPr lang="en-US" sz="2800" dirty="0">
+              <a:rPr lang="en-US" sz="10920" dirty="0">
                 <a:ln w="0"/>
                 <a:solidFill>
                   <a:schemeClr val="bg2">
@@ -7303,7 +7278,7 @@
               <a:t>TO</a:t>
             </a:r>
             <a:r>
-              <a:rPr lang="en-US" sz="2800" dirty="0">
+              <a:rPr lang="en-US" sz="10920" dirty="0">
                 <a:ln w="0"/>
                 <a:solidFill>
                   <a:schemeClr val="bg1"/>
@@ -7313,7 +7288,7 @@
               <a:t> </a:t>
             </a:r>
             <a:r>
-              <a:rPr lang="en-US" sz="3200" dirty="0">
+              <a:rPr lang="en-US" sz="12480" dirty="0">
                 <a:ln w="0"/>
                 <a:solidFill>
                   <a:schemeClr val="bg1"/>
@@ -7322,13 +7297,6 @@
               </a:rPr>
               <a:t>ANSWER PHONE CALLS</a:t>
             </a:r>
-            <a:endParaRPr lang="en-US" sz="3200" dirty="0">
-              <a:ln w="0"/>
-              <a:solidFill>
-                <a:schemeClr val="bg1"/>
-              </a:solidFill>
-              <a:latin typeface="Century Gothic" panose="020B0502020202020204" pitchFamily="34" charset="0"/>
-            </a:endParaRPr>
           </a:p>
         </p:txBody>
       </p:sp>
@@ -7362,8 +7330,8 @@
         </p:blipFill>
         <p:spPr bwMode="auto">
           <a:xfrm>
-            <a:off x="1185887" y="6106092"/>
-            <a:ext cx="2771726" cy="2771726"/>
+            <a:off x="4653535" y="23813759"/>
+            <a:ext cx="10809731" cy="10809731"/>
           </a:xfrm>
           <a:prstGeom prst="rect">
             <a:avLst/>
@@ -7494,23 +7462,16 @@
 </p:sld>
 </file>
 
-<file path=ppt/slides/slide10.xml><?xml version="1.0" encoding="utf-8"?>
+<file path=ppt/slides/slide2.xml><?xml version="1.0" encoding="utf-8"?>
 <p:sld xmlns:a="http://schemas.openxmlformats.org/drawingml/2006/main" xmlns:r="http://schemas.openxmlformats.org/officeDocument/2006/relationships" xmlns:p="http://schemas.openxmlformats.org/presentationml/2006/main">
   <p:cSld>
     <p:bg>
       <p:bgPr>
-        <a:gradFill flip="none" rotWithShape="1">
-          <a:gsLst>
-            <a:gs pos="0">
-              <a:srgbClr val="B8F34F"/>
-            </a:gs>
-            <a:gs pos="100000">
-              <a:srgbClr val="24BACE"/>
-            </a:gs>
-          </a:gsLst>
-          <a:lin ang="16200000" scaled="1"/>
-          <a:tileRect/>
-        </a:gradFill>
+        <a:solidFill>
+          <a:schemeClr val="accent1">
+            <a:lumMod val="75000"/>
+          </a:schemeClr>
+        </a:solidFill>
         <a:effectLst/>
       </p:bgPr>
     </p:bg>
@@ -7528,9 +7489,1222 @@
           <a:chExt cx="0" cy="0"/>
         </a:xfrm>
       </p:grpSpPr>
+      <p:sp>
+        <p:nvSpPr>
+          <p:cNvPr id="20" name="Rectangle 19"/>
+          <p:cNvSpPr/>
+          <p:nvPr/>
+        </p:nvSpPr>
+        <p:spPr>
+          <a:xfrm>
+            <a:off x="3671832" y="3540805"/>
+            <a:ext cx="15361235" cy="24322517"/>
+          </a:xfrm>
+          <a:prstGeom prst="rect">
+            <a:avLst/>
+          </a:prstGeom>
+          <a:noFill/>
+        </p:spPr>
+        <p:txBody>
+          <a:bodyPr wrap="square" lIns="102578" tIns="51289" rIns="102578" bIns="51289">
+            <a:spAutoFit/>
+          </a:bodyPr>
+          <a:lstStyle/>
+          <a:p>
+            <a:pPr>
+              <a:lnSpc>
+                <a:spcPct val="150000"/>
+              </a:lnSpc>
+            </a:pPr>
+            <a:r>
+              <a:rPr lang="en-US" sz="14040" dirty="0">
+                <a:ln w="0"/>
+                <a:solidFill>
+                  <a:schemeClr val="bg2">
+                    <a:lumMod val="90000"/>
+                  </a:schemeClr>
+                </a:solidFill>
+                <a:latin typeface="Century Gothic" panose="020B0502020202020204" pitchFamily="34" charset="0"/>
+              </a:rPr>
+              <a:t>IF NOT </a:t>
+            </a:r>
+            <a:r>
+              <a:rPr lang="en-US" sz="14040" dirty="0">
+                <a:ln w="0"/>
+                <a:solidFill>
+                  <a:schemeClr val="bg1"/>
+                </a:solidFill>
+                <a:latin typeface="Century Gothic" panose="020B0502020202020204" pitchFamily="34" charset="0"/>
+              </a:rPr>
+              <a:t>IMAGING</a:t>
+            </a:r>
+          </a:p>
+          <a:p>
+            <a:pPr>
+              <a:lnSpc>
+                <a:spcPct val="150000"/>
+              </a:lnSpc>
+            </a:pPr>
+            <a:r>
+              <a:rPr lang="en-US" sz="22400" b="1" dirty="0">
+                <a:ln w="3175">
+                  <a:noFill/>
+                </a:ln>
+                <a:solidFill>
+                  <a:srgbClr val="FF8585"/>
+                </a:solidFill>
+                <a:effectLst>
+                  <a:outerShdw blurRad="50800" dist="38100" dir="5400000" algn="t" rotWithShape="0">
+                    <a:prstClr val="black">
+                      <a:alpha val="40000"/>
+                    </a:prstClr>
+                  </a:outerShdw>
+                </a:effectLst>
+                <a:latin typeface="Century Gothic" panose="020B0502020202020204" pitchFamily="34" charset="0"/>
+              </a:rPr>
+              <a:t>DO NOT </a:t>
+            </a:r>
+            <a:r>
+              <a:rPr lang="en-US" sz="14040" dirty="0">
+                <a:ln w="0"/>
+                <a:solidFill>
+                  <a:schemeClr val="bg2">
+                    <a:lumMod val="90000"/>
+                  </a:schemeClr>
+                </a:solidFill>
+                <a:latin typeface="Century Gothic" panose="020B0502020202020204" pitchFamily="34" charset="0"/>
+              </a:rPr>
+              <a:t>CONNECT</a:t>
+            </a:r>
+            <a:r>
+              <a:rPr lang="en-US" sz="14040" dirty="0">
+                <a:ln w="0"/>
+                <a:solidFill>
+                  <a:schemeClr val="bg1"/>
+                </a:solidFill>
+                <a:latin typeface="Century Gothic" panose="020B0502020202020204" pitchFamily="34" charset="0"/>
+              </a:rPr>
+              <a:t> COMPUTERS</a:t>
+            </a:r>
+            <a:r>
+              <a:rPr lang="en-US" sz="14040" dirty="0">
+                <a:ln w="0"/>
+                <a:solidFill>
+                  <a:schemeClr val="bg2">
+                    <a:lumMod val="90000"/>
+                  </a:schemeClr>
+                </a:solidFill>
+                <a:latin typeface="Century Gothic" panose="020B0502020202020204" pitchFamily="34" charset="0"/>
+              </a:rPr>
+              <a:t> TO </a:t>
+            </a:r>
+            <a:r>
+              <a:rPr lang="en-US" sz="20200" b="1" dirty="0">
+                <a:ln w="0"/>
+                <a:solidFill>
+                  <a:schemeClr val="bg2">
+                    <a:lumMod val="90000"/>
+                  </a:schemeClr>
+                </a:solidFill>
+                <a:effectLst>
+                  <a:outerShdw blurRad="50800" dist="38100" dir="5400000" algn="t" rotWithShape="0">
+                    <a:prstClr val="black">
+                      <a:alpha val="40000"/>
+                    </a:prstClr>
+                  </a:outerShdw>
+                </a:effectLst>
+                <a:latin typeface="Century Gothic" panose="020B0502020202020204" pitchFamily="34" charset="0"/>
+              </a:rPr>
+              <a:t>WI-FI</a:t>
+            </a:r>
+            <a:r>
+              <a:rPr lang="en-US" sz="14040" dirty="0">
+                <a:ln w="0"/>
+                <a:solidFill>
+                  <a:schemeClr val="bg2">
+                    <a:lumMod val="90000"/>
+                  </a:schemeClr>
+                </a:solidFill>
+                <a:latin typeface="Century Gothic" panose="020B0502020202020204" pitchFamily="34" charset="0"/>
+              </a:rPr>
+              <a:t> OR </a:t>
+            </a:r>
+            <a:r>
+              <a:rPr lang="en-US" sz="20200" b="1" dirty="0">
+                <a:ln w="0"/>
+                <a:solidFill>
+                  <a:schemeClr val="bg1"/>
+                </a:solidFill>
+                <a:effectLst>
+                  <a:outerShdw blurRad="50800" dist="38100" dir="5400000" algn="t" rotWithShape="0">
+                    <a:prstClr val="black">
+                      <a:alpha val="40000"/>
+                    </a:prstClr>
+                  </a:outerShdw>
+                </a:effectLst>
+                <a:latin typeface="Century Gothic" panose="020B0502020202020204" pitchFamily="34" charset="0"/>
+              </a:rPr>
+              <a:t>ETHERNET</a:t>
+            </a:r>
+          </a:p>
+        </p:txBody>
+      </p:sp>
+      <p:grpSp>
+        <p:nvGrpSpPr>
+          <p:cNvPr id="33" name="Group 32"/>
+          <p:cNvGrpSpPr/>
+          <p:nvPr/>
+        </p:nvGrpSpPr>
+        <p:grpSpPr>
+          <a:xfrm>
+            <a:off x="4383032" y="27595149"/>
+            <a:ext cx="6454301" cy="5458717"/>
+            <a:chOff x="4509450" y="6247245"/>
+            <a:chExt cx="3262143" cy="3027852"/>
+          </a:xfrm>
+        </p:grpSpPr>
+        <p:pic>
+          <p:nvPicPr>
+            <p:cNvPr id="2058" name="Picture 10" descr="Related image"/>
+            <p:cNvPicPr>
+              <a:picLocks noChangeAspect="1" noChangeArrowheads="1"/>
+            </p:cNvPicPr>
+            <p:nvPr/>
+          </p:nvPicPr>
+          <p:blipFill>
+            <a:blip r:embed="rId2" cstate="print">
+              <a:lum bright="70000" contrast="-70000"/>
+              <a:extLst>
+                <a:ext uri="{28A0092B-C50C-407E-A947-70E740481C1C}">
+                  <a14:useLocalDpi xmlns:a14="http://schemas.microsoft.com/office/drawing/2010/main" val="0"/>
+                </a:ext>
+              </a:extLst>
+            </a:blip>
+            <a:srcRect/>
+            <a:stretch>
+              <a:fillRect/>
+            </a:stretch>
+          </p:blipFill>
+          <p:spPr bwMode="auto">
+            <a:xfrm>
+              <a:off x="4509450" y="6395996"/>
+              <a:ext cx="2879101" cy="2879101"/>
+            </a:xfrm>
+            <a:prstGeom prst="rect">
+              <a:avLst/>
+            </a:prstGeom>
+            <a:noFill/>
+            <a:ln>
+              <a:noFill/>
+            </a:ln>
+            <a:extLst>
+              <a:ext uri="{909E8E84-426E-40DD-AFC4-6F175D3DCCD1}">
+                <a14:hiddenFill xmlns:a14="http://schemas.microsoft.com/office/drawing/2010/main">
+                  <a:solidFill>
+                    <a:srgbClr val="FFFFFF"/>
+                  </a:solidFill>
+                </a14:hiddenFill>
+              </a:ext>
+            </a:extLst>
+          </p:spPr>
+        </p:pic>
+        <p:grpSp>
+          <p:nvGrpSpPr>
+            <p:cNvPr id="29" name="Group 28"/>
+            <p:cNvGrpSpPr/>
+            <p:nvPr/>
+          </p:nvGrpSpPr>
+          <p:grpSpPr>
+            <a:xfrm rot="2700000">
+              <a:off x="6034668" y="6247245"/>
+              <a:ext cx="1736925" cy="1736925"/>
+              <a:chOff x="14027409" y="4214713"/>
+              <a:chExt cx="3398472" cy="3398472"/>
+            </a:xfrm>
+            <a:effectLst>
+              <a:outerShdw blurRad="50800" dist="38100" dir="5400000" algn="t" rotWithShape="0">
+                <a:prstClr val="black">
+                  <a:alpha val="40000"/>
+                </a:prstClr>
+              </a:outerShdw>
+            </a:effectLst>
+          </p:grpSpPr>
+          <p:sp>
+            <p:nvSpPr>
+              <p:cNvPr id="24" name="Rounded Rectangle 23"/>
+              <p:cNvSpPr/>
+              <p:nvPr/>
+            </p:nvSpPr>
+            <p:spPr>
+              <a:xfrm rot="5400000">
+                <a:off x="14027409" y="5588520"/>
+                <a:ext cx="3398472" cy="650857"/>
+              </a:xfrm>
+              <a:prstGeom prst="roundRect">
+                <a:avLst>
+                  <a:gd name="adj" fmla="val 50000"/>
+                </a:avLst>
+              </a:prstGeom>
+              <a:solidFill>
+                <a:srgbClr val="FF5353"/>
+              </a:solidFill>
+              <a:ln>
+                <a:noFill/>
+              </a:ln>
+            </p:spPr>
+            <p:style>
+              <a:lnRef idx="2">
+                <a:schemeClr val="accent1">
+                  <a:shade val="50000"/>
+                </a:schemeClr>
+              </a:lnRef>
+              <a:fillRef idx="1">
+                <a:schemeClr val="accent1"/>
+              </a:fillRef>
+              <a:effectRef idx="0">
+                <a:schemeClr val="accent1"/>
+              </a:effectRef>
+              <a:fontRef idx="minor">
+                <a:schemeClr val="lt1"/>
+              </a:fontRef>
+            </p:style>
+            <p:txBody>
+              <a:bodyPr rot="0" spcFirstLastPara="0" vertOverflow="overflow" horzOverflow="overflow" vert="horz" wrap="square" lIns="102578" tIns="51289" rIns="102578" bIns="51289" numCol="1" spcCol="0" rtlCol="0" fromWordArt="0" anchor="ctr" anchorCtr="0" forceAA="0" compatLnSpc="1">
+                <a:prstTxWarp prst="textNoShape">
+                  <a:avLst/>
+                </a:prstTxWarp>
+                <a:noAutofit/>
+              </a:bodyPr>
+              <a:lstStyle/>
+              <a:p>
+                <a:pPr algn="ctr"/>
+                <a:endParaRPr lang="en-US" sz="1034"/>
+              </a:p>
+            </p:txBody>
+          </p:sp>
+          <p:sp>
+            <p:nvSpPr>
+              <p:cNvPr id="38" name="Rounded Rectangle 37"/>
+              <p:cNvSpPr/>
+              <p:nvPr/>
+            </p:nvSpPr>
+            <p:spPr>
+              <a:xfrm rot="10800000">
+                <a:off x="14027409" y="5576441"/>
+                <a:ext cx="3398472" cy="650857"/>
+              </a:xfrm>
+              <a:prstGeom prst="roundRect">
+                <a:avLst>
+                  <a:gd name="adj" fmla="val 50000"/>
+                </a:avLst>
+              </a:prstGeom>
+              <a:solidFill>
+                <a:srgbClr val="FF5353"/>
+              </a:solidFill>
+              <a:ln>
+                <a:noFill/>
+              </a:ln>
+            </p:spPr>
+            <p:style>
+              <a:lnRef idx="2">
+                <a:schemeClr val="accent1">
+                  <a:shade val="50000"/>
+                </a:schemeClr>
+              </a:lnRef>
+              <a:fillRef idx="1">
+                <a:schemeClr val="accent1"/>
+              </a:fillRef>
+              <a:effectRef idx="0">
+                <a:schemeClr val="accent1"/>
+              </a:effectRef>
+              <a:fontRef idx="minor">
+                <a:schemeClr val="lt1"/>
+              </a:fontRef>
+            </p:style>
+            <p:txBody>
+              <a:bodyPr rot="0" spcFirstLastPara="0" vertOverflow="overflow" horzOverflow="overflow" vert="horz" wrap="square" lIns="102578" tIns="51289" rIns="102578" bIns="51289" numCol="1" spcCol="0" rtlCol="0" fromWordArt="0" anchor="ctr" anchorCtr="0" forceAA="0" compatLnSpc="1">
+                <a:prstTxWarp prst="textNoShape">
+                  <a:avLst/>
+                </a:prstTxWarp>
+                <a:noAutofit/>
+              </a:bodyPr>
+              <a:lstStyle/>
+              <a:p>
+                <a:pPr algn="ctr"/>
+                <a:endParaRPr lang="en-US" sz="1034"/>
+              </a:p>
+            </p:txBody>
+          </p:sp>
+        </p:grpSp>
+      </p:grpSp>
+      <p:grpSp>
+        <p:nvGrpSpPr>
+          <p:cNvPr id="34" name="Group 33"/>
+          <p:cNvGrpSpPr/>
+          <p:nvPr/>
+        </p:nvGrpSpPr>
+        <p:grpSpPr>
+          <a:xfrm>
+            <a:off x="11912886" y="27676912"/>
+            <a:ext cx="4681781" cy="3975525"/>
+            <a:chOff x="10804016" y="6490280"/>
+            <a:chExt cx="2919154" cy="2478794"/>
+          </a:xfrm>
+        </p:grpSpPr>
+        <p:pic>
+          <p:nvPicPr>
+            <p:cNvPr id="2062" name="Picture 14" descr="Image result for ethernet png icon"/>
+            <p:cNvPicPr>
+              <a:picLocks noChangeAspect="1" noChangeArrowheads="1"/>
+            </p:cNvPicPr>
+            <p:nvPr/>
+          </p:nvPicPr>
+          <p:blipFill>
+            <a:blip r:embed="rId3" cstate="print">
+              <a:lum bright="70000" contrast="-70000"/>
+              <a:extLst>
+                <a:ext uri="{28A0092B-C50C-407E-A947-70E740481C1C}">
+                  <a14:useLocalDpi xmlns:a14="http://schemas.microsoft.com/office/drawing/2010/main" val="0"/>
+                </a:ext>
+              </a:extLst>
+            </a:blip>
+            <a:srcRect/>
+            <a:stretch>
+              <a:fillRect/>
+            </a:stretch>
+          </p:blipFill>
+          <p:spPr bwMode="auto">
+            <a:xfrm>
+              <a:off x="10804016" y="6873453"/>
+              <a:ext cx="2097760" cy="2095621"/>
+            </a:xfrm>
+            <a:prstGeom prst="rect">
+              <a:avLst/>
+            </a:prstGeom>
+            <a:noFill/>
+            <a:extLst>
+              <a:ext uri="{909E8E84-426E-40DD-AFC4-6F175D3DCCD1}">
+                <a14:hiddenFill xmlns:a14="http://schemas.microsoft.com/office/drawing/2010/main">
+                  <a:solidFill>
+                    <a:srgbClr val="FFFFFF"/>
+                  </a:solidFill>
+                </a14:hiddenFill>
+              </a:ext>
+            </a:extLst>
+          </p:spPr>
+        </p:pic>
+        <p:pic>
+          <p:nvPicPr>
+            <p:cNvPr id="32" name="Picture 31"/>
+            <p:cNvPicPr>
+              <a:picLocks noChangeAspect="1"/>
+            </p:cNvPicPr>
+            <p:nvPr/>
+          </p:nvPicPr>
+          <p:blipFill>
+            <a:blip r:embed="rId4"/>
+            <a:stretch>
+              <a:fillRect/>
+            </a:stretch>
+          </p:blipFill>
+          <p:spPr>
+            <a:xfrm>
+              <a:off x="12388030" y="6490280"/>
+              <a:ext cx="1335140" cy="1335140"/>
+            </a:xfrm>
+            <a:prstGeom prst="rect">
+              <a:avLst/>
+            </a:prstGeom>
+            <a:effectLst>
+              <a:outerShdw blurRad="50800" dist="38100" dir="5400000" algn="t" rotWithShape="0">
+                <a:prstClr val="black">
+                  <a:alpha val="40000"/>
+                </a:prstClr>
+              </a:outerShdw>
+            </a:effectLst>
+          </p:spPr>
+        </p:pic>
+      </p:grpSp>
+    </p:spTree>
+    <p:extLst>
+      <p:ext uri="{BB962C8B-B14F-4D97-AF65-F5344CB8AC3E}">
+        <p14:creationId xmlns:p14="http://schemas.microsoft.com/office/powerpoint/2010/main" val="1065445114"/>
+      </p:ext>
+    </p:extLst>
+  </p:cSld>
+  <p:clrMapOvr>
+    <a:masterClrMapping/>
+  </p:clrMapOvr>
+  <mc:AlternateContent xmlns:mc="http://schemas.openxmlformats.org/markup-compatibility/2006" xmlns:p14="http://schemas.microsoft.com/office/powerpoint/2010/main">
+    <mc:Choice Requires="p14">
+      <p:transition spd="slow" p14:dur="1250" advTm="6000">
+        <p14:flip dir="r"/>
+      </p:transition>
+    </mc:Choice>
+    <mc:Fallback xmlns="">
+      <p:transition spd="slow" advTm="6000">
+        <p:fade/>
+      </p:transition>
+    </mc:Fallback>
+  </mc:AlternateContent>
+  <p:timing>
+    <p:tnLst>
+      <p:par>
+        <p:cTn id="1" dur="indefinite" restart="never" nodeType="tmRoot">
+          <p:childTnLst>
+            <p:seq concurrent="1" nextAc="seek">
+              <p:cTn id="2" dur="indefinite" nodeType="mainSeq">
+                <p:childTnLst>
+                  <p:par>
+                    <p:cTn id="3" fill="hold">
+                      <p:stCondLst>
+                        <p:cond delay="indefinite"/>
+                        <p:cond evt="onBegin" delay="0">
+                          <p:tn val="2"/>
+                        </p:cond>
+                      </p:stCondLst>
+                      <p:childTnLst>
+                        <p:par>
+                          <p:cTn id="4" fill="hold">
+                            <p:stCondLst>
+                              <p:cond delay="0"/>
+                            </p:stCondLst>
+                            <p:childTnLst>
+                              <p:par>
+                                <p:cTn id="5" presetID="22" presetClass="entr" presetSubtype="1" fill="hold" grpId="0" nodeType="afterEffect">
+                                  <p:stCondLst>
+                                    <p:cond delay="0"/>
+                                  </p:stCondLst>
+                                  <p:childTnLst>
+                                    <p:set>
+                                      <p:cBhvr>
+                                        <p:cTn id="6" dur="1" fill="hold">
+                                          <p:stCondLst>
+                                            <p:cond delay="0"/>
+                                          </p:stCondLst>
+                                        </p:cTn>
+                                        <p:tgtEl>
+                                          <p:spTgt spid="20"/>
+                                        </p:tgtEl>
+                                        <p:attrNameLst>
+                                          <p:attrName>style.visibility</p:attrName>
+                                        </p:attrNameLst>
+                                      </p:cBhvr>
+                                      <p:to>
+                                        <p:strVal val="visible"/>
+                                      </p:to>
+                                    </p:set>
+                                    <p:animEffect transition="in" filter="wipe(up)">
+                                      <p:cBhvr>
+                                        <p:cTn id="7" dur="1000"/>
+                                        <p:tgtEl>
+                                          <p:spTgt spid="20"/>
+                                        </p:tgtEl>
+                                      </p:cBhvr>
+                                    </p:animEffect>
+                                  </p:childTnLst>
+                                </p:cTn>
+                              </p:par>
+                            </p:childTnLst>
+                          </p:cTn>
+                        </p:par>
+                      </p:childTnLst>
+                    </p:cTn>
+                  </p:par>
+                </p:childTnLst>
+              </p:cTn>
+              <p:prevCondLst>
+                <p:cond evt="onPrev" delay="0">
+                  <p:tgtEl>
+                    <p:sldTgt/>
+                  </p:tgtEl>
+                </p:cond>
+              </p:prevCondLst>
+              <p:nextCondLst>
+                <p:cond evt="onNext" delay="0">
+                  <p:tgtEl>
+                    <p:sldTgt/>
+                  </p:tgtEl>
+                </p:cond>
+              </p:nextCondLst>
+            </p:seq>
+          </p:childTnLst>
+        </p:cTn>
+      </p:par>
+    </p:tnLst>
+    <p:bldLst>
+      <p:bldP spid="20" grpId="0"/>
+    </p:bldLst>
+  </p:timing>
+</p:sld>
+</file>
+
+<file path=ppt/slides/slide3.xml><?xml version="1.0" encoding="utf-8"?>
+<p:sld xmlns:a="http://schemas.openxmlformats.org/drawingml/2006/main" xmlns:r="http://schemas.openxmlformats.org/officeDocument/2006/relationships" xmlns:p="http://schemas.openxmlformats.org/presentationml/2006/main">
+  <p:cSld>
+    <p:bg>
+      <p:bgPr>
+        <a:solidFill>
+          <a:schemeClr val="accent1">
+            <a:lumMod val="75000"/>
+          </a:schemeClr>
+        </a:solidFill>
+        <a:effectLst/>
+      </p:bgPr>
+    </p:bg>
+    <p:spTree>
+      <p:nvGrpSpPr>
+        <p:cNvPr id="1" name=""/>
+        <p:cNvGrpSpPr/>
+        <p:nvPr/>
+      </p:nvGrpSpPr>
+      <p:grpSpPr>
+        <a:xfrm>
+          <a:off x="0" y="0"/>
+          <a:ext cx="0" cy="0"/>
+          <a:chOff x="0" y="0"/>
+          <a:chExt cx="0" cy="0"/>
+        </a:xfrm>
+      </p:grpSpPr>
+      <p:sp>
+        <p:nvSpPr>
+          <p:cNvPr id="12" name="Rectangle 11"/>
+          <p:cNvSpPr/>
+          <p:nvPr/>
+        </p:nvSpPr>
+        <p:spPr>
+          <a:xfrm>
+            <a:off x="3645006" y="3162425"/>
+            <a:ext cx="15896060" cy="18498359"/>
+          </a:xfrm>
+          <a:prstGeom prst="rect">
+            <a:avLst/>
+          </a:prstGeom>
+          <a:noFill/>
+          <a:effectLst/>
+        </p:spPr>
+        <p:txBody>
+          <a:bodyPr wrap="square" lIns="102578" tIns="51289" rIns="102578" bIns="51289">
+            <a:spAutoFit/>
+          </a:bodyPr>
+          <a:lstStyle/>
+          <a:p>
+            <a:pPr>
+              <a:spcAft>
+                <a:spcPts val="675"/>
+              </a:spcAft>
+            </a:pPr>
+            <a:r>
+              <a:rPr lang="en-US" sz="19900" dirty="0">
+                <a:ln w="0"/>
+                <a:solidFill>
+                  <a:schemeClr val="bg1"/>
+                </a:solidFill>
+                <a:latin typeface="Century Gothic" panose="020B0502020202020204" pitchFamily="34" charset="0"/>
+              </a:rPr>
+              <a:t>BEFORE </a:t>
+            </a:r>
+            <a:r>
+              <a:rPr lang="en-US" sz="19900" dirty="0">
+                <a:ln w="0"/>
+                <a:solidFill>
+                  <a:srgbClr val="B2B2B2"/>
+                </a:solidFill>
+                <a:latin typeface="Century Gothic" panose="020B0502020202020204" pitchFamily="34" charset="0"/>
+              </a:rPr>
+              <a:t>STAGING</a:t>
+            </a:r>
+          </a:p>
+          <a:p>
+            <a:pPr>
+              <a:spcAft>
+                <a:spcPts val="675"/>
+              </a:spcAft>
+            </a:pPr>
+            <a:r>
+              <a:rPr lang="en-US" sz="13800" b="1" dirty="0">
+                <a:ln w="0"/>
+                <a:solidFill>
+                  <a:srgbClr val="B0DD7F"/>
+                </a:solidFill>
+                <a:effectLst>
+                  <a:outerShdw blurRad="50800" dist="38100" dir="5400000" algn="t" rotWithShape="0">
+                    <a:prstClr val="black">
+                      <a:alpha val="40000"/>
+                    </a:prstClr>
+                  </a:outerShdw>
+                </a:effectLst>
+                <a:latin typeface="Century Gothic" panose="020B0502020202020204" pitchFamily="34" charset="0"/>
+              </a:rPr>
+              <a:t>ALWAYS INSPECT</a:t>
+            </a:r>
+          </a:p>
+          <a:p>
+            <a:pPr>
+              <a:spcAft>
+                <a:spcPts val="675"/>
+              </a:spcAft>
+            </a:pPr>
+            <a:r>
+              <a:rPr lang="en-US" sz="13800" dirty="0">
+                <a:ln w="0"/>
+                <a:solidFill>
+                  <a:srgbClr val="B2B2B2"/>
+                </a:solidFill>
+                <a:latin typeface="Century Gothic" panose="020B0502020202020204" pitchFamily="34" charset="0"/>
+              </a:rPr>
+              <a:t>WORK BENCH </a:t>
+            </a:r>
+            <a:endParaRPr lang="en-US" sz="16600" dirty="0">
+              <a:ln w="0"/>
+              <a:solidFill>
+                <a:srgbClr val="B2B2B2"/>
+              </a:solidFill>
+              <a:latin typeface="Century Gothic" panose="020B0502020202020204" pitchFamily="34" charset="0"/>
+            </a:endParaRPr>
+          </a:p>
+          <a:p>
+            <a:pPr>
+              <a:spcAft>
+                <a:spcPts val="675"/>
+              </a:spcAft>
+            </a:pPr>
+            <a:r>
+              <a:rPr lang="en-US" sz="16600" dirty="0">
+                <a:ln w="0"/>
+                <a:solidFill>
+                  <a:srgbClr val="B2B2B2"/>
+                </a:solidFill>
+                <a:latin typeface="Century Gothic" panose="020B0502020202020204" pitchFamily="34" charset="0"/>
+              </a:rPr>
+              <a:t>FOR</a:t>
+            </a:r>
+            <a:r>
+              <a:rPr lang="en-US" sz="16600" b="1" dirty="0">
+                <a:ln w="0"/>
+                <a:solidFill>
+                  <a:schemeClr val="bg1"/>
+                </a:solidFill>
+                <a:latin typeface="Century Gothic" panose="020B0502020202020204" pitchFamily="34" charset="0"/>
+              </a:rPr>
+              <a:t> </a:t>
+            </a:r>
+            <a:r>
+              <a:rPr lang="en-US" sz="16600" b="1" dirty="0">
+                <a:ln w="0"/>
+                <a:solidFill>
+                  <a:schemeClr val="bg1"/>
+                </a:solidFill>
+                <a:effectLst>
+                  <a:outerShdw blurRad="50800" dist="38100" dir="5400000" algn="t" rotWithShape="0">
+                    <a:prstClr val="black">
+                      <a:alpha val="40000"/>
+                    </a:prstClr>
+                  </a:outerShdw>
+                </a:effectLst>
+                <a:latin typeface="Century Gothic" panose="020B0502020202020204" pitchFamily="34" charset="0"/>
+              </a:rPr>
+              <a:t>ACCESSORIES</a:t>
+            </a:r>
+          </a:p>
+          <a:p>
+            <a:pPr>
+              <a:spcAft>
+                <a:spcPts val="675"/>
+              </a:spcAft>
+            </a:pPr>
+            <a:r>
+              <a:rPr lang="en-US" sz="16600" dirty="0">
+                <a:ln w="0"/>
+                <a:solidFill>
+                  <a:srgbClr val="B2B2B2"/>
+                </a:solidFill>
+                <a:latin typeface="Century Gothic" panose="020B0502020202020204" pitchFamily="34" charset="0"/>
+              </a:rPr>
+              <a:t>LEFT </a:t>
+            </a:r>
+            <a:r>
+              <a:rPr lang="en-US" sz="16600" dirty="0">
+                <a:ln w="0"/>
+                <a:solidFill>
+                  <a:schemeClr val="bg1"/>
+                </a:solidFill>
+                <a:latin typeface="Century Gothic" panose="020B0502020202020204" pitchFamily="34" charset="0"/>
+              </a:rPr>
+              <a:t>BEHIND</a:t>
+            </a:r>
+          </a:p>
+        </p:txBody>
+      </p:sp>
       <p:pic>
         <p:nvPicPr>
-          <p:cNvPr id="3" name="Picture 2" descr="Image result for BOX PNG ICON"/>
+          <p:cNvPr id="2" name="Picture 1"/>
+          <p:cNvPicPr>
+            <a:picLocks noChangeAspect="1"/>
+          </p:cNvPicPr>
+          <p:nvPr/>
+        </p:nvPicPr>
+        <p:blipFill>
+          <a:blip r:embed="rId2" cstate="print">
+            <a:lum bright="70000" contrast="-70000"/>
+            <a:extLst>
+              <a:ext uri="{28A0092B-C50C-407E-A947-70E740481C1C}">
+                <a14:useLocalDpi xmlns:a14="http://schemas.microsoft.com/office/drawing/2010/main" val="0"/>
+              </a:ext>
+            </a:extLst>
+          </a:blip>
+          <a:stretch>
+            <a:fillRect/>
+          </a:stretch>
+        </p:blipFill>
+        <p:spPr>
+          <a:xfrm rot="19516514">
+            <a:off x="2050003" y="24307077"/>
+            <a:ext cx="7827786" cy="5215263"/>
+          </a:xfrm>
+          <a:prstGeom prst="rect">
+            <a:avLst/>
+          </a:prstGeom>
+        </p:spPr>
+      </p:pic>
+      <p:pic>
+        <p:nvPicPr>
+          <p:cNvPr id="1026" name="Picture 2" descr="Image result for mouse png icon"/>
+          <p:cNvPicPr>
+            <a:picLocks noChangeAspect="1" noChangeArrowheads="1"/>
+          </p:cNvPicPr>
+          <p:nvPr/>
+        </p:nvPicPr>
+        <p:blipFill>
+          <a:blip r:embed="rId3" cstate="print">
+            <a:lum bright="70000" contrast="-70000"/>
+            <a:extLst>
+              <a:ext uri="{28A0092B-C50C-407E-A947-70E740481C1C}">
+                <a14:useLocalDpi xmlns:a14="http://schemas.microsoft.com/office/drawing/2010/main" val="0"/>
+              </a:ext>
+            </a:extLst>
+          </a:blip>
+          <a:srcRect/>
+          <a:stretch>
+            <a:fillRect/>
+          </a:stretch>
+        </p:blipFill>
+        <p:spPr bwMode="auto">
+          <a:xfrm rot="19275716">
+            <a:off x="9870213" y="25211900"/>
+            <a:ext cx="3150891" cy="3150891"/>
+          </a:xfrm>
+          <a:prstGeom prst="rect">
+            <a:avLst/>
+          </a:prstGeom>
+          <a:noFill/>
+          <a:extLst>
+            <a:ext uri="{909E8E84-426E-40DD-AFC4-6F175D3DCCD1}">
+              <a14:hiddenFill xmlns:a14="http://schemas.microsoft.com/office/drawing/2010/main">
+                <a:solidFill>
+                  <a:srgbClr val="FFFFFF"/>
+                </a:solidFill>
+              </a14:hiddenFill>
+            </a:ext>
+          </a:extLst>
+        </p:spPr>
+      </p:pic>
+      <p:pic>
+        <p:nvPicPr>
+          <p:cNvPr id="1028" name="Picture 4" descr="Image result for FLASH DRIVE png icon"/>
+          <p:cNvPicPr>
+            <a:picLocks noChangeAspect="1" noChangeArrowheads="1"/>
+          </p:cNvPicPr>
+          <p:nvPr/>
+        </p:nvPicPr>
+        <p:blipFill>
+          <a:blip r:embed="rId4" cstate="print">
+            <a:lum bright="70000" contrast="-70000"/>
+            <a:extLst>
+              <a:ext uri="{28A0092B-C50C-407E-A947-70E740481C1C}">
+                <a14:useLocalDpi xmlns:a14="http://schemas.microsoft.com/office/drawing/2010/main" val="0"/>
+              </a:ext>
+            </a:extLst>
+          </a:blip>
+          <a:srcRect/>
+          <a:stretch>
+            <a:fillRect/>
+          </a:stretch>
+        </p:blipFill>
+        <p:spPr bwMode="auto">
+          <a:xfrm>
+            <a:off x="13986542" y="25615011"/>
+            <a:ext cx="3387057" cy="3387057"/>
+          </a:xfrm>
+          <a:prstGeom prst="rect">
+            <a:avLst/>
+          </a:prstGeom>
+          <a:noFill/>
+          <a:extLst>
+            <a:ext uri="{909E8E84-426E-40DD-AFC4-6F175D3DCCD1}">
+              <a14:hiddenFill xmlns:a14="http://schemas.microsoft.com/office/drawing/2010/main">
+                <a:solidFill>
+                  <a:srgbClr val="FFFFFF"/>
+                </a:solidFill>
+              </a14:hiddenFill>
+            </a:ext>
+          </a:extLst>
+        </p:spPr>
+      </p:pic>
+    </p:spTree>
+    <p:extLst>
+      <p:ext uri="{BB962C8B-B14F-4D97-AF65-F5344CB8AC3E}">
+        <p14:creationId xmlns:p14="http://schemas.microsoft.com/office/powerpoint/2010/main" val="3475677926"/>
+      </p:ext>
+    </p:extLst>
+  </p:cSld>
+  <p:clrMapOvr>
+    <a:masterClrMapping/>
+  </p:clrMapOvr>
+  <mc:AlternateContent xmlns:mc="http://schemas.openxmlformats.org/markup-compatibility/2006" xmlns:p14="http://schemas.microsoft.com/office/powerpoint/2010/main">
+    <mc:Choice Requires="p14">
+      <p:transition spd="slow" p14:dur="1250" advTm="6000">
+        <p14:flip dir="r"/>
+      </p:transition>
+    </mc:Choice>
+    <mc:Fallback xmlns="">
+      <p:transition spd="slow" advTm="6000">
+        <p:fade/>
+      </p:transition>
+    </mc:Fallback>
+  </mc:AlternateContent>
+  <p:timing>
+    <p:tnLst>
+      <p:par>
+        <p:cTn id="1" dur="indefinite" restart="never" nodeType="tmRoot">
+          <p:childTnLst>
+            <p:seq concurrent="1" nextAc="seek">
+              <p:cTn id="2" dur="indefinite" nodeType="mainSeq">
+                <p:childTnLst>
+                  <p:par>
+                    <p:cTn id="3" fill="hold">
+                      <p:stCondLst>
+                        <p:cond delay="indefinite"/>
+                        <p:cond evt="onBegin" delay="0">
+                          <p:tn val="2"/>
+                        </p:cond>
+                      </p:stCondLst>
+                      <p:childTnLst>
+                        <p:par>
+                          <p:cTn id="4" fill="hold">
+                            <p:stCondLst>
+                              <p:cond delay="0"/>
+                            </p:stCondLst>
+                            <p:childTnLst>
+                              <p:par>
+                                <p:cTn id="5" presetID="10" presetClass="entr" presetSubtype="0" fill="hold" grpId="0" nodeType="withEffect">
+                                  <p:stCondLst>
+                                    <p:cond delay="0"/>
+                                  </p:stCondLst>
+                                  <p:childTnLst>
+                                    <p:set>
+                                      <p:cBhvr>
+                                        <p:cTn id="6" dur="1" fill="hold">
+                                          <p:stCondLst>
+                                            <p:cond delay="0"/>
+                                          </p:stCondLst>
+                                        </p:cTn>
+                                        <p:tgtEl>
+                                          <p:spTgt spid="12"/>
+                                        </p:tgtEl>
+                                        <p:attrNameLst>
+                                          <p:attrName>style.visibility</p:attrName>
+                                        </p:attrNameLst>
+                                      </p:cBhvr>
+                                      <p:to>
+                                        <p:strVal val="visible"/>
+                                      </p:to>
+                                    </p:set>
+                                    <p:animEffect transition="in" filter="fade">
+                                      <p:cBhvr>
+                                        <p:cTn id="7" dur="500"/>
+                                        <p:tgtEl>
+                                          <p:spTgt spid="12"/>
+                                        </p:tgtEl>
+                                      </p:cBhvr>
+                                    </p:animEffect>
+                                  </p:childTnLst>
+                                </p:cTn>
+                              </p:par>
+                            </p:childTnLst>
+                          </p:cTn>
+                        </p:par>
+                        <p:par>
+                          <p:cTn id="8" fill="hold">
+                            <p:stCondLst>
+                              <p:cond delay="500"/>
+                            </p:stCondLst>
+                            <p:childTnLst>
+                              <p:par>
+                                <p:cTn id="9" presetID="26" presetClass="emph" presetSubtype="0" repeatCount="3000" fill="hold" grpId="1" nodeType="afterEffect">
+                                  <p:stCondLst>
+                                    <p:cond delay="0"/>
+                                  </p:stCondLst>
+                                  <p:childTnLst>
+                                    <p:animEffect transition="out" filter="fade">
+                                      <p:cBhvr>
+                                        <p:cTn id="10" dur="500" tmFilter="0, 0; .2, .5; .8, .5; 1, 0"/>
+                                        <p:tgtEl>
+                                          <p:spTgt spid="12"/>
+                                        </p:tgtEl>
+                                      </p:cBhvr>
+                                    </p:animEffect>
+                                    <p:animScale>
+                                      <p:cBhvr>
+                                        <p:cTn id="11" dur="250" autoRev="1" fill="hold"/>
+                                        <p:tgtEl>
+                                          <p:spTgt spid="12"/>
+                                        </p:tgtEl>
+                                      </p:cBhvr>
+                                      <p:by x="105000" y="105000"/>
+                                    </p:animScale>
+                                  </p:childTnLst>
+                                </p:cTn>
+                              </p:par>
+                            </p:childTnLst>
+                          </p:cTn>
+                        </p:par>
+                      </p:childTnLst>
+                    </p:cTn>
+                  </p:par>
+                </p:childTnLst>
+              </p:cTn>
+              <p:prevCondLst>
+                <p:cond evt="onPrev" delay="0">
+                  <p:tgtEl>
+                    <p:sldTgt/>
+                  </p:tgtEl>
+                </p:cond>
+              </p:prevCondLst>
+              <p:nextCondLst>
+                <p:cond evt="onNext" delay="0">
+                  <p:tgtEl>
+                    <p:sldTgt/>
+                  </p:tgtEl>
+                </p:cond>
+              </p:nextCondLst>
+            </p:seq>
+          </p:childTnLst>
+        </p:cTn>
+      </p:par>
+    </p:tnLst>
+    <p:bldLst>
+      <p:bldP spid="12" grpId="0"/>
+      <p:bldP spid="12" grpId="1"/>
+    </p:bldLst>
+  </p:timing>
+</p:sld>
+</file>
+
+<file path=ppt/slides/slide4.xml><?xml version="1.0" encoding="utf-8"?>
+<p:sld xmlns:a="http://schemas.openxmlformats.org/drawingml/2006/main" xmlns:r="http://schemas.openxmlformats.org/officeDocument/2006/relationships" xmlns:p="http://schemas.openxmlformats.org/presentationml/2006/main">
+  <p:cSld>
+    <p:bg>
+      <p:bgPr>
+        <a:solidFill>
+          <a:schemeClr val="accent1">
+            <a:lumMod val="75000"/>
+          </a:schemeClr>
+        </a:solidFill>
+        <a:effectLst/>
+      </p:bgPr>
+    </p:bg>
+    <p:spTree>
+      <p:nvGrpSpPr>
+        <p:cNvPr id="1" name=""/>
+        <p:cNvGrpSpPr/>
+        <p:nvPr/>
+      </p:nvGrpSpPr>
+      <p:grpSpPr>
+        <a:xfrm>
+          <a:off x="0" y="0"/>
+          <a:ext cx="0" cy="0"/>
+          <a:chOff x="0" y="0"/>
+          <a:chExt cx="0" cy="0"/>
+        </a:xfrm>
+      </p:grpSpPr>
+      <p:sp>
+        <p:nvSpPr>
+          <p:cNvPr id="7" name="Rectangle 6"/>
+          <p:cNvSpPr/>
+          <p:nvPr/>
+        </p:nvSpPr>
+        <p:spPr>
+          <a:xfrm>
+            <a:off x="4183664" y="3482345"/>
+            <a:ext cx="13904982" cy="20647665"/>
+          </a:xfrm>
+          <a:prstGeom prst="rect">
+            <a:avLst/>
+          </a:prstGeom>
+          <a:noFill/>
+        </p:spPr>
+        <p:txBody>
+          <a:bodyPr wrap="square" lIns="102578" tIns="51289" rIns="102578" bIns="51289">
+            <a:spAutoFit/>
+          </a:bodyPr>
+          <a:lstStyle/>
+          <a:p>
+            <a:pPr>
+              <a:lnSpc>
+                <a:spcPct val="150000"/>
+              </a:lnSpc>
+            </a:pPr>
+            <a:r>
+              <a:rPr lang="en-US" sz="13800" dirty="0">
+                <a:ln w="0"/>
+                <a:solidFill>
+                  <a:schemeClr val="bg1"/>
+                </a:solidFill>
+                <a:latin typeface="Century Gothic" panose="020B0502020202020204" pitchFamily="34" charset="0"/>
+              </a:rPr>
+              <a:t>SHIPPING LABELS</a:t>
+            </a:r>
+          </a:p>
+          <a:p>
+            <a:pPr>
+              <a:lnSpc>
+                <a:spcPct val="150000"/>
+              </a:lnSpc>
+            </a:pPr>
+            <a:r>
+              <a:rPr lang="en-US" sz="8800" dirty="0">
+                <a:ln w="0"/>
+                <a:solidFill>
+                  <a:srgbClr val="B2B2B2"/>
+                </a:solidFill>
+                <a:latin typeface="Century Gothic" panose="020B0502020202020204" pitchFamily="34" charset="0"/>
+              </a:rPr>
+              <a:t>WHEN </a:t>
+            </a:r>
+            <a:r>
+              <a:rPr lang="en-US" sz="8800" dirty="0">
+                <a:ln w="0"/>
+                <a:solidFill>
+                  <a:srgbClr val="92D050"/>
+                </a:solidFill>
+                <a:latin typeface="Century Gothic" panose="020B0502020202020204" pitchFamily="34" charset="0"/>
+              </a:rPr>
+              <a:t>PRINTING LABELS</a:t>
+            </a:r>
+            <a:r>
+              <a:rPr lang="en-US" sz="8800" dirty="0">
+                <a:ln w="0"/>
+                <a:solidFill>
+                  <a:prstClr val="white"/>
+                </a:solidFill>
+                <a:latin typeface="Century Gothic" panose="020B0502020202020204" pitchFamily="34" charset="0"/>
+              </a:rPr>
+              <a:t> </a:t>
+            </a:r>
+          </a:p>
+          <a:p>
+            <a:pPr>
+              <a:lnSpc>
+                <a:spcPct val="150000"/>
+              </a:lnSpc>
+            </a:pPr>
+            <a:r>
+              <a:rPr lang="en-US" sz="16600" b="1" dirty="0">
+                <a:ln w="0"/>
+                <a:solidFill>
+                  <a:prstClr val="white"/>
+                </a:solidFill>
+                <a:effectLst>
+                  <a:outerShdw blurRad="50800" dist="38100" dir="5400000" algn="t" rotWithShape="0">
+                    <a:prstClr val="black">
+                      <a:alpha val="40000"/>
+                    </a:prstClr>
+                  </a:outerShdw>
+                </a:effectLst>
+                <a:latin typeface="Century Gothic" panose="020B0502020202020204" pitchFamily="34" charset="0"/>
+              </a:rPr>
+              <a:t>ALWAYS</a:t>
+            </a:r>
+            <a:r>
+              <a:rPr lang="en-US" sz="16600" dirty="0">
+                <a:ln w="0"/>
+                <a:solidFill>
+                  <a:prstClr val="white"/>
+                </a:solidFill>
+                <a:latin typeface="Century Gothic" panose="020B0502020202020204" pitchFamily="34" charset="0"/>
+              </a:rPr>
+              <a:t> </a:t>
+            </a:r>
+            <a:r>
+              <a:rPr lang="en-US" sz="9600" dirty="0">
+                <a:ln w="0"/>
+                <a:solidFill>
+                  <a:schemeClr val="accent4">
+                    <a:lumMod val="60000"/>
+                    <a:lumOff val="40000"/>
+                  </a:schemeClr>
+                </a:solidFill>
+                <a:latin typeface="Century Gothic" panose="020B0502020202020204" pitchFamily="34" charset="0"/>
+              </a:rPr>
+              <a:t>USE A BLANK TEMPLATE</a:t>
+            </a:r>
+            <a:r>
+              <a:rPr lang="en-US" sz="9600" dirty="0">
+                <a:ln w="0"/>
+                <a:solidFill>
+                  <a:prstClr val="white"/>
+                </a:solidFill>
+                <a:latin typeface="Century Gothic" panose="020B0502020202020204" pitchFamily="34" charset="0"/>
+              </a:rPr>
+              <a:t> </a:t>
+            </a:r>
+          </a:p>
+          <a:p>
+            <a:pPr>
+              <a:lnSpc>
+                <a:spcPct val="150000"/>
+              </a:lnSpc>
+            </a:pPr>
+            <a:r>
+              <a:rPr lang="en-US" sz="8800" dirty="0">
+                <a:ln w="0"/>
+                <a:solidFill>
+                  <a:srgbClr val="B2B2B2"/>
+                </a:solidFill>
+                <a:latin typeface="Century Gothic" panose="020B0502020202020204" pitchFamily="34" charset="0"/>
+              </a:rPr>
+              <a:t>AND COMPARE INFORMATION ON </a:t>
+            </a:r>
+            <a:r>
+              <a:rPr lang="en-US" sz="8800" dirty="0">
+                <a:ln w="0"/>
+                <a:solidFill>
+                  <a:schemeClr val="accent4">
+                    <a:lumMod val="60000"/>
+                    <a:lumOff val="40000"/>
+                  </a:schemeClr>
+                </a:solidFill>
+                <a:latin typeface="Century Gothic" panose="020B0502020202020204" pitchFamily="34" charset="0"/>
+              </a:rPr>
+              <a:t>SALES ORDER</a:t>
+            </a:r>
+            <a:endParaRPr lang="en-US" sz="50200" dirty="0">
+              <a:ln w="0"/>
+              <a:solidFill>
+                <a:schemeClr val="accent4">
+                  <a:lumMod val="60000"/>
+                  <a:lumOff val="40000"/>
+                </a:schemeClr>
+              </a:solidFill>
+              <a:latin typeface="Century Gothic" panose="020B0502020202020204" pitchFamily="34" charset="0"/>
+            </a:endParaRPr>
+          </a:p>
+        </p:txBody>
+      </p:sp>
+      <p:pic>
+        <p:nvPicPr>
+          <p:cNvPr id="13" name="Picture 6" descr="Image result for document png icon"/>
           <p:cNvPicPr>
             <a:picLocks noChangeAspect="1" noChangeArrowheads="1"/>
           </p:cNvPicPr>
@@ -7538,6 +8712,462 @@
         </p:nvPicPr>
         <p:blipFill>
           <a:blip r:embed="rId2" cstate="print">
+            <a:lum bright="70000" contrast="-70000"/>
+            <a:extLst>
+              <a:ext uri="{28A0092B-C50C-407E-A947-70E740481C1C}">
+                <a14:useLocalDpi xmlns:a14="http://schemas.microsoft.com/office/drawing/2010/main" val="0"/>
+              </a:ext>
+            </a:extLst>
+          </a:blip>
+          <a:srcRect/>
+          <a:stretch>
+            <a:fillRect/>
+          </a:stretch>
+        </p:blipFill>
+        <p:spPr bwMode="auto">
+          <a:xfrm>
+            <a:off x="8784626" y="24786636"/>
+            <a:ext cx="5439374" cy="5439374"/>
+          </a:xfrm>
+          <a:prstGeom prst="rect">
+            <a:avLst/>
+          </a:prstGeom>
+          <a:noFill/>
+          <a:extLst>
+            <a:ext uri="{909E8E84-426E-40DD-AFC4-6F175D3DCCD1}">
+              <a14:hiddenFill xmlns:a14="http://schemas.microsoft.com/office/drawing/2010/main">
+                <a:solidFill>
+                  <a:srgbClr val="FFFFFF"/>
+                </a:solidFill>
+              </a14:hiddenFill>
+            </a:ext>
+          </a:extLst>
+        </p:spPr>
+      </p:pic>
+    </p:spTree>
+    <p:extLst>
+      <p:ext uri="{BB962C8B-B14F-4D97-AF65-F5344CB8AC3E}">
+        <p14:creationId xmlns:p14="http://schemas.microsoft.com/office/powerpoint/2010/main" val="305917938"/>
+      </p:ext>
+    </p:extLst>
+  </p:cSld>
+  <p:clrMapOvr>
+    <a:masterClrMapping/>
+  </p:clrMapOvr>
+  <mc:AlternateContent xmlns:mc="http://schemas.openxmlformats.org/markup-compatibility/2006" xmlns:p14="http://schemas.microsoft.com/office/powerpoint/2010/main">
+    <mc:Choice Requires="p14">
+      <p:transition spd="slow" p14:dur="1250" advTm="6000">
+        <p14:flip dir="r"/>
+      </p:transition>
+    </mc:Choice>
+    <mc:Fallback xmlns="">
+      <p:transition spd="slow" advTm="6000">
+        <p:fade/>
+      </p:transition>
+    </mc:Fallback>
+  </mc:AlternateContent>
+  <p:timing>
+    <p:tnLst>
+      <p:par>
+        <p:cTn id="1" dur="indefinite" restart="never" nodeType="tmRoot">
+          <p:childTnLst>
+            <p:seq concurrent="1" nextAc="seek">
+              <p:cTn id="2" dur="indefinite" nodeType="mainSeq">
+                <p:childTnLst>
+                  <p:par>
+                    <p:cTn id="3" fill="hold">
+                      <p:stCondLst>
+                        <p:cond delay="indefinite"/>
+                        <p:cond evt="onBegin" delay="0">
+                          <p:tn val="2"/>
+                        </p:cond>
+                      </p:stCondLst>
+                      <p:childTnLst>
+                        <p:par>
+                          <p:cTn id="4" fill="hold">
+                            <p:stCondLst>
+                              <p:cond delay="0"/>
+                            </p:stCondLst>
+                            <p:childTnLst>
+                              <p:par>
+                                <p:cTn id="5" presetID="10" presetClass="entr" presetSubtype="0" fill="hold" grpId="0" nodeType="withEffect">
+                                  <p:stCondLst>
+                                    <p:cond delay="0"/>
+                                  </p:stCondLst>
+                                  <p:childTnLst>
+                                    <p:set>
+                                      <p:cBhvr>
+                                        <p:cTn id="6" dur="1" fill="hold">
+                                          <p:stCondLst>
+                                            <p:cond delay="0"/>
+                                          </p:stCondLst>
+                                        </p:cTn>
+                                        <p:tgtEl>
+                                          <p:spTgt spid="7"/>
+                                        </p:tgtEl>
+                                        <p:attrNameLst>
+                                          <p:attrName>style.visibility</p:attrName>
+                                        </p:attrNameLst>
+                                      </p:cBhvr>
+                                      <p:to>
+                                        <p:strVal val="visible"/>
+                                      </p:to>
+                                    </p:set>
+                                    <p:animEffect transition="in" filter="fade">
+                                      <p:cBhvr>
+                                        <p:cTn id="7" dur="500"/>
+                                        <p:tgtEl>
+                                          <p:spTgt spid="7"/>
+                                        </p:tgtEl>
+                                      </p:cBhvr>
+                                    </p:animEffect>
+                                  </p:childTnLst>
+                                </p:cTn>
+                              </p:par>
+                            </p:childTnLst>
+                          </p:cTn>
+                        </p:par>
+                        <p:par>
+                          <p:cTn id="8" fill="hold">
+                            <p:stCondLst>
+                              <p:cond delay="500"/>
+                            </p:stCondLst>
+                            <p:childTnLst>
+                              <p:par>
+                                <p:cTn id="9" presetID="26" presetClass="emph" presetSubtype="0" repeatCount="3000" fill="hold" grpId="1" nodeType="afterEffect">
+                                  <p:stCondLst>
+                                    <p:cond delay="0"/>
+                                  </p:stCondLst>
+                                  <p:childTnLst>
+                                    <p:animEffect transition="out" filter="fade">
+                                      <p:cBhvr>
+                                        <p:cTn id="10" dur="500" tmFilter="0, 0; .2, .5; .8, .5; 1, 0"/>
+                                        <p:tgtEl>
+                                          <p:spTgt spid="7"/>
+                                        </p:tgtEl>
+                                      </p:cBhvr>
+                                    </p:animEffect>
+                                    <p:animScale>
+                                      <p:cBhvr>
+                                        <p:cTn id="11" dur="250" autoRev="1" fill="hold"/>
+                                        <p:tgtEl>
+                                          <p:spTgt spid="7"/>
+                                        </p:tgtEl>
+                                      </p:cBhvr>
+                                      <p:by x="105000" y="105000"/>
+                                    </p:animScale>
+                                  </p:childTnLst>
+                                </p:cTn>
+                              </p:par>
+                            </p:childTnLst>
+                          </p:cTn>
+                        </p:par>
+                      </p:childTnLst>
+                    </p:cTn>
+                  </p:par>
+                </p:childTnLst>
+              </p:cTn>
+              <p:prevCondLst>
+                <p:cond evt="onPrev" delay="0">
+                  <p:tgtEl>
+                    <p:sldTgt/>
+                  </p:tgtEl>
+                </p:cond>
+              </p:prevCondLst>
+              <p:nextCondLst>
+                <p:cond evt="onNext" delay="0">
+                  <p:tgtEl>
+                    <p:sldTgt/>
+                  </p:tgtEl>
+                </p:cond>
+              </p:nextCondLst>
+            </p:seq>
+          </p:childTnLst>
+        </p:cTn>
+      </p:par>
+    </p:tnLst>
+    <p:bldLst>
+      <p:bldP spid="7" grpId="0"/>
+      <p:bldP spid="7" grpId="1"/>
+    </p:bldLst>
+  </p:timing>
+</p:sld>
+</file>
+
+<file path=ppt/slides/slide5.xml><?xml version="1.0" encoding="utf-8"?>
+<p:sld xmlns:a="http://schemas.openxmlformats.org/drawingml/2006/main" xmlns:r="http://schemas.openxmlformats.org/officeDocument/2006/relationships" xmlns:p="http://schemas.openxmlformats.org/presentationml/2006/main">
+  <p:cSld>
+    <p:bg>
+      <p:bgPr>
+        <a:solidFill>
+          <a:schemeClr val="accent1">
+            <a:lumMod val="75000"/>
+          </a:schemeClr>
+        </a:solidFill>
+        <a:effectLst/>
+      </p:bgPr>
+    </p:bg>
+    <p:spTree>
+      <p:nvGrpSpPr>
+        <p:cNvPr id="1" name=""/>
+        <p:cNvGrpSpPr/>
+        <p:nvPr/>
+      </p:nvGrpSpPr>
+      <p:grpSpPr>
+        <a:xfrm>
+          <a:off x="0" y="0"/>
+          <a:ext cx="0" cy="0"/>
+          <a:chOff x="0" y="0"/>
+          <a:chExt cx="0" cy="0"/>
+        </a:xfrm>
+      </p:grpSpPr>
+      <p:sp>
+        <p:nvSpPr>
+          <p:cNvPr id="6" name="Rectangle 5"/>
+          <p:cNvSpPr/>
+          <p:nvPr/>
+        </p:nvSpPr>
+        <p:spPr>
+          <a:xfrm>
+            <a:off x="3875722" y="5540967"/>
+            <a:ext cx="14322055" cy="15415464"/>
+          </a:xfrm>
+          <a:prstGeom prst="rect">
+            <a:avLst/>
+          </a:prstGeom>
+          <a:noFill/>
+          <a:effectLst/>
+        </p:spPr>
+        <p:txBody>
+          <a:bodyPr wrap="square" lIns="102578" tIns="51289" rIns="102578" bIns="51289">
+            <a:spAutoFit/>
+          </a:bodyPr>
+          <a:lstStyle/>
+          <a:p>
+            <a:r>
+              <a:rPr lang="en-US" sz="16600" dirty="0">
+                <a:ln w="0"/>
+                <a:solidFill>
+                  <a:schemeClr val="bg1"/>
+                </a:solidFill>
+                <a:latin typeface="Century Gothic" panose="020B0502020202020204" pitchFamily="34" charset="0"/>
+              </a:rPr>
+              <a:t>DO</a:t>
+            </a:r>
+            <a:r>
+              <a:rPr lang="en-US" sz="16600" dirty="0">
+                <a:ln w="0"/>
+                <a:solidFill>
+                  <a:srgbClr val="B2B2B2"/>
+                </a:solidFill>
+                <a:latin typeface="Century Gothic" panose="020B0502020202020204" pitchFamily="34" charset="0"/>
+              </a:rPr>
+              <a:t> </a:t>
+            </a:r>
+            <a:r>
+              <a:rPr lang="en-US" sz="19900" dirty="0">
+                <a:ln w="0"/>
+                <a:solidFill>
+                  <a:schemeClr val="bg1"/>
+                </a:solidFill>
+                <a:effectLst>
+                  <a:outerShdw blurRad="50800" dist="38100" dir="5400000" algn="t" rotWithShape="0">
+                    <a:prstClr val="black">
+                      <a:alpha val="40000"/>
+                    </a:prstClr>
+                  </a:outerShdw>
+                </a:effectLst>
+                <a:latin typeface="Century Gothic" panose="020B0502020202020204" pitchFamily="34" charset="0"/>
+              </a:rPr>
+              <a:t>NOT</a:t>
+            </a:r>
+            <a:r>
+              <a:rPr lang="en-US" sz="19900" dirty="0">
+                <a:ln w="0"/>
+                <a:solidFill>
+                  <a:srgbClr val="B2B2B2"/>
+                </a:solidFill>
+                <a:effectLst>
+                  <a:outerShdw blurRad="50800" dist="38100" dir="5400000" algn="t" rotWithShape="0">
+                    <a:prstClr val="black">
+                      <a:alpha val="40000"/>
+                    </a:prstClr>
+                  </a:outerShdw>
+                </a:effectLst>
+                <a:latin typeface="Century Gothic" panose="020B0502020202020204" pitchFamily="34" charset="0"/>
+              </a:rPr>
+              <a:t> </a:t>
+            </a:r>
+            <a:r>
+              <a:rPr lang="en-US" sz="19900" b="1" dirty="0">
+                <a:ln w="0"/>
+                <a:solidFill>
+                  <a:srgbClr val="FFC000"/>
+                </a:solidFill>
+                <a:effectLst>
+                  <a:outerShdw blurRad="50800" dist="38100" dir="5400000" algn="t" rotWithShape="0">
+                    <a:prstClr val="black">
+                      <a:alpha val="40000"/>
+                    </a:prstClr>
+                  </a:outerShdw>
+                </a:effectLst>
+                <a:latin typeface="Century Gothic" panose="020B0502020202020204" pitchFamily="34" charset="0"/>
+              </a:rPr>
+              <a:t>PACK</a:t>
+            </a:r>
+            <a:r>
+              <a:rPr lang="en-US" sz="16600" dirty="0">
+                <a:ln w="0"/>
+                <a:solidFill>
+                  <a:schemeClr val="bg1"/>
+                </a:solidFill>
+                <a:effectLst>
+                  <a:outerShdw blurRad="50800" dist="38100" dir="5400000" algn="t" rotWithShape="0">
+                    <a:prstClr val="black">
+                      <a:alpha val="40000"/>
+                    </a:prstClr>
+                  </a:outerShdw>
+                </a:effectLst>
+                <a:latin typeface="Century Gothic" panose="020B0502020202020204" pitchFamily="34" charset="0"/>
+              </a:rPr>
+              <a:t> </a:t>
+            </a:r>
+            <a:r>
+              <a:rPr lang="en-US" sz="16600" dirty="0">
+                <a:ln w="0"/>
+                <a:solidFill>
+                  <a:srgbClr val="B2B2B2"/>
+                </a:solidFill>
+                <a:latin typeface="Century Gothic" panose="020B0502020202020204" pitchFamily="34" charset="0"/>
+              </a:rPr>
+              <a:t>ANY </a:t>
+            </a:r>
+          </a:p>
+          <a:p>
+            <a:r>
+              <a:rPr lang="en-US" sz="19900" dirty="0">
+                <a:ln w="0"/>
+                <a:solidFill>
+                  <a:srgbClr val="B2B2B2"/>
+                </a:solidFill>
+                <a:latin typeface="Century Gothic" panose="020B0502020202020204" pitchFamily="34" charset="0"/>
+              </a:rPr>
+              <a:t>PRODUCT</a:t>
+            </a:r>
+            <a:endParaRPr lang="en-US" sz="11500" dirty="0">
+              <a:ln w="0"/>
+              <a:solidFill>
+                <a:srgbClr val="B2B2B2"/>
+              </a:solidFill>
+              <a:latin typeface="Century Gothic" panose="020B0502020202020204" pitchFamily="34" charset="0"/>
+            </a:endParaRPr>
+          </a:p>
+          <a:p>
+            <a:r>
+              <a:rPr lang="en-US" sz="19900" b="1" dirty="0">
+                <a:ln w="0"/>
+                <a:solidFill>
+                  <a:srgbClr val="FFC000"/>
+                </a:solidFill>
+                <a:effectLst>
+                  <a:outerShdw blurRad="50800" dist="38100" dir="5400000" algn="t" rotWithShape="0">
+                    <a:prstClr val="black">
+                      <a:alpha val="40000"/>
+                    </a:prstClr>
+                  </a:outerShdw>
+                </a:effectLst>
+                <a:latin typeface="Century Gothic" panose="020B0502020202020204" pitchFamily="34" charset="0"/>
+              </a:rPr>
+              <a:t>WITHOUT</a:t>
+            </a:r>
+            <a:r>
+              <a:rPr lang="en-US" sz="16600" dirty="0">
+                <a:ln w="0"/>
+                <a:solidFill>
+                  <a:schemeClr val="bg1"/>
+                </a:solidFill>
+                <a:latin typeface="Century Gothic" panose="020B0502020202020204" pitchFamily="34" charset="0"/>
+              </a:rPr>
+              <a:t> A PROPER </a:t>
+            </a:r>
+            <a:r>
+              <a:rPr lang="en-US" sz="19900" b="1" dirty="0">
+                <a:ln w="0"/>
+                <a:solidFill>
+                  <a:srgbClr val="92D050"/>
+                </a:solidFill>
+                <a:effectLst>
+                  <a:outerShdw blurRad="50800" dist="38100" dir="5400000" algn="t" rotWithShape="0">
+                    <a:prstClr val="black">
+                      <a:alpha val="40000"/>
+                    </a:prstClr>
+                  </a:outerShdw>
+                </a:effectLst>
+                <a:latin typeface="Century Gothic" panose="020B0502020202020204" pitchFamily="34" charset="0"/>
+              </a:rPr>
+              <a:t>QC</a:t>
+            </a:r>
+          </a:p>
+        </p:txBody>
+      </p:sp>
+      <p:pic>
+        <p:nvPicPr>
+          <p:cNvPr id="13314" name="Picture 2" descr="Image result for BOX PNG ICON"/>
+          <p:cNvPicPr>
+            <a:picLocks noChangeAspect="1" noChangeArrowheads="1"/>
+          </p:cNvPicPr>
+          <p:nvPr/>
+        </p:nvPicPr>
+        <p:blipFill>
+          <a:blip r:embed="rId2" cstate="print">
+            <a:duotone>
+              <a:schemeClr val="accent4">
+                <a:shade val="45000"/>
+                <a:satMod val="135000"/>
+              </a:schemeClr>
+              <a:prstClr val="white"/>
+            </a:duotone>
+            <a:extLst>
+              <a:ext uri="{28A0092B-C50C-407E-A947-70E740481C1C}">
+                <a14:useLocalDpi xmlns:a14="http://schemas.microsoft.com/office/drawing/2010/main" val="0"/>
+              </a:ext>
+            </a:extLst>
+          </a:blip>
+          <a:srcRect/>
+          <a:stretch>
+            <a:fillRect/>
+          </a:stretch>
+        </p:blipFill>
+        <p:spPr bwMode="auto">
+          <a:xfrm>
+            <a:off x="6899267" y="28344504"/>
+            <a:ext cx="5796557" cy="5601569"/>
+          </a:xfrm>
+          <a:prstGeom prst="rect">
+            <a:avLst/>
+          </a:prstGeom>
+          <a:noFill/>
+          <a:extLst>
+            <a:ext uri="{909E8E84-426E-40DD-AFC4-6F175D3DCCD1}">
+              <a14:hiddenFill xmlns:a14="http://schemas.microsoft.com/office/drawing/2010/main">
+                <a:solidFill>
+                  <a:srgbClr val="FFFFFF"/>
+                </a:solidFill>
+              </a14:hiddenFill>
+            </a:ext>
+          </a:extLst>
+        </p:spPr>
+      </p:pic>
+      <p:pic>
+        <p:nvPicPr>
+          <p:cNvPr id="13316" name="Picture 4" descr="Image result for LAPTOP PNG ICON"/>
+          <p:cNvPicPr>
+            <a:picLocks noChangeAspect="1" noChangeArrowheads="1"/>
+          </p:cNvPicPr>
+          <p:nvPr/>
+        </p:nvPicPr>
+        <p:blipFill>
+          <a:blip r:embed="rId3" cstate="print">
             <a:duotone>
               <a:schemeClr val="bg2">
                 <a:shade val="45000"/>
@@ -7558,20 +9188,184 @@
         </p:blipFill>
         <p:spPr bwMode="auto">
           <a:xfrm>
-            <a:off x="1220997" y="3266685"/>
-            <a:ext cx="2701507" cy="2610631"/>
+            <a:off x="9377677" y="24650317"/>
+            <a:ext cx="3318147" cy="3318147"/>
           </a:xfrm>
           <a:prstGeom prst="rect">
             <a:avLst/>
           </a:prstGeom>
           <a:noFill/>
-          <a:effectLst>
-            <a:innerShdw blurRad="63500" dist="88900" dir="16200000">
-              <a:prstClr val="black">
-                <a:alpha val="50000"/>
-              </a:prstClr>
-            </a:innerShdw>
-          </a:effectLst>
+          <a:extLst>
+            <a:ext uri="{909E8E84-426E-40DD-AFC4-6F175D3DCCD1}">
+              <a14:hiddenFill xmlns:a14="http://schemas.microsoft.com/office/drawing/2010/main">
+                <a:solidFill>
+                  <a:srgbClr val="FFFFFF"/>
+                </a:solidFill>
+              </a14:hiddenFill>
+            </a:ext>
+          </a:extLst>
+        </p:spPr>
+      </p:pic>
+      <p:pic>
+        <p:nvPicPr>
+          <p:cNvPr id="13318" name="Picture 6" descr="Image result for MONITOR PNG ICON"/>
+          <p:cNvPicPr>
+            <a:picLocks noChangeAspect="1" noChangeArrowheads="1"/>
+          </p:cNvPicPr>
+          <p:nvPr/>
+        </p:nvPicPr>
+        <p:blipFill>
+          <a:blip r:embed="rId4" cstate="print">
+            <a:lum bright="70000" contrast="-70000"/>
+            <a:extLst>
+              <a:ext uri="{28A0092B-C50C-407E-A947-70E740481C1C}">
+                <a14:useLocalDpi xmlns:a14="http://schemas.microsoft.com/office/drawing/2010/main" val="0"/>
+              </a:ext>
+            </a:extLst>
+          </a:blip>
+          <a:srcRect/>
+          <a:stretch>
+            <a:fillRect/>
+          </a:stretch>
+        </p:blipFill>
+        <p:spPr bwMode="auto">
+          <a:xfrm>
+            <a:off x="6263073" y="23198667"/>
+            <a:ext cx="2688810" cy="2688810"/>
+          </a:xfrm>
+          <a:prstGeom prst="rect">
+            <a:avLst/>
+          </a:prstGeom>
+          <a:noFill/>
+          <a:extLst>
+            <a:ext uri="{909E8E84-426E-40DD-AFC4-6F175D3DCCD1}">
+              <a14:hiddenFill xmlns:a14="http://schemas.microsoft.com/office/drawing/2010/main">
+                <a:solidFill>
+                  <a:srgbClr val="FFFFFF"/>
+                </a:solidFill>
+              </a14:hiddenFill>
+            </a:ext>
+          </a:extLst>
+        </p:spPr>
+      </p:pic>
+      <p:pic>
+        <p:nvPicPr>
+          <p:cNvPr id="13322" name="Picture 10" descr="Related image"/>
+          <p:cNvPicPr>
+            <a:picLocks noChangeAspect="1" noChangeArrowheads="1"/>
+          </p:cNvPicPr>
+          <p:nvPr/>
+        </p:nvPicPr>
+        <p:blipFill>
+          <a:blip r:embed="rId5" cstate="print">
+            <a:duotone>
+              <a:schemeClr val="bg2">
+                <a:shade val="45000"/>
+                <a:satMod val="135000"/>
+              </a:schemeClr>
+              <a:prstClr val="white"/>
+            </a:duotone>
+            <a:extLst>
+              <a:ext uri="{28A0092B-C50C-407E-A947-70E740481C1C}">
+                <a14:useLocalDpi xmlns:a14="http://schemas.microsoft.com/office/drawing/2010/main" val="0"/>
+              </a:ext>
+            </a:extLst>
+          </a:blip>
+          <a:srcRect/>
+          <a:stretch>
+            <a:fillRect/>
+          </a:stretch>
+        </p:blipFill>
+        <p:spPr bwMode="auto">
+          <a:xfrm>
+            <a:off x="9950807" y="21979468"/>
+            <a:ext cx="1647812" cy="1647812"/>
+          </a:xfrm>
+          <a:prstGeom prst="rect">
+            <a:avLst/>
+          </a:prstGeom>
+          <a:noFill/>
+          <a:extLst>
+            <a:ext uri="{909E8E84-426E-40DD-AFC4-6F175D3DCCD1}">
+              <a14:hiddenFill xmlns:a14="http://schemas.microsoft.com/office/drawing/2010/main">
+                <a:solidFill>
+                  <a:srgbClr val="FFFFFF"/>
+                </a:solidFill>
+              </a14:hiddenFill>
+            </a:ext>
+          </a:extLst>
+        </p:spPr>
+      </p:pic>
+      <p:sp>
+        <p:nvSpPr>
+          <p:cNvPr id="2" name="AutoShape 12" descr="Image result for LOCK CABLE png icon"/>
+          <p:cNvSpPr>
+            <a:spLocks noChangeAspect="1" noChangeArrowheads="1"/>
+          </p:cNvSpPr>
+          <p:nvPr/>
+        </p:nvSpPr>
+        <p:spPr bwMode="auto">
+          <a:xfrm>
+            <a:off x="203110" y="12026964"/>
+            <a:ext cx="341925" cy="341929"/>
+          </a:xfrm>
+          <a:prstGeom prst="rect">
+            <a:avLst/>
+          </a:prstGeom>
+          <a:noFill/>
+          <a:extLst>
+            <a:ext uri="{909E8E84-426E-40DD-AFC4-6F175D3DCCD1}">
+              <a14:hiddenFill xmlns:a14="http://schemas.microsoft.com/office/drawing/2010/main">
+                <a:solidFill>
+                  <a:srgbClr val="FFFFFF"/>
+                </a:solidFill>
+              </a14:hiddenFill>
+            </a:ext>
+          </a:extLst>
+        </p:spPr>
+        <p:txBody>
+          <a:bodyPr vert="horz" wrap="square" lIns="102578" tIns="51289" rIns="102578" bIns="51289" numCol="1" anchor="t" anchorCtr="0" compatLnSpc="1">
+            <a:prstTxWarp prst="textNoShape">
+              <a:avLst/>
+            </a:prstTxWarp>
+          </a:bodyPr>
+          <a:lstStyle/>
+          <a:p>
+            <a:endParaRPr lang="en-US" sz="1034"/>
+          </a:p>
+        </p:txBody>
+      </p:sp>
+      <p:pic>
+        <p:nvPicPr>
+          <p:cNvPr id="13338" name="Picture 26" descr="Image result for LOCK png icon"/>
+          <p:cNvPicPr>
+            <a:picLocks noChangeAspect="1" noChangeArrowheads="1"/>
+          </p:cNvPicPr>
+          <p:nvPr/>
+        </p:nvPicPr>
+        <p:blipFill>
+          <a:blip r:embed="rId6" cstate="print">
+            <a:lum bright="70000" contrast="-70000"/>
+            <a:extLst>
+              <a:ext uri="{28A0092B-C50C-407E-A947-70E740481C1C}">
+                <a14:useLocalDpi xmlns:a14="http://schemas.microsoft.com/office/drawing/2010/main" val="0"/>
+              </a:ext>
+            </a:extLst>
+          </a:blip>
+          <a:srcRect/>
+          <a:stretch>
+            <a:fillRect/>
+          </a:stretch>
+        </p:blipFill>
+        <p:spPr bwMode="auto">
+          <a:xfrm>
+            <a:off x="12483386" y="23622664"/>
+            <a:ext cx="1276464" cy="1276464"/>
+          </a:xfrm>
+          <a:prstGeom prst="rect">
+            <a:avLst/>
+          </a:prstGeom>
+          <a:noFill/>
           <a:extLst>
             <a:ext uri="{909E8E84-426E-40DD-AFC4-6F175D3DCCD1}">
               <a14:hiddenFill xmlns:a14="http://schemas.microsoft.com/office/drawing/2010/main">
@@ -7586,12 +9380,12 @@
     </p:spTree>
     <p:extLst>
       <p:ext uri="{BB962C8B-B14F-4D97-AF65-F5344CB8AC3E}">
-        <p14:creationId xmlns:p14="http://schemas.microsoft.com/office/powerpoint/2010/main" val="1635384311"/>
+        <p14:creationId xmlns:p14="http://schemas.microsoft.com/office/powerpoint/2010/main" val="893894349"/>
       </p:ext>
     </p:extLst>
   </p:cSld>
   <p:clrMapOvr>
-    <a:overrideClrMapping bg1="lt1" tx1="dk1" bg2="lt2" tx2="dk2" accent1="accent1" accent2="accent2" accent3="accent3" accent4="accent4" accent5="accent5" accent6="accent6" hlink="hlink" folHlink="folHlink"/>
+    <a:masterClrMapping/>
   </p:clrMapOvr>
   <mc:AlternateContent xmlns:mc="http://schemas.openxmlformats.org/markup-compatibility/2006" xmlns:p14="http://schemas.microsoft.com/office/powerpoint/2010/main">
     <mc:Choice Requires="p14">
@@ -7608,21 +9402,130 @@
   <p:timing>
     <p:tnLst>
       <p:par>
-        <p:cTn id="1" dur="indefinite" restart="never" nodeType="tmRoot"/>
+        <p:cTn id="1" dur="indefinite" restart="never" nodeType="tmRoot">
+          <p:childTnLst>
+            <p:seq concurrent="1" nextAc="seek">
+              <p:cTn id="2" dur="indefinite" nodeType="mainSeq">
+                <p:childTnLst>
+                  <p:par>
+                    <p:cTn id="3" fill="hold">
+                      <p:stCondLst>
+                        <p:cond delay="indefinite"/>
+                        <p:cond evt="onBegin" delay="0">
+                          <p:tn val="2"/>
+                        </p:cond>
+                      </p:stCondLst>
+                      <p:childTnLst>
+                        <p:par>
+                          <p:cTn id="4" fill="hold">
+                            <p:stCondLst>
+                              <p:cond delay="0"/>
+                            </p:stCondLst>
+                            <p:childTnLst>
+                              <p:par>
+                                <p:cTn id="5" presetID="10" presetClass="entr" presetSubtype="0" fill="hold" grpId="0" nodeType="withEffect">
+                                  <p:stCondLst>
+                                    <p:cond delay="0"/>
+                                  </p:stCondLst>
+                                  <p:childTnLst>
+                                    <p:set>
+                                      <p:cBhvr>
+                                        <p:cTn id="6" dur="1" fill="hold">
+                                          <p:stCondLst>
+                                            <p:cond delay="0"/>
+                                          </p:stCondLst>
+                                        </p:cTn>
+                                        <p:tgtEl>
+                                          <p:spTgt spid="6"/>
+                                        </p:tgtEl>
+                                        <p:attrNameLst>
+                                          <p:attrName>style.visibility</p:attrName>
+                                        </p:attrNameLst>
+                                      </p:cBhvr>
+                                      <p:to>
+                                        <p:strVal val="visible"/>
+                                      </p:to>
+                                    </p:set>
+                                    <p:animEffect transition="in" filter="fade">
+                                      <p:cBhvr>
+                                        <p:cTn id="7" dur="500"/>
+                                        <p:tgtEl>
+                                          <p:spTgt spid="6"/>
+                                        </p:tgtEl>
+                                      </p:cBhvr>
+                                    </p:animEffect>
+                                  </p:childTnLst>
+                                </p:cTn>
+                              </p:par>
+                              <p:par>
+                                <p:cTn id="8" presetID="26" presetClass="emph" presetSubtype="0" repeatCount="3000" fill="hold" grpId="1" nodeType="withEffect">
+                                  <p:stCondLst>
+                                    <p:cond delay="0"/>
+                                  </p:stCondLst>
+                                  <p:childTnLst>
+                                    <p:animEffect transition="out" filter="fade">
+                                      <p:cBhvr>
+                                        <p:cTn id="9" dur="500" tmFilter="0, 0; .2, .5; .8, .5; 1, 0"/>
+                                        <p:tgtEl>
+                                          <p:spTgt spid="6"/>
+                                        </p:tgtEl>
+                                      </p:cBhvr>
+                                    </p:animEffect>
+                                    <p:animScale>
+                                      <p:cBhvr>
+                                        <p:cTn id="10" dur="250" autoRev="1" fill="hold"/>
+                                        <p:tgtEl>
+                                          <p:spTgt spid="6"/>
+                                        </p:tgtEl>
+                                      </p:cBhvr>
+                                      <p:by x="105000" y="105000"/>
+                                    </p:animScale>
+                                  </p:childTnLst>
+                                </p:cTn>
+                              </p:par>
+                            </p:childTnLst>
+                          </p:cTn>
+                        </p:par>
+                      </p:childTnLst>
+                    </p:cTn>
+                  </p:par>
+                </p:childTnLst>
+              </p:cTn>
+              <p:prevCondLst>
+                <p:cond evt="onPrev" delay="0">
+                  <p:tgtEl>
+                    <p:sldTgt/>
+                  </p:tgtEl>
+                </p:cond>
+              </p:prevCondLst>
+              <p:nextCondLst>
+                <p:cond evt="onNext" delay="0">
+                  <p:tgtEl>
+                    <p:sldTgt/>
+                  </p:tgtEl>
+                </p:cond>
+              </p:nextCondLst>
+            </p:seq>
+          </p:childTnLst>
+        </p:cTn>
       </p:par>
     </p:tnLst>
+    <p:bldLst>
+      <p:bldP spid="6" grpId="0"/>
+      <p:bldP spid="6" grpId="1"/>
+    </p:bldLst>
   </p:timing>
 </p:sld>
 </file>
 
-<file path=ppt/slides/slide11.xml><?xml version="1.0" encoding="utf-8"?>
+<file path=ppt/slides/slide6.xml><?xml version="1.0" encoding="utf-8"?>
 <p:sld xmlns:a="http://schemas.openxmlformats.org/drawingml/2006/main" xmlns:r="http://schemas.openxmlformats.org/officeDocument/2006/relationships" xmlns:p="http://schemas.openxmlformats.org/presentationml/2006/main">
   <p:cSld>
     <p:bg>
       <p:bgPr>
         <a:solidFill>
-          <a:schemeClr val="bg1">
-            <a:lumMod val="50000"/>
+          <a:schemeClr val="accent1">
+            <a:lumMod val="75000"/>
           </a:schemeClr>
         </a:solidFill>
         <a:effectLst/>
@@ -7650,8 +9553,8 @@
         </p:nvSpPr>
         <p:spPr>
           <a:xfrm>
-            <a:off x="991805" y="3427053"/>
-            <a:ext cx="4222930" cy="446404"/>
+            <a:off x="3388615" y="5203640"/>
+            <a:ext cx="14816585" cy="3631763"/>
           </a:xfrm>
           <a:prstGeom prst="rect">
             <a:avLst/>
@@ -7665,7 +9568,7 @@
           <a:lstStyle/>
           <a:p>
             <a:r>
-              <a:rPr lang="en-US" sz="2301" dirty="0">
+              <a:rPr lang="en-US" sz="11500" dirty="0">
                 <a:solidFill>
                   <a:srgbClr val="FFA725"/>
                 </a:solidFill>
@@ -7674,7 +9577,7 @@
               <a:t>CAN’T</a:t>
             </a:r>
             <a:r>
-              <a:rPr lang="en-US" sz="1898" dirty="0">
+              <a:rPr lang="en-US" sz="8800" dirty="0">
                 <a:solidFill>
                   <a:srgbClr val="FFA725"/>
                 </a:solidFill>
@@ -7683,7 +9586,7 @@
               <a:t> </a:t>
             </a:r>
             <a:r>
-              <a:rPr lang="en-US" sz="1726" dirty="0">
+              <a:rPr lang="en-US" sz="8000" dirty="0">
                 <a:solidFill>
                   <a:srgbClr val="FFA725"/>
                 </a:solidFill>
@@ -7692,7 +9595,7 @@
               <a:t>MAKE IT TO </a:t>
             </a:r>
             <a:r>
-              <a:rPr lang="en-US" sz="2301" b="1" dirty="0">
+              <a:rPr lang="en-US" sz="11500" b="1" dirty="0">
                 <a:solidFill>
                   <a:srgbClr val="FFA725"/>
                 </a:solidFill>
@@ -7700,7 +9603,7 @@
               </a:rPr>
               <a:t>WORK?</a:t>
             </a:r>
-            <a:endParaRPr lang="en-US" sz="1898" b="1" dirty="0">
+            <a:endParaRPr lang="en-US" sz="8800" b="1" dirty="0">
               <a:solidFill>
                 <a:srgbClr val="FFA725"/>
               </a:solidFill>
@@ -7717,8 +9620,8 @@
         </p:nvSpPr>
         <p:spPr>
           <a:xfrm>
-            <a:off x="2627115" y="3765077"/>
-            <a:ext cx="1845143" cy="411010"/>
+            <a:off x="11009142" y="7981879"/>
+            <a:ext cx="7196058" cy="1569660"/>
           </a:xfrm>
           <a:prstGeom prst="rect">
             <a:avLst/>
@@ -7733,7 +9636,7 @@
           <a:p>
             <a:pPr algn="ctr"/>
             <a:r>
-              <a:rPr lang="en-US" sz="2071" dirty="0">
+              <a:rPr lang="en-US" sz="9600" dirty="0">
                 <a:solidFill>
                   <a:schemeClr val="bg1"/>
                 </a:solidFill>
@@ -7759,10 +9662,10 @@
         </p:nvGrpSpPr>
         <p:grpSpPr>
           <a:xfrm>
-            <a:off x="1062943" y="3896099"/>
-            <a:ext cx="2110714" cy="1745490"/>
-            <a:chOff x="3695365" y="2679399"/>
-            <a:chExt cx="7337990" cy="6068273"/>
+            <a:off x="2954852" y="10747069"/>
+            <a:ext cx="19532614" cy="13988303"/>
+            <a:chOff x="3695365" y="2679401"/>
+            <a:chExt cx="7337990" cy="5255111"/>
           </a:xfrm>
         </p:grpSpPr>
         <p:grpSp>
@@ -7773,10 +9676,10 @@
           </p:nvGrpSpPr>
           <p:grpSpPr>
             <a:xfrm>
-              <a:off x="3698874" y="2679399"/>
-              <a:ext cx="5596857" cy="2194482"/>
+              <a:off x="3698874" y="2679401"/>
+              <a:ext cx="5596857" cy="1764173"/>
               <a:chOff x="6201443" y="4312943"/>
-              <a:chExt cx="5596857" cy="2194481"/>
+              <a:chExt cx="5596857" cy="1764172"/>
             </a:xfrm>
           </p:grpSpPr>
           <p:pic>
@@ -7817,7 +9720,7 @@
             <p:spPr>
               <a:xfrm>
                 <a:off x="7683334" y="4416391"/>
-                <a:ext cx="2114698" cy="874723"/>
+                <a:ext cx="2114698" cy="450938"/>
               </a:xfrm>
               <a:prstGeom prst="rect">
                 <a:avLst/>
@@ -7831,9 +9734,9 @@
               <a:lstStyle/>
               <a:p>
                 <a:r>
-                  <a:rPr lang="en-US" sz="1035" dirty="0">
+                  <a:rPr lang="en-US" sz="7200" dirty="0">
                     <a:solidFill>
-                      <a:srgbClr val="92D050"/>
+                      <a:srgbClr val="FFFF00"/>
                     </a:solidFill>
                     <a:latin typeface="Century Gothic" panose="020B0502020202020204" pitchFamily="34" charset="0"/>
                   </a:rPr>
@@ -7851,7 +9754,7 @@
             <p:spPr>
               <a:xfrm>
                 <a:off x="7683334" y="5078975"/>
-                <a:ext cx="4114966" cy="1428449"/>
+                <a:ext cx="4114966" cy="450938"/>
               </a:xfrm>
               <a:prstGeom prst="rect">
                 <a:avLst/>
@@ -7865,7 +9768,7 @@
               <a:lstStyle/>
               <a:p>
                 <a:r>
-                  <a:rPr lang="en-US" sz="1035" dirty="0">
+                  <a:rPr lang="en-US" sz="7200" dirty="0">
                     <a:solidFill>
                       <a:srgbClr val="92D050"/>
                     </a:solidFill>
@@ -7886,9 +9789,9 @@
           <p:grpSpPr>
             <a:xfrm>
               <a:off x="3695365" y="6504896"/>
-              <a:ext cx="6343381" cy="2242776"/>
+              <a:ext cx="6343381" cy="1429616"/>
               <a:chOff x="5752764" y="5923090"/>
-              <a:chExt cx="6343381" cy="2242774"/>
+              <a:chExt cx="6343381" cy="1429615"/>
             </a:xfrm>
           </p:grpSpPr>
           <p:pic>
@@ -7930,7 +9833,7 @@
             <p:spPr>
               <a:xfrm>
                 <a:off x="7238162" y="6102413"/>
-                <a:ext cx="2114698" cy="936246"/>
+                <a:ext cx="2114698" cy="450938"/>
               </a:xfrm>
               <a:prstGeom prst="rect">
                 <a:avLst/>
@@ -7944,7 +9847,7 @@
               <a:lstStyle/>
               <a:p>
                 <a:r>
-                  <a:rPr lang="en-US" sz="1150" dirty="0">
+                  <a:rPr lang="en-US" sz="7200" dirty="0">
                     <a:solidFill>
                       <a:srgbClr val="92D050"/>
                     </a:solidFill>
@@ -7963,8 +9866,8 @@
             </p:nvSpPr>
             <p:spPr>
               <a:xfrm>
-                <a:off x="7238162" y="6860469"/>
-                <a:ext cx="4857983" cy="1305395"/>
+                <a:off x="7238162" y="6860470"/>
+                <a:ext cx="4857983" cy="450938"/>
               </a:xfrm>
               <a:prstGeom prst="rect">
                 <a:avLst/>
@@ -7978,7 +9881,7 @@
               <a:lstStyle/>
               <a:p>
                 <a:r>
-                  <a:rPr lang="en-US" dirty="0">
+                  <a:rPr lang="en-US" sz="7200" dirty="0">
                     <a:solidFill>
                       <a:srgbClr val="92D050"/>
                     </a:solidFill>
@@ -7999,9 +9902,9 @@
           <p:grpSpPr>
             <a:xfrm>
               <a:off x="3698874" y="4637330"/>
-              <a:ext cx="7334481" cy="1721123"/>
+              <a:ext cx="7334481" cy="1683371"/>
               <a:chOff x="6216419" y="7879522"/>
-              <a:chExt cx="7334481" cy="1721123"/>
+              <a:chExt cx="7334481" cy="1683371"/>
             </a:xfrm>
           </p:grpSpPr>
           <p:pic>
@@ -8042,7 +9945,7 @@
             <p:spPr>
               <a:xfrm>
                 <a:off x="7683333" y="7967798"/>
-                <a:ext cx="2114698" cy="936248"/>
+                <a:ext cx="2114698" cy="450938"/>
               </a:xfrm>
               <a:prstGeom prst="rect">
                 <a:avLst/>
@@ -8056,9 +9959,9 @@
               <a:lstStyle/>
               <a:p>
                 <a:r>
-                  <a:rPr lang="en-US" sz="1150" dirty="0">
+                  <a:rPr lang="en-US" sz="7200" dirty="0">
                     <a:solidFill>
-                      <a:srgbClr val="92D050"/>
+                      <a:srgbClr val="FFFF00"/>
                     </a:solidFill>
                     <a:latin typeface="Century Gothic" panose="020B0502020202020204" pitchFamily="34" charset="0"/>
                   </a:rPr>
@@ -8075,8 +9978,8 @@
             </p:nvSpPr>
             <p:spPr>
               <a:xfrm>
-                <a:off x="7626119" y="8848971"/>
-                <a:ext cx="5924781" cy="751674"/>
+                <a:off x="7626119" y="8848970"/>
+                <a:ext cx="5924781" cy="450938"/>
               </a:xfrm>
               <a:prstGeom prst="rect">
                 <a:avLst/>
@@ -8090,7 +9993,7 @@
               <a:lstStyle/>
               <a:p>
                 <a:r>
-                  <a:rPr lang="en-US" sz="805" dirty="0">
+                  <a:rPr lang="en-US" sz="7200" dirty="0">
                     <a:solidFill>
                       <a:srgbClr val="92D050"/>
                     </a:solidFill>
@@ -8127,8 +10030,8 @@
         </p:blipFill>
         <p:spPr bwMode="auto">
           <a:xfrm>
-            <a:off x="3600560" y="4110342"/>
-            <a:ext cx="528738" cy="528738"/>
+            <a:off x="8331201" y="26785600"/>
+            <a:ext cx="3732426" cy="3732426"/>
           </a:xfrm>
           <a:prstGeom prst="rect">
             <a:avLst/>
@@ -8169,8 +10072,8 @@
         </p:blipFill>
         <p:spPr bwMode="auto">
           <a:xfrm>
-            <a:off x="3081670" y="4709079"/>
-            <a:ext cx="542591" cy="542591"/>
+            <a:off x="3388615" y="26960182"/>
+            <a:ext cx="3791118" cy="3791118"/>
           </a:xfrm>
           <a:prstGeom prst="rect">
             <a:avLst/>
@@ -8211,8 +10114,8 @@
         </p:blipFill>
         <p:spPr bwMode="auto">
           <a:xfrm>
-            <a:off x="4129298" y="4769002"/>
-            <a:ext cx="568527" cy="482668"/>
+            <a:off x="13215095" y="27286879"/>
+            <a:ext cx="3515038" cy="2984197"/>
           </a:xfrm>
           <a:prstGeom prst="rect">
             <a:avLst/>
@@ -8471,3159 +10374,6 @@
 </p:sld>
 </file>
 
-<file path=ppt/slides/slide12.xml><?xml version="1.0" encoding="utf-8"?>
-<p:sld xmlns:a="http://schemas.openxmlformats.org/drawingml/2006/main" xmlns:r="http://schemas.openxmlformats.org/officeDocument/2006/relationships" xmlns:p="http://schemas.openxmlformats.org/presentationml/2006/main">
-  <p:cSld>
-    <p:bg>
-      <p:bgPr>
-        <a:gradFill flip="none" rotWithShape="1">
-          <a:gsLst>
-            <a:gs pos="0">
-              <a:srgbClr val="B8F34F"/>
-            </a:gs>
-            <a:gs pos="100000">
-              <a:srgbClr val="24BACE"/>
-            </a:gs>
-          </a:gsLst>
-          <a:lin ang="16200000" scaled="1"/>
-          <a:tileRect/>
-        </a:gradFill>
-        <a:effectLst/>
-      </p:bgPr>
-    </p:bg>
-    <p:spTree>
-      <p:nvGrpSpPr>
-        <p:cNvPr id="1" name=""/>
-        <p:cNvGrpSpPr/>
-        <p:nvPr/>
-      </p:nvGrpSpPr>
-      <p:grpSpPr>
-        <a:xfrm>
-          <a:off x="0" y="0"/>
-          <a:ext cx="0" cy="0"/>
-          <a:chOff x="0" y="0"/>
-          <a:chExt cx="0" cy="0"/>
-        </a:xfrm>
-      </p:grpSpPr>
-      <p:pic>
-        <p:nvPicPr>
-          <p:cNvPr id="11266" name="Picture 2" descr="Image result for CONTACT PNG ICON"/>
-          <p:cNvPicPr>
-            <a:picLocks noChangeAspect="1" noChangeArrowheads="1"/>
-          </p:cNvPicPr>
-          <p:nvPr/>
-        </p:nvPicPr>
-        <p:blipFill>
-          <a:blip r:embed="rId2" cstate="print">
-            <a:duotone>
-              <a:schemeClr val="bg2">
-                <a:shade val="45000"/>
-                <a:satMod val="135000"/>
-              </a:schemeClr>
-              <a:prstClr val="white"/>
-            </a:duotone>
-            <a:extLst>
-              <a:ext uri="{28A0092B-C50C-407E-A947-70E740481C1C}">
-                <a14:useLocalDpi xmlns:a14="http://schemas.microsoft.com/office/drawing/2010/main" val="0"/>
-              </a:ext>
-            </a:extLst>
-          </a:blip>
-          <a:srcRect/>
-          <a:stretch>
-            <a:fillRect/>
-          </a:stretch>
-        </p:blipFill>
-        <p:spPr bwMode="auto">
-          <a:xfrm>
-            <a:off x="1207531" y="3207781"/>
-            <a:ext cx="2728438" cy="2728438"/>
-          </a:xfrm>
-          <a:prstGeom prst="rect">
-            <a:avLst/>
-          </a:prstGeom>
-          <a:noFill/>
-          <a:effectLst>
-            <a:innerShdw blurRad="63500" dist="88900" dir="16200000">
-              <a:prstClr val="black">
-                <a:alpha val="50000"/>
-              </a:prstClr>
-            </a:innerShdw>
-          </a:effectLst>
-          <a:extLst>
-            <a:ext uri="{909E8E84-426E-40DD-AFC4-6F175D3DCCD1}">
-              <a14:hiddenFill xmlns:a14="http://schemas.microsoft.com/office/drawing/2010/main">
-                <a:solidFill>
-                  <a:srgbClr val="FFFFFF"/>
-                </a:solidFill>
-              </a14:hiddenFill>
-            </a:ext>
-          </a:extLst>
-        </p:spPr>
-      </p:pic>
-    </p:spTree>
-    <p:extLst>
-      <p:ext uri="{BB962C8B-B14F-4D97-AF65-F5344CB8AC3E}">
-        <p14:creationId xmlns:p14="http://schemas.microsoft.com/office/powerpoint/2010/main" val="1395456437"/>
-      </p:ext>
-    </p:extLst>
-  </p:cSld>
-  <p:clrMapOvr>
-    <a:overrideClrMapping bg1="lt1" tx1="dk1" bg2="lt2" tx2="dk2" accent1="accent1" accent2="accent2" accent3="accent3" accent4="accent4" accent5="accent5" accent6="accent6" hlink="hlink" folHlink="folHlink"/>
-  </p:clrMapOvr>
-  <mc:AlternateContent xmlns:mc="http://schemas.openxmlformats.org/markup-compatibility/2006" xmlns:p14="http://schemas.microsoft.com/office/powerpoint/2010/main">
-    <mc:Choice Requires="p14">
-      <p:transition spd="slow" p14:dur="1250" advTm="6000">
-        <p14:flip dir="r"/>
-      </p:transition>
-    </mc:Choice>
-    <mc:Fallback xmlns="">
-      <p:transition spd="slow" advTm="6000">
-        <p:fade/>
-      </p:transition>
-    </mc:Fallback>
-  </mc:AlternateContent>
-  <p:timing>
-    <p:tnLst>
-      <p:par>
-        <p:cTn id="1" dur="indefinite" restart="never" nodeType="tmRoot"/>
-      </p:par>
-    </p:tnLst>
-  </p:timing>
-</p:sld>
-</file>
-
-<file path=ppt/slides/slide13.xml><?xml version="1.0" encoding="utf-8"?>
-<p:sld xmlns:a="http://schemas.openxmlformats.org/drawingml/2006/main" xmlns:r="http://schemas.openxmlformats.org/officeDocument/2006/relationships" xmlns:p="http://schemas.openxmlformats.org/presentationml/2006/main">
-  <p:cSld>
-    <p:spTree>
-      <p:nvGrpSpPr>
-        <p:cNvPr id="1" name=""/>
-        <p:cNvGrpSpPr/>
-        <p:nvPr/>
-      </p:nvGrpSpPr>
-      <p:grpSpPr>
-        <a:xfrm>
-          <a:off x="0" y="0"/>
-          <a:ext cx="0" cy="0"/>
-          <a:chOff x="0" y="0"/>
-          <a:chExt cx="0" cy="0"/>
-        </a:xfrm>
-      </p:grpSpPr>
-      <p:sp>
-        <p:nvSpPr>
-          <p:cNvPr id="2" name="Rectangle 1"/>
-          <p:cNvSpPr/>
-          <p:nvPr/>
-        </p:nvSpPr>
-        <p:spPr>
-          <a:xfrm>
-            <a:off x="1125141" y="3125391"/>
-            <a:ext cx="2893219" cy="2893219"/>
-          </a:xfrm>
-          <a:prstGeom prst="rect">
-            <a:avLst/>
-          </a:prstGeom>
-          <a:noFill/>
-          <a:ln w="50800"/>
-        </p:spPr>
-        <p:style>
-          <a:lnRef idx="2">
-            <a:schemeClr val="accent1">
-              <a:shade val="50000"/>
-            </a:schemeClr>
-          </a:lnRef>
-          <a:fillRef idx="1">
-            <a:schemeClr val="accent1"/>
-          </a:fillRef>
-          <a:effectRef idx="0">
-            <a:schemeClr val="accent1"/>
-          </a:effectRef>
-          <a:fontRef idx="minor">
-            <a:schemeClr val="lt1"/>
-          </a:fontRef>
-        </p:style>
-        <p:txBody>
-          <a:bodyPr rtlCol="0" anchor="ctr"/>
-          <a:lstStyle/>
-          <a:p>
-            <a:pPr algn="ctr"/>
-            <a:endParaRPr lang="en-US" sz="265"/>
-          </a:p>
-        </p:txBody>
-      </p:sp>
-    </p:spTree>
-    <p:extLst>
-      <p:ext uri="{BB962C8B-B14F-4D97-AF65-F5344CB8AC3E}">
-        <p14:creationId xmlns:p14="http://schemas.microsoft.com/office/powerpoint/2010/main" val="904891992"/>
-      </p:ext>
-    </p:extLst>
-  </p:cSld>
-  <p:clrMapOvr>
-    <a:masterClrMapping/>
-  </p:clrMapOvr>
-  <mc:AlternateContent xmlns:mc="http://schemas.openxmlformats.org/markup-compatibility/2006" xmlns:p14="http://schemas.microsoft.com/office/powerpoint/2010/main">
-    <mc:Choice Requires="p14">
-      <p:transition spd="slow" p14:dur="1250" advTm="6000">
-        <p14:flip dir="r"/>
-      </p:transition>
-    </mc:Choice>
-    <mc:Fallback xmlns="">
-      <p:transition spd="slow" advTm="6000">
-        <p:fade/>
-      </p:transition>
-    </mc:Fallback>
-  </mc:AlternateContent>
-  <p:timing>
-    <p:tnLst>
-      <p:par>
-        <p:cTn id="1" dur="indefinite" restart="never" nodeType="tmRoot"/>
-      </p:par>
-    </p:tnLst>
-  </p:timing>
-</p:sld>
-</file>
-
-<file path=ppt/slides/slide14.xml><?xml version="1.0" encoding="utf-8"?>
-<p:sld xmlns:a="http://schemas.openxmlformats.org/drawingml/2006/main" xmlns:r="http://schemas.openxmlformats.org/officeDocument/2006/relationships" xmlns:p="http://schemas.openxmlformats.org/presentationml/2006/main">
-  <p:cSld>
-    <p:spTree>
-      <p:nvGrpSpPr>
-        <p:cNvPr id="1" name=""/>
-        <p:cNvGrpSpPr/>
-        <p:nvPr/>
-      </p:nvGrpSpPr>
-      <p:grpSpPr>
-        <a:xfrm>
-          <a:off x="0" y="0"/>
-          <a:ext cx="0" cy="0"/>
-          <a:chOff x="0" y="0"/>
-          <a:chExt cx="0" cy="0"/>
-        </a:xfrm>
-      </p:grpSpPr>
-      <p:sp>
-        <p:nvSpPr>
-          <p:cNvPr id="23" name="Rectangle 22"/>
-          <p:cNvSpPr/>
-          <p:nvPr/>
-        </p:nvSpPr>
-        <p:spPr>
-          <a:xfrm>
-            <a:off x="0" y="5650137"/>
-            <a:ext cx="5143500" cy="384748"/>
-          </a:xfrm>
-          <a:prstGeom prst="rect">
-            <a:avLst/>
-          </a:prstGeom>
-          <a:solidFill>
-            <a:schemeClr val="tx1"/>
-          </a:solidFill>
-          <a:ln>
-            <a:noFill/>
-          </a:ln>
-        </p:spPr>
-        <p:style>
-          <a:lnRef idx="2">
-            <a:schemeClr val="accent1">
-              <a:shade val="50000"/>
-            </a:schemeClr>
-          </a:lnRef>
-          <a:fillRef idx="1">
-            <a:schemeClr val="accent1"/>
-          </a:fillRef>
-          <a:effectRef idx="0">
-            <a:schemeClr val="accent1"/>
-          </a:effectRef>
-          <a:fontRef idx="minor">
-            <a:schemeClr val="lt1"/>
-          </a:fontRef>
-        </p:style>
-        <p:txBody>
-          <a:bodyPr rot="0" spcFirstLastPara="0" vertOverflow="overflow" horzOverflow="overflow" vert="horz" wrap="square" lIns="26302" tIns="13151" rIns="26302" bIns="13151" numCol="1" spcCol="0" rtlCol="0" fromWordArt="0" anchor="ctr" anchorCtr="0" forceAA="0" compatLnSpc="1">
-            <a:prstTxWarp prst="textNoShape">
-              <a:avLst/>
-            </a:prstTxWarp>
-            <a:noAutofit/>
-          </a:bodyPr>
-          <a:lstStyle/>
-          <a:p>
-            <a:pPr algn="ctr"/>
-            <a:endParaRPr lang="en-US" sz="265"/>
-          </a:p>
-        </p:txBody>
-      </p:sp>
-      <p:sp>
-        <p:nvSpPr>
-          <p:cNvPr id="27" name="Rectangle 26"/>
-          <p:cNvSpPr/>
-          <p:nvPr/>
-        </p:nvSpPr>
-        <p:spPr>
-          <a:xfrm>
-            <a:off x="0" y="3117121"/>
-            <a:ext cx="5143500" cy="368228"/>
-          </a:xfrm>
-          <a:prstGeom prst="rect">
-            <a:avLst/>
-          </a:prstGeom>
-          <a:solidFill>
-            <a:schemeClr val="tx1"/>
-          </a:solidFill>
-          <a:ln>
-            <a:noFill/>
-          </a:ln>
-        </p:spPr>
-        <p:style>
-          <a:lnRef idx="2">
-            <a:schemeClr val="accent1">
-              <a:shade val="50000"/>
-            </a:schemeClr>
-          </a:lnRef>
-          <a:fillRef idx="1">
-            <a:schemeClr val="accent1"/>
-          </a:fillRef>
-          <a:effectRef idx="0">
-            <a:schemeClr val="accent1"/>
-          </a:effectRef>
-          <a:fontRef idx="minor">
-            <a:schemeClr val="lt1"/>
-          </a:fontRef>
-        </p:style>
-        <p:txBody>
-          <a:bodyPr rot="0" spcFirstLastPara="0" vertOverflow="overflow" horzOverflow="overflow" vert="horz" wrap="square" lIns="26302" tIns="13151" rIns="26302" bIns="13151" numCol="1" spcCol="0" rtlCol="0" fromWordArt="0" anchor="ctr" anchorCtr="0" forceAA="0" compatLnSpc="1">
-            <a:prstTxWarp prst="textNoShape">
-              <a:avLst/>
-            </a:prstTxWarp>
-            <a:noAutofit/>
-          </a:bodyPr>
-          <a:lstStyle/>
-          <a:p>
-            <a:pPr algn="ctr"/>
-            <a:endParaRPr lang="en-US" sz="265"/>
-          </a:p>
-        </p:txBody>
-      </p:sp>
-      <p:sp>
-        <p:nvSpPr>
-          <p:cNvPr id="9" name="Rectangle 8"/>
-          <p:cNvSpPr/>
-          <p:nvPr/>
-        </p:nvSpPr>
-        <p:spPr>
-          <a:xfrm>
-            <a:off x="0" y="3117121"/>
-            <a:ext cx="929552" cy="2893219"/>
-          </a:xfrm>
-          <a:prstGeom prst="rect">
-            <a:avLst/>
-          </a:prstGeom>
-          <a:solidFill>
-            <a:schemeClr val="tx1"/>
-          </a:solidFill>
-          <a:ln>
-            <a:noFill/>
-          </a:ln>
-        </p:spPr>
-        <p:style>
-          <a:lnRef idx="2">
-            <a:schemeClr val="accent1">
-              <a:shade val="50000"/>
-            </a:schemeClr>
-          </a:lnRef>
-          <a:fillRef idx="1">
-            <a:schemeClr val="accent1"/>
-          </a:fillRef>
-          <a:effectRef idx="0">
-            <a:schemeClr val="accent1"/>
-          </a:effectRef>
-          <a:fontRef idx="minor">
-            <a:schemeClr val="lt1"/>
-          </a:fontRef>
-        </p:style>
-        <p:txBody>
-          <a:bodyPr rot="0" spcFirstLastPara="0" vertOverflow="overflow" horzOverflow="overflow" vert="horz" wrap="square" lIns="26302" tIns="13151" rIns="26302" bIns="13151" numCol="1" spcCol="0" rtlCol="0" fromWordArt="0" anchor="ctr" anchorCtr="0" forceAA="0" compatLnSpc="1">
-            <a:prstTxWarp prst="textNoShape">
-              <a:avLst/>
-            </a:prstTxWarp>
-            <a:noAutofit/>
-          </a:bodyPr>
-          <a:lstStyle/>
-          <a:p>
-            <a:pPr algn="ctr"/>
-            <a:endParaRPr lang="en-US" sz="265"/>
-          </a:p>
-        </p:txBody>
-      </p:sp>
-    </p:spTree>
-    <p:extLst>
-      <p:ext uri="{BB962C8B-B14F-4D97-AF65-F5344CB8AC3E}">
-        <p14:creationId xmlns:p14="http://schemas.microsoft.com/office/powerpoint/2010/main" val="3676522995"/>
-      </p:ext>
-    </p:extLst>
-  </p:cSld>
-  <p:clrMapOvr>
-    <a:masterClrMapping/>
-  </p:clrMapOvr>
-  <mc:AlternateContent xmlns:mc="http://schemas.openxmlformats.org/markup-compatibility/2006" xmlns:p14="http://schemas.microsoft.com/office/powerpoint/2010/main">
-    <mc:Choice Requires="p14">
-      <p:transition spd="slow" p14:dur="1250" advTm="6000">
-        <p14:flip dir="r"/>
-      </p:transition>
-    </mc:Choice>
-    <mc:Fallback xmlns="">
-      <p:transition spd="slow" advTm="6000">
-        <p:fade/>
-      </p:transition>
-    </mc:Fallback>
-  </mc:AlternateContent>
-  <p:timing>
-    <p:tnLst>
-      <p:par>
-        <p:cTn id="1" dur="indefinite" restart="never" nodeType="tmRoot"/>
-      </p:par>
-    </p:tnLst>
-  </p:timing>
-</p:sld>
-</file>
-
-<file path=ppt/slides/slide2.xml><?xml version="1.0" encoding="utf-8"?>
-<p:sld xmlns:a="http://schemas.openxmlformats.org/drawingml/2006/main" xmlns:r="http://schemas.openxmlformats.org/officeDocument/2006/relationships" xmlns:p="http://schemas.openxmlformats.org/presentationml/2006/main">
-  <p:cSld>
-    <p:bg>
-      <p:bgPr>
-        <a:gradFill flip="none" rotWithShape="1">
-          <a:gsLst>
-            <a:gs pos="0">
-              <a:srgbClr val="B8F34F"/>
-            </a:gs>
-            <a:gs pos="100000">
-              <a:srgbClr val="24BACE"/>
-            </a:gs>
-          </a:gsLst>
-          <a:lin ang="16200000" scaled="1"/>
-          <a:tileRect/>
-        </a:gradFill>
-        <a:effectLst/>
-      </p:bgPr>
-    </p:bg>
-    <p:spTree>
-      <p:nvGrpSpPr>
-        <p:cNvPr id="1" name=""/>
-        <p:cNvGrpSpPr/>
-        <p:nvPr/>
-      </p:nvGrpSpPr>
-      <p:grpSpPr>
-        <a:xfrm>
-          <a:off x="0" y="0"/>
-          <a:ext cx="0" cy="0"/>
-          <a:chOff x="0" y="0"/>
-          <a:chExt cx="0" cy="0"/>
-        </a:xfrm>
-      </p:grpSpPr>
-      <p:pic>
-        <p:nvPicPr>
-          <p:cNvPr id="3" name="Picture 4" descr="cell phone 2 icons"/>
-          <p:cNvPicPr>
-            <a:picLocks noChangeAspect="1" noChangeArrowheads="1"/>
-          </p:cNvPicPr>
-          <p:nvPr/>
-        </p:nvPicPr>
-        <p:blipFill>
-          <a:blip r:embed="rId2">
-            <a:duotone>
-              <a:schemeClr val="bg2">
-                <a:shade val="45000"/>
-                <a:satMod val="135000"/>
-              </a:schemeClr>
-              <a:prstClr val="white"/>
-            </a:duotone>
-            <a:extLst>
-              <a:ext uri="{28A0092B-C50C-407E-A947-70E740481C1C}">
-                <a14:useLocalDpi xmlns:a14="http://schemas.microsoft.com/office/drawing/2010/main" val="0"/>
-              </a:ext>
-            </a:extLst>
-          </a:blip>
-          <a:srcRect/>
-          <a:stretch>
-            <a:fillRect/>
-          </a:stretch>
-        </p:blipFill>
-        <p:spPr bwMode="auto">
-          <a:xfrm>
-            <a:off x="1144320" y="3144569"/>
-            <a:ext cx="2854861" cy="2854862"/>
-          </a:xfrm>
-          <a:prstGeom prst="rect">
-            <a:avLst/>
-          </a:prstGeom>
-          <a:noFill/>
-          <a:effectLst>
-            <a:innerShdw blurRad="63500" dist="88900" dir="16200000">
-              <a:prstClr val="black">
-                <a:alpha val="50000"/>
-              </a:prstClr>
-            </a:innerShdw>
-          </a:effectLst>
-          <a:extLst>
-            <a:ext uri="{909E8E84-426E-40DD-AFC4-6F175D3DCCD1}">
-              <a14:hiddenFill xmlns:a14="http://schemas.microsoft.com/office/drawing/2010/main">
-                <a:solidFill>
-                  <a:srgbClr val="FFFFFF"/>
-                </a:solidFill>
-              </a14:hiddenFill>
-            </a:ext>
-          </a:extLst>
-        </p:spPr>
-      </p:pic>
-    </p:spTree>
-    <p:extLst>
-      <p:ext uri="{BB962C8B-B14F-4D97-AF65-F5344CB8AC3E}">
-        <p14:creationId xmlns:p14="http://schemas.microsoft.com/office/powerpoint/2010/main" val="236717550"/>
-      </p:ext>
-    </p:extLst>
-  </p:cSld>
-  <p:clrMapOvr>
-    <a:masterClrMapping/>
-  </p:clrMapOvr>
-  <mc:AlternateContent xmlns:mc="http://schemas.openxmlformats.org/markup-compatibility/2006" xmlns:p14="http://schemas.microsoft.com/office/powerpoint/2010/main">
-    <mc:Choice Requires="p14">
-      <p:transition spd="slow" p14:dur="1250" advTm="6000">
-        <p14:flip dir="r"/>
-      </p:transition>
-    </mc:Choice>
-    <mc:Fallback xmlns="">
-      <p:transition spd="slow" advTm="6000">
-        <p:fade/>
-      </p:transition>
-    </mc:Fallback>
-  </mc:AlternateContent>
-  <p:timing>
-    <p:tnLst>
-      <p:par>
-        <p:cTn id="1" dur="indefinite" restart="never" nodeType="tmRoot"/>
-      </p:par>
-    </p:tnLst>
-  </p:timing>
-</p:sld>
-</file>
-
-<file path=ppt/slides/slide3.xml><?xml version="1.0" encoding="utf-8"?>
-<p:sld xmlns:a="http://schemas.openxmlformats.org/drawingml/2006/main" xmlns:r="http://schemas.openxmlformats.org/officeDocument/2006/relationships" xmlns:p="http://schemas.openxmlformats.org/presentationml/2006/main">
-  <p:cSld>
-    <p:bg>
-      <p:bgPr>
-        <a:solidFill>
-          <a:schemeClr val="bg1">
-            <a:lumMod val="50000"/>
-          </a:schemeClr>
-        </a:solidFill>
-        <a:effectLst/>
-      </p:bgPr>
-    </p:bg>
-    <p:spTree>
-      <p:nvGrpSpPr>
-        <p:cNvPr id="1" name=""/>
-        <p:cNvGrpSpPr/>
-        <p:nvPr/>
-      </p:nvGrpSpPr>
-      <p:grpSpPr>
-        <a:xfrm>
-          <a:off x="0" y="0"/>
-          <a:ext cx="0" cy="0"/>
-          <a:chOff x="0" y="0"/>
-          <a:chExt cx="0" cy="0"/>
-        </a:xfrm>
-      </p:grpSpPr>
-      <p:sp>
-        <p:nvSpPr>
-          <p:cNvPr id="20" name="Rectangle 19"/>
-          <p:cNvSpPr/>
-          <p:nvPr/>
-        </p:nvSpPr>
-        <p:spPr>
-          <a:xfrm>
-            <a:off x="1015650" y="3561702"/>
-            <a:ext cx="3197025" cy="1818973"/>
-          </a:xfrm>
-          <a:prstGeom prst="rect">
-            <a:avLst/>
-          </a:prstGeom>
-          <a:noFill/>
-        </p:spPr>
-        <p:txBody>
-          <a:bodyPr wrap="square" lIns="26302" tIns="13151" rIns="26302" bIns="13151">
-            <a:spAutoFit/>
-          </a:bodyPr>
-          <a:lstStyle/>
-          <a:p>
-            <a:pPr>
-              <a:lnSpc>
-                <a:spcPct val="150000"/>
-              </a:lnSpc>
-            </a:pPr>
-            <a:r>
-              <a:rPr lang="en-US" sz="1898" dirty="0">
-                <a:ln w="0"/>
-                <a:solidFill>
-                  <a:schemeClr val="bg2">
-                    <a:lumMod val="90000"/>
-                  </a:schemeClr>
-                </a:solidFill>
-                <a:latin typeface="Century Gothic" panose="020B0502020202020204" pitchFamily="34" charset="0"/>
-              </a:rPr>
-              <a:t>IF NOT IMAGING</a:t>
-            </a:r>
-          </a:p>
-          <a:p>
-            <a:pPr>
-              <a:lnSpc>
-                <a:spcPct val="150000"/>
-              </a:lnSpc>
-            </a:pPr>
-            <a:r>
-              <a:rPr lang="en-US" sz="2071" b="1" dirty="0">
-                <a:ln w="3175">
-                  <a:noFill/>
-                </a:ln>
-                <a:solidFill>
-                  <a:srgbClr val="FF8585"/>
-                </a:solidFill>
-                <a:effectLst>
-                  <a:outerShdw blurRad="50800" dist="38100" dir="5400000" algn="t" rotWithShape="0">
-                    <a:prstClr val="black">
-                      <a:alpha val="40000"/>
-                    </a:prstClr>
-                  </a:outerShdw>
-                </a:effectLst>
-                <a:latin typeface="Century Gothic" panose="020B0502020202020204" pitchFamily="34" charset="0"/>
-              </a:rPr>
-              <a:t>DO NOT </a:t>
-            </a:r>
-            <a:r>
-              <a:rPr lang="en-US" sz="1898" dirty="0">
-                <a:ln w="0"/>
-                <a:solidFill>
-                  <a:schemeClr val="bg2">
-                    <a:lumMod val="90000"/>
-                  </a:schemeClr>
-                </a:solidFill>
-                <a:latin typeface="Century Gothic" panose="020B0502020202020204" pitchFamily="34" charset="0"/>
-              </a:rPr>
-              <a:t>CONNECT</a:t>
-            </a:r>
-            <a:r>
-              <a:rPr lang="en-US" sz="1898" dirty="0">
-                <a:ln w="0"/>
-                <a:solidFill>
-                  <a:schemeClr val="bg1"/>
-                </a:solidFill>
-                <a:latin typeface="Century Gothic" panose="020B0502020202020204" pitchFamily="34" charset="0"/>
-              </a:rPr>
-              <a:t> </a:t>
-            </a:r>
-            <a:r>
-              <a:rPr lang="en-US" sz="1898" dirty="0">
-                <a:ln w="0"/>
-                <a:solidFill>
-                  <a:schemeClr val="bg2">
-                    <a:lumMod val="90000"/>
-                  </a:schemeClr>
-                </a:solidFill>
-                <a:latin typeface="Century Gothic" panose="020B0502020202020204" pitchFamily="34" charset="0"/>
-              </a:rPr>
-              <a:t>COMPUTERS TO </a:t>
-            </a:r>
-            <a:r>
-              <a:rPr lang="en-US" sz="1898" b="1" dirty="0">
-                <a:ln w="0"/>
-                <a:solidFill>
-                  <a:schemeClr val="bg2">
-                    <a:lumMod val="90000"/>
-                  </a:schemeClr>
-                </a:solidFill>
-                <a:effectLst>
-                  <a:outerShdw blurRad="50800" dist="38100" dir="5400000" algn="t" rotWithShape="0">
-                    <a:prstClr val="black">
-                      <a:alpha val="40000"/>
-                    </a:prstClr>
-                  </a:outerShdw>
-                </a:effectLst>
-                <a:latin typeface="Century Gothic" panose="020B0502020202020204" pitchFamily="34" charset="0"/>
-              </a:rPr>
-              <a:t>WI-FI</a:t>
-            </a:r>
-            <a:r>
-              <a:rPr lang="en-US" sz="1898" dirty="0">
-                <a:ln w="0"/>
-                <a:solidFill>
-                  <a:schemeClr val="bg2">
-                    <a:lumMod val="90000"/>
-                  </a:schemeClr>
-                </a:solidFill>
-                <a:latin typeface="Century Gothic" panose="020B0502020202020204" pitchFamily="34" charset="0"/>
-              </a:rPr>
-              <a:t> OR </a:t>
-            </a:r>
-            <a:r>
-              <a:rPr lang="en-US" sz="1898" b="1" dirty="0">
-                <a:ln w="0"/>
-                <a:solidFill>
-                  <a:schemeClr val="bg1"/>
-                </a:solidFill>
-                <a:effectLst>
-                  <a:outerShdw blurRad="50800" dist="38100" dir="5400000" algn="t" rotWithShape="0">
-                    <a:prstClr val="black">
-                      <a:alpha val="40000"/>
-                    </a:prstClr>
-                  </a:outerShdw>
-                </a:effectLst>
-                <a:latin typeface="Century Gothic" panose="020B0502020202020204" pitchFamily="34" charset="0"/>
-              </a:rPr>
-              <a:t>ETHERNET</a:t>
-            </a:r>
-          </a:p>
-        </p:txBody>
-      </p:sp>
-      <p:grpSp>
-        <p:nvGrpSpPr>
-          <p:cNvPr id="33" name="Group 32"/>
-          <p:cNvGrpSpPr/>
-          <p:nvPr/>
-        </p:nvGrpSpPr>
-        <p:grpSpPr>
-          <a:xfrm>
-            <a:off x="3798601" y="4809218"/>
-            <a:ext cx="938329" cy="870938"/>
-            <a:chOff x="4509450" y="6247245"/>
-            <a:chExt cx="3262143" cy="3027852"/>
-          </a:xfrm>
-        </p:grpSpPr>
-        <p:pic>
-          <p:nvPicPr>
-            <p:cNvPr id="2058" name="Picture 10" descr="Related image"/>
-            <p:cNvPicPr>
-              <a:picLocks noChangeAspect="1" noChangeArrowheads="1"/>
-            </p:cNvPicPr>
-            <p:nvPr/>
-          </p:nvPicPr>
-          <p:blipFill>
-            <a:blip r:embed="rId2" cstate="print">
-              <a:lum bright="70000" contrast="-70000"/>
-              <a:extLst>
-                <a:ext uri="{28A0092B-C50C-407E-A947-70E740481C1C}">
-                  <a14:useLocalDpi xmlns:a14="http://schemas.microsoft.com/office/drawing/2010/main" val="0"/>
-                </a:ext>
-              </a:extLst>
-            </a:blip>
-            <a:srcRect/>
-            <a:stretch>
-              <a:fillRect/>
-            </a:stretch>
-          </p:blipFill>
-          <p:spPr bwMode="auto">
-            <a:xfrm>
-              <a:off x="4509450" y="6395996"/>
-              <a:ext cx="2879101" cy="2879101"/>
-            </a:xfrm>
-            <a:prstGeom prst="rect">
-              <a:avLst/>
-            </a:prstGeom>
-            <a:noFill/>
-            <a:ln>
-              <a:noFill/>
-            </a:ln>
-            <a:extLst>
-              <a:ext uri="{909E8E84-426E-40DD-AFC4-6F175D3DCCD1}">
-                <a14:hiddenFill xmlns:a14="http://schemas.microsoft.com/office/drawing/2010/main">
-                  <a:solidFill>
-                    <a:srgbClr val="FFFFFF"/>
-                  </a:solidFill>
-                </a14:hiddenFill>
-              </a:ext>
-            </a:extLst>
-          </p:spPr>
-        </p:pic>
-        <p:grpSp>
-          <p:nvGrpSpPr>
-            <p:cNvPr id="29" name="Group 28"/>
-            <p:cNvGrpSpPr/>
-            <p:nvPr/>
-          </p:nvGrpSpPr>
-          <p:grpSpPr>
-            <a:xfrm rot="2700000">
-              <a:off x="6034668" y="6247245"/>
-              <a:ext cx="1736925" cy="1736925"/>
-              <a:chOff x="14027409" y="4214713"/>
-              <a:chExt cx="3398472" cy="3398472"/>
-            </a:xfrm>
-            <a:effectLst>
-              <a:outerShdw blurRad="50800" dist="38100" dir="5400000" algn="t" rotWithShape="0">
-                <a:prstClr val="black">
-                  <a:alpha val="40000"/>
-                </a:prstClr>
-              </a:outerShdw>
-            </a:effectLst>
-          </p:grpSpPr>
-          <p:sp>
-            <p:nvSpPr>
-              <p:cNvPr id="24" name="Rounded Rectangle 23"/>
-              <p:cNvSpPr/>
-              <p:nvPr/>
-            </p:nvSpPr>
-            <p:spPr>
-              <a:xfrm rot="5400000">
-                <a:off x="14027409" y="5588520"/>
-                <a:ext cx="3398472" cy="650857"/>
-              </a:xfrm>
-              <a:prstGeom prst="roundRect">
-                <a:avLst>
-                  <a:gd name="adj" fmla="val 50000"/>
-                </a:avLst>
-              </a:prstGeom>
-              <a:solidFill>
-                <a:srgbClr val="FF5353"/>
-              </a:solidFill>
-              <a:ln>
-                <a:noFill/>
-              </a:ln>
-            </p:spPr>
-            <p:style>
-              <a:lnRef idx="2">
-                <a:schemeClr val="accent1">
-                  <a:shade val="50000"/>
-                </a:schemeClr>
-              </a:lnRef>
-              <a:fillRef idx="1">
-                <a:schemeClr val="accent1"/>
-              </a:fillRef>
-              <a:effectRef idx="0">
-                <a:schemeClr val="accent1"/>
-              </a:effectRef>
-              <a:fontRef idx="minor">
-                <a:schemeClr val="lt1"/>
-              </a:fontRef>
-            </p:style>
-            <p:txBody>
-              <a:bodyPr rot="0" spcFirstLastPara="0" vertOverflow="overflow" horzOverflow="overflow" vert="horz" wrap="square" lIns="26302" tIns="13151" rIns="26302" bIns="13151" numCol="1" spcCol="0" rtlCol="0" fromWordArt="0" anchor="ctr" anchorCtr="0" forceAA="0" compatLnSpc="1">
-                <a:prstTxWarp prst="textNoShape">
-                  <a:avLst/>
-                </a:prstTxWarp>
-                <a:noAutofit/>
-              </a:bodyPr>
-              <a:lstStyle/>
-              <a:p>
-                <a:pPr algn="ctr"/>
-                <a:endParaRPr lang="en-US" sz="265"/>
-              </a:p>
-            </p:txBody>
-          </p:sp>
-          <p:sp>
-            <p:nvSpPr>
-              <p:cNvPr id="38" name="Rounded Rectangle 37"/>
-              <p:cNvSpPr/>
-              <p:nvPr/>
-            </p:nvSpPr>
-            <p:spPr>
-              <a:xfrm rot="10800000">
-                <a:off x="14027409" y="5576441"/>
-                <a:ext cx="3398472" cy="650857"/>
-              </a:xfrm>
-              <a:prstGeom prst="roundRect">
-                <a:avLst>
-                  <a:gd name="adj" fmla="val 50000"/>
-                </a:avLst>
-              </a:prstGeom>
-              <a:solidFill>
-                <a:srgbClr val="FF5353"/>
-              </a:solidFill>
-              <a:ln>
-                <a:noFill/>
-              </a:ln>
-            </p:spPr>
-            <p:style>
-              <a:lnRef idx="2">
-                <a:schemeClr val="accent1">
-                  <a:shade val="50000"/>
-                </a:schemeClr>
-              </a:lnRef>
-              <a:fillRef idx="1">
-                <a:schemeClr val="accent1"/>
-              </a:fillRef>
-              <a:effectRef idx="0">
-                <a:schemeClr val="accent1"/>
-              </a:effectRef>
-              <a:fontRef idx="minor">
-                <a:schemeClr val="lt1"/>
-              </a:fontRef>
-            </p:style>
-            <p:txBody>
-              <a:bodyPr rot="0" spcFirstLastPara="0" vertOverflow="overflow" horzOverflow="overflow" vert="horz" wrap="square" lIns="26302" tIns="13151" rIns="26302" bIns="13151" numCol="1" spcCol="0" rtlCol="0" fromWordArt="0" anchor="ctr" anchorCtr="0" forceAA="0" compatLnSpc="1">
-                <a:prstTxWarp prst="textNoShape">
-                  <a:avLst/>
-                </a:prstTxWarp>
-                <a:noAutofit/>
-              </a:bodyPr>
-              <a:lstStyle/>
-              <a:p>
-                <a:pPr algn="ctr"/>
-                <a:endParaRPr lang="en-US" sz="265"/>
-              </a:p>
-            </p:txBody>
-          </p:sp>
-        </p:grpSp>
-      </p:grpSp>
-      <p:grpSp>
-        <p:nvGrpSpPr>
-          <p:cNvPr id="34" name="Group 33"/>
-          <p:cNvGrpSpPr/>
-          <p:nvPr/>
-        </p:nvGrpSpPr>
-        <p:grpSpPr>
-          <a:xfrm>
-            <a:off x="3857921" y="3561701"/>
-            <a:ext cx="839672" cy="713006"/>
-            <a:chOff x="10804016" y="6490280"/>
-            <a:chExt cx="2919154" cy="2478794"/>
-          </a:xfrm>
-        </p:grpSpPr>
-        <p:pic>
-          <p:nvPicPr>
-            <p:cNvPr id="2062" name="Picture 14" descr="Image result for ethernet png icon"/>
-            <p:cNvPicPr>
-              <a:picLocks noChangeAspect="1" noChangeArrowheads="1"/>
-            </p:cNvPicPr>
-            <p:nvPr/>
-          </p:nvPicPr>
-          <p:blipFill>
-            <a:blip r:embed="rId3" cstate="print">
-              <a:lum bright="70000" contrast="-70000"/>
-              <a:extLst>
-                <a:ext uri="{28A0092B-C50C-407E-A947-70E740481C1C}">
-                  <a14:useLocalDpi xmlns:a14="http://schemas.microsoft.com/office/drawing/2010/main" val="0"/>
-                </a:ext>
-              </a:extLst>
-            </a:blip>
-            <a:srcRect/>
-            <a:stretch>
-              <a:fillRect/>
-            </a:stretch>
-          </p:blipFill>
-          <p:spPr bwMode="auto">
-            <a:xfrm>
-              <a:off x="10804016" y="6873453"/>
-              <a:ext cx="2097760" cy="2095621"/>
-            </a:xfrm>
-            <a:prstGeom prst="rect">
-              <a:avLst/>
-            </a:prstGeom>
-            <a:noFill/>
-            <a:extLst>
-              <a:ext uri="{909E8E84-426E-40DD-AFC4-6F175D3DCCD1}">
-                <a14:hiddenFill xmlns:a14="http://schemas.microsoft.com/office/drawing/2010/main">
-                  <a:solidFill>
-                    <a:srgbClr val="FFFFFF"/>
-                  </a:solidFill>
-                </a14:hiddenFill>
-              </a:ext>
-            </a:extLst>
-          </p:spPr>
-        </p:pic>
-        <p:pic>
-          <p:nvPicPr>
-            <p:cNvPr id="32" name="Picture 31"/>
-            <p:cNvPicPr>
-              <a:picLocks noChangeAspect="1"/>
-            </p:cNvPicPr>
-            <p:nvPr/>
-          </p:nvPicPr>
-          <p:blipFill>
-            <a:blip r:embed="rId4"/>
-            <a:stretch>
-              <a:fillRect/>
-            </a:stretch>
-          </p:blipFill>
-          <p:spPr>
-            <a:xfrm>
-              <a:off x="12388030" y="6490280"/>
-              <a:ext cx="1335140" cy="1335140"/>
-            </a:xfrm>
-            <a:prstGeom prst="rect">
-              <a:avLst/>
-            </a:prstGeom>
-            <a:effectLst>
-              <a:outerShdw blurRad="50800" dist="38100" dir="5400000" algn="t" rotWithShape="0">
-                <a:prstClr val="black">
-                  <a:alpha val="40000"/>
-                </a:prstClr>
-              </a:outerShdw>
-            </a:effectLst>
-          </p:spPr>
-        </p:pic>
-      </p:grpSp>
-    </p:spTree>
-    <p:extLst>
-      <p:ext uri="{BB962C8B-B14F-4D97-AF65-F5344CB8AC3E}">
-        <p14:creationId xmlns:p14="http://schemas.microsoft.com/office/powerpoint/2010/main" val="1065445114"/>
-      </p:ext>
-    </p:extLst>
-  </p:cSld>
-  <p:clrMapOvr>
-    <a:masterClrMapping/>
-  </p:clrMapOvr>
-  <mc:AlternateContent xmlns:mc="http://schemas.openxmlformats.org/markup-compatibility/2006" xmlns:p14="http://schemas.microsoft.com/office/powerpoint/2010/main">
-    <mc:Choice Requires="p14">
-      <p:transition spd="slow" p14:dur="1250" advTm="6000">
-        <p14:flip dir="r"/>
-      </p:transition>
-    </mc:Choice>
-    <mc:Fallback xmlns="">
-      <p:transition spd="slow" advTm="6000">
-        <p:fade/>
-      </p:transition>
-    </mc:Fallback>
-  </mc:AlternateContent>
-  <p:timing>
-    <p:tnLst>
-      <p:par>
-        <p:cTn id="1" dur="indefinite" restart="never" nodeType="tmRoot">
-          <p:childTnLst>
-            <p:seq concurrent="1" nextAc="seek">
-              <p:cTn id="2" dur="indefinite" nodeType="mainSeq">
-                <p:childTnLst>
-                  <p:par>
-                    <p:cTn id="3" fill="hold">
-                      <p:stCondLst>
-                        <p:cond delay="indefinite"/>
-                        <p:cond evt="onBegin" delay="0">
-                          <p:tn val="2"/>
-                        </p:cond>
-                      </p:stCondLst>
-                      <p:childTnLst>
-                        <p:par>
-                          <p:cTn id="4" fill="hold">
-                            <p:stCondLst>
-                              <p:cond delay="0"/>
-                            </p:stCondLst>
-                            <p:childTnLst>
-                              <p:par>
-                                <p:cTn id="5" presetID="22" presetClass="entr" presetSubtype="1" fill="hold" grpId="0" nodeType="afterEffect">
-                                  <p:stCondLst>
-                                    <p:cond delay="0"/>
-                                  </p:stCondLst>
-                                  <p:childTnLst>
-                                    <p:set>
-                                      <p:cBhvr>
-                                        <p:cTn id="6" dur="1" fill="hold">
-                                          <p:stCondLst>
-                                            <p:cond delay="0"/>
-                                          </p:stCondLst>
-                                        </p:cTn>
-                                        <p:tgtEl>
-                                          <p:spTgt spid="20"/>
-                                        </p:tgtEl>
-                                        <p:attrNameLst>
-                                          <p:attrName>style.visibility</p:attrName>
-                                        </p:attrNameLst>
-                                      </p:cBhvr>
-                                      <p:to>
-                                        <p:strVal val="visible"/>
-                                      </p:to>
-                                    </p:set>
-                                    <p:animEffect transition="in" filter="wipe(up)">
-                                      <p:cBhvr>
-                                        <p:cTn id="7" dur="1000"/>
-                                        <p:tgtEl>
-                                          <p:spTgt spid="20"/>
-                                        </p:tgtEl>
-                                      </p:cBhvr>
-                                    </p:animEffect>
-                                  </p:childTnLst>
-                                </p:cTn>
-                              </p:par>
-                            </p:childTnLst>
-                          </p:cTn>
-                        </p:par>
-                      </p:childTnLst>
-                    </p:cTn>
-                  </p:par>
-                </p:childTnLst>
-              </p:cTn>
-              <p:prevCondLst>
-                <p:cond evt="onPrev" delay="0">
-                  <p:tgtEl>
-                    <p:sldTgt/>
-                  </p:tgtEl>
-                </p:cond>
-              </p:prevCondLst>
-              <p:nextCondLst>
-                <p:cond evt="onNext" delay="0">
-                  <p:tgtEl>
-                    <p:sldTgt/>
-                  </p:tgtEl>
-                </p:cond>
-              </p:nextCondLst>
-            </p:seq>
-          </p:childTnLst>
-        </p:cTn>
-      </p:par>
-    </p:tnLst>
-    <p:bldLst>
-      <p:bldP spid="20" grpId="0"/>
-    </p:bldLst>
-  </p:timing>
-</p:sld>
-</file>
-
-<file path=ppt/slides/slide4.xml><?xml version="1.0" encoding="utf-8"?>
-<p:sld xmlns:a="http://schemas.openxmlformats.org/drawingml/2006/main" xmlns:r="http://schemas.openxmlformats.org/officeDocument/2006/relationships" xmlns:p="http://schemas.openxmlformats.org/presentationml/2006/main">
-  <p:cSld>
-    <p:bg>
-      <p:bgPr>
-        <a:gradFill flip="none" rotWithShape="1">
-          <a:gsLst>
-            <a:gs pos="0">
-              <a:srgbClr val="B8F34F"/>
-            </a:gs>
-            <a:gs pos="100000">
-              <a:srgbClr val="24BACE"/>
-            </a:gs>
-          </a:gsLst>
-          <a:lin ang="16200000" scaled="1"/>
-          <a:tileRect/>
-        </a:gradFill>
-        <a:effectLst/>
-      </p:bgPr>
-    </p:bg>
-    <p:spTree>
-      <p:nvGrpSpPr>
-        <p:cNvPr id="1" name=""/>
-        <p:cNvGrpSpPr/>
-        <p:nvPr/>
-      </p:nvGrpSpPr>
-      <p:grpSpPr>
-        <a:xfrm>
-          <a:off x="0" y="0"/>
-          <a:ext cx="0" cy="0"/>
-          <a:chOff x="0" y="0"/>
-          <a:chExt cx="0" cy="0"/>
-        </a:xfrm>
-      </p:grpSpPr>
-      <p:grpSp>
-        <p:nvGrpSpPr>
-          <p:cNvPr id="2" name="Group 1"/>
-          <p:cNvGrpSpPr/>
-          <p:nvPr/>
-        </p:nvGrpSpPr>
-        <p:grpSpPr>
-          <a:xfrm>
-            <a:off x="1265884" y="3175274"/>
-            <a:ext cx="2132091" cy="1810461"/>
-            <a:chOff x="5820621" y="552450"/>
-            <a:chExt cx="4991171" cy="4238243"/>
-          </a:xfrm>
-        </p:grpSpPr>
-        <p:pic>
-          <p:nvPicPr>
-            <p:cNvPr id="2062" name="Picture 14" descr="Image result for ethernet png icon"/>
-            <p:cNvPicPr>
-              <a:picLocks noChangeAspect="1" noChangeArrowheads="1"/>
-            </p:cNvPicPr>
-            <p:nvPr/>
-          </p:nvPicPr>
-          <p:blipFill>
-            <a:blip r:embed="rId2" cstate="print">
-              <a:duotone>
-                <a:schemeClr val="bg2">
-                  <a:shade val="45000"/>
-                  <a:satMod val="135000"/>
-                </a:schemeClr>
-                <a:prstClr val="white"/>
-              </a:duotone>
-              <a:extLst>
-                <a:ext uri="{28A0092B-C50C-407E-A947-70E740481C1C}">
-                  <a14:useLocalDpi xmlns:a14="http://schemas.microsoft.com/office/drawing/2010/main" val="0"/>
-                </a:ext>
-              </a:extLst>
-            </a:blip>
-            <a:srcRect/>
-            <a:stretch>
-              <a:fillRect/>
-            </a:stretch>
-          </p:blipFill>
-          <p:spPr bwMode="auto">
-            <a:xfrm>
-              <a:off x="5820621" y="1207599"/>
-              <a:ext cx="3586751" cy="3583094"/>
-            </a:xfrm>
-            <a:prstGeom prst="rect">
-              <a:avLst/>
-            </a:prstGeom>
-            <a:noFill/>
-            <a:effectLst>
-              <a:innerShdw blurRad="63500" dist="50800" dir="16200000">
-                <a:prstClr val="black">
-                  <a:alpha val="50000"/>
-                </a:prstClr>
-              </a:innerShdw>
-            </a:effectLst>
-            <a:extLst>
-              <a:ext uri="{909E8E84-426E-40DD-AFC4-6F175D3DCCD1}">
-                <a14:hiddenFill xmlns:a14="http://schemas.microsoft.com/office/drawing/2010/main">
-                  <a:solidFill>
-                    <a:srgbClr val="FFFFFF"/>
-                  </a:solidFill>
-                </a14:hiddenFill>
-              </a:ext>
-            </a:extLst>
-          </p:spPr>
-        </p:pic>
-        <p:pic>
-          <p:nvPicPr>
-            <p:cNvPr id="32" name="Picture 31"/>
-            <p:cNvPicPr>
-              <a:picLocks noChangeAspect="1"/>
-            </p:cNvPicPr>
-            <p:nvPr/>
-          </p:nvPicPr>
-          <p:blipFill>
-            <a:blip r:embed="rId3"/>
-            <a:stretch>
-              <a:fillRect/>
-            </a:stretch>
-          </p:blipFill>
-          <p:spPr>
-            <a:xfrm>
-              <a:off x="8528969" y="552450"/>
-              <a:ext cx="2282823" cy="2282823"/>
-            </a:xfrm>
-            <a:prstGeom prst="rect">
-              <a:avLst/>
-            </a:prstGeom>
-            <a:effectLst>
-              <a:innerShdw blurRad="63500" dist="88900" dir="16200000">
-                <a:prstClr val="black">
-                  <a:alpha val="50000"/>
-                </a:prstClr>
-              </a:innerShdw>
-            </a:effectLst>
-          </p:spPr>
-        </p:pic>
-      </p:grpSp>
-      <p:grpSp>
-        <p:nvGrpSpPr>
-          <p:cNvPr id="3" name="Group 2"/>
-          <p:cNvGrpSpPr/>
-          <p:nvPr/>
-        </p:nvGrpSpPr>
-        <p:grpSpPr>
-          <a:xfrm rot="18900000">
-            <a:off x="2443064" y="4484796"/>
-            <a:ext cx="2036700" cy="1899289"/>
-            <a:chOff x="8342962" y="5013508"/>
-            <a:chExt cx="5112021" cy="4767127"/>
-          </a:xfrm>
-        </p:grpSpPr>
-        <p:pic>
-          <p:nvPicPr>
-            <p:cNvPr id="2058" name="Picture 10" descr="Related image"/>
-            <p:cNvPicPr>
-              <a:picLocks noChangeAspect="1" noChangeArrowheads="1"/>
-            </p:cNvPicPr>
-            <p:nvPr/>
-          </p:nvPicPr>
-          <p:blipFill>
-            <a:blip r:embed="rId4" cstate="print">
-              <a:duotone>
-                <a:schemeClr val="bg2">
-                  <a:shade val="45000"/>
-                  <a:satMod val="135000"/>
-                </a:schemeClr>
-                <a:prstClr val="white"/>
-              </a:duotone>
-              <a:extLst>
-                <a:ext uri="{28A0092B-C50C-407E-A947-70E740481C1C}">
-                  <a14:useLocalDpi xmlns:a14="http://schemas.microsoft.com/office/drawing/2010/main" val="0"/>
-                </a:ext>
-              </a:extLst>
-            </a:blip>
-            <a:srcRect/>
-            <a:stretch>
-              <a:fillRect/>
-            </a:stretch>
-          </p:blipFill>
-          <p:spPr bwMode="auto">
-            <a:xfrm>
-              <a:off x="8342962" y="5013508"/>
-              <a:ext cx="4767127" cy="4767127"/>
-            </a:xfrm>
-            <a:prstGeom prst="rect">
-              <a:avLst/>
-            </a:prstGeom>
-            <a:noFill/>
-            <a:effectLst>
-              <a:innerShdw blurRad="63500" dist="88900" dir="16200000">
-                <a:prstClr val="black">
-                  <a:alpha val="50000"/>
-                </a:prstClr>
-              </a:innerShdw>
-            </a:effectLst>
-            <a:extLst>
-              <a:ext uri="{909E8E84-426E-40DD-AFC4-6F175D3DCCD1}">
-                <a14:hiddenFill xmlns:a14="http://schemas.microsoft.com/office/drawing/2010/main">
-                  <a:solidFill>
-                    <a:srgbClr val="FFFFFF"/>
-                  </a:solidFill>
-                </a14:hiddenFill>
-              </a:ext>
-            </a:extLst>
-          </p:spPr>
-        </p:pic>
-        <p:pic>
-          <p:nvPicPr>
-            <p:cNvPr id="10" name="Picture 9"/>
-            <p:cNvPicPr>
-              <a:picLocks noChangeAspect="1"/>
-            </p:cNvPicPr>
-            <p:nvPr/>
-          </p:nvPicPr>
-          <p:blipFill>
-            <a:blip r:embed="rId3"/>
-            <a:stretch>
-              <a:fillRect/>
-            </a:stretch>
-          </p:blipFill>
-          <p:spPr>
-            <a:xfrm rot="2700000">
-              <a:off x="11172160" y="5063773"/>
-              <a:ext cx="2282823" cy="2282823"/>
-            </a:xfrm>
-            <a:prstGeom prst="rect">
-              <a:avLst/>
-            </a:prstGeom>
-            <a:effectLst>
-              <a:innerShdw blurRad="63500" dist="88900" dir="16200000">
-                <a:prstClr val="black">
-                  <a:alpha val="50000"/>
-                </a:prstClr>
-              </a:innerShdw>
-            </a:effectLst>
-          </p:spPr>
-        </p:pic>
-      </p:grpSp>
-    </p:spTree>
-    <p:extLst>
-      <p:ext uri="{BB962C8B-B14F-4D97-AF65-F5344CB8AC3E}">
-        <p14:creationId xmlns:p14="http://schemas.microsoft.com/office/powerpoint/2010/main" val="430140618"/>
-      </p:ext>
-    </p:extLst>
-  </p:cSld>
-  <p:clrMapOvr>
-    <a:overrideClrMapping bg1="lt1" tx1="dk1" bg2="lt2" tx2="dk2" accent1="accent1" accent2="accent2" accent3="accent3" accent4="accent4" accent5="accent5" accent6="accent6" hlink="hlink" folHlink="folHlink"/>
-  </p:clrMapOvr>
-  <mc:AlternateContent xmlns:mc="http://schemas.openxmlformats.org/markup-compatibility/2006" xmlns:p14="http://schemas.microsoft.com/office/powerpoint/2010/main">
-    <mc:Choice Requires="p14">
-      <p:transition spd="slow" p14:dur="1250" advTm="6000">
-        <p14:flip dir="r"/>
-      </p:transition>
-    </mc:Choice>
-    <mc:Fallback xmlns="">
-      <p:transition spd="slow" advTm="6000">
-        <p:fade/>
-      </p:transition>
-    </mc:Fallback>
-  </mc:AlternateContent>
-  <p:timing>
-    <p:tnLst>
-      <p:par>
-        <p:cTn id="1" dur="indefinite" restart="never" nodeType="tmRoot"/>
-      </p:par>
-    </p:tnLst>
-  </p:timing>
-</p:sld>
-</file>
-
-<file path=ppt/slides/slide5.xml><?xml version="1.0" encoding="utf-8"?>
-<p:sld xmlns:a="http://schemas.openxmlformats.org/drawingml/2006/main" xmlns:r="http://schemas.openxmlformats.org/officeDocument/2006/relationships" xmlns:p="http://schemas.openxmlformats.org/presentationml/2006/main">
-  <p:cSld>
-    <p:bg>
-      <p:bgPr>
-        <a:solidFill>
-          <a:schemeClr val="bg1">
-            <a:lumMod val="50000"/>
-          </a:schemeClr>
-        </a:solidFill>
-        <a:effectLst/>
-      </p:bgPr>
-    </p:bg>
-    <p:spTree>
-      <p:nvGrpSpPr>
-        <p:cNvPr id="1" name=""/>
-        <p:cNvGrpSpPr/>
-        <p:nvPr/>
-      </p:nvGrpSpPr>
-      <p:grpSpPr>
-        <a:xfrm>
-          <a:off x="0" y="0"/>
-          <a:ext cx="0" cy="0"/>
-          <a:chOff x="0" y="0"/>
-          <a:chExt cx="0" cy="0"/>
-        </a:xfrm>
-      </p:grpSpPr>
-      <p:sp>
-        <p:nvSpPr>
-          <p:cNvPr id="12" name="Rectangle 11"/>
-          <p:cNvSpPr/>
-          <p:nvPr/>
-        </p:nvSpPr>
-        <p:spPr>
-          <a:xfrm>
-            <a:off x="929552" y="3777461"/>
-            <a:ext cx="3218641" cy="1704711"/>
-          </a:xfrm>
-          <a:prstGeom prst="rect">
-            <a:avLst/>
-          </a:prstGeom>
-          <a:noFill/>
-          <a:effectLst/>
-        </p:spPr>
-        <p:txBody>
-          <a:bodyPr wrap="square" lIns="26302" tIns="13151" rIns="26302" bIns="13151">
-            <a:spAutoFit/>
-          </a:bodyPr>
-          <a:lstStyle/>
-          <a:p>
-            <a:pPr>
-              <a:spcAft>
-                <a:spcPts val="173"/>
-              </a:spcAft>
-            </a:pPr>
-            <a:r>
-              <a:rPr lang="en-US" sz="2301" dirty="0">
-                <a:ln w="0"/>
-                <a:solidFill>
-                  <a:srgbClr val="B2B2B2"/>
-                </a:solidFill>
-                <a:latin typeface="Century Gothic" panose="020B0502020202020204" pitchFamily="34" charset="0"/>
-              </a:rPr>
-              <a:t>BEFORE STAGING</a:t>
-            </a:r>
-          </a:p>
-          <a:p>
-            <a:pPr>
-              <a:spcAft>
-                <a:spcPts val="173"/>
-              </a:spcAft>
-            </a:pPr>
-            <a:r>
-              <a:rPr lang="en-US" sz="1898" b="1" dirty="0">
-                <a:ln w="0"/>
-                <a:solidFill>
-                  <a:srgbClr val="B0DD7F"/>
-                </a:solidFill>
-                <a:effectLst>
-                  <a:outerShdw blurRad="50800" dist="38100" dir="5400000" algn="t" rotWithShape="0">
-                    <a:prstClr val="black">
-                      <a:alpha val="40000"/>
-                    </a:prstClr>
-                  </a:outerShdw>
-                </a:effectLst>
-                <a:latin typeface="Century Gothic" panose="020B0502020202020204" pitchFamily="34" charset="0"/>
-              </a:rPr>
-              <a:t>ALWAYS INSPECT</a:t>
-            </a:r>
-          </a:p>
-          <a:p>
-            <a:pPr>
-              <a:spcAft>
-                <a:spcPts val="173"/>
-              </a:spcAft>
-            </a:pPr>
-            <a:r>
-              <a:rPr lang="en-US" sz="1898" dirty="0">
-                <a:ln w="0"/>
-                <a:solidFill>
-                  <a:srgbClr val="B2B2B2"/>
-                </a:solidFill>
-                <a:latin typeface="Century Gothic" panose="020B0502020202020204" pitchFamily="34" charset="0"/>
-              </a:rPr>
-              <a:t>WORK BENCH </a:t>
-            </a:r>
-            <a:endParaRPr lang="en-US" sz="2071" dirty="0">
-              <a:ln w="0"/>
-              <a:solidFill>
-                <a:srgbClr val="B2B2B2"/>
-              </a:solidFill>
-              <a:latin typeface="Century Gothic" panose="020B0502020202020204" pitchFamily="34" charset="0"/>
-            </a:endParaRPr>
-          </a:p>
-          <a:p>
-            <a:pPr>
-              <a:spcAft>
-                <a:spcPts val="173"/>
-              </a:spcAft>
-            </a:pPr>
-            <a:r>
-              <a:rPr lang="en-US" sz="2071" dirty="0">
-                <a:ln w="0"/>
-                <a:solidFill>
-                  <a:srgbClr val="B2B2B2"/>
-                </a:solidFill>
-                <a:latin typeface="Century Gothic" panose="020B0502020202020204" pitchFamily="34" charset="0"/>
-              </a:rPr>
-              <a:t>FOR</a:t>
-            </a:r>
-            <a:r>
-              <a:rPr lang="en-US" sz="2071" b="1" dirty="0">
-                <a:ln w="0"/>
-                <a:solidFill>
-                  <a:schemeClr val="bg1"/>
-                </a:solidFill>
-                <a:latin typeface="Century Gothic" panose="020B0502020202020204" pitchFamily="34" charset="0"/>
-              </a:rPr>
-              <a:t> </a:t>
-            </a:r>
-            <a:r>
-              <a:rPr lang="en-US" sz="2071" b="1" dirty="0">
-                <a:ln w="0"/>
-                <a:solidFill>
-                  <a:schemeClr val="bg1"/>
-                </a:solidFill>
-                <a:effectLst>
-                  <a:outerShdw blurRad="50800" dist="38100" dir="5400000" algn="t" rotWithShape="0">
-                    <a:prstClr val="black">
-                      <a:alpha val="40000"/>
-                    </a:prstClr>
-                  </a:outerShdw>
-                </a:effectLst>
-                <a:latin typeface="Century Gothic" panose="020B0502020202020204" pitchFamily="34" charset="0"/>
-              </a:rPr>
-              <a:t>ACCESSORIES</a:t>
-            </a:r>
-          </a:p>
-          <a:p>
-            <a:pPr>
-              <a:spcAft>
-                <a:spcPts val="173"/>
-              </a:spcAft>
-            </a:pPr>
-            <a:r>
-              <a:rPr lang="en-US" sz="2071" dirty="0">
-                <a:ln w="0"/>
-                <a:solidFill>
-                  <a:srgbClr val="B2B2B2"/>
-                </a:solidFill>
-                <a:latin typeface="Century Gothic" panose="020B0502020202020204" pitchFamily="34" charset="0"/>
-              </a:rPr>
-              <a:t>LEFT BEHIND</a:t>
-            </a:r>
-          </a:p>
-        </p:txBody>
-      </p:sp>
-      <p:pic>
-        <p:nvPicPr>
-          <p:cNvPr id="2" name="Picture 1"/>
-          <p:cNvPicPr>
-            <a:picLocks noChangeAspect="1"/>
-          </p:cNvPicPr>
-          <p:nvPr/>
-        </p:nvPicPr>
-        <p:blipFill>
-          <a:blip r:embed="rId2" cstate="print">
-            <a:lum bright="70000" contrast="-70000"/>
-            <a:extLst>
-              <a:ext uri="{28A0092B-C50C-407E-A947-70E740481C1C}">
-                <a14:useLocalDpi xmlns:a14="http://schemas.microsoft.com/office/drawing/2010/main" val="0"/>
-              </a:ext>
-            </a:extLst>
-          </a:blip>
-          <a:stretch>
-            <a:fillRect/>
-          </a:stretch>
-        </p:blipFill>
-        <p:spPr>
-          <a:xfrm rot="19516514">
-            <a:off x="3515003" y="3410944"/>
-            <a:ext cx="1266379" cy="843725"/>
-          </a:xfrm>
-          <a:prstGeom prst="rect">
-            <a:avLst/>
-          </a:prstGeom>
-        </p:spPr>
-      </p:pic>
-      <p:pic>
-        <p:nvPicPr>
-          <p:cNvPr id="1026" name="Picture 2" descr="Image result for mouse png icon"/>
-          <p:cNvPicPr>
-            <a:picLocks noChangeAspect="1" noChangeArrowheads="1"/>
-          </p:cNvPicPr>
-          <p:nvPr/>
-        </p:nvPicPr>
-        <p:blipFill>
-          <a:blip r:embed="rId3" cstate="print">
-            <a:lum bright="70000" contrast="-70000"/>
-            <a:extLst>
-              <a:ext uri="{28A0092B-C50C-407E-A947-70E740481C1C}">
-                <a14:useLocalDpi xmlns:a14="http://schemas.microsoft.com/office/drawing/2010/main" val="0"/>
-              </a:ext>
-            </a:extLst>
-          </a:blip>
-          <a:srcRect/>
-          <a:stretch>
-            <a:fillRect/>
-          </a:stretch>
-        </p:blipFill>
-        <p:spPr bwMode="auto">
-          <a:xfrm rot="19275716">
-            <a:off x="3893317" y="4438865"/>
-            <a:ext cx="509751" cy="509751"/>
-          </a:xfrm>
-          <a:prstGeom prst="rect">
-            <a:avLst/>
-          </a:prstGeom>
-          <a:noFill/>
-          <a:extLst>
-            <a:ext uri="{909E8E84-426E-40DD-AFC4-6F175D3DCCD1}">
-              <a14:hiddenFill xmlns:a14="http://schemas.microsoft.com/office/drawing/2010/main">
-                <a:solidFill>
-                  <a:srgbClr val="FFFFFF"/>
-                </a:solidFill>
-              </a14:hiddenFill>
-            </a:ext>
-          </a:extLst>
-        </p:spPr>
-      </p:pic>
-      <p:pic>
-        <p:nvPicPr>
-          <p:cNvPr id="1028" name="Picture 4" descr="Image result for FLASH DRIVE png icon"/>
-          <p:cNvPicPr>
-            <a:picLocks noChangeAspect="1" noChangeArrowheads="1"/>
-          </p:cNvPicPr>
-          <p:nvPr/>
-        </p:nvPicPr>
-        <p:blipFill>
-          <a:blip r:embed="rId4" cstate="print">
-            <a:lum bright="70000" contrast="-70000"/>
-            <a:extLst>
-              <a:ext uri="{28A0092B-C50C-407E-A947-70E740481C1C}">
-                <a14:useLocalDpi xmlns:a14="http://schemas.microsoft.com/office/drawing/2010/main" val="0"/>
-              </a:ext>
-            </a:extLst>
-          </a:blip>
-          <a:srcRect/>
-          <a:stretch>
-            <a:fillRect/>
-          </a:stretch>
-        </p:blipFill>
-        <p:spPr bwMode="auto">
-          <a:xfrm>
-            <a:off x="3874214" y="5052038"/>
-            <a:ext cx="547958" cy="547958"/>
-          </a:xfrm>
-          <a:prstGeom prst="rect">
-            <a:avLst/>
-          </a:prstGeom>
-          <a:noFill/>
-          <a:extLst>
-            <a:ext uri="{909E8E84-426E-40DD-AFC4-6F175D3DCCD1}">
-              <a14:hiddenFill xmlns:a14="http://schemas.microsoft.com/office/drawing/2010/main">
-                <a:solidFill>
-                  <a:srgbClr val="FFFFFF"/>
-                </a:solidFill>
-              </a14:hiddenFill>
-            </a:ext>
-          </a:extLst>
-        </p:spPr>
-      </p:pic>
-    </p:spTree>
-    <p:extLst>
-      <p:ext uri="{BB962C8B-B14F-4D97-AF65-F5344CB8AC3E}">
-        <p14:creationId xmlns:p14="http://schemas.microsoft.com/office/powerpoint/2010/main" val="3475677926"/>
-      </p:ext>
-    </p:extLst>
-  </p:cSld>
-  <p:clrMapOvr>
-    <a:masterClrMapping/>
-  </p:clrMapOvr>
-  <mc:AlternateContent xmlns:mc="http://schemas.openxmlformats.org/markup-compatibility/2006" xmlns:p14="http://schemas.microsoft.com/office/powerpoint/2010/main">
-    <mc:Choice Requires="p14">
-      <p:transition spd="slow" p14:dur="1250" advTm="6000">
-        <p14:flip dir="r"/>
-      </p:transition>
-    </mc:Choice>
-    <mc:Fallback xmlns="">
-      <p:transition spd="slow" advTm="6000">
-        <p:fade/>
-      </p:transition>
-    </mc:Fallback>
-  </mc:AlternateContent>
-  <p:timing>
-    <p:tnLst>
-      <p:par>
-        <p:cTn id="1" dur="indefinite" restart="never" nodeType="tmRoot">
-          <p:childTnLst>
-            <p:seq concurrent="1" nextAc="seek">
-              <p:cTn id="2" dur="indefinite" nodeType="mainSeq">
-                <p:childTnLst>
-                  <p:par>
-                    <p:cTn id="3" fill="hold">
-                      <p:stCondLst>
-                        <p:cond delay="indefinite"/>
-                        <p:cond evt="onBegin" delay="0">
-                          <p:tn val="2"/>
-                        </p:cond>
-                      </p:stCondLst>
-                      <p:childTnLst>
-                        <p:par>
-                          <p:cTn id="4" fill="hold">
-                            <p:stCondLst>
-                              <p:cond delay="0"/>
-                            </p:stCondLst>
-                            <p:childTnLst>
-                              <p:par>
-                                <p:cTn id="5" presetID="10" presetClass="entr" presetSubtype="0" fill="hold" grpId="0" nodeType="withEffect">
-                                  <p:stCondLst>
-                                    <p:cond delay="0"/>
-                                  </p:stCondLst>
-                                  <p:childTnLst>
-                                    <p:set>
-                                      <p:cBhvr>
-                                        <p:cTn id="6" dur="1" fill="hold">
-                                          <p:stCondLst>
-                                            <p:cond delay="0"/>
-                                          </p:stCondLst>
-                                        </p:cTn>
-                                        <p:tgtEl>
-                                          <p:spTgt spid="12"/>
-                                        </p:tgtEl>
-                                        <p:attrNameLst>
-                                          <p:attrName>style.visibility</p:attrName>
-                                        </p:attrNameLst>
-                                      </p:cBhvr>
-                                      <p:to>
-                                        <p:strVal val="visible"/>
-                                      </p:to>
-                                    </p:set>
-                                    <p:animEffect transition="in" filter="fade">
-                                      <p:cBhvr>
-                                        <p:cTn id="7" dur="500"/>
-                                        <p:tgtEl>
-                                          <p:spTgt spid="12"/>
-                                        </p:tgtEl>
-                                      </p:cBhvr>
-                                    </p:animEffect>
-                                  </p:childTnLst>
-                                </p:cTn>
-                              </p:par>
-                            </p:childTnLst>
-                          </p:cTn>
-                        </p:par>
-                        <p:par>
-                          <p:cTn id="8" fill="hold">
-                            <p:stCondLst>
-                              <p:cond delay="500"/>
-                            </p:stCondLst>
-                            <p:childTnLst>
-                              <p:par>
-                                <p:cTn id="9" presetID="26" presetClass="emph" presetSubtype="0" repeatCount="3000" fill="hold" grpId="1" nodeType="afterEffect">
-                                  <p:stCondLst>
-                                    <p:cond delay="0"/>
-                                  </p:stCondLst>
-                                  <p:childTnLst>
-                                    <p:animEffect transition="out" filter="fade">
-                                      <p:cBhvr>
-                                        <p:cTn id="10" dur="500" tmFilter="0, 0; .2, .5; .8, .5; 1, 0"/>
-                                        <p:tgtEl>
-                                          <p:spTgt spid="12"/>
-                                        </p:tgtEl>
-                                      </p:cBhvr>
-                                    </p:animEffect>
-                                    <p:animScale>
-                                      <p:cBhvr>
-                                        <p:cTn id="11" dur="250" autoRev="1" fill="hold"/>
-                                        <p:tgtEl>
-                                          <p:spTgt spid="12"/>
-                                        </p:tgtEl>
-                                      </p:cBhvr>
-                                      <p:by x="105000" y="105000"/>
-                                    </p:animScale>
-                                  </p:childTnLst>
-                                </p:cTn>
-                              </p:par>
-                            </p:childTnLst>
-                          </p:cTn>
-                        </p:par>
-                      </p:childTnLst>
-                    </p:cTn>
-                  </p:par>
-                </p:childTnLst>
-              </p:cTn>
-              <p:prevCondLst>
-                <p:cond evt="onPrev" delay="0">
-                  <p:tgtEl>
-                    <p:sldTgt/>
-                  </p:tgtEl>
-                </p:cond>
-              </p:prevCondLst>
-              <p:nextCondLst>
-                <p:cond evt="onNext" delay="0">
-                  <p:tgtEl>
-                    <p:sldTgt/>
-                  </p:tgtEl>
-                </p:cond>
-              </p:nextCondLst>
-            </p:seq>
-          </p:childTnLst>
-        </p:cTn>
-      </p:par>
-    </p:tnLst>
-    <p:bldLst>
-      <p:bldP spid="12" grpId="0"/>
-      <p:bldP spid="12" grpId="1"/>
-    </p:bldLst>
-  </p:timing>
-</p:sld>
-</file>
-
-<file path=ppt/slides/slide6.xml><?xml version="1.0" encoding="utf-8"?>
-<p:sld xmlns:a="http://schemas.openxmlformats.org/drawingml/2006/main" xmlns:r="http://schemas.openxmlformats.org/officeDocument/2006/relationships" xmlns:p="http://schemas.openxmlformats.org/presentationml/2006/main">
-  <p:cSld>
-    <p:bg>
-      <p:bgPr>
-        <a:gradFill flip="none" rotWithShape="1">
-          <a:gsLst>
-            <a:gs pos="0">
-              <a:srgbClr val="B8F34F"/>
-            </a:gs>
-            <a:gs pos="100000">
-              <a:srgbClr val="24BACE"/>
-            </a:gs>
-          </a:gsLst>
-          <a:lin ang="16200000" scaled="1"/>
-          <a:tileRect/>
-        </a:gradFill>
-        <a:effectLst/>
-      </p:bgPr>
-    </p:bg>
-    <p:spTree>
-      <p:nvGrpSpPr>
-        <p:cNvPr id="1" name=""/>
-        <p:cNvGrpSpPr/>
-        <p:nvPr/>
-      </p:nvGrpSpPr>
-      <p:grpSpPr>
-        <a:xfrm>
-          <a:off x="0" y="0"/>
-          <a:ext cx="0" cy="0"/>
-          <a:chOff x="0" y="0"/>
-          <a:chExt cx="0" cy="0"/>
-        </a:xfrm>
-      </p:grpSpPr>
-      <p:pic>
-        <p:nvPicPr>
-          <p:cNvPr id="3" name="Picture 2"/>
-          <p:cNvPicPr>
-            <a:picLocks noChangeAspect="1"/>
-          </p:cNvPicPr>
-          <p:nvPr/>
-        </p:nvPicPr>
-        <p:blipFill>
-          <a:blip r:embed="rId2" cstate="print">
-            <a:duotone>
-              <a:schemeClr val="bg2">
-                <a:shade val="45000"/>
-                <a:satMod val="135000"/>
-              </a:schemeClr>
-              <a:prstClr val="white"/>
-            </a:duotone>
-            <a:extLst>
-              <a:ext uri="{28A0092B-C50C-407E-A947-70E740481C1C}">
-                <a14:useLocalDpi xmlns:a14="http://schemas.microsoft.com/office/drawing/2010/main" val="0"/>
-              </a:ext>
-            </a:extLst>
-          </a:blip>
-          <a:stretch>
-            <a:fillRect/>
-          </a:stretch>
-        </p:blipFill>
-        <p:spPr>
-          <a:xfrm rot="19516514">
-            <a:off x="940305" y="3206513"/>
-            <a:ext cx="2577398" cy="1717191"/>
-          </a:xfrm>
-          <a:prstGeom prst="rect">
-            <a:avLst/>
-          </a:prstGeom>
-          <a:noFill/>
-          <a:effectLst>
-            <a:innerShdw blurRad="63500" dist="50800" dir="16200000">
-              <a:prstClr val="black">
-                <a:alpha val="50000"/>
-              </a:prstClr>
-            </a:innerShdw>
-          </a:effectLst>
-        </p:spPr>
-      </p:pic>
-      <p:pic>
-        <p:nvPicPr>
-          <p:cNvPr id="4" name="Picture 2" descr="Image result for mouse png icon"/>
-          <p:cNvPicPr>
-            <a:picLocks noChangeAspect="1" noChangeArrowheads="1"/>
-          </p:cNvPicPr>
-          <p:nvPr/>
-        </p:nvPicPr>
-        <p:blipFill>
-          <a:blip r:embed="rId3" cstate="print">
-            <a:duotone>
-              <a:schemeClr val="bg2">
-                <a:shade val="45000"/>
-                <a:satMod val="135000"/>
-              </a:schemeClr>
-              <a:prstClr val="white"/>
-            </a:duotone>
-            <a:extLst>
-              <a:ext uri="{28A0092B-C50C-407E-A947-70E740481C1C}">
-                <a14:useLocalDpi xmlns:a14="http://schemas.microsoft.com/office/drawing/2010/main" val="0"/>
-              </a:ext>
-            </a:extLst>
-          </a:blip>
-          <a:srcRect/>
-          <a:stretch>
-            <a:fillRect/>
-          </a:stretch>
-        </p:blipFill>
-        <p:spPr bwMode="auto">
-          <a:xfrm rot="19275716">
-            <a:off x="2383434" y="4375159"/>
-            <a:ext cx="1528186" cy="1528186"/>
-          </a:xfrm>
-          <a:prstGeom prst="rect">
-            <a:avLst/>
-          </a:prstGeom>
-          <a:noFill/>
-          <a:effectLst>
-            <a:innerShdw blurRad="63500" dist="88900" dir="16200000">
-              <a:prstClr val="black">
-                <a:alpha val="50000"/>
-              </a:prstClr>
-            </a:innerShdw>
-          </a:effectLst>
-          <a:extLst>
-            <a:ext uri="{909E8E84-426E-40DD-AFC4-6F175D3DCCD1}">
-              <a14:hiddenFill xmlns:a14="http://schemas.microsoft.com/office/drawing/2010/main">
-                <a:solidFill>
-                  <a:srgbClr val="FFFFFF"/>
-                </a:solidFill>
-              </a14:hiddenFill>
-            </a:ext>
-          </a:extLst>
-        </p:spPr>
-      </p:pic>
-    </p:spTree>
-    <p:extLst>
-      <p:ext uri="{BB962C8B-B14F-4D97-AF65-F5344CB8AC3E}">
-        <p14:creationId xmlns:p14="http://schemas.microsoft.com/office/powerpoint/2010/main" val="947122002"/>
-      </p:ext>
-    </p:extLst>
-  </p:cSld>
-  <p:clrMapOvr>
-    <a:overrideClrMapping bg1="lt1" tx1="dk1" bg2="lt2" tx2="dk2" accent1="accent1" accent2="accent2" accent3="accent3" accent4="accent4" accent5="accent5" accent6="accent6" hlink="hlink" folHlink="folHlink"/>
-  </p:clrMapOvr>
-  <mc:AlternateContent xmlns:mc="http://schemas.openxmlformats.org/markup-compatibility/2006" xmlns:p14="http://schemas.microsoft.com/office/powerpoint/2010/main">
-    <mc:Choice Requires="p14">
-      <p:transition spd="slow" p14:dur="1250" advTm="6000">
-        <p14:flip dir="r"/>
-      </p:transition>
-    </mc:Choice>
-    <mc:Fallback xmlns="">
-      <p:transition spd="slow" advTm="6000">
-        <p:fade/>
-      </p:transition>
-    </mc:Fallback>
-  </mc:AlternateContent>
-  <p:timing>
-    <p:tnLst>
-      <p:par>
-        <p:cTn id="1" dur="indefinite" restart="never" nodeType="tmRoot"/>
-      </p:par>
-    </p:tnLst>
-  </p:timing>
-</p:sld>
-</file>
-
-<file path=ppt/slides/slide7.xml><?xml version="1.0" encoding="utf-8"?>
-<p:sld xmlns:a="http://schemas.openxmlformats.org/drawingml/2006/main" xmlns:r="http://schemas.openxmlformats.org/officeDocument/2006/relationships" xmlns:p="http://schemas.openxmlformats.org/presentationml/2006/main">
-  <p:cSld>
-    <p:bg>
-      <p:bgPr>
-        <a:solidFill>
-          <a:schemeClr val="bg1">
-            <a:lumMod val="50000"/>
-          </a:schemeClr>
-        </a:solidFill>
-        <a:effectLst/>
-      </p:bgPr>
-    </p:bg>
-    <p:spTree>
-      <p:nvGrpSpPr>
-        <p:cNvPr id="1" name=""/>
-        <p:cNvGrpSpPr/>
-        <p:nvPr/>
-      </p:nvGrpSpPr>
-      <p:grpSpPr>
-        <a:xfrm>
-          <a:off x="0" y="0"/>
-          <a:ext cx="0" cy="0"/>
-          <a:chOff x="0" y="0"/>
-          <a:chExt cx="0" cy="0"/>
-        </a:xfrm>
-      </p:grpSpPr>
-      <p:sp>
-        <p:nvSpPr>
-          <p:cNvPr id="7" name="Rectangle 6"/>
-          <p:cNvSpPr/>
-          <p:nvPr/>
-        </p:nvSpPr>
-        <p:spPr>
-          <a:xfrm>
-            <a:off x="969886" y="3914669"/>
-            <a:ext cx="3565380" cy="1314347"/>
-          </a:xfrm>
-          <a:prstGeom prst="rect">
-            <a:avLst/>
-          </a:prstGeom>
-          <a:noFill/>
-        </p:spPr>
-        <p:txBody>
-          <a:bodyPr wrap="square" lIns="26302" tIns="13151" rIns="26302" bIns="13151">
-            <a:spAutoFit/>
-          </a:bodyPr>
-          <a:lstStyle/>
-          <a:p>
-            <a:pPr>
-              <a:lnSpc>
-                <a:spcPct val="150000"/>
-              </a:lnSpc>
-            </a:pPr>
-            <a:r>
-              <a:rPr lang="en-US" sz="1553" dirty="0">
-                <a:ln w="0"/>
-                <a:solidFill>
-                  <a:schemeClr val="bg1"/>
-                </a:solidFill>
-                <a:latin typeface="Century Gothic" panose="020B0502020202020204" pitchFamily="34" charset="0"/>
-              </a:rPr>
-              <a:t>SHIPPING LABELS</a:t>
-            </a:r>
-          </a:p>
-          <a:p>
-            <a:pPr>
-              <a:lnSpc>
-                <a:spcPct val="150000"/>
-              </a:lnSpc>
-            </a:pPr>
-            <a:r>
-              <a:rPr lang="en-US" sz="1150" dirty="0">
-                <a:ln w="0"/>
-                <a:solidFill>
-                  <a:srgbClr val="B2B2B2"/>
-                </a:solidFill>
-                <a:latin typeface="Century Gothic" panose="020B0502020202020204" pitchFamily="34" charset="0"/>
-              </a:rPr>
-              <a:t>WHEN </a:t>
-            </a:r>
-            <a:r>
-              <a:rPr lang="en-US" sz="1150" dirty="0">
-                <a:ln w="0"/>
-                <a:solidFill>
-                  <a:srgbClr val="92D050"/>
-                </a:solidFill>
-                <a:latin typeface="Century Gothic" panose="020B0502020202020204" pitchFamily="34" charset="0"/>
-              </a:rPr>
-              <a:t>PRINTING LABELS</a:t>
-            </a:r>
-            <a:r>
-              <a:rPr lang="en-US" sz="1150" dirty="0">
-                <a:ln w="0"/>
-                <a:solidFill>
-                  <a:prstClr val="white"/>
-                </a:solidFill>
-                <a:latin typeface="Century Gothic" panose="020B0502020202020204" pitchFamily="34" charset="0"/>
-              </a:rPr>
-              <a:t> </a:t>
-            </a:r>
-          </a:p>
-          <a:p>
-            <a:pPr>
-              <a:lnSpc>
-                <a:spcPct val="150000"/>
-              </a:lnSpc>
-            </a:pPr>
-            <a:r>
-              <a:rPr lang="en-US" sz="1726" b="1" dirty="0">
-                <a:ln w="0"/>
-                <a:solidFill>
-                  <a:prstClr val="white"/>
-                </a:solidFill>
-                <a:effectLst>
-                  <a:outerShdw blurRad="50800" dist="38100" dir="5400000" algn="t" rotWithShape="0">
-                    <a:prstClr val="black">
-                      <a:alpha val="40000"/>
-                    </a:prstClr>
-                  </a:outerShdw>
-                </a:effectLst>
-                <a:latin typeface="Century Gothic" panose="020B0502020202020204" pitchFamily="34" charset="0"/>
-              </a:rPr>
-              <a:t>ALWAYS</a:t>
-            </a:r>
-            <a:r>
-              <a:rPr lang="en-US" sz="1726" dirty="0">
-                <a:ln w="0"/>
-                <a:solidFill>
-                  <a:prstClr val="white"/>
-                </a:solidFill>
-                <a:latin typeface="Century Gothic" panose="020B0502020202020204" pitchFamily="34" charset="0"/>
-              </a:rPr>
-              <a:t> </a:t>
-            </a:r>
-            <a:r>
-              <a:rPr lang="en-US" sz="1380" dirty="0">
-                <a:ln w="0"/>
-                <a:solidFill>
-                  <a:schemeClr val="accent4">
-                    <a:lumMod val="60000"/>
-                    <a:lumOff val="40000"/>
-                  </a:schemeClr>
-                </a:solidFill>
-                <a:latin typeface="Century Gothic" panose="020B0502020202020204" pitchFamily="34" charset="0"/>
-              </a:rPr>
-              <a:t>USE </a:t>
-            </a:r>
-            <a:r>
-              <a:rPr lang="en-US" sz="1380" dirty="0">
-                <a:ln w="0"/>
-                <a:solidFill>
-                  <a:schemeClr val="accent4">
-                    <a:lumMod val="60000"/>
-                    <a:lumOff val="40000"/>
-                  </a:schemeClr>
-                </a:solidFill>
-                <a:latin typeface="Century Gothic" panose="020B0502020202020204" pitchFamily="34" charset="0"/>
-              </a:rPr>
-              <a:t>A BLANK TEMPLATE</a:t>
-            </a:r>
-            <a:r>
-              <a:rPr lang="en-US" sz="1380" dirty="0">
-                <a:ln w="0"/>
-                <a:solidFill>
-                  <a:prstClr val="white"/>
-                </a:solidFill>
-                <a:latin typeface="Century Gothic" panose="020B0502020202020204" pitchFamily="34" charset="0"/>
-              </a:rPr>
-              <a:t> </a:t>
-            </a:r>
-          </a:p>
-          <a:p>
-            <a:pPr>
-              <a:lnSpc>
-                <a:spcPct val="150000"/>
-              </a:lnSpc>
-            </a:pPr>
-            <a:r>
-              <a:rPr lang="en-US" sz="1150" dirty="0">
-                <a:ln w="0"/>
-                <a:solidFill>
-                  <a:srgbClr val="B2B2B2"/>
-                </a:solidFill>
-                <a:latin typeface="Century Gothic" panose="020B0502020202020204" pitchFamily="34" charset="0"/>
-              </a:rPr>
-              <a:t>AND COMPARE INFORMATION ON </a:t>
-            </a:r>
-            <a:r>
-              <a:rPr lang="en-US" sz="1150" dirty="0">
-                <a:ln w="0"/>
-                <a:solidFill>
-                  <a:schemeClr val="accent4">
-                    <a:lumMod val="60000"/>
-                    <a:lumOff val="40000"/>
-                  </a:schemeClr>
-                </a:solidFill>
-                <a:latin typeface="Century Gothic" panose="020B0502020202020204" pitchFamily="34" charset="0"/>
-              </a:rPr>
-              <a:t>SALES ORDER</a:t>
-            </a:r>
-            <a:endParaRPr lang="en-US" dirty="0">
-              <a:ln w="0"/>
-              <a:solidFill>
-                <a:schemeClr val="accent4">
-                  <a:lumMod val="60000"/>
-                  <a:lumOff val="40000"/>
-                </a:schemeClr>
-              </a:solidFill>
-              <a:latin typeface="Century Gothic" panose="020B0502020202020204" pitchFamily="34" charset="0"/>
-            </a:endParaRPr>
-          </a:p>
-        </p:txBody>
-      </p:sp>
-      <p:pic>
-        <p:nvPicPr>
-          <p:cNvPr id="13" name="Picture 6" descr="Image result for document png icon"/>
-          <p:cNvPicPr>
-            <a:picLocks noChangeAspect="1" noChangeArrowheads="1"/>
-          </p:cNvPicPr>
-          <p:nvPr/>
-        </p:nvPicPr>
-        <p:blipFill>
-          <a:blip r:embed="rId2" cstate="print">
-            <a:lum bright="70000" contrast="-70000"/>
-            <a:extLst>
-              <a:ext uri="{28A0092B-C50C-407E-A947-70E740481C1C}">
-                <a14:useLocalDpi xmlns:a14="http://schemas.microsoft.com/office/drawing/2010/main" val="0"/>
-              </a:ext>
-            </a:extLst>
-          </a:blip>
-          <a:srcRect/>
-          <a:stretch>
-            <a:fillRect/>
-          </a:stretch>
-        </p:blipFill>
-        <p:spPr bwMode="auto">
-          <a:xfrm>
-            <a:off x="3400079" y="3508961"/>
-            <a:ext cx="1063039" cy="1063039"/>
-          </a:xfrm>
-          <a:prstGeom prst="rect">
-            <a:avLst/>
-          </a:prstGeom>
-          <a:noFill/>
-          <a:extLst>
-            <a:ext uri="{909E8E84-426E-40DD-AFC4-6F175D3DCCD1}">
-              <a14:hiddenFill xmlns:a14="http://schemas.microsoft.com/office/drawing/2010/main">
-                <a:solidFill>
-                  <a:srgbClr val="FFFFFF"/>
-                </a:solidFill>
-              </a14:hiddenFill>
-            </a:ext>
-          </a:extLst>
-        </p:spPr>
-      </p:pic>
-    </p:spTree>
-    <p:extLst>
-      <p:ext uri="{BB962C8B-B14F-4D97-AF65-F5344CB8AC3E}">
-        <p14:creationId xmlns:p14="http://schemas.microsoft.com/office/powerpoint/2010/main" val="305917938"/>
-      </p:ext>
-    </p:extLst>
-  </p:cSld>
-  <p:clrMapOvr>
-    <a:masterClrMapping/>
-  </p:clrMapOvr>
-  <mc:AlternateContent xmlns:mc="http://schemas.openxmlformats.org/markup-compatibility/2006" xmlns:p14="http://schemas.microsoft.com/office/powerpoint/2010/main">
-    <mc:Choice Requires="p14">
-      <p:transition spd="slow" p14:dur="1250" advTm="6000">
-        <p14:flip dir="r"/>
-      </p:transition>
-    </mc:Choice>
-    <mc:Fallback xmlns="">
-      <p:transition spd="slow" advTm="6000">
-        <p:fade/>
-      </p:transition>
-    </mc:Fallback>
-  </mc:AlternateContent>
-  <p:timing>
-    <p:tnLst>
-      <p:par>
-        <p:cTn id="1" dur="indefinite" restart="never" nodeType="tmRoot">
-          <p:childTnLst>
-            <p:seq concurrent="1" nextAc="seek">
-              <p:cTn id="2" dur="indefinite" nodeType="mainSeq">
-                <p:childTnLst>
-                  <p:par>
-                    <p:cTn id="3" fill="hold">
-                      <p:stCondLst>
-                        <p:cond delay="indefinite"/>
-                        <p:cond evt="onBegin" delay="0">
-                          <p:tn val="2"/>
-                        </p:cond>
-                      </p:stCondLst>
-                      <p:childTnLst>
-                        <p:par>
-                          <p:cTn id="4" fill="hold">
-                            <p:stCondLst>
-                              <p:cond delay="0"/>
-                            </p:stCondLst>
-                            <p:childTnLst>
-                              <p:par>
-                                <p:cTn id="5" presetID="10" presetClass="entr" presetSubtype="0" fill="hold" grpId="0" nodeType="withEffect">
-                                  <p:stCondLst>
-                                    <p:cond delay="0"/>
-                                  </p:stCondLst>
-                                  <p:childTnLst>
-                                    <p:set>
-                                      <p:cBhvr>
-                                        <p:cTn id="6" dur="1" fill="hold">
-                                          <p:stCondLst>
-                                            <p:cond delay="0"/>
-                                          </p:stCondLst>
-                                        </p:cTn>
-                                        <p:tgtEl>
-                                          <p:spTgt spid="7"/>
-                                        </p:tgtEl>
-                                        <p:attrNameLst>
-                                          <p:attrName>style.visibility</p:attrName>
-                                        </p:attrNameLst>
-                                      </p:cBhvr>
-                                      <p:to>
-                                        <p:strVal val="visible"/>
-                                      </p:to>
-                                    </p:set>
-                                    <p:animEffect transition="in" filter="fade">
-                                      <p:cBhvr>
-                                        <p:cTn id="7" dur="500"/>
-                                        <p:tgtEl>
-                                          <p:spTgt spid="7"/>
-                                        </p:tgtEl>
-                                      </p:cBhvr>
-                                    </p:animEffect>
-                                  </p:childTnLst>
-                                </p:cTn>
-                              </p:par>
-                            </p:childTnLst>
-                          </p:cTn>
-                        </p:par>
-                        <p:par>
-                          <p:cTn id="8" fill="hold">
-                            <p:stCondLst>
-                              <p:cond delay="500"/>
-                            </p:stCondLst>
-                            <p:childTnLst>
-                              <p:par>
-                                <p:cTn id="9" presetID="26" presetClass="emph" presetSubtype="0" repeatCount="3000" fill="hold" grpId="1" nodeType="afterEffect">
-                                  <p:stCondLst>
-                                    <p:cond delay="0"/>
-                                  </p:stCondLst>
-                                  <p:childTnLst>
-                                    <p:animEffect transition="out" filter="fade">
-                                      <p:cBhvr>
-                                        <p:cTn id="10" dur="500" tmFilter="0, 0; .2, .5; .8, .5; 1, 0"/>
-                                        <p:tgtEl>
-                                          <p:spTgt spid="7"/>
-                                        </p:tgtEl>
-                                      </p:cBhvr>
-                                    </p:animEffect>
-                                    <p:animScale>
-                                      <p:cBhvr>
-                                        <p:cTn id="11" dur="250" autoRev="1" fill="hold"/>
-                                        <p:tgtEl>
-                                          <p:spTgt spid="7"/>
-                                        </p:tgtEl>
-                                      </p:cBhvr>
-                                      <p:by x="105000" y="105000"/>
-                                    </p:animScale>
-                                  </p:childTnLst>
-                                </p:cTn>
-                              </p:par>
-                            </p:childTnLst>
-                          </p:cTn>
-                        </p:par>
-                      </p:childTnLst>
-                    </p:cTn>
-                  </p:par>
-                </p:childTnLst>
-              </p:cTn>
-              <p:prevCondLst>
-                <p:cond evt="onPrev" delay="0">
-                  <p:tgtEl>
-                    <p:sldTgt/>
-                  </p:tgtEl>
-                </p:cond>
-              </p:prevCondLst>
-              <p:nextCondLst>
-                <p:cond evt="onNext" delay="0">
-                  <p:tgtEl>
-                    <p:sldTgt/>
-                  </p:tgtEl>
-                </p:cond>
-              </p:nextCondLst>
-            </p:seq>
-          </p:childTnLst>
-        </p:cTn>
-      </p:par>
-    </p:tnLst>
-    <p:bldLst>
-      <p:bldP spid="7" grpId="0"/>
-      <p:bldP spid="7" grpId="1"/>
-    </p:bldLst>
-  </p:timing>
-</p:sld>
-</file>
-
-<file path=ppt/slides/slide8.xml><?xml version="1.0" encoding="utf-8"?>
-<p:sld xmlns:a="http://schemas.openxmlformats.org/drawingml/2006/main" xmlns:r="http://schemas.openxmlformats.org/officeDocument/2006/relationships" xmlns:p="http://schemas.openxmlformats.org/presentationml/2006/main">
-  <p:cSld>
-    <p:bg>
-      <p:bgPr>
-        <a:gradFill flip="none" rotWithShape="1">
-          <a:gsLst>
-            <a:gs pos="0">
-              <a:srgbClr val="B8F34F"/>
-            </a:gs>
-            <a:gs pos="100000">
-              <a:srgbClr val="24BACE"/>
-            </a:gs>
-          </a:gsLst>
-          <a:lin ang="16200000" scaled="1"/>
-          <a:tileRect/>
-        </a:gradFill>
-        <a:effectLst/>
-      </p:bgPr>
-    </p:bg>
-    <p:spTree>
-      <p:nvGrpSpPr>
-        <p:cNvPr id="1" name=""/>
-        <p:cNvGrpSpPr/>
-        <p:nvPr/>
-      </p:nvGrpSpPr>
-      <p:grpSpPr>
-        <a:xfrm>
-          <a:off x="0" y="0"/>
-          <a:ext cx="0" cy="0"/>
-          <a:chOff x="0" y="0"/>
-          <a:chExt cx="0" cy="0"/>
-        </a:xfrm>
-      </p:grpSpPr>
-      <p:pic>
-        <p:nvPicPr>
-          <p:cNvPr id="3" name="Picture 4" descr="Image result for LABEL ICON PNG"/>
-          <p:cNvPicPr>
-            <a:picLocks noChangeAspect="1" noChangeArrowheads="1"/>
-          </p:cNvPicPr>
-          <p:nvPr/>
-        </p:nvPicPr>
-        <p:blipFill>
-          <a:blip r:embed="rId2">
-            <a:duotone>
-              <a:schemeClr val="bg2">
-                <a:shade val="45000"/>
-                <a:satMod val="135000"/>
-              </a:schemeClr>
-              <a:prstClr val="white"/>
-            </a:duotone>
-            <a:extLst>
-              <a:ext uri="{28A0092B-C50C-407E-A947-70E740481C1C}">
-                <a14:useLocalDpi xmlns:a14="http://schemas.microsoft.com/office/drawing/2010/main" val="0"/>
-              </a:ext>
-            </a:extLst>
-          </a:blip>
-          <a:srcRect/>
-          <a:stretch>
-            <a:fillRect/>
-          </a:stretch>
-        </p:blipFill>
-        <p:spPr bwMode="auto">
-          <a:xfrm>
-            <a:off x="1236449" y="3236699"/>
-            <a:ext cx="2670603" cy="2670603"/>
-          </a:xfrm>
-          <a:prstGeom prst="rect">
-            <a:avLst/>
-          </a:prstGeom>
-          <a:noFill/>
-          <a:effectLst>
-            <a:innerShdw blurRad="63500" dist="88900" dir="16200000">
-              <a:prstClr val="black">
-                <a:alpha val="50000"/>
-              </a:prstClr>
-            </a:innerShdw>
-          </a:effectLst>
-          <a:extLst>
-            <a:ext uri="{909E8E84-426E-40DD-AFC4-6F175D3DCCD1}">
-              <a14:hiddenFill xmlns:a14="http://schemas.microsoft.com/office/drawing/2010/main">
-                <a:solidFill>
-                  <a:srgbClr val="FFFFFF"/>
-                </a:solidFill>
-              </a14:hiddenFill>
-            </a:ext>
-          </a:extLst>
-        </p:spPr>
-      </p:pic>
-    </p:spTree>
-    <p:extLst>
-      <p:ext uri="{BB962C8B-B14F-4D97-AF65-F5344CB8AC3E}">
-        <p14:creationId xmlns:p14="http://schemas.microsoft.com/office/powerpoint/2010/main" val="3138983934"/>
-      </p:ext>
-    </p:extLst>
-  </p:cSld>
-  <p:clrMapOvr>
-    <a:overrideClrMapping bg1="lt1" tx1="dk1" bg2="lt2" tx2="dk2" accent1="accent1" accent2="accent2" accent3="accent3" accent4="accent4" accent5="accent5" accent6="accent6" hlink="hlink" folHlink="folHlink"/>
-  </p:clrMapOvr>
-  <mc:AlternateContent xmlns:mc="http://schemas.openxmlformats.org/markup-compatibility/2006" xmlns:p14="http://schemas.microsoft.com/office/powerpoint/2010/main">
-    <mc:Choice Requires="p14">
-      <p:transition spd="slow" p14:dur="1250" advTm="6000">
-        <p14:flip dir="r"/>
-      </p:transition>
-    </mc:Choice>
-    <mc:Fallback xmlns="">
-      <p:transition spd="slow" advTm="6000">
-        <p:fade/>
-      </p:transition>
-    </mc:Fallback>
-  </mc:AlternateContent>
-  <p:timing>
-    <p:tnLst>
-      <p:par>
-        <p:cTn id="1" dur="indefinite" restart="never" nodeType="tmRoot"/>
-      </p:par>
-    </p:tnLst>
-  </p:timing>
-</p:sld>
-</file>
-
-<file path=ppt/slides/slide9.xml><?xml version="1.0" encoding="utf-8"?>
-<p:sld xmlns:a="http://schemas.openxmlformats.org/drawingml/2006/main" xmlns:r="http://schemas.openxmlformats.org/officeDocument/2006/relationships" xmlns:p="http://schemas.openxmlformats.org/presentationml/2006/main">
-  <p:cSld>
-    <p:bg>
-      <p:bgPr>
-        <a:solidFill>
-          <a:schemeClr val="bg1">
-            <a:lumMod val="50000"/>
-          </a:schemeClr>
-        </a:solidFill>
-        <a:effectLst/>
-      </p:bgPr>
-    </p:bg>
-    <p:spTree>
-      <p:nvGrpSpPr>
-        <p:cNvPr id="1" name=""/>
-        <p:cNvGrpSpPr/>
-        <p:nvPr/>
-      </p:nvGrpSpPr>
-      <p:grpSpPr>
-        <a:xfrm>
-          <a:off x="0" y="0"/>
-          <a:ext cx="0" cy="0"/>
-          <a:chOff x="0" y="0"/>
-          <a:chExt cx="0" cy="0"/>
-        </a:xfrm>
-      </p:grpSpPr>
-      <p:sp>
-        <p:nvSpPr>
-          <p:cNvPr id="6" name="Rectangle 5"/>
-          <p:cNvSpPr/>
-          <p:nvPr/>
-        </p:nvSpPr>
-        <p:spPr>
-          <a:xfrm>
-            <a:off x="952637" y="4110839"/>
-            <a:ext cx="2478241" cy="1301267"/>
-          </a:xfrm>
-          <a:prstGeom prst="rect">
-            <a:avLst/>
-          </a:prstGeom>
-          <a:noFill/>
-          <a:effectLst/>
-        </p:spPr>
-        <p:txBody>
-          <a:bodyPr wrap="square" lIns="26302" tIns="13151" rIns="26302" bIns="13151">
-            <a:spAutoFit/>
-          </a:bodyPr>
-          <a:lstStyle/>
-          <a:p>
-            <a:r>
-              <a:rPr lang="en-US" sz="1898" dirty="0">
-                <a:ln w="0"/>
-                <a:solidFill>
-                  <a:schemeClr val="bg1"/>
-                </a:solidFill>
-                <a:latin typeface="Century Gothic" panose="020B0502020202020204" pitchFamily="34" charset="0"/>
-              </a:rPr>
-              <a:t>DO</a:t>
-            </a:r>
-            <a:r>
-              <a:rPr lang="en-US" sz="1898" dirty="0">
-                <a:ln w="0"/>
-                <a:solidFill>
-                  <a:srgbClr val="B2B2B2"/>
-                </a:solidFill>
-                <a:latin typeface="Century Gothic" panose="020B0502020202020204" pitchFamily="34" charset="0"/>
-              </a:rPr>
-              <a:t> </a:t>
-            </a:r>
-            <a:r>
-              <a:rPr lang="en-US" sz="2071" dirty="0">
-                <a:ln w="0"/>
-                <a:solidFill>
-                  <a:schemeClr val="bg1"/>
-                </a:solidFill>
-                <a:effectLst>
-                  <a:outerShdw blurRad="50800" dist="38100" dir="5400000" algn="t" rotWithShape="0">
-                    <a:prstClr val="black">
-                      <a:alpha val="40000"/>
-                    </a:prstClr>
-                  </a:outerShdw>
-                </a:effectLst>
-                <a:latin typeface="Century Gothic" panose="020B0502020202020204" pitchFamily="34" charset="0"/>
-              </a:rPr>
-              <a:t>NOT</a:t>
-            </a:r>
-            <a:r>
-              <a:rPr lang="en-US" sz="2071" dirty="0">
-                <a:ln w="0"/>
-                <a:solidFill>
-                  <a:srgbClr val="B2B2B2"/>
-                </a:solidFill>
-                <a:effectLst>
-                  <a:outerShdw blurRad="50800" dist="38100" dir="5400000" algn="t" rotWithShape="0">
-                    <a:prstClr val="black">
-                      <a:alpha val="40000"/>
-                    </a:prstClr>
-                  </a:outerShdw>
-                </a:effectLst>
-                <a:latin typeface="Century Gothic" panose="020B0502020202020204" pitchFamily="34" charset="0"/>
-              </a:rPr>
-              <a:t> </a:t>
-            </a:r>
-            <a:r>
-              <a:rPr lang="en-US" sz="2071" b="1" dirty="0">
-                <a:ln w="0"/>
-                <a:solidFill>
-                  <a:srgbClr val="FFC000"/>
-                </a:solidFill>
-                <a:effectLst>
-                  <a:outerShdw blurRad="50800" dist="38100" dir="5400000" algn="t" rotWithShape="0">
-                    <a:prstClr val="black">
-                      <a:alpha val="40000"/>
-                    </a:prstClr>
-                  </a:outerShdw>
-                </a:effectLst>
-                <a:latin typeface="Century Gothic" panose="020B0502020202020204" pitchFamily="34" charset="0"/>
-              </a:rPr>
-              <a:t>PACK</a:t>
-            </a:r>
-            <a:r>
-              <a:rPr lang="en-US" sz="1898" dirty="0">
-                <a:ln w="0"/>
-                <a:solidFill>
-                  <a:schemeClr val="bg1"/>
-                </a:solidFill>
-                <a:effectLst>
-                  <a:outerShdw blurRad="50800" dist="38100" dir="5400000" algn="t" rotWithShape="0">
-                    <a:prstClr val="black">
-                      <a:alpha val="40000"/>
-                    </a:prstClr>
-                  </a:outerShdw>
-                </a:effectLst>
-                <a:latin typeface="Century Gothic" panose="020B0502020202020204" pitchFamily="34" charset="0"/>
-              </a:rPr>
-              <a:t> </a:t>
-            </a:r>
-            <a:r>
-              <a:rPr lang="en-US" sz="1898" dirty="0">
-                <a:ln w="0"/>
-                <a:solidFill>
-                  <a:srgbClr val="B2B2B2"/>
-                </a:solidFill>
-                <a:latin typeface="Century Gothic" panose="020B0502020202020204" pitchFamily="34" charset="0"/>
-              </a:rPr>
-              <a:t>ANY </a:t>
-            </a:r>
-          </a:p>
-          <a:p>
-            <a:r>
-              <a:rPr lang="en-US" sz="2071" dirty="0">
-                <a:ln w="0"/>
-                <a:solidFill>
-                  <a:srgbClr val="B2B2B2"/>
-                </a:solidFill>
-                <a:latin typeface="Century Gothic" panose="020B0502020202020204" pitchFamily="34" charset="0"/>
-              </a:rPr>
-              <a:t>PRODUCT</a:t>
-            </a:r>
-            <a:endParaRPr lang="en-US" sz="1553" dirty="0">
-              <a:ln w="0"/>
-              <a:solidFill>
-                <a:srgbClr val="B2B2B2"/>
-              </a:solidFill>
-              <a:latin typeface="Century Gothic" panose="020B0502020202020204" pitchFamily="34" charset="0"/>
-            </a:endParaRPr>
-          </a:p>
-          <a:p>
-            <a:r>
-              <a:rPr lang="en-US" sz="2071" b="1" dirty="0">
-                <a:ln w="0"/>
-                <a:solidFill>
-                  <a:srgbClr val="FFC000"/>
-                </a:solidFill>
-                <a:effectLst>
-                  <a:outerShdw blurRad="50800" dist="38100" dir="5400000" algn="t" rotWithShape="0">
-                    <a:prstClr val="black">
-                      <a:alpha val="40000"/>
-                    </a:prstClr>
-                  </a:outerShdw>
-                </a:effectLst>
-                <a:latin typeface="Century Gothic" panose="020B0502020202020204" pitchFamily="34" charset="0"/>
-              </a:rPr>
-              <a:t>WITHOUT</a:t>
-            </a:r>
-            <a:r>
-              <a:rPr lang="en-US" sz="1898" dirty="0">
-                <a:ln w="0"/>
-                <a:solidFill>
-                  <a:schemeClr val="bg1"/>
-                </a:solidFill>
-                <a:latin typeface="Century Gothic" panose="020B0502020202020204" pitchFamily="34" charset="0"/>
-              </a:rPr>
-              <a:t> </a:t>
-            </a:r>
-            <a:r>
-              <a:rPr lang="en-US" sz="1898" dirty="0">
-                <a:ln w="0"/>
-                <a:solidFill>
-                  <a:schemeClr val="bg1"/>
-                </a:solidFill>
-                <a:latin typeface="Century Gothic" panose="020B0502020202020204" pitchFamily="34" charset="0"/>
-              </a:rPr>
-              <a:t>A PROPER </a:t>
-            </a:r>
-            <a:r>
-              <a:rPr lang="en-US" sz="2071" b="1" dirty="0">
-                <a:ln w="0"/>
-                <a:solidFill>
-                  <a:srgbClr val="92D050"/>
-                </a:solidFill>
-                <a:effectLst>
-                  <a:outerShdw blurRad="50800" dist="38100" dir="5400000" algn="t" rotWithShape="0">
-                    <a:prstClr val="black">
-                      <a:alpha val="40000"/>
-                    </a:prstClr>
-                  </a:outerShdw>
-                </a:effectLst>
-                <a:latin typeface="Century Gothic" panose="020B0502020202020204" pitchFamily="34" charset="0"/>
-              </a:rPr>
-              <a:t>QC</a:t>
-            </a:r>
-            <a:endParaRPr lang="en-US" sz="2071" b="1" dirty="0">
-              <a:ln w="0"/>
-              <a:solidFill>
-                <a:srgbClr val="92D050"/>
-              </a:solidFill>
-              <a:effectLst>
-                <a:outerShdw blurRad="50800" dist="38100" dir="5400000" algn="t" rotWithShape="0">
-                  <a:prstClr val="black">
-                    <a:alpha val="40000"/>
-                  </a:prstClr>
-                </a:outerShdw>
-              </a:effectLst>
-              <a:latin typeface="Century Gothic" panose="020B0502020202020204" pitchFamily="34" charset="0"/>
-            </a:endParaRPr>
-          </a:p>
-        </p:txBody>
-      </p:sp>
-      <p:pic>
-        <p:nvPicPr>
-          <p:cNvPr id="13314" name="Picture 2" descr="Image result for BOX PNG ICON"/>
-          <p:cNvPicPr>
-            <a:picLocks noChangeAspect="1" noChangeArrowheads="1"/>
-          </p:cNvPicPr>
-          <p:nvPr/>
-        </p:nvPicPr>
-        <p:blipFill>
-          <a:blip r:embed="rId2" cstate="print">
-            <a:duotone>
-              <a:schemeClr val="accent4">
-                <a:shade val="45000"/>
-                <a:satMod val="135000"/>
-              </a:schemeClr>
-              <a:prstClr val="white"/>
-            </a:duotone>
-            <a:extLst>
-              <a:ext uri="{28A0092B-C50C-407E-A947-70E740481C1C}">
-                <a14:useLocalDpi xmlns:a14="http://schemas.microsoft.com/office/drawing/2010/main" val="0"/>
-              </a:ext>
-            </a:extLst>
-          </a:blip>
-          <a:srcRect/>
-          <a:stretch>
-            <a:fillRect/>
-          </a:stretch>
-        </p:blipFill>
-        <p:spPr bwMode="auto">
-          <a:xfrm>
-            <a:off x="3549903" y="4541168"/>
-            <a:ext cx="1063904" cy="1028116"/>
-          </a:xfrm>
-          <a:prstGeom prst="rect">
-            <a:avLst/>
-          </a:prstGeom>
-          <a:noFill/>
-          <a:extLst>
-            <a:ext uri="{909E8E84-426E-40DD-AFC4-6F175D3DCCD1}">
-              <a14:hiddenFill xmlns:a14="http://schemas.microsoft.com/office/drawing/2010/main">
-                <a:solidFill>
-                  <a:srgbClr val="FFFFFF"/>
-                </a:solidFill>
-              </a14:hiddenFill>
-            </a:ext>
-          </a:extLst>
-        </p:spPr>
-      </p:pic>
-      <p:pic>
-        <p:nvPicPr>
-          <p:cNvPr id="13316" name="Picture 4" descr="Image result for LAPTOP PNG ICON"/>
-          <p:cNvPicPr>
-            <a:picLocks noChangeAspect="1" noChangeArrowheads="1"/>
-          </p:cNvPicPr>
-          <p:nvPr/>
-        </p:nvPicPr>
-        <p:blipFill>
-          <a:blip r:embed="rId3" cstate="print">
-            <a:duotone>
-              <a:schemeClr val="bg2">
-                <a:shade val="45000"/>
-                <a:satMod val="135000"/>
-              </a:schemeClr>
-              <a:prstClr val="white"/>
-            </a:duotone>
-            <a:extLst>
-              <a:ext uri="{28A0092B-C50C-407E-A947-70E740481C1C}">
-                <a14:useLocalDpi xmlns:a14="http://schemas.microsoft.com/office/drawing/2010/main" val="0"/>
-              </a:ext>
-            </a:extLst>
-          </a:blip>
-          <a:srcRect/>
-          <a:stretch>
-            <a:fillRect/>
-          </a:stretch>
-        </p:blipFill>
-        <p:spPr bwMode="auto">
-          <a:xfrm>
-            <a:off x="3773649" y="3936044"/>
-            <a:ext cx="526365" cy="526365"/>
-          </a:xfrm>
-          <a:prstGeom prst="rect">
-            <a:avLst/>
-          </a:prstGeom>
-          <a:noFill/>
-          <a:extLst>
-            <a:ext uri="{909E8E84-426E-40DD-AFC4-6F175D3DCCD1}">
-              <a14:hiddenFill xmlns:a14="http://schemas.microsoft.com/office/drawing/2010/main">
-                <a:solidFill>
-                  <a:srgbClr val="FFFFFF"/>
-                </a:solidFill>
-              </a14:hiddenFill>
-            </a:ext>
-          </a:extLst>
-        </p:spPr>
-      </p:pic>
-      <p:pic>
-        <p:nvPicPr>
-          <p:cNvPr id="13318" name="Picture 6" descr="Image result for MONITOR PNG ICON"/>
-          <p:cNvPicPr>
-            <a:picLocks noChangeAspect="1" noChangeArrowheads="1"/>
-          </p:cNvPicPr>
-          <p:nvPr/>
-        </p:nvPicPr>
-        <p:blipFill>
-          <a:blip r:embed="rId4" cstate="print">
-            <a:lum bright="70000" contrast="-70000"/>
-            <a:extLst>
-              <a:ext uri="{28A0092B-C50C-407E-A947-70E740481C1C}">
-                <a14:useLocalDpi xmlns:a14="http://schemas.microsoft.com/office/drawing/2010/main" val="0"/>
-              </a:ext>
-            </a:extLst>
-          </a:blip>
-          <a:srcRect/>
-          <a:stretch>
-            <a:fillRect/>
-          </a:stretch>
-        </p:blipFill>
-        <p:spPr bwMode="auto">
-          <a:xfrm>
-            <a:off x="3283241" y="3684308"/>
-            <a:ext cx="426532" cy="426532"/>
-          </a:xfrm>
-          <a:prstGeom prst="rect">
-            <a:avLst/>
-          </a:prstGeom>
-          <a:noFill/>
-          <a:extLst>
-            <a:ext uri="{909E8E84-426E-40DD-AFC4-6F175D3DCCD1}">
-              <a14:hiddenFill xmlns:a14="http://schemas.microsoft.com/office/drawing/2010/main">
-                <a:solidFill>
-                  <a:srgbClr val="FFFFFF"/>
-                </a:solidFill>
-              </a14:hiddenFill>
-            </a:ext>
-          </a:extLst>
-        </p:spPr>
-      </p:pic>
-      <p:pic>
-        <p:nvPicPr>
-          <p:cNvPr id="13322" name="Picture 10" descr="Related image"/>
-          <p:cNvPicPr>
-            <a:picLocks noChangeAspect="1" noChangeArrowheads="1"/>
-          </p:cNvPicPr>
-          <p:nvPr/>
-        </p:nvPicPr>
-        <p:blipFill>
-          <a:blip r:embed="rId5" cstate="print">
-            <a:duotone>
-              <a:schemeClr val="bg2">
-                <a:shade val="45000"/>
-                <a:satMod val="135000"/>
-              </a:schemeClr>
-              <a:prstClr val="white"/>
-            </a:duotone>
-            <a:extLst>
-              <a:ext uri="{28A0092B-C50C-407E-A947-70E740481C1C}">
-                <a14:useLocalDpi xmlns:a14="http://schemas.microsoft.com/office/drawing/2010/main" val="0"/>
-              </a:ext>
-            </a:extLst>
-          </a:blip>
-          <a:srcRect/>
-          <a:stretch>
-            <a:fillRect/>
-          </a:stretch>
-        </p:blipFill>
-        <p:spPr bwMode="auto">
-          <a:xfrm>
-            <a:off x="3828799" y="3506400"/>
-            <a:ext cx="308285" cy="308285"/>
-          </a:xfrm>
-          <a:prstGeom prst="rect">
-            <a:avLst/>
-          </a:prstGeom>
-          <a:noFill/>
-          <a:extLst>
-            <a:ext uri="{909E8E84-426E-40DD-AFC4-6F175D3DCCD1}">
-              <a14:hiddenFill xmlns:a14="http://schemas.microsoft.com/office/drawing/2010/main">
-                <a:solidFill>
-                  <a:srgbClr val="FFFFFF"/>
-                </a:solidFill>
-              </a14:hiddenFill>
-            </a:ext>
-          </a:extLst>
-        </p:spPr>
-      </p:pic>
-      <p:sp>
-        <p:nvSpPr>
-          <p:cNvPr id="2" name="AutoShape 12" descr="Image result for LOCK CABLE png icon"/>
-          <p:cNvSpPr>
-            <a:spLocks noChangeAspect="1" noChangeArrowheads="1"/>
-          </p:cNvSpPr>
-          <p:nvPr/>
-        </p:nvSpPr>
-        <p:spPr bwMode="auto">
-          <a:xfrm>
-            <a:off x="44750" y="3083837"/>
-            <a:ext cx="87673" cy="87674"/>
-          </a:xfrm>
-          <a:prstGeom prst="rect">
-            <a:avLst/>
-          </a:prstGeom>
-          <a:noFill/>
-          <a:extLst>
-            <a:ext uri="{909E8E84-426E-40DD-AFC4-6F175D3DCCD1}">
-              <a14:hiddenFill xmlns:a14="http://schemas.microsoft.com/office/drawing/2010/main">
-                <a:solidFill>
-                  <a:srgbClr val="FFFFFF"/>
-                </a:solidFill>
-              </a14:hiddenFill>
-            </a:ext>
-          </a:extLst>
-        </p:spPr>
-        <p:txBody>
-          <a:bodyPr vert="horz" wrap="square" lIns="26302" tIns="13151" rIns="26302" bIns="13151" numCol="1" anchor="t" anchorCtr="0" compatLnSpc="1">
-            <a:prstTxWarp prst="textNoShape">
-              <a:avLst/>
-            </a:prstTxWarp>
-          </a:bodyPr>
-          <a:lstStyle/>
-          <a:p>
-            <a:endParaRPr lang="en-US" sz="265"/>
-          </a:p>
-        </p:txBody>
-      </p:sp>
-      <p:pic>
-        <p:nvPicPr>
-          <p:cNvPr id="13338" name="Picture 26" descr="Image result for LOCK png icon"/>
-          <p:cNvPicPr>
-            <a:picLocks noChangeAspect="1" noChangeArrowheads="1"/>
-          </p:cNvPicPr>
-          <p:nvPr/>
-        </p:nvPicPr>
-        <p:blipFill>
-          <a:blip r:embed="rId6" cstate="print">
-            <a:lum bright="70000" contrast="-70000"/>
-            <a:extLst>
-              <a:ext uri="{28A0092B-C50C-407E-A947-70E740481C1C}">
-                <a14:useLocalDpi xmlns:a14="http://schemas.microsoft.com/office/drawing/2010/main" val="0"/>
-              </a:ext>
-            </a:extLst>
-          </a:blip>
-          <a:srcRect/>
-          <a:stretch>
-            <a:fillRect/>
-          </a:stretch>
-        </p:blipFill>
-        <p:spPr bwMode="auto">
-          <a:xfrm>
-            <a:off x="4290938" y="3634239"/>
-            <a:ext cx="322869" cy="322869"/>
-          </a:xfrm>
-          <a:prstGeom prst="rect">
-            <a:avLst/>
-          </a:prstGeom>
-          <a:noFill/>
-          <a:extLst>
-            <a:ext uri="{909E8E84-426E-40DD-AFC4-6F175D3DCCD1}">
-              <a14:hiddenFill xmlns:a14="http://schemas.microsoft.com/office/drawing/2010/main">
-                <a:solidFill>
-                  <a:srgbClr val="FFFFFF"/>
-                </a:solidFill>
-              </a14:hiddenFill>
-            </a:ext>
-          </a:extLst>
-        </p:spPr>
-      </p:pic>
-    </p:spTree>
-    <p:extLst>
-      <p:ext uri="{BB962C8B-B14F-4D97-AF65-F5344CB8AC3E}">
-        <p14:creationId xmlns:p14="http://schemas.microsoft.com/office/powerpoint/2010/main" val="893894349"/>
-      </p:ext>
-    </p:extLst>
-  </p:cSld>
-  <p:clrMapOvr>
-    <a:masterClrMapping/>
-  </p:clrMapOvr>
-  <mc:AlternateContent xmlns:mc="http://schemas.openxmlformats.org/markup-compatibility/2006" xmlns:p14="http://schemas.microsoft.com/office/powerpoint/2010/main">
-    <mc:Choice Requires="p14">
-      <p:transition spd="slow" p14:dur="1250" advTm="6000">
-        <p14:flip dir="r"/>
-      </p:transition>
-    </mc:Choice>
-    <mc:Fallback xmlns="">
-      <p:transition spd="slow" advTm="6000">
-        <p:fade/>
-      </p:transition>
-    </mc:Fallback>
-  </mc:AlternateContent>
-  <p:timing>
-    <p:tnLst>
-      <p:par>
-        <p:cTn id="1" dur="indefinite" restart="never" nodeType="tmRoot">
-          <p:childTnLst>
-            <p:seq concurrent="1" nextAc="seek">
-              <p:cTn id="2" dur="indefinite" nodeType="mainSeq">
-                <p:childTnLst>
-                  <p:par>
-                    <p:cTn id="3" fill="hold">
-                      <p:stCondLst>
-                        <p:cond delay="indefinite"/>
-                        <p:cond evt="onBegin" delay="0">
-                          <p:tn val="2"/>
-                        </p:cond>
-                      </p:stCondLst>
-                      <p:childTnLst>
-                        <p:par>
-                          <p:cTn id="4" fill="hold">
-                            <p:stCondLst>
-                              <p:cond delay="0"/>
-                            </p:stCondLst>
-                            <p:childTnLst>
-                              <p:par>
-                                <p:cTn id="5" presetID="10" presetClass="entr" presetSubtype="0" fill="hold" grpId="0" nodeType="withEffect">
-                                  <p:stCondLst>
-                                    <p:cond delay="0"/>
-                                  </p:stCondLst>
-                                  <p:childTnLst>
-                                    <p:set>
-                                      <p:cBhvr>
-                                        <p:cTn id="6" dur="1" fill="hold">
-                                          <p:stCondLst>
-                                            <p:cond delay="0"/>
-                                          </p:stCondLst>
-                                        </p:cTn>
-                                        <p:tgtEl>
-                                          <p:spTgt spid="6"/>
-                                        </p:tgtEl>
-                                        <p:attrNameLst>
-                                          <p:attrName>style.visibility</p:attrName>
-                                        </p:attrNameLst>
-                                      </p:cBhvr>
-                                      <p:to>
-                                        <p:strVal val="visible"/>
-                                      </p:to>
-                                    </p:set>
-                                    <p:animEffect transition="in" filter="fade">
-                                      <p:cBhvr>
-                                        <p:cTn id="7" dur="500"/>
-                                        <p:tgtEl>
-                                          <p:spTgt spid="6"/>
-                                        </p:tgtEl>
-                                      </p:cBhvr>
-                                    </p:animEffect>
-                                  </p:childTnLst>
-                                </p:cTn>
-                              </p:par>
-                              <p:par>
-                                <p:cTn id="8" presetID="26" presetClass="emph" presetSubtype="0" repeatCount="3000" fill="hold" grpId="1" nodeType="withEffect">
-                                  <p:stCondLst>
-                                    <p:cond delay="0"/>
-                                  </p:stCondLst>
-                                  <p:childTnLst>
-                                    <p:animEffect transition="out" filter="fade">
-                                      <p:cBhvr>
-                                        <p:cTn id="9" dur="500" tmFilter="0, 0; .2, .5; .8, .5; 1, 0"/>
-                                        <p:tgtEl>
-                                          <p:spTgt spid="6"/>
-                                        </p:tgtEl>
-                                      </p:cBhvr>
-                                    </p:animEffect>
-                                    <p:animScale>
-                                      <p:cBhvr>
-                                        <p:cTn id="10" dur="250" autoRev="1" fill="hold"/>
-                                        <p:tgtEl>
-                                          <p:spTgt spid="6"/>
-                                        </p:tgtEl>
-                                      </p:cBhvr>
-                                      <p:by x="105000" y="105000"/>
-                                    </p:animScale>
-                                  </p:childTnLst>
-                                </p:cTn>
-                              </p:par>
-                            </p:childTnLst>
-                          </p:cTn>
-                        </p:par>
-                      </p:childTnLst>
-                    </p:cTn>
-                  </p:par>
-                </p:childTnLst>
-              </p:cTn>
-              <p:prevCondLst>
-                <p:cond evt="onPrev" delay="0">
-                  <p:tgtEl>
-                    <p:sldTgt/>
-                  </p:tgtEl>
-                </p:cond>
-              </p:prevCondLst>
-              <p:nextCondLst>
-                <p:cond evt="onNext" delay="0">
-                  <p:tgtEl>
-                    <p:sldTgt/>
-                  </p:tgtEl>
-                </p:cond>
-              </p:nextCondLst>
-            </p:seq>
-          </p:childTnLst>
-        </p:cTn>
-      </p:par>
-    </p:tnLst>
-    <p:bldLst>
-      <p:bldP spid="6" grpId="0"/>
-      <p:bldP spid="6" grpId="1"/>
-    </p:bldLst>
-  </p:timing>
-</p:sld>
-</file>
-
 <file path=ppt/theme/theme1.xml><?xml version="1.0" encoding="utf-8"?>
 <a:theme xmlns:a="http://schemas.openxmlformats.org/drawingml/2006/main" name="3_Office Theme">
   <a:themeElements>
@@ -11670,9 +10420,9 @@
         <a:latin typeface="Calibri Light" panose="020F0302020204030204"/>
         <a:ea typeface=""/>
         <a:cs typeface=""/>
-        <a:font script="Jpan" typeface="ＭＳ Ｐゴシック"/>
+        <a:font script="Jpan" typeface="游ゴシック Light"/>
         <a:font script="Hang" typeface="맑은 고딕"/>
-        <a:font script="Hans" typeface="宋体"/>
+        <a:font script="Hans" typeface="等线 Light"/>
         <a:font script="Hant" typeface="新細明體"/>
         <a:font script="Arab" typeface="Times New Roman"/>
         <a:font script="Hebr" typeface="Times New Roman"/>
@@ -11705,9 +10455,9 @@
         <a:latin typeface="Calibri" panose="020F0502020204030204"/>
         <a:ea typeface=""/>
         <a:cs typeface=""/>
-        <a:font script="Jpan" typeface="ＭＳ Ｐゴシック"/>
+        <a:font script="Jpan" typeface="游ゴシック"/>
         <a:font script="Hang" typeface="맑은 고딕"/>
-        <a:font script="Hans" typeface="宋体"/>
+        <a:font script="Hans" typeface="等线"/>
         <a:font script="Hant" typeface="新細明體"/>
         <a:font script="Arab" typeface="Arial"/>
         <a:font script="Hebr" typeface="Arial"/>
@@ -11931,9 +10681,9 @@
         <a:latin typeface="Calibri Light" panose="020F0302020204030204"/>
         <a:ea typeface=""/>
         <a:cs typeface=""/>
-        <a:font script="Jpan" typeface="ＭＳ Ｐゴシック"/>
+        <a:font script="Jpan" typeface="游ゴシック Light"/>
         <a:font script="Hang" typeface="맑은 고딕"/>
-        <a:font script="Hans" typeface="宋体"/>
+        <a:font script="Hans" typeface="等线 Light"/>
         <a:font script="Hant" typeface="新細明體"/>
         <a:font script="Arab" typeface="Times New Roman"/>
         <a:font script="Hebr" typeface="Times New Roman"/>
@@ -11966,9 +10716,9 @@
         <a:latin typeface="Calibri" panose="020F0502020204030204"/>
         <a:ea typeface=""/>
         <a:cs typeface=""/>
-        <a:font script="Jpan" typeface="ＭＳ Ｐゴシック"/>
+        <a:font script="Jpan" typeface="游ゴシック"/>
         <a:font script="Hang" typeface="맑은 고딕"/>
-        <a:font script="Hans" typeface="宋体"/>
+        <a:font script="Hans" typeface="等线"/>
         <a:font script="Hant" typeface="新細明體"/>
         <a:font script="Arab" typeface="Arial"/>
         <a:font script="Hebr" typeface="Arial"/>

--- a/images/slides/Powerpoint/Dashboard Pictures (Potrait).pptx
+++ b/images/slides/Powerpoint/Dashboard Pictures (Potrait).pptx
@@ -3,15 +3,14 @@
 <p:presentation xmlns:a="http://schemas.openxmlformats.org/drawingml/2006/main" xmlns:r="http://schemas.openxmlformats.org/officeDocument/2006/relationships" xmlns:p="http://schemas.openxmlformats.org/presentationml/2006/main" saveSubsetFonts="1">
   <p:sldMasterIdLst>
     <p:sldMasterId id="2147483780" r:id="rId1"/>
-    <p:sldMasterId id="2147483792" r:id="rId2"/>
   </p:sldMasterIdLst>
   <p:sldIdLst>
-    <p:sldId id="260" r:id="rId3"/>
-    <p:sldId id="272" r:id="rId4"/>
-    <p:sldId id="273" r:id="rId5"/>
-    <p:sldId id="275" r:id="rId6"/>
-    <p:sldId id="278" r:id="rId7"/>
-    <p:sldId id="279" r:id="rId8"/>
+    <p:sldId id="260" r:id="rId2"/>
+    <p:sldId id="272" r:id="rId3"/>
+    <p:sldId id="273" r:id="rId4"/>
+    <p:sldId id="275" r:id="rId5"/>
+    <p:sldId id="278" r:id="rId6"/>
+    <p:sldId id="279" r:id="rId7"/>
   </p:sldIdLst>
   <p:sldSz cx="20116800" cy="35661600"/>
   <p:notesSz cx="7010400" cy="9236075"/>
@@ -256,7 +255,7 @@
                 </a:solidFill>
               </a:rPr>
               <a:pPr/>
-              <a:t>11/7/2018</a:t>
+              <a:t>11/13/2018</a:t>
             </a:fld>
             <a:endParaRPr lang="en-US">
               <a:solidFill>
@@ -477,7 +476,7 @@
                 </a:solidFill>
               </a:rPr>
               <a:pPr/>
-              <a:t>11/7/2018</a:t>
+              <a:t>11/13/2018</a:t>
             </a:fld>
             <a:endParaRPr lang="en-US">
               <a:solidFill>
@@ -708,7 +707,7 @@
                 </a:solidFill>
               </a:rPr>
               <a:pPr/>
-              <a:t>11/7/2018</a:t>
+              <a:t>11/13/2018</a:t>
             </a:fld>
             <a:endParaRPr lang="en-US">
               <a:solidFill>
@@ -785,2109 +784,6 @@
     <p:extLst>
       <p:ext uri="{BB962C8B-B14F-4D97-AF65-F5344CB8AC3E}">
         <p14:creationId xmlns:p14="http://schemas.microsoft.com/office/powerpoint/2010/main" val="57550063"/>
-      </p:ext>
-    </p:extLst>
-  </p:cSld>
-  <p:clrMapOvr>
-    <a:masterClrMapping/>
-  </p:clrMapOvr>
-  <mc:AlternateContent xmlns:mc="http://schemas.openxmlformats.org/markup-compatibility/2006" xmlns:p14="http://schemas.microsoft.com/office/powerpoint/2010/main">
-    <mc:Choice Requires="p14">
-      <p:transition spd="slow" p14:dur="1250">
-        <p14:flip dir="r"/>
-      </p:transition>
-    </mc:Choice>
-    <mc:Fallback xmlns="">
-      <p:transition spd="slow" advTm="7000">
-        <p:fade/>
-      </p:transition>
-    </mc:Fallback>
-  </mc:AlternateContent>
-  <p:timing>
-    <p:tnLst>
-      <p:par>
-        <p:cTn id="1" dur="indefinite" restart="never" nodeType="tmRoot"/>
-      </p:par>
-    </p:tnLst>
-  </p:timing>
-</p:sldLayout>
-</file>
-
-<file path=ppt/slideLayouts/slideLayout12.xml><?xml version="1.0" encoding="utf-8"?>
-<p:sldLayout xmlns:a="http://schemas.openxmlformats.org/drawingml/2006/main" xmlns:r="http://schemas.openxmlformats.org/officeDocument/2006/relationships" xmlns:p="http://schemas.openxmlformats.org/presentationml/2006/main" type="title" preserve="1">
-  <p:cSld name="Title Slide">
-    <p:spTree>
-      <p:nvGrpSpPr>
-        <p:cNvPr id="1" name=""/>
-        <p:cNvGrpSpPr/>
-        <p:nvPr/>
-      </p:nvGrpSpPr>
-      <p:grpSpPr>
-        <a:xfrm>
-          <a:off x="0" y="0"/>
-          <a:ext cx="0" cy="0"/>
-          <a:chOff x="0" y="0"/>
-          <a:chExt cx="0" cy="0"/>
-        </a:xfrm>
-      </p:grpSpPr>
-      <p:sp>
-        <p:nvSpPr>
-          <p:cNvPr id="2" name="Title 1"/>
-          <p:cNvSpPr>
-            <a:spLocks noGrp="1"/>
-          </p:cNvSpPr>
-          <p:nvPr>
-            <p:ph type="ctrTitle"/>
-          </p:nvPr>
-        </p:nvSpPr>
-        <p:spPr>
-          <a:xfrm>
-            <a:off x="1508760" y="5836288"/>
-            <a:ext cx="17099280" cy="12415520"/>
-          </a:xfrm>
-        </p:spPr>
-        <p:txBody>
-          <a:bodyPr anchor="b"/>
-          <a:lstStyle>
-            <a:lvl1pPr algn="ctr">
-              <a:defRPr sz="13200"/>
-            </a:lvl1pPr>
-          </a:lstStyle>
-          <a:p>
-            <a:r>
-              <a:rPr lang="en-US" smtClean="0"/>
-              <a:t>Click to edit Master title style</a:t>
-            </a:r>
-            <a:endParaRPr lang="en-US" dirty="0"/>
-          </a:p>
-        </p:txBody>
-      </p:sp>
-      <p:sp>
-        <p:nvSpPr>
-          <p:cNvPr id="3" name="Subtitle 2"/>
-          <p:cNvSpPr>
-            <a:spLocks noGrp="1"/>
-          </p:cNvSpPr>
-          <p:nvPr>
-            <p:ph type="subTitle" idx="1"/>
-          </p:nvPr>
-        </p:nvSpPr>
-        <p:spPr>
-          <a:xfrm>
-            <a:off x="2514600" y="18730598"/>
-            <a:ext cx="15087600" cy="8609962"/>
-          </a:xfrm>
-        </p:spPr>
-        <p:txBody>
-          <a:bodyPr/>
-          <a:lstStyle>
-            <a:lvl1pPr marL="0" indent="0" algn="ctr">
-              <a:buNone/>
-              <a:defRPr sz="5280"/>
-            </a:lvl1pPr>
-            <a:lvl2pPr marL="1005840" indent="0" algn="ctr">
-              <a:buNone/>
-              <a:defRPr sz="4400"/>
-            </a:lvl2pPr>
-            <a:lvl3pPr marL="2011680" indent="0" algn="ctr">
-              <a:buNone/>
-              <a:defRPr sz="3960"/>
-            </a:lvl3pPr>
-            <a:lvl4pPr marL="3017520" indent="0" algn="ctr">
-              <a:buNone/>
-              <a:defRPr sz="3520"/>
-            </a:lvl4pPr>
-            <a:lvl5pPr marL="4023360" indent="0" algn="ctr">
-              <a:buNone/>
-              <a:defRPr sz="3520"/>
-            </a:lvl5pPr>
-            <a:lvl6pPr marL="5029200" indent="0" algn="ctr">
-              <a:buNone/>
-              <a:defRPr sz="3520"/>
-            </a:lvl6pPr>
-            <a:lvl7pPr marL="6035040" indent="0" algn="ctr">
-              <a:buNone/>
-              <a:defRPr sz="3520"/>
-            </a:lvl7pPr>
-            <a:lvl8pPr marL="7040880" indent="0" algn="ctr">
-              <a:buNone/>
-              <a:defRPr sz="3520"/>
-            </a:lvl8pPr>
-            <a:lvl9pPr marL="8046720" indent="0" algn="ctr">
-              <a:buNone/>
-              <a:defRPr sz="3520"/>
-            </a:lvl9pPr>
-          </a:lstStyle>
-          <a:p>
-            <a:r>
-              <a:rPr lang="en-US" smtClean="0"/>
-              <a:t>Click to edit Master subtitle style</a:t>
-            </a:r>
-            <a:endParaRPr lang="en-US" dirty="0"/>
-          </a:p>
-        </p:txBody>
-      </p:sp>
-      <p:sp>
-        <p:nvSpPr>
-          <p:cNvPr id="4" name="Date Placeholder 3"/>
-          <p:cNvSpPr>
-            <a:spLocks noGrp="1"/>
-          </p:cNvSpPr>
-          <p:nvPr>
-            <p:ph type="dt" sz="half" idx="10"/>
-          </p:nvPr>
-        </p:nvSpPr>
-        <p:spPr/>
-        <p:txBody>
-          <a:bodyPr/>
-          <a:lstStyle/>
-          <a:p>
-            <a:fld id="{7BB20E53-AAD4-456D-A0C3-1907BEC133D3}" type="datetimeFigureOut">
-              <a:rPr lang="en-US" smtClean="0">
-                <a:solidFill>
-                  <a:prstClr val="black">
-                    <a:tint val="75000"/>
-                  </a:prstClr>
-                </a:solidFill>
-              </a:rPr>
-              <a:pPr/>
-              <a:t>11/7/2018</a:t>
-            </a:fld>
-            <a:endParaRPr lang="en-US">
-              <a:solidFill>
-                <a:prstClr val="black">
-                  <a:tint val="75000"/>
-                </a:prstClr>
-              </a:solidFill>
-            </a:endParaRPr>
-          </a:p>
-        </p:txBody>
-      </p:sp>
-      <p:sp>
-        <p:nvSpPr>
-          <p:cNvPr id="5" name="Footer Placeholder 4"/>
-          <p:cNvSpPr>
-            <a:spLocks noGrp="1"/>
-          </p:cNvSpPr>
-          <p:nvPr>
-            <p:ph type="ftr" sz="quarter" idx="11"/>
-          </p:nvPr>
-        </p:nvSpPr>
-        <p:spPr/>
-        <p:txBody>
-          <a:bodyPr/>
-          <a:lstStyle/>
-          <a:p>
-            <a:endParaRPr lang="en-US">
-              <a:solidFill>
-                <a:prstClr val="black">
-                  <a:tint val="75000"/>
-                </a:prstClr>
-              </a:solidFill>
-            </a:endParaRPr>
-          </a:p>
-        </p:txBody>
-      </p:sp>
-      <p:sp>
-        <p:nvSpPr>
-          <p:cNvPr id="6" name="Slide Number Placeholder 5"/>
-          <p:cNvSpPr>
-            <a:spLocks noGrp="1"/>
-          </p:cNvSpPr>
-          <p:nvPr>
-            <p:ph type="sldNum" sz="quarter" idx="12"/>
-          </p:nvPr>
-        </p:nvSpPr>
-        <p:spPr/>
-        <p:txBody>
-          <a:bodyPr/>
-          <a:lstStyle/>
-          <a:p>
-            <a:fld id="{D941EAD1-690F-4978-9687-A713EC160AF2}" type="slidenum">
-              <a:rPr lang="en-US" smtClean="0">
-                <a:solidFill>
-                  <a:prstClr val="black">
-                    <a:tint val="75000"/>
-                  </a:prstClr>
-                </a:solidFill>
-              </a:rPr>
-              <a:pPr/>
-              <a:t>‹#›</a:t>
-            </a:fld>
-            <a:endParaRPr lang="en-US">
-              <a:solidFill>
-                <a:prstClr val="black">
-                  <a:tint val="75000"/>
-                </a:prstClr>
-              </a:solidFill>
-            </a:endParaRPr>
-          </a:p>
-        </p:txBody>
-      </p:sp>
-    </p:spTree>
-    <p:extLst>
-      <p:ext uri="{BB962C8B-B14F-4D97-AF65-F5344CB8AC3E}">
-        <p14:creationId xmlns:p14="http://schemas.microsoft.com/office/powerpoint/2010/main" val="2848509676"/>
-      </p:ext>
-    </p:extLst>
-  </p:cSld>
-  <p:clrMapOvr>
-    <a:masterClrMapping/>
-  </p:clrMapOvr>
-  <mc:AlternateContent xmlns:mc="http://schemas.openxmlformats.org/markup-compatibility/2006" xmlns:p14="http://schemas.microsoft.com/office/powerpoint/2010/main">
-    <mc:Choice Requires="p14">
-      <p:transition spd="slow" p14:dur="1250">
-        <p14:flip dir="r"/>
-      </p:transition>
-    </mc:Choice>
-    <mc:Fallback xmlns="">
-      <p:transition spd="slow" advTm="7000">
-        <p:fade/>
-      </p:transition>
-    </mc:Fallback>
-  </mc:AlternateContent>
-  <p:timing>
-    <p:tnLst>
-      <p:par>
-        <p:cTn id="1" dur="indefinite" restart="never" nodeType="tmRoot"/>
-      </p:par>
-    </p:tnLst>
-  </p:timing>
-</p:sldLayout>
-</file>
-
-<file path=ppt/slideLayouts/slideLayout13.xml><?xml version="1.0" encoding="utf-8"?>
-<p:sldLayout xmlns:a="http://schemas.openxmlformats.org/drawingml/2006/main" xmlns:r="http://schemas.openxmlformats.org/officeDocument/2006/relationships" xmlns:p="http://schemas.openxmlformats.org/presentationml/2006/main" type="obj" preserve="1">
-  <p:cSld name="Title and Content">
-    <p:spTree>
-      <p:nvGrpSpPr>
-        <p:cNvPr id="1" name=""/>
-        <p:cNvGrpSpPr/>
-        <p:nvPr/>
-      </p:nvGrpSpPr>
-      <p:grpSpPr>
-        <a:xfrm>
-          <a:off x="0" y="0"/>
-          <a:ext cx="0" cy="0"/>
-          <a:chOff x="0" y="0"/>
-          <a:chExt cx="0" cy="0"/>
-        </a:xfrm>
-      </p:grpSpPr>
-      <p:sp>
-        <p:nvSpPr>
-          <p:cNvPr id="2" name="Title 1"/>
-          <p:cNvSpPr>
-            <a:spLocks noGrp="1"/>
-          </p:cNvSpPr>
-          <p:nvPr>
-            <p:ph type="title"/>
-          </p:nvPr>
-        </p:nvSpPr>
-        <p:spPr/>
-        <p:txBody>
-          <a:bodyPr/>
-          <a:lstStyle/>
-          <a:p>
-            <a:r>
-              <a:rPr lang="en-US" smtClean="0"/>
-              <a:t>Click to edit Master title style</a:t>
-            </a:r>
-            <a:endParaRPr lang="en-US" dirty="0"/>
-          </a:p>
-        </p:txBody>
-      </p:sp>
-      <p:sp>
-        <p:nvSpPr>
-          <p:cNvPr id="3" name="Content Placeholder 2"/>
-          <p:cNvSpPr>
-            <a:spLocks noGrp="1"/>
-          </p:cNvSpPr>
-          <p:nvPr>
-            <p:ph idx="1"/>
-          </p:nvPr>
-        </p:nvSpPr>
-        <p:spPr/>
-        <p:txBody>
-          <a:bodyPr/>
-          <a:lstStyle/>
-          <a:p>
-            <a:pPr lvl="0"/>
-            <a:r>
-              <a:rPr lang="en-US" smtClean="0"/>
-              <a:t>Edit Master text styles</a:t>
-            </a:r>
-          </a:p>
-          <a:p>
-            <a:pPr lvl="1"/>
-            <a:r>
-              <a:rPr lang="en-US" smtClean="0"/>
-              <a:t>Second level</a:t>
-            </a:r>
-          </a:p>
-          <a:p>
-            <a:pPr lvl="2"/>
-            <a:r>
-              <a:rPr lang="en-US" smtClean="0"/>
-              <a:t>Third level</a:t>
-            </a:r>
-          </a:p>
-          <a:p>
-            <a:pPr lvl="3"/>
-            <a:r>
-              <a:rPr lang="en-US" smtClean="0"/>
-              <a:t>Fourth level</a:t>
-            </a:r>
-          </a:p>
-          <a:p>
-            <a:pPr lvl="4"/>
-            <a:r>
-              <a:rPr lang="en-US" smtClean="0"/>
-              <a:t>Fifth level</a:t>
-            </a:r>
-            <a:endParaRPr lang="en-US" dirty="0"/>
-          </a:p>
-        </p:txBody>
-      </p:sp>
-      <p:sp>
-        <p:nvSpPr>
-          <p:cNvPr id="4" name="Date Placeholder 3"/>
-          <p:cNvSpPr>
-            <a:spLocks noGrp="1"/>
-          </p:cNvSpPr>
-          <p:nvPr>
-            <p:ph type="dt" sz="half" idx="10"/>
-          </p:nvPr>
-        </p:nvSpPr>
-        <p:spPr/>
-        <p:txBody>
-          <a:bodyPr/>
-          <a:lstStyle/>
-          <a:p>
-            <a:fld id="{7BB20E53-AAD4-456D-A0C3-1907BEC133D3}" type="datetimeFigureOut">
-              <a:rPr lang="en-US" smtClean="0">
-                <a:solidFill>
-                  <a:prstClr val="black">
-                    <a:tint val="75000"/>
-                  </a:prstClr>
-                </a:solidFill>
-              </a:rPr>
-              <a:pPr/>
-              <a:t>11/7/2018</a:t>
-            </a:fld>
-            <a:endParaRPr lang="en-US">
-              <a:solidFill>
-                <a:prstClr val="black">
-                  <a:tint val="75000"/>
-                </a:prstClr>
-              </a:solidFill>
-            </a:endParaRPr>
-          </a:p>
-        </p:txBody>
-      </p:sp>
-      <p:sp>
-        <p:nvSpPr>
-          <p:cNvPr id="5" name="Footer Placeholder 4"/>
-          <p:cNvSpPr>
-            <a:spLocks noGrp="1"/>
-          </p:cNvSpPr>
-          <p:nvPr>
-            <p:ph type="ftr" sz="quarter" idx="11"/>
-          </p:nvPr>
-        </p:nvSpPr>
-        <p:spPr/>
-        <p:txBody>
-          <a:bodyPr/>
-          <a:lstStyle/>
-          <a:p>
-            <a:endParaRPr lang="en-US">
-              <a:solidFill>
-                <a:prstClr val="black">
-                  <a:tint val="75000"/>
-                </a:prstClr>
-              </a:solidFill>
-            </a:endParaRPr>
-          </a:p>
-        </p:txBody>
-      </p:sp>
-      <p:sp>
-        <p:nvSpPr>
-          <p:cNvPr id="6" name="Slide Number Placeholder 5"/>
-          <p:cNvSpPr>
-            <a:spLocks noGrp="1"/>
-          </p:cNvSpPr>
-          <p:nvPr>
-            <p:ph type="sldNum" sz="quarter" idx="12"/>
-          </p:nvPr>
-        </p:nvSpPr>
-        <p:spPr/>
-        <p:txBody>
-          <a:bodyPr/>
-          <a:lstStyle/>
-          <a:p>
-            <a:fld id="{D941EAD1-690F-4978-9687-A713EC160AF2}" type="slidenum">
-              <a:rPr lang="en-US" smtClean="0">
-                <a:solidFill>
-                  <a:prstClr val="black">
-                    <a:tint val="75000"/>
-                  </a:prstClr>
-                </a:solidFill>
-              </a:rPr>
-              <a:pPr/>
-              <a:t>‹#›</a:t>
-            </a:fld>
-            <a:endParaRPr lang="en-US">
-              <a:solidFill>
-                <a:prstClr val="black">
-                  <a:tint val="75000"/>
-                </a:prstClr>
-              </a:solidFill>
-            </a:endParaRPr>
-          </a:p>
-        </p:txBody>
-      </p:sp>
-    </p:spTree>
-    <p:extLst>
-      <p:ext uri="{BB962C8B-B14F-4D97-AF65-F5344CB8AC3E}">
-        <p14:creationId xmlns:p14="http://schemas.microsoft.com/office/powerpoint/2010/main" val="1238639850"/>
-      </p:ext>
-    </p:extLst>
-  </p:cSld>
-  <p:clrMapOvr>
-    <a:masterClrMapping/>
-  </p:clrMapOvr>
-  <mc:AlternateContent xmlns:mc="http://schemas.openxmlformats.org/markup-compatibility/2006" xmlns:p14="http://schemas.microsoft.com/office/powerpoint/2010/main">
-    <mc:Choice Requires="p14">
-      <p:transition spd="slow" p14:dur="1250">
-        <p14:flip dir="r"/>
-      </p:transition>
-    </mc:Choice>
-    <mc:Fallback xmlns="">
-      <p:transition spd="slow" advTm="7000">
-        <p:fade/>
-      </p:transition>
-    </mc:Fallback>
-  </mc:AlternateContent>
-  <p:timing>
-    <p:tnLst>
-      <p:par>
-        <p:cTn id="1" dur="indefinite" restart="never" nodeType="tmRoot"/>
-      </p:par>
-    </p:tnLst>
-  </p:timing>
-</p:sldLayout>
-</file>
-
-<file path=ppt/slideLayouts/slideLayout14.xml><?xml version="1.0" encoding="utf-8"?>
-<p:sldLayout xmlns:a="http://schemas.openxmlformats.org/drawingml/2006/main" xmlns:r="http://schemas.openxmlformats.org/officeDocument/2006/relationships" xmlns:p="http://schemas.openxmlformats.org/presentationml/2006/main" type="secHead" preserve="1">
-  <p:cSld name="Section Header">
-    <p:spTree>
-      <p:nvGrpSpPr>
-        <p:cNvPr id="1" name=""/>
-        <p:cNvGrpSpPr/>
-        <p:nvPr/>
-      </p:nvGrpSpPr>
-      <p:grpSpPr>
-        <a:xfrm>
-          <a:off x="0" y="0"/>
-          <a:ext cx="0" cy="0"/>
-          <a:chOff x="0" y="0"/>
-          <a:chExt cx="0" cy="0"/>
-        </a:xfrm>
-      </p:grpSpPr>
-      <p:sp>
-        <p:nvSpPr>
-          <p:cNvPr id="2" name="Title 1"/>
-          <p:cNvSpPr>
-            <a:spLocks noGrp="1"/>
-          </p:cNvSpPr>
-          <p:nvPr>
-            <p:ph type="title"/>
-          </p:nvPr>
-        </p:nvSpPr>
-        <p:spPr>
-          <a:xfrm>
-            <a:off x="1372554" y="8890646"/>
-            <a:ext cx="17350740" cy="14834232"/>
-          </a:xfrm>
-        </p:spPr>
-        <p:txBody>
-          <a:bodyPr anchor="b"/>
-          <a:lstStyle>
-            <a:lvl1pPr>
-              <a:defRPr sz="13200"/>
-            </a:lvl1pPr>
-          </a:lstStyle>
-          <a:p>
-            <a:r>
-              <a:rPr lang="en-US" smtClean="0"/>
-              <a:t>Click to edit Master title style</a:t>
-            </a:r>
-            <a:endParaRPr lang="en-US" dirty="0"/>
-          </a:p>
-        </p:txBody>
-      </p:sp>
-      <p:sp>
-        <p:nvSpPr>
-          <p:cNvPr id="3" name="Text Placeholder 2"/>
-          <p:cNvSpPr>
-            <a:spLocks noGrp="1"/>
-          </p:cNvSpPr>
-          <p:nvPr>
-            <p:ph type="body" idx="1"/>
-          </p:nvPr>
-        </p:nvSpPr>
-        <p:spPr>
-          <a:xfrm>
-            <a:off x="1372554" y="23865216"/>
-            <a:ext cx="17350740" cy="7800972"/>
-          </a:xfrm>
-        </p:spPr>
-        <p:txBody>
-          <a:bodyPr/>
-          <a:lstStyle>
-            <a:lvl1pPr marL="0" indent="0">
-              <a:buNone/>
-              <a:defRPr sz="5280">
-                <a:solidFill>
-                  <a:schemeClr val="tx1"/>
-                </a:solidFill>
-              </a:defRPr>
-            </a:lvl1pPr>
-            <a:lvl2pPr marL="1005840" indent="0">
-              <a:buNone/>
-              <a:defRPr sz="4400">
-                <a:solidFill>
-                  <a:schemeClr val="tx1">
-                    <a:tint val="75000"/>
-                  </a:schemeClr>
-                </a:solidFill>
-              </a:defRPr>
-            </a:lvl2pPr>
-            <a:lvl3pPr marL="2011680" indent="0">
-              <a:buNone/>
-              <a:defRPr sz="3960">
-                <a:solidFill>
-                  <a:schemeClr val="tx1">
-                    <a:tint val="75000"/>
-                  </a:schemeClr>
-                </a:solidFill>
-              </a:defRPr>
-            </a:lvl3pPr>
-            <a:lvl4pPr marL="3017520" indent="0">
-              <a:buNone/>
-              <a:defRPr sz="3520">
-                <a:solidFill>
-                  <a:schemeClr val="tx1">
-                    <a:tint val="75000"/>
-                  </a:schemeClr>
-                </a:solidFill>
-              </a:defRPr>
-            </a:lvl4pPr>
-            <a:lvl5pPr marL="4023360" indent="0">
-              <a:buNone/>
-              <a:defRPr sz="3520">
-                <a:solidFill>
-                  <a:schemeClr val="tx1">
-                    <a:tint val="75000"/>
-                  </a:schemeClr>
-                </a:solidFill>
-              </a:defRPr>
-            </a:lvl5pPr>
-            <a:lvl6pPr marL="5029200" indent="0">
-              <a:buNone/>
-              <a:defRPr sz="3520">
-                <a:solidFill>
-                  <a:schemeClr val="tx1">
-                    <a:tint val="75000"/>
-                  </a:schemeClr>
-                </a:solidFill>
-              </a:defRPr>
-            </a:lvl6pPr>
-            <a:lvl7pPr marL="6035040" indent="0">
-              <a:buNone/>
-              <a:defRPr sz="3520">
-                <a:solidFill>
-                  <a:schemeClr val="tx1">
-                    <a:tint val="75000"/>
-                  </a:schemeClr>
-                </a:solidFill>
-              </a:defRPr>
-            </a:lvl7pPr>
-            <a:lvl8pPr marL="7040880" indent="0">
-              <a:buNone/>
-              <a:defRPr sz="3520">
-                <a:solidFill>
-                  <a:schemeClr val="tx1">
-                    <a:tint val="75000"/>
-                  </a:schemeClr>
-                </a:solidFill>
-              </a:defRPr>
-            </a:lvl8pPr>
-            <a:lvl9pPr marL="8046720" indent="0">
-              <a:buNone/>
-              <a:defRPr sz="3520">
-                <a:solidFill>
-                  <a:schemeClr val="tx1">
-                    <a:tint val="75000"/>
-                  </a:schemeClr>
-                </a:solidFill>
-              </a:defRPr>
-            </a:lvl9pPr>
-          </a:lstStyle>
-          <a:p>
-            <a:pPr lvl="0"/>
-            <a:r>
-              <a:rPr lang="en-US" smtClean="0"/>
-              <a:t>Edit Master text styles</a:t>
-            </a:r>
-          </a:p>
-        </p:txBody>
-      </p:sp>
-      <p:sp>
-        <p:nvSpPr>
-          <p:cNvPr id="4" name="Date Placeholder 3"/>
-          <p:cNvSpPr>
-            <a:spLocks noGrp="1"/>
-          </p:cNvSpPr>
-          <p:nvPr>
-            <p:ph type="dt" sz="half" idx="10"/>
-          </p:nvPr>
-        </p:nvSpPr>
-        <p:spPr/>
-        <p:txBody>
-          <a:bodyPr/>
-          <a:lstStyle/>
-          <a:p>
-            <a:fld id="{7BB20E53-AAD4-456D-A0C3-1907BEC133D3}" type="datetimeFigureOut">
-              <a:rPr lang="en-US" smtClean="0">
-                <a:solidFill>
-                  <a:prstClr val="black">
-                    <a:tint val="75000"/>
-                  </a:prstClr>
-                </a:solidFill>
-              </a:rPr>
-              <a:pPr/>
-              <a:t>11/7/2018</a:t>
-            </a:fld>
-            <a:endParaRPr lang="en-US">
-              <a:solidFill>
-                <a:prstClr val="black">
-                  <a:tint val="75000"/>
-                </a:prstClr>
-              </a:solidFill>
-            </a:endParaRPr>
-          </a:p>
-        </p:txBody>
-      </p:sp>
-      <p:sp>
-        <p:nvSpPr>
-          <p:cNvPr id="5" name="Footer Placeholder 4"/>
-          <p:cNvSpPr>
-            <a:spLocks noGrp="1"/>
-          </p:cNvSpPr>
-          <p:nvPr>
-            <p:ph type="ftr" sz="quarter" idx="11"/>
-          </p:nvPr>
-        </p:nvSpPr>
-        <p:spPr/>
-        <p:txBody>
-          <a:bodyPr/>
-          <a:lstStyle/>
-          <a:p>
-            <a:endParaRPr lang="en-US">
-              <a:solidFill>
-                <a:prstClr val="black">
-                  <a:tint val="75000"/>
-                </a:prstClr>
-              </a:solidFill>
-            </a:endParaRPr>
-          </a:p>
-        </p:txBody>
-      </p:sp>
-      <p:sp>
-        <p:nvSpPr>
-          <p:cNvPr id="6" name="Slide Number Placeholder 5"/>
-          <p:cNvSpPr>
-            <a:spLocks noGrp="1"/>
-          </p:cNvSpPr>
-          <p:nvPr>
-            <p:ph type="sldNum" sz="quarter" idx="12"/>
-          </p:nvPr>
-        </p:nvSpPr>
-        <p:spPr/>
-        <p:txBody>
-          <a:bodyPr/>
-          <a:lstStyle/>
-          <a:p>
-            <a:fld id="{D941EAD1-690F-4978-9687-A713EC160AF2}" type="slidenum">
-              <a:rPr lang="en-US" smtClean="0">
-                <a:solidFill>
-                  <a:prstClr val="black">
-                    <a:tint val="75000"/>
-                  </a:prstClr>
-                </a:solidFill>
-              </a:rPr>
-              <a:pPr/>
-              <a:t>‹#›</a:t>
-            </a:fld>
-            <a:endParaRPr lang="en-US">
-              <a:solidFill>
-                <a:prstClr val="black">
-                  <a:tint val="75000"/>
-                </a:prstClr>
-              </a:solidFill>
-            </a:endParaRPr>
-          </a:p>
-        </p:txBody>
-      </p:sp>
-    </p:spTree>
-    <p:extLst>
-      <p:ext uri="{BB962C8B-B14F-4D97-AF65-F5344CB8AC3E}">
-        <p14:creationId xmlns:p14="http://schemas.microsoft.com/office/powerpoint/2010/main" val="1755219837"/>
-      </p:ext>
-    </p:extLst>
-  </p:cSld>
-  <p:clrMapOvr>
-    <a:masterClrMapping/>
-  </p:clrMapOvr>
-  <mc:AlternateContent xmlns:mc="http://schemas.openxmlformats.org/markup-compatibility/2006" xmlns:p14="http://schemas.microsoft.com/office/powerpoint/2010/main">
-    <mc:Choice Requires="p14">
-      <p:transition spd="slow" p14:dur="1250">
-        <p14:flip dir="r"/>
-      </p:transition>
-    </mc:Choice>
-    <mc:Fallback xmlns="">
-      <p:transition spd="slow" advTm="7000">
-        <p:fade/>
-      </p:transition>
-    </mc:Fallback>
-  </mc:AlternateContent>
-  <p:timing>
-    <p:tnLst>
-      <p:par>
-        <p:cTn id="1" dur="indefinite" restart="never" nodeType="tmRoot"/>
-      </p:par>
-    </p:tnLst>
-  </p:timing>
-</p:sldLayout>
-</file>
-
-<file path=ppt/slideLayouts/slideLayout15.xml><?xml version="1.0" encoding="utf-8"?>
-<p:sldLayout xmlns:a="http://schemas.openxmlformats.org/drawingml/2006/main" xmlns:r="http://schemas.openxmlformats.org/officeDocument/2006/relationships" xmlns:p="http://schemas.openxmlformats.org/presentationml/2006/main" type="twoObj" preserve="1">
-  <p:cSld name="Two Content">
-    <p:spTree>
-      <p:nvGrpSpPr>
-        <p:cNvPr id="1" name=""/>
-        <p:cNvGrpSpPr/>
-        <p:nvPr/>
-      </p:nvGrpSpPr>
-      <p:grpSpPr>
-        <a:xfrm>
-          <a:off x="0" y="0"/>
-          <a:ext cx="0" cy="0"/>
-          <a:chOff x="0" y="0"/>
-          <a:chExt cx="0" cy="0"/>
-        </a:xfrm>
-      </p:grpSpPr>
-      <p:sp>
-        <p:nvSpPr>
-          <p:cNvPr id="2" name="Title 1"/>
-          <p:cNvSpPr>
-            <a:spLocks noGrp="1"/>
-          </p:cNvSpPr>
-          <p:nvPr>
-            <p:ph type="title"/>
-          </p:nvPr>
-        </p:nvSpPr>
-        <p:spPr/>
-        <p:txBody>
-          <a:bodyPr/>
-          <a:lstStyle/>
-          <a:p>
-            <a:r>
-              <a:rPr lang="en-US" smtClean="0"/>
-              <a:t>Click to edit Master title style</a:t>
-            </a:r>
-            <a:endParaRPr lang="en-US" dirty="0"/>
-          </a:p>
-        </p:txBody>
-      </p:sp>
-      <p:sp>
-        <p:nvSpPr>
-          <p:cNvPr id="3" name="Content Placeholder 2"/>
-          <p:cNvSpPr>
-            <a:spLocks noGrp="1"/>
-          </p:cNvSpPr>
-          <p:nvPr>
-            <p:ph sz="half" idx="1"/>
-          </p:nvPr>
-        </p:nvSpPr>
-        <p:spPr>
-          <a:xfrm>
-            <a:off x="1383030" y="9493250"/>
-            <a:ext cx="8549640" cy="22626958"/>
-          </a:xfrm>
-        </p:spPr>
-        <p:txBody>
-          <a:bodyPr/>
-          <a:lstStyle/>
-          <a:p>
-            <a:pPr lvl="0"/>
-            <a:r>
-              <a:rPr lang="en-US" smtClean="0"/>
-              <a:t>Edit Master text styles</a:t>
-            </a:r>
-          </a:p>
-          <a:p>
-            <a:pPr lvl="1"/>
-            <a:r>
-              <a:rPr lang="en-US" smtClean="0"/>
-              <a:t>Second level</a:t>
-            </a:r>
-          </a:p>
-          <a:p>
-            <a:pPr lvl="2"/>
-            <a:r>
-              <a:rPr lang="en-US" smtClean="0"/>
-              <a:t>Third level</a:t>
-            </a:r>
-          </a:p>
-          <a:p>
-            <a:pPr lvl="3"/>
-            <a:r>
-              <a:rPr lang="en-US" smtClean="0"/>
-              <a:t>Fourth level</a:t>
-            </a:r>
-          </a:p>
-          <a:p>
-            <a:pPr lvl="4"/>
-            <a:r>
-              <a:rPr lang="en-US" smtClean="0"/>
-              <a:t>Fifth level</a:t>
-            </a:r>
-            <a:endParaRPr lang="en-US" dirty="0"/>
-          </a:p>
-        </p:txBody>
-      </p:sp>
-      <p:sp>
-        <p:nvSpPr>
-          <p:cNvPr id="4" name="Content Placeholder 3"/>
-          <p:cNvSpPr>
-            <a:spLocks noGrp="1"/>
-          </p:cNvSpPr>
-          <p:nvPr>
-            <p:ph sz="half" idx="2"/>
-          </p:nvPr>
-        </p:nvSpPr>
-        <p:spPr>
-          <a:xfrm>
-            <a:off x="10184130" y="9493250"/>
-            <a:ext cx="8549640" cy="22626958"/>
-          </a:xfrm>
-        </p:spPr>
-        <p:txBody>
-          <a:bodyPr/>
-          <a:lstStyle/>
-          <a:p>
-            <a:pPr lvl="0"/>
-            <a:r>
-              <a:rPr lang="en-US" smtClean="0"/>
-              <a:t>Edit Master text styles</a:t>
-            </a:r>
-          </a:p>
-          <a:p>
-            <a:pPr lvl="1"/>
-            <a:r>
-              <a:rPr lang="en-US" smtClean="0"/>
-              <a:t>Second level</a:t>
-            </a:r>
-          </a:p>
-          <a:p>
-            <a:pPr lvl="2"/>
-            <a:r>
-              <a:rPr lang="en-US" smtClean="0"/>
-              <a:t>Third level</a:t>
-            </a:r>
-          </a:p>
-          <a:p>
-            <a:pPr lvl="3"/>
-            <a:r>
-              <a:rPr lang="en-US" smtClean="0"/>
-              <a:t>Fourth level</a:t>
-            </a:r>
-          </a:p>
-          <a:p>
-            <a:pPr lvl="4"/>
-            <a:r>
-              <a:rPr lang="en-US" smtClean="0"/>
-              <a:t>Fifth level</a:t>
-            </a:r>
-            <a:endParaRPr lang="en-US" dirty="0"/>
-          </a:p>
-        </p:txBody>
-      </p:sp>
-      <p:sp>
-        <p:nvSpPr>
-          <p:cNvPr id="5" name="Date Placeholder 4"/>
-          <p:cNvSpPr>
-            <a:spLocks noGrp="1"/>
-          </p:cNvSpPr>
-          <p:nvPr>
-            <p:ph type="dt" sz="half" idx="10"/>
-          </p:nvPr>
-        </p:nvSpPr>
-        <p:spPr/>
-        <p:txBody>
-          <a:bodyPr/>
-          <a:lstStyle/>
-          <a:p>
-            <a:fld id="{7BB20E53-AAD4-456D-A0C3-1907BEC133D3}" type="datetimeFigureOut">
-              <a:rPr lang="en-US" smtClean="0">
-                <a:solidFill>
-                  <a:prstClr val="black">
-                    <a:tint val="75000"/>
-                  </a:prstClr>
-                </a:solidFill>
-              </a:rPr>
-              <a:pPr/>
-              <a:t>11/7/2018</a:t>
-            </a:fld>
-            <a:endParaRPr lang="en-US">
-              <a:solidFill>
-                <a:prstClr val="black">
-                  <a:tint val="75000"/>
-                </a:prstClr>
-              </a:solidFill>
-            </a:endParaRPr>
-          </a:p>
-        </p:txBody>
-      </p:sp>
-      <p:sp>
-        <p:nvSpPr>
-          <p:cNvPr id="6" name="Footer Placeholder 5"/>
-          <p:cNvSpPr>
-            <a:spLocks noGrp="1"/>
-          </p:cNvSpPr>
-          <p:nvPr>
-            <p:ph type="ftr" sz="quarter" idx="11"/>
-          </p:nvPr>
-        </p:nvSpPr>
-        <p:spPr/>
-        <p:txBody>
-          <a:bodyPr/>
-          <a:lstStyle/>
-          <a:p>
-            <a:endParaRPr lang="en-US">
-              <a:solidFill>
-                <a:prstClr val="black">
-                  <a:tint val="75000"/>
-                </a:prstClr>
-              </a:solidFill>
-            </a:endParaRPr>
-          </a:p>
-        </p:txBody>
-      </p:sp>
-      <p:sp>
-        <p:nvSpPr>
-          <p:cNvPr id="7" name="Slide Number Placeholder 6"/>
-          <p:cNvSpPr>
-            <a:spLocks noGrp="1"/>
-          </p:cNvSpPr>
-          <p:nvPr>
-            <p:ph type="sldNum" sz="quarter" idx="12"/>
-          </p:nvPr>
-        </p:nvSpPr>
-        <p:spPr/>
-        <p:txBody>
-          <a:bodyPr/>
-          <a:lstStyle/>
-          <a:p>
-            <a:fld id="{D941EAD1-690F-4978-9687-A713EC160AF2}" type="slidenum">
-              <a:rPr lang="en-US" smtClean="0">
-                <a:solidFill>
-                  <a:prstClr val="black">
-                    <a:tint val="75000"/>
-                  </a:prstClr>
-                </a:solidFill>
-              </a:rPr>
-              <a:pPr/>
-              <a:t>‹#›</a:t>
-            </a:fld>
-            <a:endParaRPr lang="en-US">
-              <a:solidFill>
-                <a:prstClr val="black">
-                  <a:tint val="75000"/>
-                </a:prstClr>
-              </a:solidFill>
-            </a:endParaRPr>
-          </a:p>
-        </p:txBody>
-      </p:sp>
-    </p:spTree>
-    <p:extLst>
-      <p:ext uri="{BB962C8B-B14F-4D97-AF65-F5344CB8AC3E}">
-        <p14:creationId xmlns:p14="http://schemas.microsoft.com/office/powerpoint/2010/main" val="2972679242"/>
-      </p:ext>
-    </p:extLst>
-  </p:cSld>
-  <p:clrMapOvr>
-    <a:masterClrMapping/>
-  </p:clrMapOvr>
-  <mc:AlternateContent xmlns:mc="http://schemas.openxmlformats.org/markup-compatibility/2006" xmlns:p14="http://schemas.microsoft.com/office/powerpoint/2010/main">
-    <mc:Choice Requires="p14">
-      <p:transition spd="slow" p14:dur="1250">
-        <p14:flip dir="r"/>
-      </p:transition>
-    </mc:Choice>
-    <mc:Fallback xmlns="">
-      <p:transition spd="slow" advTm="7000">
-        <p:fade/>
-      </p:transition>
-    </mc:Fallback>
-  </mc:AlternateContent>
-  <p:timing>
-    <p:tnLst>
-      <p:par>
-        <p:cTn id="1" dur="indefinite" restart="never" nodeType="tmRoot"/>
-      </p:par>
-    </p:tnLst>
-  </p:timing>
-</p:sldLayout>
-</file>
-
-<file path=ppt/slideLayouts/slideLayout16.xml><?xml version="1.0" encoding="utf-8"?>
-<p:sldLayout xmlns:a="http://schemas.openxmlformats.org/drawingml/2006/main" xmlns:r="http://schemas.openxmlformats.org/officeDocument/2006/relationships" xmlns:p="http://schemas.openxmlformats.org/presentationml/2006/main" type="twoTxTwoObj" preserve="1">
-  <p:cSld name="Comparison">
-    <p:spTree>
-      <p:nvGrpSpPr>
-        <p:cNvPr id="1" name=""/>
-        <p:cNvGrpSpPr/>
-        <p:nvPr/>
-      </p:nvGrpSpPr>
-      <p:grpSpPr>
-        <a:xfrm>
-          <a:off x="0" y="0"/>
-          <a:ext cx="0" cy="0"/>
-          <a:chOff x="0" y="0"/>
-          <a:chExt cx="0" cy="0"/>
-        </a:xfrm>
-      </p:grpSpPr>
-      <p:sp>
-        <p:nvSpPr>
-          <p:cNvPr id="2" name="Title 1"/>
-          <p:cNvSpPr>
-            <a:spLocks noGrp="1"/>
-          </p:cNvSpPr>
-          <p:nvPr>
-            <p:ph type="title"/>
-          </p:nvPr>
-        </p:nvSpPr>
-        <p:spPr>
-          <a:xfrm>
-            <a:off x="1385650" y="1898658"/>
-            <a:ext cx="17350740" cy="6892928"/>
-          </a:xfrm>
-        </p:spPr>
-        <p:txBody>
-          <a:bodyPr/>
-          <a:lstStyle/>
-          <a:p>
-            <a:r>
-              <a:rPr lang="en-US" smtClean="0"/>
-              <a:t>Click to edit Master title style</a:t>
-            </a:r>
-            <a:endParaRPr lang="en-US" dirty="0"/>
-          </a:p>
-        </p:txBody>
-      </p:sp>
-      <p:sp>
-        <p:nvSpPr>
-          <p:cNvPr id="3" name="Text Placeholder 2"/>
-          <p:cNvSpPr>
-            <a:spLocks noGrp="1"/>
-          </p:cNvSpPr>
-          <p:nvPr>
-            <p:ph type="body" idx="1"/>
-          </p:nvPr>
-        </p:nvSpPr>
-        <p:spPr>
-          <a:xfrm>
-            <a:off x="1385652" y="8742048"/>
-            <a:ext cx="8510348" cy="4284342"/>
-          </a:xfrm>
-        </p:spPr>
-        <p:txBody>
-          <a:bodyPr anchor="b"/>
-          <a:lstStyle>
-            <a:lvl1pPr marL="0" indent="0">
-              <a:buNone/>
-              <a:defRPr sz="5280" b="1"/>
-            </a:lvl1pPr>
-            <a:lvl2pPr marL="1005840" indent="0">
-              <a:buNone/>
-              <a:defRPr sz="4400" b="1"/>
-            </a:lvl2pPr>
-            <a:lvl3pPr marL="2011680" indent="0">
-              <a:buNone/>
-              <a:defRPr sz="3960" b="1"/>
-            </a:lvl3pPr>
-            <a:lvl4pPr marL="3017520" indent="0">
-              <a:buNone/>
-              <a:defRPr sz="3520" b="1"/>
-            </a:lvl4pPr>
-            <a:lvl5pPr marL="4023360" indent="0">
-              <a:buNone/>
-              <a:defRPr sz="3520" b="1"/>
-            </a:lvl5pPr>
-            <a:lvl6pPr marL="5029200" indent="0">
-              <a:buNone/>
-              <a:defRPr sz="3520" b="1"/>
-            </a:lvl6pPr>
-            <a:lvl7pPr marL="6035040" indent="0">
-              <a:buNone/>
-              <a:defRPr sz="3520" b="1"/>
-            </a:lvl7pPr>
-            <a:lvl8pPr marL="7040880" indent="0">
-              <a:buNone/>
-              <a:defRPr sz="3520" b="1"/>
-            </a:lvl8pPr>
-            <a:lvl9pPr marL="8046720" indent="0">
-              <a:buNone/>
-              <a:defRPr sz="3520" b="1"/>
-            </a:lvl9pPr>
-          </a:lstStyle>
-          <a:p>
-            <a:pPr lvl="0"/>
-            <a:r>
-              <a:rPr lang="en-US" smtClean="0"/>
-              <a:t>Edit Master text styles</a:t>
-            </a:r>
-          </a:p>
-        </p:txBody>
-      </p:sp>
-      <p:sp>
-        <p:nvSpPr>
-          <p:cNvPr id="4" name="Content Placeholder 3"/>
-          <p:cNvSpPr>
-            <a:spLocks noGrp="1"/>
-          </p:cNvSpPr>
-          <p:nvPr>
-            <p:ph sz="half" idx="2"/>
-          </p:nvPr>
-        </p:nvSpPr>
-        <p:spPr>
-          <a:xfrm>
-            <a:off x="1385652" y="13026390"/>
-            <a:ext cx="8510348" cy="19159858"/>
-          </a:xfrm>
-        </p:spPr>
-        <p:txBody>
-          <a:bodyPr/>
-          <a:lstStyle/>
-          <a:p>
-            <a:pPr lvl="0"/>
-            <a:r>
-              <a:rPr lang="en-US" smtClean="0"/>
-              <a:t>Edit Master text styles</a:t>
-            </a:r>
-          </a:p>
-          <a:p>
-            <a:pPr lvl="1"/>
-            <a:r>
-              <a:rPr lang="en-US" smtClean="0"/>
-              <a:t>Second level</a:t>
-            </a:r>
-          </a:p>
-          <a:p>
-            <a:pPr lvl="2"/>
-            <a:r>
-              <a:rPr lang="en-US" smtClean="0"/>
-              <a:t>Third level</a:t>
-            </a:r>
-          </a:p>
-          <a:p>
-            <a:pPr lvl="3"/>
-            <a:r>
-              <a:rPr lang="en-US" smtClean="0"/>
-              <a:t>Fourth level</a:t>
-            </a:r>
-          </a:p>
-          <a:p>
-            <a:pPr lvl="4"/>
-            <a:r>
-              <a:rPr lang="en-US" smtClean="0"/>
-              <a:t>Fifth level</a:t>
-            </a:r>
-            <a:endParaRPr lang="en-US" dirty="0"/>
-          </a:p>
-        </p:txBody>
-      </p:sp>
-      <p:sp>
-        <p:nvSpPr>
-          <p:cNvPr id="5" name="Text Placeholder 4"/>
-          <p:cNvSpPr>
-            <a:spLocks noGrp="1"/>
-          </p:cNvSpPr>
-          <p:nvPr>
-            <p:ph type="body" sz="quarter" idx="3"/>
-          </p:nvPr>
-        </p:nvSpPr>
-        <p:spPr>
-          <a:xfrm>
-            <a:off x="10184131" y="8742048"/>
-            <a:ext cx="8552260" cy="4284342"/>
-          </a:xfrm>
-        </p:spPr>
-        <p:txBody>
-          <a:bodyPr anchor="b"/>
-          <a:lstStyle>
-            <a:lvl1pPr marL="0" indent="0">
-              <a:buNone/>
-              <a:defRPr sz="5280" b="1"/>
-            </a:lvl1pPr>
-            <a:lvl2pPr marL="1005840" indent="0">
-              <a:buNone/>
-              <a:defRPr sz="4400" b="1"/>
-            </a:lvl2pPr>
-            <a:lvl3pPr marL="2011680" indent="0">
-              <a:buNone/>
-              <a:defRPr sz="3960" b="1"/>
-            </a:lvl3pPr>
-            <a:lvl4pPr marL="3017520" indent="0">
-              <a:buNone/>
-              <a:defRPr sz="3520" b="1"/>
-            </a:lvl4pPr>
-            <a:lvl5pPr marL="4023360" indent="0">
-              <a:buNone/>
-              <a:defRPr sz="3520" b="1"/>
-            </a:lvl5pPr>
-            <a:lvl6pPr marL="5029200" indent="0">
-              <a:buNone/>
-              <a:defRPr sz="3520" b="1"/>
-            </a:lvl6pPr>
-            <a:lvl7pPr marL="6035040" indent="0">
-              <a:buNone/>
-              <a:defRPr sz="3520" b="1"/>
-            </a:lvl7pPr>
-            <a:lvl8pPr marL="7040880" indent="0">
-              <a:buNone/>
-              <a:defRPr sz="3520" b="1"/>
-            </a:lvl8pPr>
-            <a:lvl9pPr marL="8046720" indent="0">
-              <a:buNone/>
-              <a:defRPr sz="3520" b="1"/>
-            </a:lvl9pPr>
-          </a:lstStyle>
-          <a:p>
-            <a:pPr lvl="0"/>
-            <a:r>
-              <a:rPr lang="en-US" smtClean="0"/>
-              <a:t>Edit Master text styles</a:t>
-            </a:r>
-          </a:p>
-        </p:txBody>
-      </p:sp>
-      <p:sp>
-        <p:nvSpPr>
-          <p:cNvPr id="6" name="Content Placeholder 5"/>
-          <p:cNvSpPr>
-            <a:spLocks noGrp="1"/>
-          </p:cNvSpPr>
-          <p:nvPr>
-            <p:ph sz="quarter" idx="4"/>
-          </p:nvPr>
-        </p:nvSpPr>
-        <p:spPr>
-          <a:xfrm>
-            <a:off x="10184131" y="13026390"/>
-            <a:ext cx="8552260" cy="19159858"/>
-          </a:xfrm>
-        </p:spPr>
-        <p:txBody>
-          <a:bodyPr/>
-          <a:lstStyle/>
-          <a:p>
-            <a:pPr lvl="0"/>
-            <a:r>
-              <a:rPr lang="en-US" smtClean="0"/>
-              <a:t>Edit Master text styles</a:t>
-            </a:r>
-          </a:p>
-          <a:p>
-            <a:pPr lvl="1"/>
-            <a:r>
-              <a:rPr lang="en-US" smtClean="0"/>
-              <a:t>Second level</a:t>
-            </a:r>
-          </a:p>
-          <a:p>
-            <a:pPr lvl="2"/>
-            <a:r>
-              <a:rPr lang="en-US" smtClean="0"/>
-              <a:t>Third level</a:t>
-            </a:r>
-          </a:p>
-          <a:p>
-            <a:pPr lvl="3"/>
-            <a:r>
-              <a:rPr lang="en-US" smtClean="0"/>
-              <a:t>Fourth level</a:t>
-            </a:r>
-          </a:p>
-          <a:p>
-            <a:pPr lvl="4"/>
-            <a:r>
-              <a:rPr lang="en-US" smtClean="0"/>
-              <a:t>Fifth level</a:t>
-            </a:r>
-            <a:endParaRPr lang="en-US" dirty="0"/>
-          </a:p>
-        </p:txBody>
-      </p:sp>
-      <p:sp>
-        <p:nvSpPr>
-          <p:cNvPr id="7" name="Date Placeholder 6"/>
-          <p:cNvSpPr>
-            <a:spLocks noGrp="1"/>
-          </p:cNvSpPr>
-          <p:nvPr>
-            <p:ph type="dt" sz="half" idx="10"/>
-          </p:nvPr>
-        </p:nvSpPr>
-        <p:spPr/>
-        <p:txBody>
-          <a:bodyPr/>
-          <a:lstStyle/>
-          <a:p>
-            <a:fld id="{7BB20E53-AAD4-456D-A0C3-1907BEC133D3}" type="datetimeFigureOut">
-              <a:rPr lang="en-US" smtClean="0">
-                <a:solidFill>
-                  <a:prstClr val="black">
-                    <a:tint val="75000"/>
-                  </a:prstClr>
-                </a:solidFill>
-              </a:rPr>
-              <a:pPr/>
-              <a:t>11/7/2018</a:t>
-            </a:fld>
-            <a:endParaRPr lang="en-US">
-              <a:solidFill>
-                <a:prstClr val="black">
-                  <a:tint val="75000"/>
-                </a:prstClr>
-              </a:solidFill>
-            </a:endParaRPr>
-          </a:p>
-        </p:txBody>
-      </p:sp>
-      <p:sp>
-        <p:nvSpPr>
-          <p:cNvPr id="8" name="Footer Placeholder 7"/>
-          <p:cNvSpPr>
-            <a:spLocks noGrp="1"/>
-          </p:cNvSpPr>
-          <p:nvPr>
-            <p:ph type="ftr" sz="quarter" idx="11"/>
-          </p:nvPr>
-        </p:nvSpPr>
-        <p:spPr/>
-        <p:txBody>
-          <a:bodyPr/>
-          <a:lstStyle/>
-          <a:p>
-            <a:endParaRPr lang="en-US">
-              <a:solidFill>
-                <a:prstClr val="black">
-                  <a:tint val="75000"/>
-                </a:prstClr>
-              </a:solidFill>
-            </a:endParaRPr>
-          </a:p>
-        </p:txBody>
-      </p:sp>
-      <p:sp>
-        <p:nvSpPr>
-          <p:cNvPr id="9" name="Slide Number Placeholder 8"/>
-          <p:cNvSpPr>
-            <a:spLocks noGrp="1"/>
-          </p:cNvSpPr>
-          <p:nvPr>
-            <p:ph type="sldNum" sz="quarter" idx="12"/>
-          </p:nvPr>
-        </p:nvSpPr>
-        <p:spPr/>
-        <p:txBody>
-          <a:bodyPr/>
-          <a:lstStyle/>
-          <a:p>
-            <a:fld id="{D941EAD1-690F-4978-9687-A713EC160AF2}" type="slidenum">
-              <a:rPr lang="en-US" smtClean="0">
-                <a:solidFill>
-                  <a:prstClr val="black">
-                    <a:tint val="75000"/>
-                  </a:prstClr>
-                </a:solidFill>
-              </a:rPr>
-              <a:pPr/>
-              <a:t>‹#›</a:t>
-            </a:fld>
-            <a:endParaRPr lang="en-US">
-              <a:solidFill>
-                <a:prstClr val="black">
-                  <a:tint val="75000"/>
-                </a:prstClr>
-              </a:solidFill>
-            </a:endParaRPr>
-          </a:p>
-        </p:txBody>
-      </p:sp>
-    </p:spTree>
-    <p:extLst>
-      <p:ext uri="{BB962C8B-B14F-4D97-AF65-F5344CB8AC3E}">
-        <p14:creationId xmlns:p14="http://schemas.microsoft.com/office/powerpoint/2010/main" val="974643437"/>
-      </p:ext>
-    </p:extLst>
-  </p:cSld>
-  <p:clrMapOvr>
-    <a:masterClrMapping/>
-  </p:clrMapOvr>
-  <mc:AlternateContent xmlns:mc="http://schemas.openxmlformats.org/markup-compatibility/2006" xmlns:p14="http://schemas.microsoft.com/office/powerpoint/2010/main">
-    <mc:Choice Requires="p14">
-      <p:transition spd="slow" p14:dur="1250">
-        <p14:flip dir="r"/>
-      </p:transition>
-    </mc:Choice>
-    <mc:Fallback xmlns="">
-      <p:transition spd="slow" advTm="7000">
-        <p:fade/>
-      </p:transition>
-    </mc:Fallback>
-  </mc:AlternateContent>
-  <p:timing>
-    <p:tnLst>
-      <p:par>
-        <p:cTn id="1" dur="indefinite" restart="never" nodeType="tmRoot"/>
-      </p:par>
-    </p:tnLst>
-  </p:timing>
-</p:sldLayout>
-</file>
-
-<file path=ppt/slideLayouts/slideLayout17.xml><?xml version="1.0" encoding="utf-8"?>
-<p:sldLayout xmlns:a="http://schemas.openxmlformats.org/drawingml/2006/main" xmlns:r="http://schemas.openxmlformats.org/officeDocument/2006/relationships" xmlns:p="http://schemas.openxmlformats.org/presentationml/2006/main" type="titleOnly" preserve="1">
-  <p:cSld name="Title Only">
-    <p:spTree>
-      <p:nvGrpSpPr>
-        <p:cNvPr id="1" name=""/>
-        <p:cNvGrpSpPr/>
-        <p:nvPr/>
-      </p:nvGrpSpPr>
-      <p:grpSpPr>
-        <a:xfrm>
-          <a:off x="0" y="0"/>
-          <a:ext cx="0" cy="0"/>
-          <a:chOff x="0" y="0"/>
-          <a:chExt cx="0" cy="0"/>
-        </a:xfrm>
-      </p:grpSpPr>
-      <p:sp>
-        <p:nvSpPr>
-          <p:cNvPr id="2" name="Title 1"/>
-          <p:cNvSpPr>
-            <a:spLocks noGrp="1"/>
-          </p:cNvSpPr>
-          <p:nvPr>
-            <p:ph type="title"/>
-          </p:nvPr>
-        </p:nvSpPr>
-        <p:spPr/>
-        <p:txBody>
-          <a:bodyPr/>
-          <a:lstStyle/>
-          <a:p>
-            <a:r>
-              <a:rPr lang="en-US" smtClean="0"/>
-              <a:t>Click to edit Master title style</a:t>
-            </a:r>
-            <a:endParaRPr lang="en-US" dirty="0"/>
-          </a:p>
-        </p:txBody>
-      </p:sp>
-      <p:sp>
-        <p:nvSpPr>
-          <p:cNvPr id="3" name="Date Placeholder 2"/>
-          <p:cNvSpPr>
-            <a:spLocks noGrp="1"/>
-          </p:cNvSpPr>
-          <p:nvPr>
-            <p:ph type="dt" sz="half" idx="10"/>
-          </p:nvPr>
-        </p:nvSpPr>
-        <p:spPr/>
-        <p:txBody>
-          <a:bodyPr/>
-          <a:lstStyle/>
-          <a:p>
-            <a:fld id="{7BB20E53-AAD4-456D-A0C3-1907BEC133D3}" type="datetimeFigureOut">
-              <a:rPr lang="en-US" smtClean="0">
-                <a:solidFill>
-                  <a:prstClr val="black">
-                    <a:tint val="75000"/>
-                  </a:prstClr>
-                </a:solidFill>
-              </a:rPr>
-              <a:pPr/>
-              <a:t>11/7/2018</a:t>
-            </a:fld>
-            <a:endParaRPr lang="en-US">
-              <a:solidFill>
-                <a:prstClr val="black">
-                  <a:tint val="75000"/>
-                </a:prstClr>
-              </a:solidFill>
-            </a:endParaRPr>
-          </a:p>
-        </p:txBody>
-      </p:sp>
-      <p:sp>
-        <p:nvSpPr>
-          <p:cNvPr id="4" name="Footer Placeholder 3"/>
-          <p:cNvSpPr>
-            <a:spLocks noGrp="1"/>
-          </p:cNvSpPr>
-          <p:nvPr>
-            <p:ph type="ftr" sz="quarter" idx="11"/>
-          </p:nvPr>
-        </p:nvSpPr>
-        <p:spPr/>
-        <p:txBody>
-          <a:bodyPr/>
-          <a:lstStyle/>
-          <a:p>
-            <a:endParaRPr lang="en-US">
-              <a:solidFill>
-                <a:prstClr val="black">
-                  <a:tint val="75000"/>
-                </a:prstClr>
-              </a:solidFill>
-            </a:endParaRPr>
-          </a:p>
-        </p:txBody>
-      </p:sp>
-      <p:sp>
-        <p:nvSpPr>
-          <p:cNvPr id="5" name="Slide Number Placeholder 4"/>
-          <p:cNvSpPr>
-            <a:spLocks noGrp="1"/>
-          </p:cNvSpPr>
-          <p:nvPr>
-            <p:ph type="sldNum" sz="quarter" idx="12"/>
-          </p:nvPr>
-        </p:nvSpPr>
-        <p:spPr/>
-        <p:txBody>
-          <a:bodyPr/>
-          <a:lstStyle/>
-          <a:p>
-            <a:fld id="{D941EAD1-690F-4978-9687-A713EC160AF2}" type="slidenum">
-              <a:rPr lang="en-US" smtClean="0">
-                <a:solidFill>
-                  <a:prstClr val="black">
-                    <a:tint val="75000"/>
-                  </a:prstClr>
-                </a:solidFill>
-              </a:rPr>
-              <a:pPr/>
-              <a:t>‹#›</a:t>
-            </a:fld>
-            <a:endParaRPr lang="en-US">
-              <a:solidFill>
-                <a:prstClr val="black">
-                  <a:tint val="75000"/>
-                </a:prstClr>
-              </a:solidFill>
-            </a:endParaRPr>
-          </a:p>
-        </p:txBody>
-      </p:sp>
-    </p:spTree>
-    <p:extLst>
-      <p:ext uri="{BB962C8B-B14F-4D97-AF65-F5344CB8AC3E}">
-        <p14:creationId xmlns:p14="http://schemas.microsoft.com/office/powerpoint/2010/main" val="205899230"/>
-      </p:ext>
-    </p:extLst>
-  </p:cSld>
-  <p:clrMapOvr>
-    <a:masterClrMapping/>
-  </p:clrMapOvr>
-  <mc:AlternateContent xmlns:mc="http://schemas.openxmlformats.org/markup-compatibility/2006" xmlns:p14="http://schemas.microsoft.com/office/powerpoint/2010/main">
-    <mc:Choice Requires="p14">
-      <p:transition spd="slow" p14:dur="1250">
-        <p14:flip dir="r"/>
-      </p:transition>
-    </mc:Choice>
-    <mc:Fallback xmlns="">
-      <p:transition spd="slow" advTm="7000">
-        <p:fade/>
-      </p:transition>
-    </mc:Fallback>
-  </mc:AlternateContent>
-  <p:timing>
-    <p:tnLst>
-      <p:par>
-        <p:cTn id="1" dur="indefinite" restart="never" nodeType="tmRoot"/>
-      </p:par>
-    </p:tnLst>
-  </p:timing>
-</p:sldLayout>
-</file>
-
-<file path=ppt/slideLayouts/slideLayout18.xml><?xml version="1.0" encoding="utf-8"?>
-<p:sldLayout xmlns:a="http://schemas.openxmlformats.org/drawingml/2006/main" xmlns:r="http://schemas.openxmlformats.org/officeDocument/2006/relationships" xmlns:p="http://schemas.openxmlformats.org/presentationml/2006/main" type="blank" preserve="1">
-  <p:cSld name="Blank">
-    <p:spTree>
-      <p:nvGrpSpPr>
-        <p:cNvPr id="1" name=""/>
-        <p:cNvGrpSpPr/>
-        <p:nvPr/>
-      </p:nvGrpSpPr>
-      <p:grpSpPr>
-        <a:xfrm>
-          <a:off x="0" y="0"/>
-          <a:ext cx="0" cy="0"/>
-          <a:chOff x="0" y="0"/>
-          <a:chExt cx="0" cy="0"/>
-        </a:xfrm>
-      </p:grpSpPr>
-      <p:sp>
-        <p:nvSpPr>
-          <p:cNvPr id="2" name="Date Placeholder 1"/>
-          <p:cNvSpPr>
-            <a:spLocks noGrp="1"/>
-          </p:cNvSpPr>
-          <p:nvPr>
-            <p:ph type="dt" sz="half" idx="10"/>
-          </p:nvPr>
-        </p:nvSpPr>
-        <p:spPr/>
-        <p:txBody>
-          <a:bodyPr/>
-          <a:lstStyle/>
-          <a:p>
-            <a:fld id="{7BB20E53-AAD4-456D-A0C3-1907BEC133D3}" type="datetimeFigureOut">
-              <a:rPr lang="en-US" smtClean="0">
-                <a:solidFill>
-                  <a:prstClr val="black">
-                    <a:tint val="75000"/>
-                  </a:prstClr>
-                </a:solidFill>
-              </a:rPr>
-              <a:pPr/>
-              <a:t>11/7/2018</a:t>
-            </a:fld>
-            <a:endParaRPr lang="en-US">
-              <a:solidFill>
-                <a:prstClr val="black">
-                  <a:tint val="75000"/>
-                </a:prstClr>
-              </a:solidFill>
-            </a:endParaRPr>
-          </a:p>
-        </p:txBody>
-      </p:sp>
-      <p:sp>
-        <p:nvSpPr>
-          <p:cNvPr id="3" name="Footer Placeholder 2"/>
-          <p:cNvSpPr>
-            <a:spLocks noGrp="1"/>
-          </p:cNvSpPr>
-          <p:nvPr>
-            <p:ph type="ftr" sz="quarter" idx="11"/>
-          </p:nvPr>
-        </p:nvSpPr>
-        <p:spPr/>
-        <p:txBody>
-          <a:bodyPr/>
-          <a:lstStyle/>
-          <a:p>
-            <a:endParaRPr lang="en-US">
-              <a:solidFill>
-                <a:prstClr val="black">
-                  <a:tint val="75000"/>
-                </a:prstClr>
-              </a:solidFill>
-            </a:endParaRPr>
-          </a:p>
-        </p:txBody>
-      </p:sp>
-      <p:sp>
-        <p:nvSpPr>
-          <p:cNvPr id="4" name="Slide Number Placeholder 3"/>
-          <p:cNvSpPr>
-            <a:spLocks noGrp="1"/>
-          </p:cNvSpPr>
-          <p:nvPr>
-            <p:ph type="sldNum" sz="quarter" idx="12"/>
-          </p:nvPr>
-        </p:nvSpPr>
-        <p:spPr/>
-        <p:txBody>
-          <a:bodyPr/>
-          <a:lstStyle/>
-          <a:p>
-            <a:fld id="{D941EAD1-690F-4978-9687-A713EC160AF2}" type="slidenum">
-              <a:rPr lang="en-US" smtClean="0">
-                <a:solidFill>
-                  <a:prstClr val="black">
-                    <a:tint val="75000"/>
-                  </a:prstClr>
-                </a:solidFill>
-              </a:rPr>
-              <a:pPr/>
-              <a:t>‹#›</a:t>
-            </a:fld>
-            <a:endParaRPr lang="en-US">
-              <a:solidFill>
-                <a:prstClr val="black">
-                  <a:tint val="75000"/>
-                </a:prstClr>
-              </a:solidFill>
-            </a:endParaRPr>
-          </a:p>
-        </p:txBody>
-      </p:sp>
-    </p:spTree>
-    <p:extLst>
-      <p:ext uri="{BB962C8B-B14F-4D97-AF65-F5344CB8AC3E}">
-        <p14:creationId xmlns:p14="http://schemas.microsoft.com/office/powerpoint/2010/main" val="368694137"/>
-      </p:ext>
-    </p:extLst>
-  </p:cSld>
-  <p:clrMapOvr>
-    <a:masterClrMapping/>
-  </p:clrMapOvr>
-  <mc:AlternateContent xmlns:mc="http://schemas.openxmlformats.org/markup-compatibility/2006" xmlns:p14="http://schemas.microsoft.com/office/powerpoint/2010/main">
-    <mc:Choice Requires="p14">
-      <p:transition spd="slow" p14:dur="1250">
-        <p14:flip dir="r"/>
-      </p:transition>
-    </mc:Choice>
-    <mc:Fallback xmlns="">
-      <p:transition spd="slow" advTm="7000">
-        <p:fade/>
-      </p:transition>
-    </mc:Fallback>
-  </mc:AlternateContent>
-  <p:timing>
-    <p:tnLst>
-      <p:par>
-        <p:cTn id="1" dur="indefinite" restart="never" nodeType="tmRoot"/>
-      </p:par>
-    </p:tnLst>
-  </p:timing>
-</p:sldLayout>
-</file>
-
-<file path=ppt/slideLayouts/slideLayout19.xml><?xml version="1.0" encoding="utf-8"?>
-<p:sldLayout xmlns:a="http://schemas.openxmlformats.org/drawingml/2006/main" xmlns:r="http://schemas.openxmlformats.org/officeDocument/2006/relationships" xmlns:p="http://schemas.openxmlformats.org/presentationml/2006/main" type="objTx" preserve="1">
-  <p:cSld name="Content with Caption">
-    <p:spTree>
-      <p:nvGrpSpPr>
-        <p:cNvPr id="1" name=""/>
-        <p:cNvGrpSpPr/>
-        <p:nvPr/>
-      </p:nvGrpSpPr>
-      <p:grpSpPr>
-        <a:xfrm>
-          <a:off x="0" y="0"/>
-          <a:ext cx="0" cy="0"/>
-          <a:chOff x="0" y="0"/>
-          <a:chExt cx="0" cy="0"/>
-        </a:xfrm>
-      </p:grpSpPr>
-      <p:sp>
-        <p:nvSpPr>
-          <p:cNvPr id="2" name="Title 1"/>
-          <p:cNvSpPr>
-            <a:spLocks noGrp="1"/>
-          </p:cNvSpPr>
-          <p:nvPr>
-            <p:ph type="title"/>
-          </p:nvPr>
-        </p:nvSpPr>
-        <p:spPr>
-          <a:xfrm>
-            <a:off x="1385650" y="2377440"/>
-            <a:ext cx="6488192" cy="8321040"/>
-          </a:xfrm>
-        </p:spPr>
-        <p:txBody>
-          <a:bodyPr anchor="b"/>
-          <a:lstStyle>
-            <a:lvl1pPr>
-              <a:defRPr sz="7040"/>
-            </a:lvl1pPr>
-          </a:lstStyle>
-          <a:p>
-            <a:r>
-              <a:rPr lang="en-US" smtClean="0"/>
-              <a:t>Click to edit Master title style</a:t>
-            </a:r>
-            <a:endParaRPr lang="en-US" dirty="0"/>
-          </a:p>
-        </p:txBody>
-      </p:sp>
-      <p:sp>
-        <p:nvSpPr>
-          <p:cNvPr id="3" name="Content Placeholder 2"/>
-          <p:cNvSpPr>
-            <a:spLocks noGrp="1"/>
-          </p:cNvSpPr>
-          <p:nvPr>
-            <p:ph idx="1"/>
-          </p:nvPr>
-        </p:nvSpPr>
-        <p:spPr>
-          <a:xfrm>
-            <a:off x="8552260" y="5134618"/>
-            <a:ext cx="10184130" cy="25342850"/>
-          </a:xfrm>
-        </p:spPr>
-        <p:txBody>
-          <a:bodyPr/>
-          <a:lstStyle>
-            <a:lvl1pPr>
-              <a:defRPr sz="7040"/>
-            </a:lvl1pPr>
-            <a:lvl2pPr>
-              <a:defRPr sz="6160"/>
-            </a:lvl2pPr>
-            <a:lvl3pPr>
-              <a:defRPr sz="5280"/>
-            </a:lvl3pPr>
-            <a:lvl4pPr>
-              <a:defRPr sz="4400"/>
-            </a:lvl4pPr>
-            <a:lvl5pPr>
-              <a:defRPr sz="4400"/>
-            </a:lvl5pPr>
-            <a:lvl6pPr>
-              <a:defRPr sz="4400"/>
-            </a:lvl6pPr>
-            <a:lvl7pPr>
-              <a:defRPr sz="4400"/>
-            </a:lvl7pPr>
-            <a:lvl8pPr>
-              <a:defRPr sz="4400"/>
-            </a:lvl8pPr>
-            <a:lvl9pPr>
-              <a:defRPr sz="4400"/>
-            </a:lvl9pPr>
-          </a:lstStyle>
-          <a:p>
-            <a:pPr lvl="0"/>
-            <a:r>
-              <a:rPr lang="en-US" smtClean="0"/>
-              <a:t>Edit Master text styles</a:t>
-            </a:r>
-          </a:p>
-          <a:p>
-            <a:pPr lvl="1"/>
-            <a:r>
-              <a:rPr lang="en-US" smtClean="0"/>
-              <a:t>Second level</a:t>
-            </a:r>
-          </a:p>
-          <a:p>
-            <a:pPr lvl="2"/>
-            <a:r>
-              <a:rPr lang="en-US" smtClean="0"/>
-              <a:t>Third level</a:t>
-            </a:r>
-          </a:p>
-          <a:p>
-            <a:pPr lvl="3"/>
-            <a:r>
-              <a:rPr lang="en-US" smtClean="0"/>
-              <a:t>Fourth level</a:t>
-            </a:r>
-          </a:p>
-          <a:p>
-            <a:pPr lvl="4"/>
-            <a:r>
-              <a:rPr lang="en-US" smtClean="0"/>
-              <a:t>Fifth level</a:t>
-            </a:r>
-            <a:endParaRPr lang="en-US" dirty="0"/>
-          </a:p>
-        </p:txBody>
-      </p:sp>
-      <p:sp>
-        <p:nvSpPr>
-          <p:cNvPr id="4" name="Text Placeholder 3"/>
-          <p:cNvSpPr>
-            <a:spLocks noGrp="1"/>
-          </p:cNvSpPr>
-          <p:nvPr>
-            <p:ph type="body" sz="half" idx="2"/>
-          </p:nvPr>
-        </p:nvSpPr>
-        <p:spPr>
-          <a:xfrm>
-            <a:off x="1385650" y="10698480"/>
-            <a:ext cx="6488192" cy="19820258"/>
-          </a:xfrm>
-        </p:spPr>
-        <p:txBody>
-          <a:bodyPr/>
-          <a:lstStyle>
-            <a:lvl1pPr marL="0" indent="0">
-              <a:buNone/>
-              <a:defRPr sz="3520"/>
-            </a:lvl1pPr>
-            <a:lvl2pPr marL="1005840" indent="0">
-              <a:buNone/>
-              <a:defRPr sz="3080"/>
-            </a:lvl2pPr>
-            <a:lvl3pPr marL="2011680" indent="0">
-              <a:buNone/>
-              <a:defRPr sz="2640"/>
-            </a:lvl3pPr>
-            <a:lvl4pPr marL="3017520" indent="0">
-              <a:buNone/>
-              <a:defRPr sz="2200"/>
-            </a:lvl4pPr>
-            <a:lvl5pPr marL="4023360" indent="0">
-              <a:buNone/>
-              <a:defRPr sz="2200"/>
-            </a:lvl5pPr>
-            <a:lvl6pPr marL="5029200" indent="0">
-              <a:buNone/>
-              <a:defRPr sz="2200"/>
-            </a:lvl6pPr>
-            <a:lvl7pPr marL="6035040" indent="0">
-              <a:buNone/>
-              <a:defRPr sz="2200"/>
-            </a:lvl7pPr>
-            <a:lvl8pPr marL="7040880" indent="0">
-              <a:buNone/>
-              <a:defRPr sz="2200"/>
-            </a:lvl8pPr>
-            <a:lvl9pPr marL="8046720" indent="0">
-              <a:buNone/>
-              <a:defRPr sz="2200"/>
-            </a:lvl9pPr>
-          </a:lstStyle>
-          <a:p>
-            <a:pPr lvl="0"/>
-            <a:r>
-              <a:rPr lang="en-US" smtClean="0"/>
-              <a:t>Edit Master text styles</a:t>
-            </a:r>
-          </a:p>
-        </p:txBody>
-      </p:sp>
-      <p:sp>
-        <p:nvSpPr>
-          <p:cNvPr id="5" name="Date Placeholder 4"/>
-          <p:cNvSpPr>
-            <a:spLocks noGrp="1"/>
-          </p:cNvSpPr>
-          <p:nvPr>
-            <p:ph type="dt" sz="half" idx="10"/>
-          </p:nvPr>
-        </p:nvSpPr>
-        <p:spPr/>
-        <p:txBody>
-          <a:bodyPr/>
-          <a:lstStyle/>
-          <a:p>
-            <a:fld id="{7BB20E53-AAD4-456D-A0C3-1907BEC133D3}" type="datetimeFigureOut">
-              <a:rPr lang="en-US" smtClean="0">
-                <a:solidFill>
-                  <a:prstClr val="black">
-                    <a:tint val="75000"/>
-                  </a:prstClr>
-                </a:solidFill>
-              </a:rPr>
-              <a:pPr/>
-              <a:t>11/7/2018</a:t>
-            </a:fld>
-            <a:endParaRPr lang="en-US">
-              <a:solidFill>
-                <a:prstClr val="black">
-                  <a:tint val="75000"/>
-                </a:prstClr>
-              </a:solidFill>
-            </a:endParaRPr>
-          </a:p>
-        </p:txBody>
-      </p:sp>
-      <p:sp>
-        <p:nvSpPr>
-          <p:cNvPr id="6" name="Footer Placeholder 5"/>
-          <p:cNvSpPr>
-            <a:spLocks noGrp="1"/>
-          </p:cNvSpPr>
-          <p:nvPr>
-            <p:ph type="ftr" sz="quarter" idx="11"/>
-          </p:nvPr>
-        </p:nvSpPr>
-        <p:spPr/>
-        <p:txBody>
-          <a:bodyPr/>
-          <a:lstStyle/>
-          <a:p>
-            <a:endParaRPr lang="en-US">
-              <a:solidFill>
-                <a:prstClr val="black">
-                  <a:tint val="75000"/>
-                </a:prstClr>
-              </a:solidFill>
-            </a:endParaRPr>
-          </a:p>
-        </p:txBody>
-      </p:sp>
-      <p:sp>
-        <p:nvSpPr>
-          <p:cNvPr id="7" name="Slide Number Placeholder 6"/>
-          <p:cNvSpPr>
-            <a:spLocks noGrp="1"/>
-          </p:cNvSpPr>
-          <p:nvPr>
-            <p:ph type="sldNum" sz="quarter" idx="12"/>
-          </p:nvPr>
-        </p:nvSpPr>
-        <p:spPr/>
-        <p:txBody>
-          <a:bodyPr/>
-          <a:lstStyle/>
-          <a:p>
-            <a:fld id="{D941EAD1-690F-4978-9687-A713EC160AF2}" type="slidenum">
-              <a:rPr lang="en-US" smtClean="0">
-                <a:solidFill>
-                  <a:prstClr val="black">
-                    <a:tint val="75000"/>
-                  </a:prstClr>
-                </a:solidFill>
-              </a:rPr>
-              <a:pPr/>
-              <a:t>‹#›</a:t>
-            </a:fld>
-            <a:endParaRPr lang="en-US">
-              <a:solidFill>
-                <a:prstClr val="black">
-                  <a:tint val="75000"/>
-                </a:prstClr>
-              </a:solidFill>
-            </a:endParaRPr>
-          </a:p>
-        </p:txBody>
-      </p:sp>
-    </p:spTree>
-    <p:extLst>
-      <p:ext uri="{BB962C8B-B14F-4D97-AF65-F5344CB8AC3E}">
-        <p14:creationId xmlns:p14="http://schemas.microsoft.com/office/powerpoint/2010/main" val="1565447742"/>
       </p:ext>
     </p:extLst>
   </p:cSld>
@@ -3032,7 +928,7 @@
                 </a:solidFill>
               </a:rPr>
               <a:pPr/>
-              <a:t>11/7/2018</a:t>
+              <a:t>11/13/2018</a:t>
             </a:fld>
             <a:endParaRPr lang="en-US">
               <a:solidFill>
@@ -3109,766 +1005,6 @@
     <p:extLst>
       <p:ext uri="{BB962C8B-B14F-4D97-AF65-F5344CB8AC3E}">
         <p14:creationId xmlns:p14="http://schemas.microsoft.com/office/powerpoint/2010/main" val="1243747086"/>
-      </p:ext>
-    </p:extLst>
-  </p:cSld>
-  <p:clrMapOvr>
-    <a:masterClrMapping/>
-  </p:clrMapOvr>
-  <mc:AlternateContent xmlns:mc="http://schemas.openxmlformats.org/markup-compatibility/2006" xmlns:p14="http://schemas.microsoft.com/office/powerpoint/2010/main">
-    <mc:Choice Requires="p14">
-      <p:transition spd="slow" p14:dur="1250">
-        <p14:flip dir="r"/>
-      </p:transition>
-    </mc:Choice>
-    <mc:Fallback xmlns="">
-      <p:transition spd="slow" advTm="7000">
-        <p:fade/>
-      </p:transition>
-    </mc:Fallback>
-  </mc:AlternateContent>
-  <p:timing>
-    <p:tnLst>
-      <p:par>
-        <p:cTn id="1" dur="indefinite" restart="never" nodeType="tmRoot"/>
-      </p:par>
-    </p:tnLst>
-  </p:timing>
-</p:sldLayout>
-</file>
-
-<file path=ppt/slideLayouts/slideLayout20.xml><?xml version="1.0" encoding="utf-8"?>
-<p:sldLayout xmlns:a="http://schemas.openxmlformats.org/drawingml/2006/main" xmlns:r="http://schemas.openxmlformats.org/officeDocument/2006/relationships" xmlns:p="http://schemas.openxmlformats.org/presentationml/2006/main" type="picTx" preserve="1">
-  <p:cSld name="Picture with Caption">
-    <p:spTree>
-      <p:nvGrpSpPr>
-        <p:cNvPr id="1" name=""/>
-        <p:cNvGrpSpPr/>
-        <p:nvPr/>
-      </p:nvGrpSpPr>
-      <p:grpSpPr>
-        <a:xfrm>
-          <a:off x="0" y="0"/>
-          <a:ext cx="0" cy="0"/>
-          <a:chOff x="0" y="0"/>
-          <a:chExt cx="0" cy="0"/>
-        </a:xfrm>
-      </p:grpSpPr>
-      <p:sp>
-        <p:nvSpPr>
-          <p:cNvPr id="2" name="Title 1"/>
-          <p:cNvSpPr>
-            <a:spLocks noGrp="1"/>
-          </p:cNvSpPr>
-          <p:nvPr>
-            <p:ph type="title"/>
-          </p:nvPr>
-        </p:nvSpPr>
-        <p:spPr>
-          <a:xfrm>
-            <a:off x="1385650" y="2377440"/>
-            <a:ext cx="6488192" cy="8321040"/>
-          </a:xfrm>
-        </p:spPr>
-        <p:txBody>
-          <a:bodyPr anchor="b"/>
-          <a:lstStyle>
-            <a:lvl1pPr>
-              <a:defRPr sz="7040"/>
-            </a:lvl1pPr>
-          </a:lstStyle>
-          <a:p>
-            <a:r>
-              <a:rPr lang="en-US" smtClean="0"/>
-              <a:t>Click to edit Master title style</a:t>
-            </a:r>
-            <a:endParaRPr lang="en-US" dirty="0"/>
-          </a:p>
-        </p:txBody>
-      </p:sp>
-      <p:sp>
-        <p:nvSpPr>
-          <p:cNvPr id="3" name="Picture Placeholder 2"/>
-          <p:cNvSpPr>
-            <a:spLocks noGrp="1" noChangeAspect="1"/>
-          </p:cNvSpPr>
-          <p:nvPr>
-            <p:ph type="pic" idx="1"/>
-          </p:nvPr>
-        </p:nvSpPr>
-        <p:spPr>
-          <a:xfrm>
-            <a:off x="8552260" y="5134618"/>
-            <a:ext cx="10184130" cy="25342850"/>
-          </a:xfrm>
-        </p:spPr>
-        <p:txBody>
-          <a:bodyPr anchor="t"/>
-          <a:lstStyle>
-            <a:lvl1pPr marL="0" indent="0">
-              <a:buNone/>
-              <a:defRPr sz="7040"/>
-            </a:lvl1pPr>
-            <a:lvl2pPr marL="1005840" indent="0">
-              <a:buNone/>
-              <a:defRPr sz="6160"/>
-            </a:lvl2pPr>
-            <a:lvl3pPr marL="2011680" indent="0">
-              <a:buNone/>
-              <a:defRPr sz="5280"/>
-            </a:lvl3pPr>
-            <a:lvl4pPr marL="3017520" indent="0">
-              <a:buNone/>
-              <a:defRPr sz="4400"/>
-            </a:lvl4pPr>
-            <a:lvl5pPr marL="4023360" indent="0">
-              <a:buNone/>
-              <a:defRPr sz="4400"/>
-            </a:lvl5pPr>
-            <a:lvl6pPr marL="5029200" indent="0">
-              <a:buNone/>
-              <a:defRPr sz="4400"/>
-            </a:lvl6pPr>
-            <a:lvl7pPr marL="6035040" indent="0">
-              <a:buNone/>
-              <a:defRPr sz="4400"/>
-            </a:lvl7pPr>
-            <a:lvl8pPr marL="7040880" indent="0">
-              <a:buNone/>
-              <a:defRPr sz="4400"/>
-            </a:lvl8pPr>
-            <a:lvl9pPr marL="8046720" indent="0">
-              <a:buNone/>
-              <a:defRPr sz="4400"/>
-            </a:lvl9pPr>
-          </a:lstStyle>
-          <a:p>
-            <a:r>
-              <a:rPr lang="en-US" smtClean="0"/>
-              <a:t>Click icon to add picture</a:t>
-            </a:r>
-            <a:endParaRPr lang="en-US" dirty="0"/>
-          </a:p>
-        </p:txBody>
-      </p:sp>
-      <p:sp>
-        <p:nvSpPr>
-          <p:cNvPr id="4" name="Text Placeholder 3"/>
-          <p:cNvSpPr>
-            <a:spLocks noGrp="1"/>
-          </p:cNvSpPr>
-          <p:nvPr>
-            <p:ph type="body" sz="half" idx="2"/>
-          </p:nvPr>
-        </p:nvSpPr>
-        <p:spPr>
-          <a:xfrm>
-            <a:off x="1385650" y="10698480"/>
-            <a:ext cx="6488192" cy="19820258"/>
-          </a:xfrm>
-        </p:spPr>
-        <p:txBody>
-          <a:bodyPr/>
-          <a:lstStyle>
-            <a:lvl1pPr marL="0" indent="0">
-              <a:buNone/>
-              <a:defRPr sz="3520"/>
-            </a:lvl1pPr>
-            <a:lvl2pPr marL="1005840" indent="0">
-              <a:buNone/>
-              <a:defRPr sz="3080"/>
-            </a:lvl2pPr>
-            <a:lvl3pPr marL="2011680" indent="0">
-              <a:buNone/>
-              <a:defRPr sz="2640"/>
-            </a:lvl3pPr>
-            <a:lvl4pPr marL="3017520" indent="0">
-              <a:buNone/>
-              <a:defRPr sz="2200"/>
-            </a:lvl4pPr>
-            <a:lvl5pPr marL="4023360" indent="0">
-              <a:buNone/>
-              <a:defRPr sz="2200"/>
-            </a:lvl5pPr>
-            <a:lvl6pPr marL="5029200" indent="0">
-              <a:buNone/>
-              <a:defRPr sz="2200"/>
-            </a:lvl6pPr>
-            <a:lvl7pPr marL="6035040" indent="0">
-              <a:buNone/>
-              <a:defRPr sz="2200"/>
-            </a:lvl7pPr>
-            <a:lvl8pPr marL="7040880" indent="0">
-              <a:buNone/>
-              <a:defRPr sz="2200"/>
-            </a:lvl8pPr>
-            <a:lvl9pPr marL="8046720" indent="0">
-              <a:buNone/>
-              <a:defRPr sz="2200"/>
-            </a:lvl9pPr>
-          </a:lstStyle>
-          <a:p>
-            <a:pPr lvl="0"/>
-            <a:r>
-              <a:rPr lang="en-US" smtClean="0"/>
-              <a:t>Edit Master text styles</a:t>
-            </a:r>
-          </a:p>
-        </p:txBody>
-      </p:sp>
-      <p:sp>
-        <p:nvSpPr>
-          <p:cNvPr id="5" name="Date Placeholder 4"/>
-          <p:cNvSpPr>
-            <a:spLocks noGrp="1"/>
-          </p:cNvSpPr>
-          <p:nvPr>
-            <p:ph type="dt" sz="half" idx="10"/>
-          </p:nvPr>
-        </p:nvSpPr>
-        <p:spPr/>
-        <p:txBody>
-          <a:bodyPr/>
-          <a:lstStyle/>
-          <a:p>
-            <a:fld id="{7BB20E53-AAD4-456D-A0C3-1907BEC133D3}" type="datetimeFigureOut">
-              <a:rPr lang="en-US" smtClean="0">
-                <a:solidFill>
-                  <a:prstClr val="black">
-                    <a:tint val="75000"/>
-                  </a:prstClr>
-                </a:solidFill>
-              </a:rPr>
-              <a:pPr/>
-              <a:t>11/7/2018</a:t>
-            </a:fld>
-            <a:endParaRPr lang="en-US">
-              <a:solidFill>
-                <a:prstClr val="black">
-                  <a:tint val="75000"/>
-                </a:prstClr>
-              </a:solidFill>
-            </a:endParaRPr>
-          </a:p>
-        </p:txBody>
-      </p:sp>
-      <p:sp>
-        <p:nvSpPr>
-          <p:cNvPr id="6" name="Footer Placeholder 5"/>
-          <p:cNvSpPr>
-            <a:spLocks noGrp="1"/>
-          </p:cNvSpPr>
-          <p:nvPr>
-            <p:ph type="ftr" sz="quarter" idx="11"/>
-          </p:nvPr>
-        </p:nvSpPr>
-        <p:spPr/>
-        <p:txBody>
-          <a:bodyPr/>
-          <a:lstStyle/>
-          <a:p>
-            <a:endParaRPr lang="en-US">
-              <a:solidFill>
-                <a:prstClr val="black">
-                  <a:tint val="75000"/>
-                </a:prstClr>
-              </a:solidFill>
-            </a:endParaRPr>
-          </a:p>
-        </p:txBody>
-      </p:sp>
-      <p:sp>
-        <p:nvSpPr>
-          <p:cNvPr id="7" name="Slide Number Placeholder 6"/>
-          <p:cNvSpPr>
-            <a:spLocks noGrp="1"/>
-          </p:cNvSpPr>
-          <p:nvPr>
-            <p:ph type="sldNum" sz="quarter" idx="12"/>
-          </p:nvPr>
-        </p:nvSpPr>
-        <p:spPr/>
-        <p:txBody>
-          <a:bodyPr/>
-          <a:lstStyle/>
-          <a:p>
-            <a:fld id="{D941EAD1-690F-4978-9687-A713EC160AF2}" type="slidenum">
-              <a:rPr lang="en-US" smtClean="0">
-                <a:solidFill>
-                  <a:prstClr val="black">
-                    <a:tint val="75000"/>
-                  </a:prstClr>
-                </a:solidFill>
-              </a:rPr>
-              <a:pPr/>
-              <a:t>‹#›</a:t>
-            </a:fld>
-            <a:endParaRPr lang="en-US">
-              <a:solidFill>
-                <a:prstClr val="black">
-                  <a:tint val="75000"/>
-                </a:prstClr>
-              </a:solidFill>
-            </a:endParaRPr>
-          </a:p>
-        </p:txBody>
-      </p:sp>
-    </p:spTree>
-    <p:extLst>
-      <p:ext uri="{BB962C8B-B14F-4D97-AF65-F5344CB8AC3E}">
-        <p14:creationId xmlns:p14="http://schemas.microsoft.com/office/powerpoint/2010/main" val="3407373736"/>
-      </p:ext>
-    </p:extLst>
-  </p:cSld>
-  <p:clrMapOvr>
-    <a:masterClrMapping/>
-  </p:clrMapOvr>
-  <mc:AlternateContent xmlns:mc="http://schemas.openxmlformats.org/markup-compatibility/2006" xmlns:p14="http://schemas.microsoft.com/office/powerpoint/2010/main">
-    <mc:Choice Requires="p14">
-      <p:transition spd="slow" p14:dur="1250">
-        <p14:flip dir="r"/>
-      </p:transition>
-    </mc:Choice>
-    <mc:Fallback xmlns="">
-      <p:transition spd="slow" advTm="7000">
-        <p:fade/>
-      </p:transition>
-    </mc:Fallback>
-  </mc:AlternateContent>
-  <p:timing>
-    <p:tnLst>
-      <p:par>
-        <p:cTn id="1" dur="indefinite" restart="never" nodeType="tmRoot"/>
-      </p:par>
-    </p:tnLst>
-  </p:timing>
-</p:sldLayout>
-</file>
-
-<file path=ppt/slideLayouts/slideLayout21.xml><?xml version="1.0" encoding="utf-8"?>
-<p:sldLayout xmlns:a="http://schemas.openxmlformats.org/drawingml/2006/main" xmlns:r="http://schemas.openxmlformats.org/officeDocument/2006/relationships" xmlns:p="http://schemas.openxmlformats.org/presentationml/2006/main" type="vertTx" preserve="1">
-  <p:cSld name="Title and Vertical Text">
-    <p:spTree>
-      <p:nvGrpSpPr>
-        <p:cNvPr id="1" name=""/>
-        <p:cNvGrpSpPr/>
-        <p:nvPr/>
-      </p:nvGrpSpPr>
-      <p:grpSpPr>
-        <a:xfrm>
-          <a:off x="0" y="0"/>
-          <a:ext cx="0" cy="0"/>
-          <a:chOff x="0" y="0"/>
-          <a:chExt cx="0" cy="0"/>
-        </a:xfrm>
-      </p:grpSpPr>
-      <p:sp>
-        <p:nvSpPr>
-          <p:cNvPr id="2" name="Title 1"/>
-          <p:cNvSpPr>
-            <a:spLocks noGrp="1"/>
-          </p:cNvSpPr>
-          <p:nvPr>
-            <p:ph type="title"/>
-          </p:nvPr>
-        </p:nvSpPr>
-        <p:spPr/>
-        <p:txBody>
-          <a:bodyPr/>
-          <a:lstStyle/>
-          <a:p>
-            <a:r>
-              <a:rPr lang="en-US" smtClean="0"/>
-              <a:t>Click to edit Master title style</a:t>
-            </a:r>
-            <a:endParaRPr lang="en-US" dirty="0"/>
-          </a:p>
-        </p:txBody>
-      </p:sp>
-      <p:sp>
-        <p:nvSpPr>
-          <p:cNvPr id="3" name="Vertical Text Placeholder 2"/>
-          <p:cNvSpPr>
-            <a:spLocks noGrp="1"/>
-          </p:cNvSpPr>
-          <p:nvPr>
-            <p:ph type="body" orient="vert" idx="1"/>
-          </p:nvPr>
-        </p:nvSpPr>
-        <p:spPr/>
-        <p:txBody>
-          <a:bodyPr vert="eaVert"/>
-          <a:lstStyle/>
-          <a:p>
-            <a:pPr lvl="0"/>
-            <a:r>
-              <a:rPr lang="en-US" smtClean="0"/>
-              <a:t>Edit Master text styles</a:t>
-            </a:r>
-          </a:p>
-          <a:p>
-            <a:pPr lvl="1"/>
-            <a:r>
-              <a:rPr lang="en-US" smtClean="0"/>
-              <a:t>Second level</a:t>
-            </a:r>
-          </a:p>
-          <a:p>
-            <a:pPr lvl="2"/>
-            <a:r>
-              <a:rPr lang="en-US" smtClean="0"/>
-              <a:t>Third level</a:t>
-            </a:r>
-          </a:p>
-          <a:p>
-            <a:pPr lvl="3"/>
-            <a:r>
-              <a:rPr lang="en-US" smtClean="0"/>
-              <a:t>Fourth level</a:t>
-            </a:r>
-          </a:p>
-          <a:p>
-            <a:pPr lvl="4"/>
-            <a:r>
-              <a:rPr lang="en-US" smtClean="0"/>
-              <a:t>Fifth level</a:t>
-            </a:r>
-            <a:endParaRPr lang="en-US" dirty="0"/>
-          </a:p>
-        </p:txBody>
-      </p:sp>
-      <p:sp>
-        <p:nvSpPr>
-          <p:cNvPr id="4" name="Date Placeholder 3"/>
-          <p:cNvSpPr>
-            <a:spLocks noGrp="1"/>
-          </p:cNvSpPr>
-          <p:nvPr>
-            <p:ph type="dt" sz="half" idx="10"/>
-          </p:nvPr>
-        </p:nvSpPr>
-        <p:spPr/>
-        <p:txBody>
-          <a:bodyPr/>
-          <a:lstStyle/>
-          <a:p>
-            <a:fld id="{7BB20E53-AAD4-456D-A0C3-1907BEC133D3}" type="datetimeFigureOut">
-              <a:rPr lang="en-US" smtClean="0">
-                <a:solidFill>
-                  <a:prstClr val="black">
-                    <a:tint val="75000"/>
-                  </a:prstClr>
-                </a:solidFill>
-              </a:rPr>
-              <a:pPr/>
-              <a:t>11/7/2018</a:t>
-            </a:fld>
-            <a:endParaRPr lang="en-US">
-              <a:solidFill>
-                <a:prstClr val="black">
-                  <a:tint val="75000"/>
-                </a:prstClr>
-              </a:solidFill>
-            </a:endParaRPr>
-          </a:p>
-        </p:txBody>
-      </p:sp>
-      <p:sp>
-        <p:nvSpPr>
-          <p:cNvPr id="5" name="Footer Placeholder 4"/>
-          <p:cNvSpPr>
-            <a:spLocks noGrp="1"/>
-          </p:cNvSpPr>
-          <p:nvPr>
-            <p:ph type="ftr" sz="quarter" idx="11"/>
-          </p:nvPr>
-        </p:nvSpPr>
-        <p:spPr/>
-        <p:txBody>
-          <a:bodyPr/>
-          <a:lstStyle/>
-          <a:p>
-            <a:endParaRPr lang="en-US">
-              <a:solidFill>
-                <a:prstClr val="black">
-                  <a:tint val="75000"/>
-                </a:prstClr>
-              </a:solidFill>
-            </a:endParaRPr>
-          </a:p>
-        </p:txBody>
-      </p:sp>
-      <p:sp>
-        <p:nvSpPr>
-          <p:cNvPr id="6" name="Slide Number Placeholder 5"/>
-          <p:cNvSpPr>
-            <a:spLocks noGrp="1"/>
-          </p:cNvSpPr>
-          <p:nvPr>
-            <p:ph type="sldNum" sz="quarter" idx="12"/>
-          </p:nvPr>
-        </p:nvSpPr>
-        <p:spPr/>
-        <p:txBody>
-          <a:bodyPr/>
-          <a:lstStyle/>
-          <a:p>
-            <a:fld id="{D941EAD1-690F-4978-9687-A713EC160AF2}" type="slidenum">
-              <a:rPr lang="en-US" smtClean="0">
-                <a:solidFill>
-                  <a:prstClr val="black">
-                    <a:tint val="75000"/>
-                  </a:prstClr>
-                </a:solidFill>
-              </a:rPr>
-              <a:pPr/>
-              <a:t>‹#›</a:t>
-            </a:fld>
-            <a:endParaRPr lang="en-US">
-              <a:solidFill>
-                <a:prstClr val="black">
-                  <a:tint val="75000"/>
-                </a:prstClr>
-              </a:solidFill>
-            </a:endParaRPr>
-          </a:p>
-        </p:txBody>
-      </p:sp>
-    </p:spTree>
-    <p:extLst>
-      <p:ext uri="{BB962C8B-B14F-4D97-AF65-F5344CB8AC3E}">
-        <p14:creationId xmlns:p14="http://schemas.microsoft.com/office/powerpoint/2010/main" val="868807606"/>
-      </p:ext>
-    </p:extLst>
-  </p:cSld>
-  <p:clrMapOvr>
-    <a:masterClrMapping/>
-  </p:clrMapOvr>
-  <mc:AlternateContent xmlns:mc="http://schemas.openxmlformats.org/markup-compatibility/2006" xmlns:p14="http://schemas.microsoft.com/office/powerpoint/2010/main">
-    <mc:Choice Requires="p14">
-      <p:transition spd="slow" p14:dur="1250">
-        <p14:flip dir="r"/>
-      </p:transition>
-    </mc:Choice>
-    <mc:Fallback xmlns="">
-      <p:transition spd="slow" advTm="7000">
-        <p:fade/>
-      </p:transition>
-    </mc:Fallback>
-  </mc:AlternateContent>
-  <p:timing>
-    <p:tnLst>
-      <p:par>
-        <p:cTn id="1" dur="indefinite" restart="never" nodeType="tmRoot"/>
-      </p:par>
-    </p:tnLst>
-  </p:timing>
-</p:sldLayout>
-</file>
-
-<file path=ppt/slideLayouts/slideLayout22.xml><?xml version="1.0" encoding="utf-8"?>
-<p:sldLayout xmlns:a="http://schemas.openxmlformats.org/drawingml/2006/main" xmlns:r="http://schemas.openxmlformats.org/officeDocument/2006/relationships" xmlns:p="http://schemas.openxmlformats.org/presentationml/2006/main" type="vertTitleAndTx" preserve="1">
-  <p:cSld name="Vertical Title and Text">
-    <p:spTree>
-      <p:nvGrpSpPr>
-        <p:cNvPr id="1" name=""/>
-        <p:cNvGrpSpPr/>
-        <p:nvPr/>
-      </p:nvGrpSpPr>
-      <p:grpSpPr>
-        <a:xfrm>
-          <a:off x="0" y="0"/>
-          <a:ext cx="0" cy="0"/>
-          <a:chOff x="0" y="0"/>
-          <a:chExt cx="0" cy="0"/>
-        </a:xfrm>
-      </p:grpSpPr>
-      <p:sp>
-        <p:nvSpPr>
-          <p:cNvPr id="2" name="Vertical Title 1"/>
-          <p:cNvSpPr>
-            <a:spLocks noGrp="1"/>
-          </p:cNvSpPr>
-          <p:nvPr>
-            <p:ph type="title" orient="vert"/>
-          </p:nvPr>
-        </p:nvSpPr>
-        <p:spPr>
-          <a:xfrm>
-            <a:off x="14396086" y="1898650"/>
-            <a:ext cx="4337685" cy="30221558"/>
-          </a:xfrm>
-        </p:spPr>
-        <p:txBody>
-          <a:bodyPr vert="eaVert"/>
-          <a:lstStyle/>
-          <a:p>
-            <a:r>
-              <a:rPr lang="en-US" smtClean="0"/>
-              <a:t>Click to edit Master title style</a:t>
-            </a:r>
-            <a:endParaRPr lang="en-US" dirty="0"/>
-          </a:p>
-        </p:txBody>
-      </p:sp>
-      <p:sp>
-        <p:nvSpPr>
-          <p:cNvPr id="3" name="Vertical Text Placeholder 2"/>
-          <p:cNvSpPr>
-            <a:spLocks noGrp="1"/>
-          </p:cNvSpPr>
-          <p:nvPr>
-            <p:ph type="body" orient="vert" idx="1"/>
-          </p:nvPr>
-        </p:nvSpPr>
-        <p:spPr>
-          <a:xfrm>
-            <a:off x="1383031" y="1898650"/>
-            <a:ext cx="12761595" cy="30221558"/>
-          </a:xfrm>
-        </p:spPr>
-        <p:txBody>
-          <a:bodyPr vert="eaVert"/>
-          <a:lstStyle/>
-          <a:p>
-            <a:pPr lvl="0"/>
-            <a:r>
-              <a:rPr lang="en-US" smtClean="0"/>
-              <a:t>Edit Master text styles</a:t>
-            </a:r>
-          </a:p>
-          <a:p>
-            <a:pPr lvl="1"/>
-            <a:r>
-              <a:rPr lang="en-US" smtClean="0"/>
-              <a:t>Second level</a:t>
-            </a:r>
-          </a:p>
-          <a:p>
-            <a:pPr lvl="2"/>
-            <a:r>
-              <a:rPr lang="en-US" smtClean="0"/>
-              <a:t>Third level</a:t>
-            </a:r>
-          </a:p>
-          <a:p>
-            <a:pPr lvl="3"/>
-            <a:r>
-              <a:rPr lang="en-US" smtClean="0"/>
-              <a:t>Fourth level</a:t>
-            </a:r>
-          </a:p>
-          <a:p>
-            <a:pPr lvl="4"/>
-            <a:r>
-              <a:rPr lang="en-US" smtClean="0"/>
-              <a:t>Fifth level</a:t>
-            </a:r>
-            <a:endParaRPr lang="en-US" dirty="0"/>
-          </a:p>
-        </p:txBody>
-      </p:sp>
-      <p:sp>
-        <p:nvSpPr>
-          <p:cNvPr id="4" name="Date Placeholder 3"/>
-          <p:cNvSpPr>
-            <a:spLocks noGrp="1"/>
-          </p:cNvSpPr>
-          <p:nvPr>
-            <p:ph type="dt" sz="half" idx="10"/>
-          </p:nvPr>
-        </p:nvSpPr>
-        <p:spPr/>
-        <p:txBody>
-          <a:bodyPr/>
-          <a:lstStyle/>
-          <a:p>
-            <a:fld id="{7BB20E53-AAD4-456D-A0C3-1907BEC133D3}" type="datetimeFigureOut">
-              <a:rPr lang="en-US" smtClean="0">
-                <a:solidFill>
-                  <a:prstClr val="black">
-                    <a:tint val="75000"/>
-                  </a:prstClr>
-                </a:solidFill>
-              </a:rPr>
-              <a:pPr/>
-              <a:t>11/7/2018</a:t>
-            </a:fld>
-            <a:endParaRPr lang="en-US">
-              <a:solidFill>
-                <a:prstClr val="black">
-                  <a:tint val="75000"/>
-                </a:prstClr>
-              </a:solidFill>
-            </a:endParaRPr>
-          </a:p>
-        </p:txBody>
-      </p:sp>
-      <p:sp>
-        <p:nvSpPr>
-          <p:cNvPr id="5" name="Footer Placeholder 4"/>
-          <p:cNvSpPr>
-            <a:spLocks noGrp="1"/>
-          </p:cNvSpPr>
-          <p:nvPr>
-            <p:ph type="ftr" sz="quarter" idx="11"/>
-          </p:nvPr>
-        </p:nvSpPr>
-        <p:spPr/>
-        <p:txBody>
-          <a:bodyPr/>
-          <a:lstStyle/>
-          <a:p>
-            <a:endParaRPr lang="en-US">
-              <a:solidFill>
-                <a:prstClr val="black">
-                  <a:tint val="75000"/>
-                </a:prstClr>
-              </a:solidFill>
-            </a:endParaRPr>
-          </a:p>
-        </p:txBody>
-      </p:sp>
-      <p:sp>
-        <p:nvSpPr>
-          <p:cNvPr id="6" name="Slide Number Placeholder 5"/>
-          <p:cNvSpPr>
-            <a:spLocks noGrp="1"/>
-          </p:cNvSpPr>
-          <p:nvPr>
-            <p:ph type="sldNum" sz="quarter" idx="12"/>
-          </p:nvPr>
-        </p:nvSpPr>
-        <p:spPr/>
-        <p:txBody>
-          <a:bodyPr/>
-          <a:lstStyle/>
-          <a:p>
-            <a:fld id="{D941EAD1-690F-4978-9687-A713EC160AF2}" type="slidenum">
-              <a:rPr lang="en-US" smtClean="0">
-                <a:solidFill>
-                  <a:prstClr val="black">
-                    <a:tint val="75000"/>
-                  </a:prstClr>
-                </a:solidFill>
-              </a:rPr>
-              <a:pPr/>
-              <a:t>‹#›</a:t>
-            </a:fld>
-            <a:endParaRPr lang="en-US">
-              <a:solidFill>
-                <a:prstClr val="black">
-                  <a:tint val="75000"/>
-                </a:prstClr>
-              </a:solidFill>
-            </a:endParaRPr>
-          </a:p>
-        </p:txBody>
-      </p:sp>
-    </p:spTree>
-    <p:extLst>
-      <p:ext uri="{BB962C8B-B14F-4D97-AF65-F5344CB8AC3E}">
-        <p14:creationId xmlns:p14="http://schemas.microsoft.com/office/powerpoint/2010/main" val="4033047099"/>
       </p:ext>
     </p:extLst>
   </p:cSld>
@@ -4087,7 +1223,7 @@
                 </a:solidFill>
               </a:rPr>
               <a:pPr/>
-              <a:t>11/7/2018</a:t>
+              <a:t>11/13/2018</a:t>
             </a:fld>
             <a:endParaRPr lang="en-US">
               <a:solidFill>
@@ -4370,7 +1506,7 @@
                 </a:solidFill>
               </a:rPr>
               <a:pPr/>
-              <a:t>11/7/2018</a:t>
+              <a:t>11/13/2018</a:t>
             </a:fld>
             <a:endParaRPr lang="en-US">
               <a:solidFill>
@@ -4788,7 +1924,7 @@
                 </a:solidFill>
               </a:rPr>
               <a:pPr/>
-              <a:t>11/7/2018</a:t>
+              <a:t>11/13/2018</a:t>
             </a:fld>
             <a:endParaRPr lang="en-US">
               <a:solidFill>
@@ -4957,7 +2093,7 @@
                 </a:solidFill>
               </a:rPr>
               <a:pPr/>
-              <a:t>11/7/2018</a:t>
+              <a:t>11/13/2018</a:t>
             </a:fld>
             <a:endParaRPr lang="en-US">
               <a:solidFill>
@@ -5103,7 +2239,7 @@
                 </a:solidFill>
               </a:rPr>
               <a:pPr/>
-              <a:t>11/7/2018</a:t>
+              <a:t>11/13/2018</a:t>
             </a:fld>
             <a:endParaRPr lang="en-US">
               <a:solidFill>
@@ -5431,7 +2567,7 @@
                 </a:solidFill>
               </a:rPr>
               <a:pPr/>
-              <a:t>11/7/2018</a:t>
+              <a:t>11/13/2018</a:t>
             </a:fld>
             <a:endParaRPr lang="en-US">
               <a:solidFill>
@@ -5739,7 +2875,7 @@
                 </a:solidFill>
               </a:rPr>
               <a:pPr/>
-              <a:t>11/7/2018</a:t>
+              <a:t>11/13/2018</a:t>
             </a:fld>
             <a:endParaRPr lang="en-US">
               <a:solidFill>
@@ -6003,7 +3139,7 @@
                 </a:solidFill>
               </a:rPr>
               <a:pPr/>
-              <a:t>11/7/2018</a:t>
+              <a:t>11/13/2018</a:t>
             </a:fld>
             <a:endParaRPr lang="en-US">
               <a:solidFill>
@@ -6435,605 +3571,15 @@
 </p:sldMaster>
 </file>
 
-<file path=ppt/slideMasters/slideMaster2.xml><?xml version="1.0" encoding="utf-8"?>
-<p:sldMaster xmlns:a="http://schemas.openxmlformats.org/drawingml/2006/main" xmlns:r="http://schemas.openxmlformats.org/officeDocument/2006/relationships" xmlns:p="http://schemas.openxmlformats.org/presentationml/2006/main">
-  <p:cSld>
-    <p:bg>
-      <p:bgRef idx="1001">
-        <a:schemeClr val="bg1"/>
-      </p:bgRef>
-    </p:bg>
-    <p:spTree>
-      <p:nvGrpSpPr>
-        <p:cNvPr id="1" name=""/>
-        <p:cNvGrpSpPr/>
-        <p:nvPr/>
-      </p:nvGrpSpPr>
-      <p:grpSpPr>
-        <a:xfrm>
-          <a:off x="0" y="0"/>
-          <a:ext cx="0" cy="0"/>
-          <a:chOff x="0" y="0"/>
-          <a:chExt cx="0" cy="0"/>
-        </a:xfrm>
-      </p:grpSpPr>
-      <p:sp>
-        <p:nvSpPr>
-          <p:cNvPr id="2" name="Title Placeholder 1"/>
-          <p:cNvSpPr>
-            <a:spLocks noGrp="1"/>
-          </p:cNvSpPr>
-          <p:nvPr>
-            <p:ph type="title"/>
-          </p:nvPr>
-        </p:nvSpPr>
-        <p:spPr>
-          <a:xfrm>
-            <a:off x="1383030" y="1898658"/>
-            <a:ext cx="17350740" cy="6892928"/>
-          </a:xfrm>
-          <a:prstGeom prst="rect">
-            <a:avLst/>
-          </a:prstGeom>
-        </p:spPr>
-        <p:txBody>
-          <a:bodyPr vert="horz" lIns="91440" tIns="45720" rIns="91440" bIns="45720" rtlCol="0" anchor="ctr">
-            <a:normAutofit/>
-          </a:bodyPr>
-          <a:lstStyle/>
-          <a:p>
-            <a:r>
-              <a:rPr lang="en-US" smtClean="0"/>
-              <a:t>Click to edit Master title style</a:t>
-            </a:r>
-            <a:endParaRPr lang="en-US" dirty="0"/>
-          </a:p>
-        </p:txBody>
-      </p:sp>
-      <p:sp>
-        <p:nvSpPr>
-          <p:cNvPr id="3" name="Text Placeholder 2"/>
-          <p:cNvSpPr>
-            <a:spLocks noGrp="1"/>
-          </p:cNvSpPr>
-          <p:nvPr>
-            <p:ph type="body" idx="1"/>
-          </p:nvPr>
-        </p:nvSpPr>
-        <p:spPr>
-          <a:xfrm>
-            <a:off x="1383030" y="9493250"/>
-            <a:ext cx="17350740" cy="22626958"/>
-          </a:xfrm>
-          <a:prstGeom prst="rect">
-            <a:avLst/>
-          </a:prstGeom>
-        </p:spPr>
-        <p:txBody>
-          <a:bodyPr vert="horz" lIns="91440" tIns="45720" rIns="91440" bIns="45720" rtlCol="0">
-            <a:normAutofit/>
-          </a:bodyPr>
-          <a:lstStyle/>
-          <a:p>
-            <a:pPr lvl="0"/>
-            <a:r>
-              <a:rPr lang="en-US" smtClean="0"/>
-              <a:t>Edit Master text styles</a:t>
-            </a:r>
-          </a:p>
-          <a:p>
-            <a:pPr lvl="1"/>
-            <a:r>
-              <a:rPr lang="en-US" smtClean="0"/>
-              <a:t>Second level</a:t>
-            </a:r>
-          </a:p>
-          <a:p>
-            <a:pPr lvl="2"/>
-            <a:r>
-              <a:rPr lang="en-US" smtClean="0"/>
-              <a:t>Third level</a:t>
-            </a:r>
-          </a:p>
-          <a:p>
-            <a:pPr lvl="3"/>
-            <a:r>
-              <a:rPr lang="en-US" smtClean="0"/>
-              <a:t>Fourth level</a:t>
-            </a:r>
-          </a:p>
-          <a:p>
-            <a:pPr lvl="4"/>
-            <a:r>
-              <a:rPr lang="en-US" smtClean="0"/>
-              <a:t>Fifth level</a:t>
-            </a:r>
-            <a:endParaRPr lang="en-US" dirty="0"/>
-          </a:p>
-        </p:txBody>
-      </p:sp>
-      <p:sp>
-        <p:nvSpPr>
-          <p:cNvPr id="4" name="Date Placeholder 3"/>
-          <p:cNvSpPr>
-            <a:spLocks noGrp="1"/>
-          </p:cNvSpPr>
-          <p:nvPr>
-            <p:ph type="dt" sz="half" idx="2"/>
-          </p:nvPr>
-        </p:nvSpPr>
-        <p:spPr>
-          <a:xfrm>
-            <a:off x="1383030" y="33053028"/>
-            <a:ext cx="4526280" cy="1898650"/>
-          </a:xfrm>
-          <a:prstGeom prst="rect">
-            <a:avLst/>
-          </a:prstGeom>
-        </p:spPr>
-        <p:txBody>
-          <a:bodyPr vert="horz" lIns="91440" tIns="45720" rIns="91440" bIns="45720" rtlCol="0" anchor="ctr"/>
-          <a:lstStyle>
-            <a:lvl1pPr algn="l">
-              <a:defRPr sz="2640">
-                <a:solidFill>
-                  <a:schemeClr val="tx1">
-                    <a:tint val="75000"/>
-                  </a:schemeClr>
-                </a:solidFill>
-              </a:defRPr>
-            </a:lvl1pPr>
-          </a:lstStyle>
-          <a:p>
-            <a:fld id="{7BB20E53-AAD4-456D-A0C3-1907BEC133D3}" type="datetimeFigureOut">
-              <a:rPr lang="en-US" smtClean="0">
-                <a:solidFill>
-                  <a:prstClr val="black">
-                    <a:tint val="75000"/>
-                  </a:prstClr>
-                </a:solidFill>
-              </a:rPr>
-              <a:pPr/>
-              <a:t>11/7/2018</a:t>
-            </a:fld>
-            <a:endParaRPr lang="en-US">
-              <a:solidFill>
-                <a:prstClr val="black">
-                  <a:tint val="75000"/>
-                </a:prstClr>
-              </a:solidFill>
-            </a:endParaRPr>
-          </a:p>
-        </p:txBody>
-      </p:sp>
-      <p:sp>
-        <p:nvSpPr>
-          <p:cNvPr id="5" name="Footer Placeholder 4"/>
-          <p:cNvSpPr>
-            <a:spLocks noGrp="1"/>
-          </p:cNvSpPr>
-          <p:nvPr>
-            <p:ph type="ftr" sz="quarter" idx="3"/>
-          </p:nvPr>
-        </p:nvSpPr>
-        <p:spPr>
-          <a:xfrm>
-            <a:off x="6663690" y="33053028"/>
-            <a:ext cx="6789420" cy="1898650"/>
-          </a:xfrm>
-          <a:prstGeom prst="rect">
-            <a:avLst/>
-          </a:prstGeom>
-        </p:spPr>
-        <p:txBody>
-          <a:bodyPr vert="horz" lIns="91440" tIns="45720" rIns="91440" bIns="45720" rtlCol="0" anchor="ctr"/>
-          <a:lstStyle>
-            <a:lvl1pPr algn="ctr">
-              <a:defRPr sz="2640">
-                <a:solidFill>
-                  <a:schemeClr val="tx1">
-                    <a:tint val="75000"/>
-                  </a:schemeClr>
-                </a:solidFill>
-              </a:defRPr>
-            </a:lvl1pPr>
-          </a:lstStyle>
-          <a:p>
-            <a:endParaRPr lang="en-US">
-              <a:solidFill>
-                <a:prstClr val="black">
-                  <a:tint val="75000"/>
-                </a:prstClr>
-              </a:solidFill>
-            </a:endParaRPr>
-          </a:p>
-        </p:txBody>
-      </p:sp>
-      <p:sp>
-        <p:nvSpPr>
-          <p:cNvPr id="6" name="Slide Number Placeholder 5"/>
-          <p:cNvSpPr>
-            <a:spLocks noGrp="1"/>
-          </p:cNvSpPr>
-          <p:nvPr>
-            <p:ph type="sldNum" sz="quarter" idx="4"/>
-          </p:nvPr>
-        </p:nvSpPr>
-        <p:spPr>
-          <a:xfrm>
-            <a:off x="14207490" y="33053028"/>
-            <a:ext cx="4526280" cy="1898650"/>
-          </a:xfrm>
-          <a:prstGeom prst="rect">
-            <a:avLst/>
-          </a:prstGeom>
-        </p:spPr>
-        <p:txBody>
-          <a:bodyPr vert="horz" lIns="91440" tIns="45720" rIns="91440" bIns="45720" rtlCol="0" anchor="ctr"/>
-          <a:lstStyle>
-            <a:lvl1pPr algn="r">
-              <a:defRPr sz="2640">
-                <a:solidFill>
-                  <a:schemeClr val="tx1">
-                    <a:tint val="75000"/>
-                  </a:schemeClr>
-                </a:solidFill>
-              </a:defRPr>
-            </a:lvl1pPr>
-          </a:lstStyle>
-          <a:p>
-            <a:fld id="{D941EAD1-690F-4978-9687-A713EC160AF2}" type="slidenum">
-              <a:rPr lang="en-US" smtClean="0">
-                <a:solidFill>
-                  <a:prstClr val="black">
-                    <a:tint val="75000"/>
-                  </a:prstClr>
-                </a:solidFill>
-              </a:rPr>
-              <a:pPr/>
-              <a:t>‹#›</a:t>
-            </a:fld>
-            <a:endParaRPr lang="en-US">
-              <a:solidFill>
-                <a:prstClr val="black">
-                  <a:tint val="75000"/>
-                </a:prstClr>
-              </a:solidFill>
-            </a:endParaRPr>
-          </a:p>
-        </p:txBody>
-      </p:sp>
-    </p:spTree>
-    <p:extLst>
-      <p:ext uri="{BB962C8B-B14F-4D97-AF65-F5344CB8AC3E}">
-        <p14:creationId xmlns:p14="http://schemas.microsoft.com/office/powerpoint/2010/main" val="3105217825"/>
-      </p:ext>
-    </p:extLst>
-  </p:cSld>
-  <p:clrMap bg1="lt1" tx1="dk1" bg2="lt2" tx2="dk2" accent1="accent1" accent2="accent2" accent3="accent3" accent4="accent4" accent5="accent5" accent6="accent6" hlink="hlink" folHlink="folHlink"/>
-  <p:sldLayoutIdLst>
-    <p:sldLayoutId id="2147483793" r:id="rId1"/>
-    <p:sldLayoutId id="2147483794" r:id="rId2"/>
-    <p:sldLayoutId id="2147483795" r:id="rId3"/>
-    <p:sldLayoutId id="2147483796" r:id="rId4"/>
-    <p:sldLayoutId id="2147483797" r:id="rId5"/>
-    <p:sldLayoutId id="2147483798" r:id="rId6"/>
-    <p:sldLayoutId id="2147483799" r:id="rId7"/>
-    <p:sldLayoutId id="2147483800" r:id="rId8"/>
-    <p:sldLayoutId id="2147483801" r:id="rId9"/>
-    <p:sldLayoutId id="2147483802" r:id="rId10"/>
-    <p:sldLayoutId id="2147483803" r:id="rId11"/>
-  </p:sldLayoutIdLst>
-  <mc:AlternateContent xmlns:mc="http://schemas.openxmlformats.org/markup-compatibility/2006" xmlns:p14="http://schemas.microsoft.com/office/powerpoint/2010/main">
-    <mc:Choice Requires="p14">
-      <p:transition spd="slow" p14:dur="1250">
-        <p14:flip dir="r"/>
-      </p:transition>
-    </mc:Choice>
-    <mc:Fallback xmlns="">
-      <p:transition spd="slow" advTm="7000">
-        <p:fade/>
-      </p:transition>
-    </mc:Fallback>
-  </mc:AlternateContent>
-  <p:timing>
-    <p:tnLst>
-      <p:par>
-        <p:cTn id="1" dur="indefinite" restart="never" nodeType="tmRoot"/>
-      </p:par>
-    </p:tnLst>
-  </p:timing>
-  <p:txStyles>
-    <p:titleStyle>
-      <a:lvl1pPr algn="l" defTabSz="2011680" rtl="0" eaLnBrk="1" latinLnBrk="0" hangingPunct="1">
-        <a:lnSpc>
-          <a:spcPct val="90000"/>
-        </a:lnSpc>
-        <a:spcBef>
-          <a:spcPct val="0"/>
-        </a:spcBef>
-        <a:buNone/>
-        <a:defRPr sz="9680" kern="1200">
-          <a:solidFill>
-            <a:schemeClr val="tx1"/>
-          </a:solidFill>
-          <a:latin typeface="+mj-lt"/>
-          <a:ea typeface="+mj-ea"/>
-          <a:cs typeface="+mj-cs"/>
-        </a:defRPr>
-      </a:lvl1pPr>
-    </p:titleStyle>
-    <p:bodyStyle>
-      <a:lvl1pPr marL="502920" indent="-502920" algn="l" defTabSz="2011680" rtl="0" eaLnBrk="1" latinLnBrk="0" hangingPunct="1">
-        <a:lnSpc>
-          <a:spcPct val="90000"/>
-        </a:lnSpc>
-        <a:spcBef>
-          <a:spcPts val="2200"/>
-        </a:spcBef>
-        <a:buFont typeface="Arial" panose="020B0604020202020204" pitchFamily="34" charset="0"/>
-        <a:buChar char="•"/>
-        <a:defRPr sz="6160" kern="1200">
-          <a:solidFill>
-            <a:schemeClr val="tx1"/>
-          </a:solidFill>
-          <a:latin typeface="+mn-lt"/>
-          <a:ea typeface="+mn-ea"/>
-          <a:cs typeface="+mn-cs"/>
-        </a:defRPr>
-      </a:lvl1pPr>
-      <a:lvl2pPr marL="1508760" indent="-502920" algn="l" defTabSz="2011680" rtl="0" eaLnBrk="1" latinLnBrk="0" hangingPunct="1">
-        <a:lnSpc>
-          <a:spcPct val="90000"/>
-        </a:lnSpc>
-        <a:spcBef>
-          <a:spcPts val="1100"/>
-        </a:spcBef>
-        <a:buFont typeface="Arial" panose="020B0604020202020204" pitchFamily="34" charset="0"/>
-        <a:buChar char="•"/>
-        <a:defRPr sz="5280" kern="1200">
-          <a:solidFill>
-            <a:schemeClr val="tx1"/>
-          </a:solidFill>
-          <a:latin typeface="+mn-lt"/>
-          <a:ea typeface="+mn-ea"/>
-          <a:cs typeface="+mn-cs"/>
-        </a:defRPr>
-      </a:lvl2pPr>
-      <a:lvl3pPr marL="2514600" indent="-502920" algn="l" defTabSz="2011680" rtl="0" eaLnBrk="1" latinLnBrk="0" hangingPunct="1">
-        <a:lnSpc>
-          <a:spcPct val="90000"/>
-        </a:lnSpc>
-        <a:spcBef>
-          <a:spcPts val="1100"/>
-        </a:spcBef>
-        <a:buFont typeface="Arial" panose="020B0604020202020204" pitchFamily="34" charset="0"/>
-        <a:buChar char="•"/>
-        <a:defRPr sz="4400" kern="1200">
-          <a:solidFill>
-            <a:schemeClr val="tx1"/>
-          </a:solidFill>
-          <a:latin typeface="+mn-lt"/>
-          <a:ea typeface="+mn-ea"/>
-          <a:cs typeface="+mn-cs"/>
-        </a:defRPr>
-      </a:lvl3pPr>
-      <a:lvl4pPr marL="3520440" indent="-502920" algn="l" defTabSz="2011680" rtl="0" eaLnBrk="1" latinLnBrk="0" hangingPunct="1">
-        <a:lnSpc>
-          <a:spcPct val="90000"/>
-        </a:lnSpc>
-        <a:spcBef>
-          <a:spcPts val="1100"/>
-        </a:spcBef>
-        <a:buFont typeface="Arial" panose="020B0604020202020204" pitchFamily="34" charset="0"/>
-        <a:buChar char="•"/>
-        <a:defRPr sz="3960" kern="1200">
-          <a:solidFill>
-            <a:schemeClr val="tx1"/>
-          </a:solidFill>
-          <a:latin typeface="+mn-lt"/>
-          <a:ea typeface="+mn-ea"/>
-          <a:cs typeface="+mn-cs"/>
-        </a:defRPr>
-      </a:lvl4pPr>
-      <a:lvl5pPr marL="4526280" indent="-502920" algn="l" defTabSz="2011680" rtl="0" eaLnBrk="1" latinLnBrk="0" hangingPunct="1">
-        <a:lnSpc>
-          <a:spcPct val="90000"/>
-        </a:lnSpc>
-        <a:spcBef>
-          <a:spcPts val="1100"/>
-        </a:spcBef>
-        <a:buFont typeface="Arial" panose="020B0604020202020204" pitchFamily="34" charset="0"/>
-        <a:buChar char="•"/>
-        <a:defRPr sz="3960" kern="1200">
-          <a:solidFill>
-            <a:schemeClr val="tx1"/>
-          </a:solidFill>
-          <a:latin typeface="+mn-lt"/>
-          <a:ea typeface="+mn-ea"/>
-          <a:cs typeface="+mn-cs"/>
-        </a:defRPr>
-      </a:lvl5pPr>
-      <a:lvl6pPr marL="5532120" indent="-502920" algn="l" defTabSz="2011680" rtl="0" eaLnBrk="1" latinLnBrk="0" hangingPunct="1">
-        <a:lnSpc>
-          <a:spcPct val="90000"/>
-        </a:lnSpc>
-        <a:spcBef>
-          <a:spcPts val="1100"/>
-        </a:spcBef>
-        <a:buFont typeface="Arial" panose="020B0604020202020204" pitchFamily="34" charset="0"/>
-        <a:buChar char="•"/>
-        <a:defRPr sz="3960" kern="1200">
-          <a:solidFill>
-            <a:schemeClr val="tx1"/>
-          </a:solidFill>
-          <a:latin typeface="+mn-lt"/>
-          <a:ea typeface="+mn-ea"/>
-          <a:cs typeface="+mn-cs"/>
-        </a:defRPr>
-      </a:lvl6pPr>
-      <a:lvl7pPr marL="6537960" indent="-502920" algn="l" defTabSz="2011680" rtl="0" eaLnBrk="1" latinLnBrk="0" hangingPunct="1">
-        <a:lnSpc>
-          <a:spcPct val="90000"/>
-        </a:lnSpc>
-        <a:spcBef>
-          <a:spcPts val="1100"/>
-        </a:spcBef>
-        <a:buFont typeface="Arial" panose="020B0604020202020204" pitchFamily="34" charset="0"/>
-        <a:buChar char="•"/>
-        <a:defRPr sz="3960" kern="1200">
-          <a:solidFill>
-            <a:schemeClr val="tx1"/>
-          </a:solidFill>
-          <a:latin typeface="+mn-lt"/>
-          <a:ea typeface="+mn-ea"/>
-          <a:cs typeface="+mn-cs"/>
-        </a:defRPr>
-      </a:lvl7pPr>
-      <a:lvl8pPr marL="7543800" indent="-502920" algn="l" defTabSz="2011680" rtl="0" eaLnBrk="1" latinLnBrk="0" hangingPunct="1">
-        <a:lnSpc>
-          <a:spcPct val="90000"/>
-        </a:lnSpc>
-        <a:spcBef>
-          <a:spcPts val="1100"/>
-        </a:spcBef>
-        <a:buFont typeface="Arial" panose="020B0604020202020204" pitchFamily="34" charset="0"/>
-        <a:buChar char="•"/>
-        <a:defRPr sz="3960" kern="1200">
-          <a:solidFill>
-            <a:schemeClr val="tx1"/>
-          </a:solidFill>
-          <a:latin typeface="+mn-lt"/>
-          <a:ea typeface="+mn-ea"/>
-          <a:cs typeface="+mn-cs"/>
-        </a:defRPr>
-      </a:lvl8pPr>
-      <a:lvl9pPr marL="8549640" indent="-502920" algn="l" defTabSz="2011680" rtl="0" eaLnBrk="1" latinLnBrk="0" hangingPunct="1">
-        <a:lnSpc>
-          <a:spcPct val="90000"/>
-        </a:lnSpc>
-        <a:spcBef>
-          <a:spcPts val="1100"/>
-        </a:spcBef>
-        <a:buFont typeface="Arial" panose="020B0604020202020204" pitchFamily="34" charset="0"/>
-        <a:buChar char="•"/>
-        <a:defRPr sz="3960" kern="1200">
-          <a:solidFill>
-            <a:schemeClr val="tx1"/>
-          </a:solidFill>
-          <a:latin typeface="+mn-lt"/>
-          <a:ea typeface="+mn-ea"/>
-          <a:cs typeface="+mn-cs"/>
-        </a:defRPr>
-      </a:lvl9pPr>
-    </p:bodyStyle>
-    <p:otherStyle>
-      <a:defPPr>
-        <a:defRPr lang="en-US"/>
-      </a:defPPr>
-      <a:lvl1pPr marL="0" algn="l" defTabSz="2011680" rtl="0" eaLnBrk="1" latinLnBrk="0" hangingPunct="1">
-        <a:defRPr sz="3960" kern="1200">
-          <a:solidFill>
-            <a:schemeClr val="tx1"/>
-          </a:solidFill>
-          <a:latin typeface="+mn-lt"/>
-          <a:ea typeface="+mn-ea"/>
-          <a:cs typeface="+mn-cs"/>
-        </a:defRPr>
-      </a:lvl1pPr>
-      <a:lvl2pPr marL="1005840" algn="l" defTabSz="2011680" rtl="0" eaLnBrk="1" latinLnBrk="0" hangingPunct="1">
-        <a:defRPr sz="3960" kern="1200">
-          <a:solidFill>
-            <a:schemeClr val="tx1"/>
-          </a:solidFill>
-          <a:latin typeface="+mn-lt"/>
-          <a:ea typeface="+mn-ea"/>
-          <a:cs typeface="+mn-cs"/>
-        </a:defRPr>
-      </a:lvl2pPr>
-      <a:lvl3pPr marL="2011680" algn="l" defTabSz="2011680" rtl="0" eaLnBrk="1" latinLnBrk="0" hangingPunct="1">
-        <a:defRPr sz="3960" kern="1200">
-          <a:solidFill>
-            <a:schemeClr val="tx1"/>
-          </a:solidFill>
-          <a:latin typeface="+mn-lt"/>
-          <a:ea typeface="+mn-ea"/>
-          <a:cs typeface="+mn-cs"/>
-        </a:defRPr>
-      </a:lvl3pPr>
-      <a:lvl4pPr marL="3017520" algn="l" defTabSz="2011680" rtl="0" eaLnBrk="1" latinLnBrk="0" hangingPunct="1">
-        <a:defRPr sz="3960" kern="1200">
-          <a:solidFill>
-            <a:schemeClr val="tx1"/>
-          </a:solidFill>
-          <a:latin typeface="+mn-lt"/>
-          <a:ea typeface="+mn-ea"/>
-          <a:cs typeface="+mn-cs"/>
-        </a:defRPr>
-      </a:lvl4pPr>
-      <a:lvl5pPr marL="4023360" algn="l" defTabSz="2011680" rtl="0" eaLnBrk="1" latinLnBrk="0" hangingPunct="1">
-        <a:defRPr sz="3960" kern="1200">
-          <a:solidFill>
-            <a:schemeClr val="tx1"/>
-          </a:solidFill>
-          <a:latin typeface="+mn-lt"/>
-          <a:ea typeface="+mn-ea"/>
-          <a:cs typeface="+mn-cs"/>
-        </a:defRPr>
-      </a:lvl5pPr>
-      <a:lvl6pPr marL="5029200" algn="l" defTabSz="2011680" rtl="0" eaLnBrk="1" latinLnBrk="0" hangingPunct="1">
-        <a:defRPr sz="3960" kern="1200">
-          <a:solidFill>
-            <a:schemeClr val="tx1"/>
-          </a:solidFill>
-          <a:latin typeface="+mn-lt"/>
-          <a:ea typeface="+mn-ea"/>
-          <a:cs typeface="+mn-cs"/>
-        </a:defRPr>
-      </a:lvl6pPr>
-      <a:lvl7pPr marL="6035040" algn="l" defTabSz="2011680" rtl="0" eaLnBrk="1" latinLnBrk="0" hangingPunct="1">
-        <a:defRPr sz="3960" kern="1200">
-          <a:solidFill>
-            <a:schemeClr val="tx1"/>
-          </a:solidFill>
-          <a:latin typeface="+mn-lt"/>
-          <a:ea typeface="+mn-ea"/>
-          <a:cs typeface="+mn-cs"/>
-        </a:defRPr>
-      </a:lvl7pPr>
-      <a:lvl8pPr marL="7040880" algn="l" defTabSz="2011680" rtl="0" eaLnBrk="1" latinLnBrk="0" hangingPunct="1">
-        <a:defRPr sz="3960" kern="1200">
-          <a:solidFill>
-            <a:schemeClr val="tx1"/>
-          </a:solidFill>
-          <a:latin typeface="+mn-lt"/>
-          <a:ea typeface="+mn-ea"/>
-          <a:cs typeface="+mn-cs"/>
-        </a:defRPr>
-      </a:lvl8pPr>
-      <a:lvl9pPr marL="8046720" algn="l" defTabSz="2011680" rtl="0" eaLnBrk="1" latinLnBrk="0" hangingPunct="1">
-        <a:defRPr sz="3960" kern="1200">
-          <a:solidFill>
-            <a:schemeClr val="tx1"/>
-          </a:solidFill>
-          <a:latin typeface="+mn-lt"/>
-          <a:ea typeface="+mn-ea"/>
-          <a:cs typeface="+mn-cs"/>
-        </a:defRPr>
-      </a:lvl9pPr>
-    </p:otherStyle>
-  </p:txStyles>
-</p:sldMaster>
-</file>
-
 <file path=ppt/slides/slide1.xml><?xml version="1.0" encoding="utf-8"?>
 <p:sld xmlns:a="http://schemas.openxmlformats.org/drawingml/2006/main" xmlns:r="http://schemas.openxmlformats.org/officeDocument/2006/relationships" xmlns:p="http://schemas.openxmlformats.org/presentationml/2006/main">
   <p:cSld>
     <p:bg>
       <p:bgPr>
         <a:solidFill>
-          <a:schemeClr val="accent1">
+          <a:schemeClr val="tx1">
             <a:lumMod val="75000"/>
+            <a:lumOff val="25000"/>
           </a:schemeClr>
         </a:solidFill>
         <a:effectLst/>
@@ -7348,6 +3894,190 @@
           </a:extLst>
         </p:spPr>
       </p:pic>
+      <p:sp>
+        <p:nvSpPr>
+          <p:cNvPr id="4" name="Isosceles Triangle 3">
+            <a:extLst>
+              <a:ext uri="{FF2B5EF4-FFF2-40B4-BE49-F238E27FC236}">
+                <a16:creationId xmlns:a16="http://schemas.microsoft.com/office/drawing/2014/main" xmlns="" id="{B8A3B59D-EB47-4CD0-8DF5-2D3353C60FA6}"/>
+              </a:ext>
+            </a:extLst>
+          </p:cNvPr>
+          <p:cNvSpPr/>
+          <p:nvPr/>
+        </p:nvSpPr>
+        <p:spPr>
+          <a:xfrm rot="10800000">
+            <a:off x="6899267" y="-1"/>
+            <a:ext cx="13217533" cy="13594283"/>
+          </a:xfrm>
+          <a:prstGeom prst="triangle">
+            <a:avLst>
+              <a:gd name="adj" fmla="val 0"/>
+            </a:avLst>
+          </a:prstGeom>
+          <a:solidFill>
+            <a:schemeClr val="bg1">
+              <a:lumMod val="50000"/>
+              <a:alpha val="25000"/>
+            </a:schemeClr>
+          </a:solidFill>
+          <a:ln>
+            <a:noFill/>
+          </a:ln>
+        </p:spPr>
+        <p:style>
+          <a:lnRef idx="2">
+            <a:schemeClr val="accent1">
+              <a:shade val="50000"/>
+            </a:schemeClr>
+          </a:lnRef>
+          <a:fillRef idx="1">
+            <a:schemeClr val="accent1"/>
+          </a:fillRef>
+          <a:effectRef idx="0">
+            <a:schemeClr val="accent1"/>
+          </a:effectRef>
+          <a:fontRef idx="minor">
+            <a:schemeClr val="lt1"/>
+          </a:fontRef>
+        </p:style>
+        <p:txBody>
+          <a:bodyPr rot="0" spcFirstLastPara="0" vertOverflow="overflow" horzOverflow="overflow" vert="horz" wrap="square" lIns="91440" tIns="45720" rIns="91440" bIns="45720" numCol="1" spcCol="0" rtlCol="0" fromWordArt="0" anchor="ctr" anchorCtr="0" forceAA="0" compatLnSpc="1">
+            <a:prstTxWarp prst="textNoShape">
+              <a:avLst/>
+            </a:prstTxWarp>
+            <a:noAutofit/>
+          </a:bodyPr>
+          <a:lstStyle/>
+          <a:p>
+            <a:pPr algn="ctr"/>
+            <a:endParaRPr lang="en-US"/>
+          </a:p>
+        </p:txBody>
+      </p:sp>
+      <p:sp>
+        <p:nvSpPr>
+          <p:cNvPr id="5" name="Isosceles Triangle 4">
+            <a:extLst>
+              <a:ext uri="{FF2B5EF4-FFF2-40B4-BE49-F238E27FC236}">
+                <a16:creationId xmlns:a16="http://schemas.microsoft.com/office/drawing/2014/main" xmlns="" id="{B8A3B59D-EB47-4CD0-8DF5-2D3353C60FA6}"/>
+              </a:ext>
+            </a:extLst>
+          </p:cNvPr>
+          <p:cNvSpPr/>
+          <p:nvPr/>
+        </p:nvSpPr>
+        <p:spPr>
+          <a:xfrm>
+            <a:off x="0" y="22067317"/>
+            <a:ext cx="13217533" cy="13594283"/>
+          </a:xfrm>
+          <a:prstGeom prst="triangle">
+            <a:avLst>
+              <a:gd name="adj" fmla="val 0"/>
+            </a:avLst>
+          </a:prstGeom>
+          <a:solidFill>
+            <a:schemeClr val="bg1">
+              <a:lumMod val="50000"/>
+              <a:alpha val="25000"/>
+            </a:schemeClr>
+          </a:solidFill>
+          <a:ln>
+            <a:noFill/>
+          </a:ln>
+        </p:spPr>
+        <p:style>
+          <a:lnRef idx="2">
+            <a:schemeClr val="accent1">
+              <a:shade val="50000"/>
+            </a:schemeClr>
+          </a:lnRef>
+          <a:fillRef idx="1">
+            <a:schemeClr val="accent1"/>
+          </a:fillRef>
+          <a:effectRef idx="0">
+            <a:schemeClr val="accent1"/>
+          </a:effectRef>
+          <a:fontRef idx="minor">
+            <a:schemeClr val="lt1"/>
+          </a:fontRef>
+        </p:style>
+        <p:txBody>
+          <a:bodyPr rot="0" spcFirstLastPara="0" vertOverflow="overflow" horzOverflow="overflow" vert="horz" wrap="square" lIns="91440" tIns="45720" rIns="91440" bIns="45720" numCol="1" spcCol="0" rtlCol="0" fromWordArt="0" anchor="ctr" anchorCtr="0" forceAA="0" compatLnSpc="1">
+            <a:prstTxWarp prst="textNoShape">
+              <a:avLst/>
+            </a:prstTxWarp>
+            <a:noAutofit/>
+          </a:bodyPr>
+          <a:lstStyle/>
+          <a:p>
+            <a:pPr algn="ctr"/>
+            <a:endParaRPr lang="en-US"/>
+          </a:p>
+        </p:txBody>
+      </p:sp>
+      <p:sp>
+        <p:nvSpPr>
+          <p:cNvPr id="6" name="Rectangle 5">
+            <a:extLst>
+              <a:ext uri="{FF2B5EF4-FFF2-40B4-BE49-F238E27FC236}">
+                <a16:creationId xmlns:a16="http://schemas.microsoft.com/office/drawing/2014/main" xmlns="" id="{676B280A-C61B-4327-9C1A-94BD31F7BA75}"/>
+              </a:ext>
+            </a:extLst>
+          </p:cNvPr>
+          <p:cNvSpPr/>
+          <p:nvPr/>
+        </p:nvSpPr>
+        <p:spPr>
+          <a:xfrm>
+            <a:off x="0" y="10423015"/>
+            <a:ext cx="20116800" cy="1669143"/>
+          </a:xfrm>
+          <a:prstGeom prst="rect">
+            <a:avLst/>
+          </a:prstGeom>
+          <a:solidFill>
+            <a:schemeClr val="bg1">
+              <a:lumMod val="95000"/>
+              <a:alpha val="25000"/>
+            </a:schemeClr>
+          </a:solidFill>
+          <a:ln>
+            <a:noFill/>
+          </a:ln>
+        </p:spPr>
+        <p:style>
+          <a:lnRef idx="2">
+            <a:schemeClr val="accent1">
+              <a:shade val="50000"/>
+            </a:schemeClr>
+          </a:lnRef>
+          <a:fillRef idx="1">
+            <a:schemeClr val="accent1"/>
+          </a:fillRef>
+          <a:effectRef idx="0">
+            <a:schemeClr val="accent1"/>
+          </a:effectRef>
+          <a:fontRef idx="minor">
+            <a:schemeClr val="lt1"/>
+          </a:fontRef>
+        </p:style>
+        <p:txBody>
+          <a:bodyPr rot="0" spcFirstLastPara="0" vertOverflow="overflow" horzOverflow="overflow" vert="horz" wrap="square" lIns="91440" tIns="45720" rIns="91440" bIns="45720" numCol="1" spcCol="0" rtlCol="0" fromWordArt="0" anchor="ctr" anchorCtr="0" forceAA="0" compatLnSpc="1">
+            <a:prstTxWarp prst="textNoShape">
+              <a:avLst/>
+            </a:prstTxWarp>
+            <a:noAutofit/>
+          </a:bodyPr>
+          <a:lstStyle/>
+          <a:p>
+            <a:pPr algn="ctr"/>
+            <a:endParaRPr lang="en-US"/>
+          </a:p>
+        </p:txBody>
+      </p:sp>
     </p:spTree>
     <p:extLst>
       <p:ext uri="{BB962C8B-B14F-4D97-AF65-F5344CB8AC3E}">
@@ -7468,8 +4198,9 @@
     <p:bg>
       <p:bgPr>
         <a:solidFill>
-          <a:schemeClr val="accent1">
+          <a:schemeClr val="tx1">
             <a:lumMod val="75000"/>
+            <a:lumOff val="25000"/>
           </a:schemeClr>
         </a:solidFill>
         <a:effectLst/>
@@ -7672,7 +4403,7 @@
             <p:nvPr/>
           </p:nvPicPr>
           <p:blipFill>
-            <a:blip r:embed="rId2" cstate="print">
+            <a:blip r:embed="rId3" cstate="print">
               <a:lum bright="70000" contrast="-70000"/>
               <a:extLst>
                 <a:ext uri="{28A0092B-C50C-407E-A947-70E740481C1C}">
@@ -7860,7 +4591,7 @@
             <p:nvPr/>
           </p:nvPicPr>
           <p:blipFill>
-            <a:blip r:embed="rId3" cstate="print">
+            <a:blip r:embed="rId4" cstate="print">
               <a:lum bright="70000" contrast="-70000"/>
               <a:extLst>
                 <a:ext uri="{28A0092B-C50C-407E-A947-70E740481C1C}">
@@ -7902,7 +4633,7 @@
             <p:nvPr/>
           </p:nvPicPr>
           <p:blipFill>
-            <a:blip r:embed="rId4"/>
+            <a:blip r:embed="rId5"/>
             <a:stretch>
               <a:fillRect/>
             </a:stretch>
@@ -7925,6 +4656,190 @@
           </p:spPr>
         </p:pic>
       </p:grpSp>
+      <p:sp>
+        <p:nvSpPr>
+          <p:cNvPr id="11" name="Isosceles Triangle 10">
+            <a:extLst>
+              <a:ext uri="{FF2B5EF4-FFF2-40B4-BE49-F238E27FC236}">
+                <a16:creationId xmlns:a16="http://schemas.microsoft.com/office/drawing/2014/main" xmlns="" id="{B8A3B59D-EB47-4CD0-8DF5-2D3353C60FA6}"/>
+              </a:ext>
+            </a:extLst>
+          </p:cNvPr>
+          <p:cNvSpPr/>
+          <p:nvPr/>
+        </p:nvSpPr>
+        <p:spPr>
+          <a:xfrm rot="5400000">
+            <a:off x="189187" y="-188375"/>
+            <a:ext cx="13217533" cy="13594283"/>
+          </a:xfrm>
+          <a:prstGeom prst="triangle">
+            <a:avLst>
+              <a:gd name="adj" fmla="val 0"/>
+            </a:avLst>
+          </a:prstGeom>
+          <a:solidFill>
+            <a:schemeClr val="bg1">
+              <a:lumMod val="50000"/>
+              <a:alpha val="25000"/>
+            </a:schemeClr>
+          </a:solidFill>
+          <a:ln>
+            <a:noFill/>
+          </a:ln>
+        </p:spPr>
+        <p:style>
+          <a:lnRef idx="2">
+            <a:schemeClr val="accent1">
+              <a:shade val="50000"/>
+            </a:schemeClr>
+          </a:lnRef>
+          <a:fillRef idx="1">
+            <a:schemeClr val="accent1"/>
+          </a:fillRef>
+          <a:effectRef idx="0">
+            <a:schemeClr val="accent1"/>
+          </a:effectRef>
+          <a:fontRef idx="minor">
+            <a:schemeClr val="lt1"/>
+          </a:fontRef>
+        </p:style>
+        <p:txBody>
+          <a:bodyPr rot="0" spcFirstLastPara="0" vertOverflow="overflow" horzOverflow="overflow" vert="horz" wrap="square" lIns="91440" tIns="45720" rIns="91440" bIns="45720" numCol="1" spcCol="0" rtlCol="0" fromWordArt="0" anchor="ctr" anchorCtr="0" forceAA="0" compatLnSpc="1">
+            <a:prstTxWarp prst="textNoShape">
+              <a:avLst/>
+            </a:prstTxWarp>
+            <a:noAutofit/>
+          </a:bodyPr>
+          <a:lstStyle/>
+          <a:p>
+            <a:pPr algn="ctr"/>
+            <a:endParaRPr lang="en-US"/>
+          </a:p>
+        </p:txBody>
+      </p:sp>
+      <p:sp>
+        <p:nvSpPr>
+          <p:cNvPr id="12" name="Isosceles Triangle 11">
+            <a:extLst>
+              <a:ext uri="{FF2B5EF4-FFF2-40B4-BE49-F238E27FC236}">
+                <a16:creationId xmlns:a16="http://schemas.microsoft.com/office/drawing/2014/main" xmlns="" id="{B8A3B59D-EB47-4CD0-8DF5-2D3353C60FA6}"/>
+              </a:ext>
+            </a:extLst>
+          </p:cNvPr>
+          <p:cNvSpPr/>
+          <p:nvPr/>
+        </p:nvSpPr>
+        <p:spPr>
+          <a:xfrm rot="16200000">
+            <a:off x="6710892" y="22177508"/>
+            <a:ext cx="13217533" cy="13594283"/>
+          </a:xfrm>
+          <a:prstGeom prst="triangle">
+            <a:avLst>
+              <a:gd name="adj" fmla="val 0"/>
+            </a:avLst>
+          </a:prstGeom>
+          <a:solidFill>
+            <a:schemeClr val="bg1">
+              <a:lumMod val="50000"/>
+              <a:alpha val="25000"/>
+            </a:schemeClr>
+          </a:solidFill>
+          <a:ln>
+            <a:noFill/>
+          </a:ln>
+        </p:spPr>
+        <p:style>
+          <a:lnRef idx="2">
+            <a:schemeClr val="accent1">
+              <a:shade val="50000"/>
+            </a:schemeClr>
+          </a:lnRef>
+          <a:fillRef idx="1">
+            <a:schemeClr val="accent1"/>
+          </a:fillRef>
+          <a:effectRef idx="0">
+            <a:schemeClr val="accent1"/>
+          </a:effectRef>
+          <a:fontRef idx="minor">
+            <a:schemeClr val="lt1"/>
+          </a:fontRef>
+        </p:style>
+        <p:txBody>
+          <a:bodyPr rot="0" spcFirstLastPara="0" vertOverflow="overflow" horzOverflow="overflow" vert="horz" wrap="square" lIns="91440" tIns="45720" rIns="91440" bIns="45720" numCol="1" spcCol="0" rtlCol="0" fromWordArt="0" anchor="ctr" anchorCtr="0" forceAA="0" compatLnSpc="1">
+            <a:prstTxWarp prst="textNoShape">
+              <a:avLst/>
+            </a:prstTxWarp>
+            <a:noAutofit/>
+          </a:bodyPr>
+          <a:lstStyle/>
+          <a:p>
+            <a:pPr algn="ctr"/>
+            <a:endParaRPr lang="en-US"/>
+          </a:p>
+        </p:txBody>
+      </p:sp>
+      <p:sp>
+        <p:nvSpPr>
+          <p:cNvPr id="13" name="Rectangle 12">
+            <a:extLst>
+              <a:ext uri="{FF2B5EF4-FFF2-40B4-BE49-F238E27FC236}">
+                <a16:creationId xmlns:a16="http://schemas.microsoft.com/office/drawing/2014/main" xmlns="" id="{676B280A-C61B-4327-9C1A-94BD31F7BA75}"/>
+              </a:ext>
+            </a:extLst>
+          </p:cNvPr>
+          <p:cNvSpPr/>
+          <p:nvPr/>
+        </p:nvSpPr>
+        <p:spPr>
+          <a:xfrm>
+            <a:off x="0" y="8321041"/>
+            <a:ext cx="20116800" cy="2673838"/>
+          </a:xfrm>
+          <a:prstGeom prst="rect">
+            <a:avLst/>
+          </a:prstGeom>
+          <a:solidFill>
+            <a:schemeClr val="bg1">
+              <a:lumMod val="95000"/>
+              <a:alpha val="25000"/>
+            </a:schemeClr>
+          </a:solidFill>
+          <a:ln>
+            <a:noFill/>
+          </a:ln>
+        </p:spPr>
+        <p:style>
+          <a:lnRef idx="2">
+            <a:schemeClr val="accent1">
+              <a:shade val="50000"/>
+            </a:schemeClr>
+          </a:lnRef>
+          <a:fillRef idx="1">
+            <a:schemeClr val="accent1"/>
+          </a:fillRef>
+          <a:effectRef idx="0">
+            <a:schemeClr val="accent1"/>
+          </a:effectRef>
+          <a:fontRef idx="minor">
+            <a:schemeClr val="lt1"/>
+          </a:fontRef>
+        </p:style>
+        <p:txBody>
+          <a:bodyPr rot="0" spcFirstLastPara="0" vertOverflow="overflow" horzOverflow="overflow" vert="horz" wrap="square" lIns="91440" tIns="45720" rIns="91440" bIns="45720" numCol="1" spcCol="0" rtlCol="0" fromWordArt="0" anchor="ctr" anchorCtr="0" forceAA="0" compatLnSpc="1">
+            <a:prstTxWarp prst="textNoShape">
+              <a:avLst/>
+            </a:prstTxWarp>
+            <a:noAutofit/>
+          </a:bodyPr>
+          <a:lstStyle/>
+          <a:p>
+            <a:pPr algn="ctr"/>
+            <a:endParaRPr lang="en-US"/>
+          </a:p>
+        </p:txBody>
+      </p:sp>
     </p:spTree>
     <p:extLst>
       <p:ext uri="{BB962C8B-B14F-4D97-AF65-F5344CB8AC3E}">
@@ -7933,7 +4848,7 @@
     </p:extLst>
   </p:cSld>
   <p:clrMapOvr>
-    <a:masterClrMapping/>
+    <a:overrideClrMapping bg1="lt1" tx1="dk1" bg2="lt2" tx2="dk2" accent1="accent1" accent2="accent2" accent3="accent3" accent4="accent4" accent5="accent5" accent6="accent6" hlink="hlink" folHlink="folHlink"/>
   </p:clrMapOvr>
   <mc:AlternateContent xmlns:mc="http://schemas.openxmlformats.org/markup-compatibility/2006" xmlns:p14="http://schemas.microsoft.com/office/powerpoint/2010/main">
     <mc:Choice Requires="p14">
@@ -8045,8 +4960,9 @@
     <p:bg>
       <p:bgPr>
         <a:solidFill>
-          <a:schemeClr val="accent1">
+          <a:schemeClr val="tx1">
             <a:lumMod val="75000"/>
+            <a:lumOff val="25000"/>
           </a:schemeClr>
         </a:solidFill>
         <a:effectLst/>
@@ -8245,7 +5161,7 @@
           <p:nvPr/>
         </p:nvPicPr>
         <p:blipFill>
-          <a:blip r:embed="rId2" cstate="print">
+          <a:blip r:embed="rId3" cstate="print">
             <a:lum bright="70000" contrast="-70000"/>
             <a:extLst>
               <a:ext uri="{28A0092B-C50C-407E-A947-70E740481C1C}">
@@ -8276,7 +5192,7 @@
           <p:nvPr/>
         </p:nvPicPr>
         <p:blipFill>
-          <a:blip r:embed="rId3" cstate="print">
+          <a:blip r:embed="rId4" cstate="print">
             <a:lum bright="70000" contrast="-70000"/>
             <a:extLst>
               <a:ext uri="{28A0092B-C50C-407E-A947-70E740481C1C}">
@@ -8318,7 +5234,7 @@
           <p:nvPr/>
         </p:nvPicPr>
         <p:blipFill>
-          <a:blip r:embed="rId4" cstate="print">
+          <a:blip r:embed="rId5" cstate="print">
             <a:lum bright="70000" contrast="-70000"/>
             <a:extLst>
               <a:ext uri="{28A0092B-C50C-407E-A947-70E740481C1C}">
@@ -8351,6 +5267,190 @@
           </a:extLst>
         </p:spPr>
       </p:pic>
+      <p:sp>
+        <p:nvSpPr>
+          <p:cNvPr id="6" name="Isosceles Triangle 5">
+            <a:extLst>
+              <a:ext uri="{FF2B5EF4-FFF2-40B4-BE49-F238E27FC236}">
+                <a16:creationId xmlns:a16="http://schemas.microsoft.com/office/drawing/2014/main" xmlns="" id="{B8A3B59D-EB47-4CD0-8DF5-2D3353C60FA6}"/>
+              </a:ext>
+            </a:extLst>
+          </p:cNvPr>
+          <p:cNvSpPr/>
+          <p:nvPr/>
+        </p:nvSpPr>
+        <p:spPr>
+          <a:xfrm rot="10800000">
+            <a:off x="6899267" y="-1"/>
+            <a:ext cx="13217533" cy="13594283"/>
+          </a:xfrm>
+          <a:prstGeom prst="triangle">
+            <a:avLst>
+              <a:gd name="adj" fmla="val 0"/>
+            </a:avLst>
+          </a:prstGeom>
+          <a:solidFill>
+            <a:schemeClr val="bg1">
+              <a:lumMod val="50000"/>
+              <a:alpha val="25000"/>
+            </a:schemeClr>
+          </a:solidFill>
+          <a:ln>
+            <a:noFill/>
+          </a:ln>
+        </p:spPr>
+        <p:style>
+          <a:lnRef idx="2">
+            <a:schemeClr val="accent1">
+              <a:shade val="50000"/>
+            </a:schemeClr>
+          </a:lnRef>
+          <a:fillRef idx="1">
+            <a:schemeClr val="accent1"/>
+          </a:fillRef>
+          <a:effectRef idx="0">
+            <a:schemeClr val="accent1"/>
+          </a:effectRef>
+          <a:fontRef idx="minor">
+            <a:schemeClr val="lt1"/>
+          </a:fontRef>
+        </p:style>
+        <p:txBody>
+          <a:bodyPr rot="0" spcFirstLastPara="0" vertOverflow="overflow" horzOverflow="overflow" vert="horz" wrap="square" lIns="91440" tIns="45720" rIns="91440" bIns="45720" numCol="1" spcCol="0" rtlCol="0" fromWordArt="0" anchor="ctr" anchorCtr="0" forceAA="0" compatLnSpc="1">
+            <a:prstTxWarp prst="textNoShape">
+              <a:avLst/>
+            </a:prstTxWarp>
+            <a:noAutofit/>
+          </a:bodyPr>
+          <a:lstStyle/>
+          <a:p>
+            <a:pPr algn="ctr"/>
+            <a:endParaRPr lang="en-US"/>
+          </a:p>
+        </p:txBody>
+      </p:sp>
+      <p:sp>
+        <p:nvSpPr>
+          <p:cNvPr id="7" name="Isosceles Triangle 6">
+            <a:extLst>
+              <a:ext uri="{FF2B5EF4-FFF2-40B4-BE49-F238E27FC236}">
+                <a16:creationId xmlns:a16="http://schemas.microsoft.com/office/drawing/2014/main" xmlns="" id="{B8A3B59D-EB47-4CD0-8DF5-2D3353C60FA6}"/>
+              </a:ext>
+            </a:extLst>
+          </p:cNvPr>
+          <p:cNvSpPr/>
+          <p:nvPr/>
+        </p:nvSpPr>
+        <p:spPr>
+          <a:xfrm>
+            <a:off x="0" y="22067317"/>
+            <a:ext cx="13217533" cy="13594283"/>
+          </a:xfrm>
+          <a:prstGeom prst="triangle">
+            <a:avLst>
+              <a:gd name="adj" fmla="val 0"/>
+            </a:avLst>
+          </a:prstGeom>
+          <a:solidFill>
+            <a:schemeClr val="bg1">
+              <a:lumMod val="50000"/>
+              <a:alpha val="25000"/>
+            </a:schemeClr>
+          </a:solidFill>
+          <a:ln>
+            <a:noFill/>
+          </a:ln>
+        </p:spPr>
+        <p:style>
+          <a:lnRef idx="2">
+            <a:schemeClr val="accent1">
+              <a:shade val="50000"/>
+            </a:schemeClr>
+          </a:lnRef>
+          <a:fillRef idx="1">
+            <a:schemeClr val="accent1"/>
+          </a:fillRef>
+          <a:effectRef idx="0">
+            <a:schemeClr val="accent1"/>
+          </a:effectRef>
+          <a:fontRef idx="minor">
+            <a:schemeClr val="lt1"/>
+          </a:fontRef>
+        </p:style>
+        <p:txBody>
+          <a:bodyPr rot="0" spcFirstLastPara="0" vertOverflow="overflow" horzOverflow="overflow" vert="horz" wrap="square" lIns="91440" tIns="45720" rIns="91440" bIns="45720" numCol="1" spcCol="0" rtlCol="0" fromWordArt="0" anchor="ctr" anchorCtr="0" forceAA="0" compatLnSpc="1">
+            <a:prstTxWarp prst="textNoShape">
+              <a:avLst/>
+            </a:prstTxWarp>
+            <a:noAutofit/>
+          </a:bodyPr>
+          <a:lstStyle/>
+          <a:p>
+            <a:pPr algn="ctr"/>
+            <a:endParaRPr lang="en-US"/>
+          </a:p>
+        </p:txBody>
+      </p:sp>
+      <p:sp>
+        <p:nvSpPr>
+          <p:cNvPr id="8" name="Rectangle 7">
+            <a:extLst>
+              <a:ext uri="{FF2B5EF4-FFF2-40B4-BE49-F238E27FC236}">
+                <a16:creationId xmlns:a16="http://schemas.microsoft.com/office/drawing/2014/main" xmlns="" id="{676B280A-C61B-4327-9C1A-94BD31F7BA75}"/>
+              </a:ext>
+            </a:extLst>
+          </p:cNvPr>
+          <p:cNvSpPr/>
+          <p:nvPr/>
+        </p:nvSpPr>
+        <p:spPr>
+          <a:xfrm>
+            <a:off x="0" y="9645775"/>
+            <a:ext cx="20116800" cy="1669143"/>
+          </a:xfrm>
+          <a:prstGeom prst="rect">
+            <a:avLst/>
+          </a:prstGeom>
+          <a:solidFill>
+            <a:schemeClr val="bg1">
+              <a:lumMod val="95000"/>
+              <a:alpha val="25000"/>
+            </a:schemeClr>
+          </a:solidFill>
+          <a:ln>
+            <a:noFill/>
+          </a:ln>
+        </p:spPr>
+        <p:style>
+          <a:lnRef idx="2">
+            <a:schemeClr val="accent1">
+              <a:shade val="50000"/>
+            </a:schemeClr>
+          </a:lnRef>
+          <a:fillRef idx="1">
+            <a:schemeClr val="accent1"/>
+          </a:fillRef>
+          <a:effectRef idx="0">
+            <a:schemeClr val="accent1"/>
+          </a:effectRef>
+          <a:fontRef idx="minor">
+            <a:schemeClr val="lt1"/>
+          </a:fontRef>
+        </p:style>
+        <p:txBody>
+          <a:bodyPr rot="0" spcFirstLastPara="0" vertOverflow="overflow" horzOverflow="overflow" vert="horz" wrap="square" lIns="91440" tIns="45720" rIns="91440" bIns="45720" numCol="1" spcCol="0" rtlCol="0" fromWordArt="0" anchor="ctr" anchorCtr="0" forceAA="0" compatLnSpc="1">
+            <a:prstTxWarp prst="textNoShape">
+              <a:avLst/>
+            </a:prstTxWarp>
+            <a:noAutofit/>
+          </a:bodyPr>
+          <a:lstStyle/>
+          <a:p>
+            <a:pPr algn="ctr"/>
+            <a:endParaRPr lang="en-US"/>
+          </a:p>
+        </p:txBody>
+      </p:sp>
     </p:spTree>
     <p:extLst>
       <p:ext uri="{BB962C8B-B14F-4D97-AF65-F5344CB8AC3E}">
@@ -8359,7 +5459,7 @@
     </p:extLst>
   </p:cSld>
   <p:clrMapOvr>
-    <a:masterClrMapping/>
+    <a:overrideClrMapping bg1="lt1" tx1="dk1" bg2="lt2" tx2="dk2" accent1="accent1" accent2="accent2" accent3="accent3" accent4="accent4" accent5="accent5" accent6="accent6" hlink="hlink" folHlink="folHlink"/>
   </p:clrMapOvr>
   <mc:AlternateContent xmlns:mc="http://schemas.openxmlformats.org/markup-compatibility/2006" xmlns:p14="http://schemas.microsoft.com/office/powerpoint/2010/main">
     <mc:Choice Requires="p14">
@@ -8507,8 +5607,9 @@
     <p:bg>
       <p:bgPr>
         <a:solidFill>
-          <a:schemeClr val="accent1">
+          <a:schemeClr val="tx1">
             <a:lumMod val="75000"/>
+            <a:lumOff val="25000"/>
           </a:schemeClr>
         </a:solidFill>
         <a:effectLst/>
@@ -8711,7 +5812,7 @@
           <p:nvPr/>
         </p:nvPicPr>
         <p:blipFill>
-          <a:blip r:embed="rId2" cstate="print">
+          <a:blip r:embed="rId3" cstate="print">
             <a:lum bright="70000" contrast="-70000"/>
             <a:extLst>
               <a:ext uri="{28A0092B-C50C-407E-A947-70E740481C1C}">
@@ -8744,6 +5845,190 @@
           </a:extLst>
         </p:spPr>
       </p:pic>
+      <p:sp>
+        <p:nvSpPr>
+          <p:cNvPr id="4" name="Isosceles Triangle 3">
+            <a:extLst>
+              <a:ext uri="{FF2B5EF4-FFF2-40B4-BE49-F238E27FC236}">
+                <a16:creationId xmlns:a16="http://schemas.microsoft.com/office/drawing/2014/main" xmlns="" id="{B8A3B59D-EB47-4CD0-8DF5-2D3353C60FA6}"/>
+              </a:ext>
+            </a:extLst>
+          </p:cNvPr>
+          <p:cNvSpPr/>
+          <p:nvPr/>
+        </p:nvSpPr>
+        <p:spPr>
+          <a:xfrm rot="5400000">
+            <a:off x="188375" y="-148802"/>
+            <a:ext cx="13217533" cy="13594283"/>
+          </a:xfrm>
+          <a:prstGeom prst="triangle">
+            <a:avLst>
+              <a:gd name="adj" fmla="val 0"/>
+            </a:avLst>
+          </a:prstGeom>
+          <a:solidFill>
+            <a:schemeClr val="bg1">
+              <a:lumMod val="50000"/>
+              <a:alpha val="25000"/>
+            </a:schemeClr>
+          </a:solidFill>
+          <a:ln>
+            <a:noFill/>
+          </a:ln>
+        </p:spPr>
+        <p:style>
+          <a:lnRef idx="2">
+            <a:schemeClr val="accent1">
+              <a:shade val="50000"/>
+            </a:schemeClr>
+          </a:lnRef>
+          <a:fillRef idx="1">
+            <a:schemeClr val="accent1"/>
+          </a:fillRef>
+          <a:effectRef idx="0">
+            <a:schemeClr val="accent1"/>
+          </a:effectRef>
+          <a:fontRef idx="minor">
+            <a:schemeClr val="lt1"/>
+          </a:fontRef>
+        </p:style>
+        <p:txBody>
+          <a:bodyPr rot="0" spcFirstLastPara="0" vertOverflow="overflow" horzOverflow="overflow" vert="horz" wrap="square" lIns="91440" tIns="45720" rIns="91440" bIns="45720" numCol="1" spcCol="0" rtlCol="0" fromWordArt="0" anchor="ctr" anchorCtr="0" forceAA="0" compatLnSpc="1">
+            <a:prstTxWarp prst="textNoShape">
+              <a:avLst/>
+            </a:prstTxWarp>
+            <a:noAutofit/>
+          </a:bodyPr>
+          <a:lstStyle/>
+          <a:p>
+            <a:pPr algn="ctr"/>
+            <a:endParaRPr lang="en-US"/>
+          </a:p>
+        </p:txBody>
+      </p:sp>
+      <p:sp>
+        <p:nvSpPr>
+          <p:cNvPr id="5" name="Isosceles Triangle 4">
+            <a:extLst>
+              <a:ext uri="{FF2B5EF4-FFF2-40B4-BE49-F238E27FC236}">
+                <a16:creationId xmlns:a16="http://schemas.microsoft.com/office/drawing/2014/main" xmlns="" id="{B8A3B59D-EB47-4CD0-8DF5-2D3353C60FA6}"/>
+              </a:ext>
+            </a:extLst>
+          </p:cNvPr>
+          <p:cNvSpPr/>
+          <p:nvPr/>
+        </p:nvSpPr>
+        <p:spPr>
+          <a:xfrm rot="16200000">
+            <a:off x="6710892" y="22255692"/>
+            <a:ext cx="13217533" cy="13594283"/>
+          </a:xfrm>
+          <a:prstGeom prst="triangle">
+            <a:avLst>
+              <a:gd name="adj" fmla="val 0"/>
+            </a:avLst>
+          </a:prstGeom>
+          <a:solidFill>
+            <a:schemeClr val="bg1">
+              <a:lumMod val="50000"/>
+              <a:alpha val="25000"/>
+            </a:schemeClr>
+          </a:solidFill>
+          <a:ln>
+            <a:noFill/>
+          </a:ln>
+        </p:spPr>
+        <p:style>
+          <a:lnRef idx="2">
+            <a:schemeClr val="accent1">
+              <a:shade val="50000"/>
+            </a:schemeClr>
+          </a:lnRef>
+          <a:fillRef idx="1">
+            <a:schemeClr val="accent1"/>
+          </a:fillRef>
+          <a:effectRef idx="0">
+            <a:schemeClr val="accent1"/>
+          </a:effectRef>
+          <a:fontRef idx="minor">
+            <a:schemeClr val="lt1"/>
+          </a:fontRef>
+        </p:style>
+        <p:txBody>
+          <a:bodyPr rot="0" spcFirstLastPara="0" vertOverflow="overflow" horzOverflow="overflow" vert="horz" wrap="square" lIns="91440" tIns="45720" rIns="91440" bIns="45720" numCol="1" spcCol="0" rtlCol="0" fromWordArt="0" anchor="ctr" anchorCtr="0" forceAA="0" compatLnSpc="1">
+            <a:prstTxWarp prst="textNoShape">
+              <a:avLst/>
+            </a:prstTxWarp>
+            <a:noAutofit/>
+          </a:bodyPr>
+          <a:lstStyle/>
+          <a:p>
+            <a:pPr algn="ctr"/>
+            <a:endParaRPr lang="en-US"/>
+          </a:p>
+        </p:txBody>
+      </p:sp>
+      <p:sp>
+        <p:nvSpPr>
+          <p:cNvPr id="6" name="Rectangle 5">
+            <a:extLst>
+              <a:ext uri="{FF2B5EF4-FFF2-40B4-BE49-F238E27FC236}">
+                <a16:creationId xmlns:a16="http://schemas.microsoft.com/office/drawing/2014/main" xmlns="" id="{676B280A-C61B-4327-9C1A-94BD31F7BA75}"/>
+              </a:ext>
+            </a:extLst>
+          </p:cNvPr>
+          <p:cNvSpPr/>
+          <p:nvPr/>
+        </p:nvSpPr>
+        <p:spPr>
+          <a:xfrm>
+            <a:off x="0" y="16139160"/>
+            <a:ext cx="20116800" cy="1327138"/>
+          </a:xfrm>
+          <a:prstGeom prst="rect">
+            <a:avLst/>
+          </a:prstGeom>
+          <a:solidFill>
+            <a:schemeClr val="bg1">
+              <a:lumMod val="95000"/>
+              <a:alpha val="25000"/>
+            </a:schemeClr>
+          </a:solidFill>
+          <a:ln>
+            <a:noFill/>
+          </a:ln>
+        </p:spPr>
+        <p:style>
+          <a:lnRef idx="2">
+            <a:schemeClr val="accent1">
+              <a:shade val="50000"/>
+            </a:schemeClr>
+          </a:lnRef>
+          <a:fillRef idx="1">
+            <a:schemeClr val="accent1"/>
+          </a:fillRef>
+          <a:effectRef idx="0">
+            <a:schemeClr val="accent1"/>
+          </a:effectRef>
+          <a:fontRef idx="minor">
+            <a:schemeClr val="lt1"/>
+          </a:fontRef>
+        </p:style>
+        <p:txBody>
+          <a:bodyPr rot="0" spcFirstLastPara="0" vertOverflow="overflow" horzOverflow="overflow" vert="horz" wrap="square" lIns="91440" tIns="45720" rIns="91440" bIns="45720" numCol="1" spcCol="0" rtlCol="0" fromWordArt="0" anchor="ctr" anchorCtr="0" forceAA="0" compatLnSpc="1">
+            <a:prstTxWarp prst="textNoShape">
+              <a:avLst/>
+            </a:prstTxWarp>
+            <a:noAutofit/>
+          </a:bodyPr>
+          <a:lstStyle/>
+          <a:p>
+            <a:pPr algn="ctr"/>
+            <a:endParaRPr lang="en-US"/>
+          </a:p>
+        </p:txBody>
+      </p:sp>
     </p:spTree>
     <p:extLst>
       <p:ext uri="{BB962C8B-B14F-4D97-AF65-F5344CB8AC3E}">
@@ -8752,7 +6037,7 @@
     </p:extLst>
   </p:cSld>
   <p:clrMapOvr>
-    <a:masterClrMapping/>
+    <a:overrideClrMapping bg1="lt1" tx1="dk1" bg2="lt2" tx2="dk2" accent1="accent1" accent2="accent2" accent3="accent3" accent4="accent4" accent5="accent5" accent6="accent6" hlink="hlink" folHlink="folHlink"/>
   </p:clrMapOvr>
   <mc:AlternateContent xmlns:mc="http://schemas.openxmlformats.org/markup-compatibility/2006" xmlns:p14="http://schemas.microsoft.com/office/powerpoint/2010/main">
     <mc:Choice Requires="p14">
@@ -8900,8 +6185,9 @@
     <p:bg>
       <p:bgPr>
         <a:solidFill>
-          <a:schemeClr val="accent1">
+          <a:schemeClr val="tx1">
             <a:lumMod val="75000"/>
+            <a:lumOff val="25000"/>
           </a:schemeClr>
         </a:solidFill>
         <a:effectLst/>
@@ -8923,6 +6209,68 @@
       </p:grpSpPr>
       <p:sp>
         <p:nvSpPr>
+          <p:cNvPr id="11" name="Isosceles Triangle 10">
+            <a:extLst>
+              <a:ext uri="{FF2B5EF4-FFF2-40B4-BE49-F238E27FC236}">
+                <a16:creationId xmlns:a16="http://schemas.microsoft.com/office/drawing/2014/main" xmlns="" id="{B8A3B59D-EB47-4CD0-8DF5-2D3353C60FA6}"/>
+              </a:ext>
+            </a:extLst>
+          </p:cNvPr>
+          <p:cNvSpPr/>
+          <p:nvPr/>
+        </p:nvSpPr>
+        <p:spPr>
+          <a:xfrm>
+            <a:off x="0" y="22067317"/>
+            <a:ext cx="13217533" cy="13594283"/>
+          </a:xfrm>
+          <a:prstGeom prst="triangle">
+            <a:avLst>
+              <a:gd name="adj" fmla="val 0"/>
+            </a:avLst>
+          </a:prstGeom>
+          <a:solidFill>
+            <a:schemeClr val="bg1">
+              <a:lumMod val="50000"/>
+              <a:alpha val="25000"/>
+            </a:schemeClr>
+          </a:solidFill>
+          <a:ln>
+            <a:noFill/>
+          </a:ln>
+        </p:spPr>
+        <p:style>
+          <a:lnRef idx="2">
+            <a:schemeClr val="accent1">
+              <a:shade val="50000"/>
+            </a:schemeClr>
+          </a:lnRef>
+          <a:fillRef idx="1">
+            <a:schemeClr val="accent1"/>
+          </a:fillRef>
+          <a:effectRef idx="0">
+            <a:schemeClr val="accent1"/>
+          </a:effectRef>
+          <a:fontRef idx="minor">
+            <a:schemeClr val="lt1"/>
+          </a:fontRef>
+        </p:style>
+        <p:txBody>
+          <a:bodyPr rot="0" spcFirstLastPara="0" vertOverflow="overflow" horzOverflow="overflow" vert="horz" wrap="square" lIns="91440" tIns="45720" rIns="91440" bIns="45720" numCol="1" spcCol="0" rtlCol="0" fromWordArt="0" anchor="ctr" anchorCtr="0" forceAA="0" compatLnSpc="1">
+            <a:prstTxWarp prst="textNoShape">
+              <a:avLst/>
+            </a:prstTxWarp>
+            <a:noAutofit/>
+          </a:bodyPr>
+          <a:lstStyle/>
+          <a:p>
+            <a:pPr algn="ctr"/>
+            <a:endParaRPr lang="en-US"/>
+          </a:p>
+        </p:txBody>
+      </p:sp>
+      <p:sp>
+        <p:nvSpPr>
           <p:cNvPr id="6" name="Rectangle 5"/>
           <p:cNvSpPr/>
           <p:nvPr/>
@@ -9110,54 +6458,6 @@
           </a:p>
         </p:txBody>
       </p:sp>
-      <p:pic>
-        <p:nvPicPr>
-          <p:cNvPr id="13314" name="Picture 2" descr="Image result for BOX PNG ICON"/>
-          <p:cNvPicPr>
-            <a:picLocks noChangeAspect="1" noChangeArrowheads="1"/>
-          </p:cNvPicPr>
-          <p:nvPr/>
-        </p:nvPicPr>
-        <p:blipFill>
-          <a:blip r:embed="rId2" cstate="print">
-            <a:duotone>
-              <a:schemeClr val="accent4">
-                <a:shade val="45000"/>
-                <a:satMod val="135000"/>
-              </a:schemeClr>
-              <a:prstClr val="white"/>
-            </a:duotone>
-            <a:extLst>
-              <a:ext uri="{28A0092B-C50C-407E-A947-70E740481C1C}">
-                <a14:useLocalDpi xmlns:a14="http://schemas.microsoft.com/office/drawing/2010/main" val="0"/>
-              </a:ext>
-            </a:extLst>
-          </a:blip>
-          <a:srcRect/>
-          <a:stretch>
-            <a:fillRect/>
-          </a:stretch>
-        </p:blipFill>
-        <p:spPr bwMode="auto">
-          <a:xfrm>
-            <a:off x="6899267" y="28344504"/>
-            <a:ext cx="5796557" cy="5601569"/>
-          </a:xfrm>
-          <a:prstGeom prst="rect">
-            <a:avLst/>
-          </a:prstGeom>
-          <a:noFill/>
-          <a:extLst>
-            <a:ext uri="{909E8E84-426E-40DD-AFC4-6F175D3DCCD1}">
-              <a14:hiddenFill xmlns:a14="http://schemas.microsoft.com/office/drawing/2010/main">
-                <a:solidFill>
-                  <a:srgbClr val="FFFFFF"/>
-                </a:solidFill>
-              </a14:hiddenFill>
-            </a:ext>
-          </a:extLst>
-        </p:spPr>
-      </p:pic>
       <p:pic>
         <p:nvPicPr>
           <p:cNvPr id="13316" name="Picture 4" descr="Image result for LAPTOP PNG ICON"/>
@@ -9377,6 +6677,176 @@
           </a:extLst>
         </p:spPr>
       </p:pic>
+      <p:sp>
+        <p:nvSpPr>
+          <p:cNvPr id="9" name="Isosceles Triangle 8">
+            <a:extLst>
+              <a:ext uri="{FF2B5EF4-FFF2-40B4-BE49-F238E27FC236}">
+                <a16:creationId xmlns:a16="http://schemas.microsoft.com/office/drawing/2014/main" xmlns="" id="{B8A3B59D-EB47-4CD0-8DF5-2D3353C60FA6}"/>
+              </a:ext>
+            </a:extLst>
+          </p:cNvPr>
+          <p:cNvSpPr/>
+          <p:nvPr/>
+        </p:nvSpPr>
+        <p:spPr>
+          <a:xfrm rot="10800000">
+            <a:off x="6899267" y="-1"/>
+            <a:ext cx="13217533" cy="13594283"/>
+          </a:xfrm>
+          <a:prstGeom prst="triangle">
+            <a:avLst>
+              <a:gd name="adj" fmla="val 0"/>
+            </a:avLst>
+          </a:prstGeom>
+          <a:solidFill>
+            <a:schemeClr val="bg1">
+              <a:lumMod val="50000"/>
+              <a:alpha val="25000"/>
+            </a:schemeClr>
+          </a:solidFill>
+          <a:ln>
+            <a:noFill/>
+          </a:ln>
+        </p:spPr>
+        <p:style>
+          <a:lnRef idx="2">
+            <a:schemeClr val="accent1">
+              <a:shade val="50000"/>
+            </a:schemeClr>
+          </a:lnRef>
+          <a:fillRef idx="1">
+            <a:schemeClr val="accent1"/>
+          </a:fillRef>
+          <a:effectRef idx="0">
+            <a:schemeClr val="accent1"/>
+          </a:effectRef>
+          <a:fontRef idx="minor">
+            <a:schemeClr val="lt1"/>
+          </a:fontRef>
+        </p:style>
+        <p:txBody>
+          <a:bodyPr rot="0" spcFirstLastPara="0" vertOverflow="overflow" horzOverflow="overflow" vert="horz" wrap="square" lIns="91440" tIns="45720" rIns="91440" bIns="45720" numCol="1" spcCol="0" rtlCol="0" fromWordArt="0" anchor="ctr" anchorCtr="0" forceAA="0" compatLnSpc="1">
+            <a:prstTxWarp prst="textNoShape">
+              <a:avLst/>
+            </a:prstTxWarp>
+            <a:noAutofit/>
+          </a:bodyPr>
+          <a:lstStyle/>
+          <a:p>
+            <a:pPr algn="ctr"/>
+            <a:endParaRPr lang="en-US"/>
+          </a:p>
+        </p:txBody>
+      </p:sp>
+      <p:pic>
+        <p:nvPicPr>
+          <p:cNvPr id="13314" name="Picture 2" descr="Image result for BOX PNG ICON"/>
+          <p:cNvPicPr>
+            <a:picLocks noChangeAspect="1" noChangeArrowheads="1"/>
+          </p:cNvPicPr>
+          <p:nvPr/>
+        </p:nvPicPr>
+        <p:blipFill>
+          <a:blip r:embed="rId7" cstate="print">
+            <a:duotone>
+              <a:schemeClr val="accent4">
+                <a:shade val="45000"/>
+                <a:satMod val="135000"/>
+              </a:schemeClr>
+              <a:prstClr val="white"/>
+            </a:duotone>
+            <a:extLst>
+              <a:ext uri="{28A0092B-C50C-407E-A947-70E740481C1C}">
+                <a14:useLocalDpi xmlns:a14="http://schemas.microsoft.com/office/drawing/2010/main" val="0"/>
+              </a:ext>
+            </a:extLst>
+          </a:blip>
+          <a:srcRect/>
+          <a:stretch>
+            <a:fillRect/>
+          </a:stretch>
+        </p:blipFill>
+        <p:spPr bwMode="auto">
+          <a:xfrm>
+            <a:off x="6899267" y="28344504"/>
+            <a:ext cx="5796557" cy="5601569"/>
+          </a:xfrm>
+          <a:prstGeom prst="rect">
+            <a:avLst/>
+          </a:prstGeom>
+          <a:noFill/>
+          <a:extLst>
+            <a:ext uri="{909E8E84-426E-40DD-AFC4-6F175D3DCCD1}">
+              <a14:hiddenFill xmlns:a14="http://schemas.microsoft.com/office/drawing/2010/main">
+                <a:solidFill>
+                  <a:srgbClr val="FFFFFF"/>
+                </a:solidFill>
+              </a14:hiddenFill>
+            </a:ext>
+          </a:extLst>
+        </p:spPr>
+      </p:pic>
+      <p:sp>
+        <p:nvSpPr>
+          <p:cNvPr id="12" name="Rectangle 11">
+            <a:extLst>
+              <a:ext uri="{FF2B5EF4-FFF2-40B4-BE49-F238E27FC236}">
+                <a16:creationId xmlns:a16="http://schemas.microsoft.com/office/drawing/2014/main" xmlns="" id="{676B280A-C61B-4327-9C1A-94BD31F7BA75}"/>
+              </a:ext>
+            </a:extLst>
+          </p:cNvPr>
+          <p:cNvSpPr/>
+          <p:nvPr/>
+        </p:nvSpPr>
+        <p:spPr>
+          <a:xfrm>
+            <a:off x="-260856" y="18222810"/>
+            <a:ext cx="20377655" cy="2534999"/>
+          </a:xfrm>
+          <a:prstGeom prst="rect">
+            <a:avLst/>
+          </a:prstGeom>
+          <a:solidFill>
+            <a:schemeClr val="bg1">
+              <a:lumMod val="95000"/>
+              <a:alpha val="25000"/>
+            </a:schemeClr>
+          </a:solidFill>
+          <a:ln>
+            <a:noFill/>
+          </a:ln>
+        </p:spPr>
+        <p:style>
+          <a:lnRef idx="2">
+            <a:schemeClr val="accent1">
+              <a:shade val="50000"/>
+            </a:schemeClr>
+          </a:lnRef>
+          <a:fillRef idx="1">
+            <a:schemeClr val="accent1"/>
+          </a:fillRef>
+          <a:effectRef idx="0">
+            <a:schemeClr val="accent1"/>
+          </a:effectRef>
+          <a:fontRef idx="minor">
+            <a:schemeClr val="lt1"/>
+          </a:fontRef>
+        </p:style>
+        <p:txBody>
+          <a:bodyPr rot="0" spcFirstLastPara="0" vertOverflow="overflow" horzOverflow="overflow" vert="horz" wrap="square" lIns="91440" tIns="45720" rIns="91440" bIns="45720" numCol="1" spcCol="0" rtlCol="0" fromWordArt="0" anchor="ctr" anchorCtr="0" forceAA="0" compatLnSpc="1">
+            <a:prstTxWarp prst="textNoShape">
+              <a:avLst/>
+            </a:prstTxWarp>
+            <a:noAutofit/>
+          </a:bodyPr>
+          <a:lstStyle/>
+          <a:p>
+            <a:pPr algn="ctr"/>
+            <a:endParaRPr lang="en-US"/>
+          </a:p>
+        </p:txBody>
+      </p:sp>
     </p:spTree>
     <p:extLst>
       <p:ext uri="{BB962C8B-B14F-4D97-AF65-F5344CB8AC3E}">
@@ -9385,7 +6855,7 @@
     </p:extLst>
   </p:cSld>
   <p:clrMapOvr>
-    <a:masterClrMapping/>
+    <a:overrideClrMapping bg1="lt1" tx1="dk1" bg2="lt2" tx2="dk2" accent1="accent1" accent2="accent2" accent3="accent3" accent4="accent4" accent5="accent5" accent6="accent6" hlink="hlink" folHlink="folHlink"/>
   </p:clrMapOvr>
   <mc:AlternateContent xmlns:mc="http://schemas.openxmlformats.org/markup-compatibility/2006" xmlns:p14="http://schemas.microsoft.com/office/powerpoint/2010/main">
     <mc:Choice Requires="p14">
@@ -9524,8 +6994,9 @@
     <p:bg>
       <p:bgPr>
         <a:solidFill>
-          <a:schemeClr val="accent1">
+          <a:schemeClr val="tx1">
             <a:lumMod val="75000"/>
+            <a:lumOff val="25000"/>
           </a:schemeClr>
         </a:solidFill>
         <a:effectLst/>
@@ -9691,7 +7162,7 @@
               <p:nvPr/>
             </p:nvPicPr>
             <p:blipFill rotWithShape="1">
-              <a:blip r:embed="rId2" cstate="print">
+              <a:blip r:embed="rId3" cstate="print">
                 <a:extLst>
                   <a:ext uri="{28A0092B-C50C-407E-A947-70E740481C1C}">
                     <a14:useLocalDpi xmlns:a14="http://schemas.microsoft.com/office/drawing/2010/main" val="0"/>
@@ -9803,7 +7274,7 @@
               <p:nvPr/>
             </p:nvPicPr>
             <p:blipFill>
-              <a:blip r:embed="rId3" cstate="print">
+              <a:blip r:embed="rId4" cstate="print">
                 <a:extLst>
                   <a:ext uri="{28A0092B-C50C-407E-A947-70E740481C1C}">
                     <a14:useLocalDpi xmlns:a14="http://schemas.microsoft.com/office/drawing/2010/main" val="0"/>
@@ -9916,7 +7387,7 @@
               <p:nvPr/>
             </p:nvPicPr>
             <p:blipFill rotWithShape="1">
-              <a:blip r:embed="rId4" cstate="print">
+              <a:blip r:embed="rId5" cstate="print">
                 <a:extLst>
                   <a:ext uri="{28A0092B-C50C-407E-A947-70E740481C1C}">
                     <a14:useLocalDpi xmlns:a14="http://schemas.microsoft.com/office/drawing/2010/main" val="0"/>
@@ -10015,7 +7486,7 @@
           <p:nvPr/>
         </p:nvPicPr>
         <p:blipFill>
-          <a:blip r:embed="rId5" cstate="print">
+          <a:blip r:embed="rId6" cstate="print">
             <a:lum bright="70000" contrast="-70000"/>
             <a:extLst>
               <a:ext uri="{28A0092B-C50C-407E-A947-70E740481C1C}">
@@ -10057,7 +7528,7 @@
           <p:nvPr/>
         </p:nvPicPr>
         <p:blipFill>
-          <a:blip r:embed="rId6" cstate="print">
+          <a:blip r:embed="rId7" cstate="print">
             <a:lum bright="70000" contrast="-70000"/>
             <a:extLst>
               <a:ext uri="{28A0092B-C50C-407E-A947-70E740481C1C}">
@@ -10099,7 +7570,7 @@
           <p:nvPr/>
         </p:nvPicPr>
         <p:blipFill>
-          <a:blip r:embed="rId7" cstate="print">
+          <a:blip r:embed="rId8" cstate="print">
             <a:lum bright="70000" contrast="-70000"/>
             <a:extLst>
               <a:ext uri="{28A0092B-C50C-407E-A947-70E740481C1C}">
@@ -10132,6 +7603,190 @@
           </a:extLst>
         </p:spPr>
       </p:pic>
+      <p:sp>
+        <p:nvSpPr>
+          <p:cNvPr id="20" name="Isosceles Triangle 19">
+            <a:extLst>
+              <a:ext uri="{FF2B5EF4-FFF2-40B4-BE49-F238E27FC236}">
+                <a16:creationId xmlns:a16="http://schemas.microsoft.com/office/drawing/2014/main" xmlns="" id="{B8A3B59D-EB47-4CD0-8DF5-2D3353C60FA6}"/>
+              </a:ext>
+            </a:extLst>
+          </p:cNvPr>
+          <p:cNvSpPr/>
+          <p:nvPr/>
+        </p:nvSpPr>
+        <p:spPr>
+          <a:xfrm rot="5400000">
+            <a:off x="203914" y="-188375"/>
+            <a:ext cx="13217533" cy="13594283"/>
+          </a:xfrm>
+          <a:prstGeom prst="triangle">
+            <a:avLst>
+              <a:gd name="adj" fmla="val 0"/>
+            </a:avLst>
+          </a:prstGeom>
+          <a:solidFill>
+            <a:schemeClr val="bg1">
+              <a:lumMod val="50000"/>
+              <a:alpha val="25000"/>
+            </a:schemeClr>
+          </a:solidFill>
+          <a:ln>
+            <a:noFill/>
+          </a:ln>
+        </p:spPr>
+        <p:style>
+          <a:lnRef idx="2">
+            <a:schemeClr val="accent1">
+              <a:shade val="50000"/>
+            </a:schemeClr>
+          </a:lnRef>
+          <a:fillRef idx="1">
+            <a:schemeClr val="accent1"/>
+          </a:fillRef>
+          <a:effectRef idx="0">
+            <a:schemeClr val="accent1"/>
+          </a:effectRef>
+          <a:fontRef idx="minor">
+            <a:schemeClr val="lt1"/>
+          </a:fontRef>
+        </p:style>
+        <p:txBody>
+          <a:bodyPr rot="0" spcFirstLastPara="0" vertOverflow="overflow" horzOverflow="overflow" vert="horz" wrap="square" lIns="91440" tIns="45720" rIns="91440" bIns="45720" numCol="1" spcCol="0" rtlCol="0" fromWordArt="0" anchor="ctr" anchorCtr="0" forceAA="0" compatLnSpc="1">
+            <a:prstTxWarp prst="textNoShape">
+              <a:avLst/>
+            </a:prstTxWarp>
+            <a:noAutofit/>
+          </a:bodyPr>
+          <a:lstStyle/>
+          <a:p>
+            <a:pPr algn="ctr"/>
+            <a:endParaRPr lang="en-US"/>
+          </a:p>
+        </p:txBody>
+      </p:sp>
+      <p:sp>
+        <p:nvSpPr>
+          <p:cNvPr id="21" name="Isosceles Triangle 20">
+            <a:extLst>
+              <a:ext uri="{FF2B5EF4-FFF2-40B4-BE49-F238E27FC236}">
+                <a16:creationId xmlns:a16="http://schemas.microsoft.com/office/drawing/2014/main" xmlns="" id="{B8A3B59D-EB47-4CD0-8DF5-2D3353C60FA6}"/>
+              </a:ext>
+            </a:extLst>
+          </p:cNvPr>
+          <p:cNvSpPr/>
+          <p:nvPr/>
+        </p:nvSpPr>
+        <p:spPr>
+          <a:xfrm rot="16200000">
+            <a:off x="6710892" y="22255692"/>
+            <a:ext cx="13217533" cy="13594283"/>
+          </a:xfrm>
+          <a:prstGeom prst="triangle">
+            <a:avLst>
+              <a:gd name="adj" fmla="val 0"/>
+            </a:avLst>
+          </a:prstGeom>
+          <a:solidFill>
+            <a:schemeClr val="bg1">
+              <a:lumMod val="50000"/>
+              <a:alpha val="25000"/>
+            </a:schemeClr>
+          </a:solidFill>
+          <a:ln>
+            <a:noFill/>
+          </a:ln>
+        </p:spPr>
+        <p:style>
+          <a:lnRef idx="2">
+            <a:schemeClr val="accent1">
+              <a:shade val="50000"/>
+            </a:schemeClr>
+          </a:lnRef>
+          <a:fillRef idx="1">
+            <a:schemeClr val="accent1"/>
+          </a:fillRef>
+          <a:effectRef idx="0">
+            <a:schemeClr val="accent1"/>
+          </a:effectRef>
+          <a:fontRef idx="minor">
+            <a:schemeClr val="lt1"/>
+          </a:fontRef>
+        </p:style>
+        <p:txBody>
+          <a:bodyPr rot="0" spcFirstLastPara="0" vertOverflow="overflow" horzOverflow="overflow" vert="horz" wrap="square" lIns="91440" tIns="45720" rIns="91440" bIns="45720" numCol="1" spcCol="0" rtlCol="0" fromWordArt="0" anchor="ctr" anchorCtr="0" forceAA="0" compatLnSpc="1">
+            <a:prstTxWarp prst="textNoShape">
+              <a:avLst/>
+            </a:prstTxWarp>
+            <a:noAutofit/>
+          </a:bodyPr>
+          <a:lstStyle/>
+          <a:p>
+            <a:pPr algn="ctr"/>
+            <a:endParaRPr lang="en-US"/>
+          </a:p>
+        </p:txBody>
+      </p:sp>
+      <p:sp>
+        <p:nvSpPr>
+          <p:cNvPr id="22" name="Rectangle 21">
+            <a:extLst>
+              <a:ext uri="{FF2B5EF4-FFF2-40B4-BE49-F238E27FC236}">
+                <a16:creationId xmlns:a16="http://schemas.microsoft.com/office/drawing/2014/main" xmlns="" id="{676B280A-C61B-4327-9C1A-94BD31F7BA75}"/>
+              </a:ext>
+            </a:extLst>
+          </p:cNvPr>
+          <p:cNvSpPr/>
+          <p:nvPr/>
+        </p:nvSpPr>
+        <p:spPr>
+          <a:xfrm>
+            <a:off x="0" y="7998205"/>
+            <a:ext cx="20116800" cy="1669143"/>
+          </a:xfrm>
+          <a:prstGeom prst="rect">
+            <a:avLst/>
+          </a:prstGeom>
+          <a:solidFill>
+            <a:schemeClr val="bg1">
+              <a:lumMod val="95000"/>
+              <a:alpha val="25000"/>
+            </a:schemeClr>
+          </a:solidFill>
+          <a:ln>
+            <a:noFill/>
+          </a:ln>
+        </p:spPr>
+        <p:style>
+          <a:lnRef idx="2">
+            <a:schemeClr val="accent1">
+              <a:shade val="50000"/>
+            </a:schemeClr>
+          </a:lnRef>
+          <a:fillRef idx="1">
+            <a:schemeClr val="accent1"/>
+          </a:fillRef>
+          <a:effectRef idx="0">
+            <a:schemeClr val="accent1"/>
+          </a:effectRef>
+          <a:fontRef idx="minor">
+            <a:schemeClr val="lt1"/>
+          </a:fontRef>
+        </p:style>
+        <p:txBody>
+          <a:bodyPr rot="0" spcFirstLastPara="0" vertOverflow="overflow" horzOverflow="overflow" vert="horz" wrap="square" lIns="91440" tIns="45720" rIns="91440" bIns="45720" numCol="1" spcCol="0" rtlCol="0" fromWordArt="0" anchor="ctr" anchorCtr="0" forceAA="0" compatLnSpc="1">
+            <a:prstTxWarp prst="textNoShape">
+              <a:avLst/>
+            </a:prstTxWarp>
+            <a:noAutofit/>
+          </a:bodyPr>
+          <a:lstStyle/>
+          <a:p>
+            <a:pPr algn="ctr"/>
+            <a:endParaRPr lang="en-US"/>
+          </a:p>
+        </p:txBody>
+      </p:sp>
     </p:spTree>
     <p:extLst>
       <p:ext uri="{BB962C8B-B14F-4D97-AF65-F5344CB8AC3E}">
@@ -10140,7 +7795,7 @@
     </p:extLst>
   </p:cSld>
   <p:clrMapOvr>
-    <a:masterClrMapping/>
+    <a:overrideClrMapping bg1="lt1" tx1="dk1" bg2="lt2" tx2="dk2" accent1="accent1" accent2="accent2" accent3="accent3" accent4="accent4" accent5="accent5" accent6="accent6" hlink="hlink" folHlink="folHlink"/>
   </p:clrMapOvr>
   <mc:AlternateContent xmlns:mc="http://schemas.openxmlformats.org/markup-compatibility/2006" xmlns:p14="http://schemas.microsoft.com/office/powerpoint/2010/main">
     <mc:Choice Requires="p14">
@@ -10635,263 +8290,217 @@
 </a:theme>
 </file>
 
-<file path=ppt/theme/theme2.xml><?xml version="1.0" encoding="utf-8"?>
-<a:theme xmlns:a="http://schemas.openxmlformats.org/drawingml/2006/main" name="2_Office Theme">
-  <a:themeElements>
-    <a:clrScheme name="Office Theme">
-      <a:dk1>
-        <a:sysClr val="windowText" lastClr="000000"/>
-      </a:dk1>
-      <a:lt1>
-        <a:sysClr val="window" lastClr="FFFFFF"/>
-      </a:lt1>
-      <a:dk2>
-        <a:srgbClr val="44546A"/>
-      </a:dk2>
-      <a:lt2>
-        <a:srgbClr val="E7E6E6"/>
-      </a:lt2>
-      <a:accent1>
-        <a:srgbClr val="5B9BD5"/>
-      </a:accent1>
-      <a:accent2>
-        <a:srgbClr val="ED7D31"/>
-      </a:accent2>
-      <a:accent3>
-        <a:srgbClr val="A5A5A5"/>
-      </a:accent3>
-      <a:accent4>
-        <a:srgbClr val="FFC000"/>
-      </a:accent4>
-      <a:accent5>
-        <a:srgbClr val="4472C4"/>
-      </a:accent5>
-      <a:accent6>
-        <a:srgbClr val="70AD47"/>
-      </a:accent6>
-      <a:hlink>
-        <a:srgbClr val="0563C1"/>
-      </a:hlink>
-      <a:folHlink>
-        <a:srgbClr val="954F72"/>
-      </a:folHlink>
-    </a:clrScheme>
-    <a:fontScheme name="Office Theme">
-      <a:majorFont>
-        <a:latin typeface="Calibri Light" panose="020F0302020204030204"/>
-        <a:ea typeface=""/>
-        <a:cs typeface=""/>
-        <a:font script="Jpan" typeface="游ゴシック Light"/>
-        <a:font script="Hang" typeface="맑은 고딕"/>
-        <a:font script="Hans" typeface="等线 Light"/>
-        <a:font script="Hant" typeface="新細明體"/>
-        <a:font script="Arab" typeface="Times New Roman"/>
-        <a:font script="Hebr" typeface="Times New Roman"/>
-        <a:font script="Thai" typeface="Angsana New"/>
-        <a:font script="Ethi" typeface="Nyala"/>
-        <a:font script="Beng" typeface="Vrinda"/>
-        <a:font script="Gujr" typeface="Shruti"/>
-        <a:font script="Khmr" typeface="MoolBoran"/>
-        <a:font script="Knda" typeface="Tunga"/>
-        <a:font script="Guru" typeface="Raavi"/>
-        <a:font script="Cans" typeface="Euphemia"/>
-        <a:font script="Cher" typeface="Plantagenet Cherokee"/>
-        <a:font script="Yiii" typeface="Microsoft Yi Baiti"/>
-        <a:font script="Tibt" typeface="Microsoft Himalaya"/>
-        <a:font script="Thaa" typeface="MV Boli"/>
-        <a:font script="Deva" typeface="Mangal"/>
-        <a:font script="Telu" typeface="Gautami"/>
-        <a:font script="Taml" typeface="Latha"/>
-        <a:font script="Syrc" typeface="Estrangelo Edessa"/>
-        <a:font script="Orya" typeface="Kalinga"/>
-        <a:font script="Mlym" typeface="Kartika"/>
-        <a:font script="Laoo" typeface="DokChampa"/>
-        <a:font script="Sinh" typeface="Iskoola Pota"/>
-        <a:font script="Mong" typeface="Mongolian Baiti"/>
-        <a:font script="Viet" typeface="Times New Roman"/>
-        <a:font script="Uigh" typeface="Microsoft Uighur"/>
-        <a:font script="Geor" typeface="Sylfaen"/>
-      </a:majorFont>
-      <a:minorFont>
-        <a:latin typeface="Calibri" panose="020F0502020204030204"/>
-        <a:ea typeface=""/>
-        <a:cs typeface=""/>
-        <a:font script="Jpan" typeface="游ゴシック"/>
-        <a:font script="Hang" typeface="맑은 고딕"/>
-        <a:font script="Hans" typeface="等线"/>
-        <a:font script="Hant" typeface="新細明體"/>
-        <a:font script="Arab" typeface="Arial"/>
-        <a:font script="Hebr" typeface="Arial"/>
-        <a:font script="Thai" typeface="Cordia New"/>
-        <a:font script="Ethi" typeface="Nyala"/>
-        <a:font script="Beng" typeface="Vrinda"/>
-        <a:font script="Gujr" typeface="Shruti"/>
-        <a:font script="Khmr" typeface="DaunPenh"/>
-        <a:font script="Knda" typeface="Tunga"/>
-        <a:font script="Guru" typeface="Raavi"/>
-        <a:font script="Cans" typeface="Euphemia"/>
-        <a:font script="Cher" typeface="Plantagenet Cherokee"/>
-        <a:font script="Yiii" typeface="Microsoft Yi Baiti"/>
-        <a:font script="Tibt" typeface="Microsoft Himalaya"/>
-        <a:font script="Thaa" typeface="MV Boli"/>
-        <a:font script="Deva" typeface="Mangal"/>
-        <a:font script="Telu" typeface="Gautami"/>
-        <a:font script="Taml" typeface="Latha"/>
-        <a:font script="Syrc" typeface="Estrangelo Edessa"/>
-        <a:font script="Orya" typeface="Kalinga"/>
-        <a:font script="Mlym" typeface="Kartika"/>
-        <a:font script="Laoo" typeface="DokChampa"/>
-        <a:font script="Sinh" typeface="Iskoola Pota"/>
-        <a:font script="Mong" typeface="Mongolian Baiti"/>
-        <a:font script="Viet" typeface="Arial"/>
-        <a:font script="Uigh" typeface="Microsoft Uighur"/>
-        <a:font script="Geor" typeface="Sylfaen"/>
-      </a:minorFont>
-    </a:fontScheme>
-    <a:fmtScheme name="Office Theme">
-      <a:fillStyleLst>
-        <a:solidFill>
-          <a:schemeClr val="phClr"/>
-        </a:solidFill>
-        <a:gradFill rotWithShape="1">
-          <a:gsLst>
-            <a:gs pos="0">
-              <a:schemeClr val="phClr">
-                <a:lumMod val="110000"/>
-                <a:satMod val="105000"/>
-                <a:tint val="67000"/>
-              </a:schemeClr>
-            </a:gs>
-            <a:gs pos="50000">
-              <a:schemeClr val="phClr">
-                <a:lumMod val="105000"/>
-                <a:satMod val="103000"/>
-                <a:tint val="73000"/>
-              </a:schemeClr>
-            </a:gs>
-            <a:gs pos="100000">
-              <a:schemeClr val="phClr">
-                <a:lumMod val="105000"/>
-                <a:satMod val="109000"/>
-                <a:tint val="81000"/>
-              </a:schemeClr>
-            </a:gs>
-          </a:gsLst>
-          <a:lin ang="5400000" scaled="0"/>
-        </a:gradFill>
-        <a:gradFill rotWithShape="1">
-          <a:gsLst>
-            <a:gs pos="0">
-              <a:schemeClr val="phClr">
-                <a:satMod val="103000"/>
-                <a:lumMod val="102000"/>
-                <a:tint val="94000"/>
-              </a:schemeClr>
-            </a:gs>
-            <a:gs pos="50000">
-              <a:schemeClr val="phClr">
-                <a:satMod val="110000"/>
-                <a:lumMod val="100000"/>
-                <a:shade val="100000"/>
-              </a:schemeClr>
-            </a:gs>
-            <a:gs pos="100000">
-              <a:schemeClr val="phClr">
-                <a:lumMod val="99000"/>
-                <a:satMod val="120000"/>
-                <a:shade val="78000"/>
-              </a:schemeClr>
-            </a:gs>
-          </a:gsLst>
-          <a:lin ang="5400000" scaled="0"/>
-        </a:gradFill>
-      </a:fillStyleLst>
-      <a:lnStyleLst>
-        <a:ln w="6350" cap="flat" cmpd="sng" algn="ctr">
-          <a:solidFill>
-            <a:schemeClr val="phClr"/>
-          </a:solidFill>
-          <a:prstDash val="solid"/>
-          <a:miter lim="800000"/>
-        </a:ln>
-        <a:ln w="12700" cap="flat" cmpd="sng" algn="ctr">
-          <a:solidFill>
-            <a:schemeClr val="phClr"/>
-          </a:solidFill>
-          <a:prstDash val="solid"/>
-          <a:miter lim="800000"/>
-        </a:ln>
-        <a:ln w="19050" cap="flat" cmpd="sng" algn="ctr">
-          <a:solidFill>
-            <a:schemeClr val="phClr"/>
-          </a:solidFill>
-          <a:prstDash val="solid"/>
-          <a:miter lim="800000"/>
-        </a:ln>
-      </a:lnStyleLst>
-      <a:effectStyleLst>
-        <a:effectStyle>
-          <a:effectLst/>
-        </a:effectStyle>
-        <a:effectStyle>
-          <a:effectLst/>
-        </a:effectStyle>
-        <a:effectStyle>
-          <a:effectLst>
-            <a:outerShdw blurRad="57150" dist="19050" dir="5400000" algn="ctr" rotWithShape="0">
-              <a:srgbClr val="000000">
-                <a:alpha val="63000"/>
-              </a:srgbClr>
-            </a:outerShdw>
-          </a:effectLst>
-        </a:effectStyle>
-      </a:effectStyleLst>
-      <a:bgFillStyleLst>
-        <a:solidFill>
-          <a:schemeClr val="phClr"/>
-        </a:solidFill>
-        <a:solidFill>
-          <a:schemeClr val="phClr">
-            <a:tint val="95000"/>
-            <a:satMod val="170000"/>
-          </a:schemeClr>
-        </a:solidFill>
-        <a:gradFill rotWithShape="1">
-          <a:gsLst>
-            <a:gs pos="0">
-              <a:schemeClr val="phClr">
-                <a:tint val="93000"/>
-                <a:satMod val="150000"/>
-                <a:shade val="98000"/>
-                <a:lumMod val="102000"/>
-              </a:schemeClr>
-            </a:gs>
-            <a:gs pos="50000">
-              <a:schemeClr val="phClr">
-                <a:tint val="98000"/>
-                <a:satMod val="130000"/>
-                <a:shade val="90000"/>
-                <a:lumMod val="103000"/>
-              </a:schemeClr>
-            </a:gs>
-            <a:gs pos="100000">
-              <a:schemeClr val="phClr">
-                <a:shade val="63000"/>
-                <a:satMod val="120000"/>
-              </a:schemeClr>
-            </a:gs>
-          </a:gsLst>
-          <a:lin ang="5400000" scaled="0"/>
-        </a:gradFill>
-      </a:bgFillStyleLst>
-    </a:fmtScheme>
-  </a:themeElements>
-  <a:objectDefaults/>
-  <a:extraClrSchemeLst/>
-  <a:extLst>
-    <a:ext uri="{05A4C25C-085E-4340-85A3-A5531E510DB2}">
-      <thm15:themeFamily xmlns:thm15="http://schemas.microsoft.com/office/thememl/2012/main" name="Office Theme" id="{62F939B6-93AF-4DB8-9C6B-D6C7DFDC589F}" vid="{4A3C46E8-61CC-4603-A589-7422A47A8E4A}"/>
-    </a:ext>
-  </a:extLst>
-</a:theme>
+<file path=ppt/theme/themeOverride1.xml><?xml version="1.0" encoding="utf-8"?>
+<a:themeOverride xmlns:a="http://schemas.openxmlformats.org/drawingml/2006/main">
+  <a:clrScheme name="Office Theme">
+    <a:dk1>
+      <a:sysClr val="windowText" lastClr="000000"/>
+    </a:dk1>
+    <a:lt1>
+      <a:sysClr val="window" lastClr="FFFFFF"/>
+    </a:lt1>
+    <a:dk2>
+      <a:srgbClr val="44546A"/>
+    </a:dk2>
+    <a:lt2>
+      <a:srgbClr val="E7E6E6"/>
+    </a:lt2>
+    <a:accent1>
+      <a:srgbClr val="5B9BD5"/>
+    </a:accent1>
+    <a:accent2>
+      <a:srgbClr val="ED7D31"/>
+    </a:accent2>
+    <a:accent3>
+      <a:srgbClr val="A5A5A5"/>
+    </a:accent3>
+    <a:accent4>
+      <a:srgbClr val="FFC000"/>
+    </a:accent4>
+    <a:accent5>
+      <a:srgbClr val="4472C4"/>
+    </a:accent5>
+    <a:accent6>
+      <a:srgbClr val="70AD47"/>
+    </a:accent6>
+    <a:hlink>
+      <a:srgbClr val="0563C1"/>
+    </a:hlink>
+    <a:folHlink>
+      <a:srgbClr val="954F72"/>
+    </a:folHlink>
+  </a:clrScheme>
+</a:themeOverride>
+</file>
+
+<file path=ppt/theme/themeOverride2.xml><?xml version="1.0" encoding="utf-8"?>
+<a:themeOverride xmlns:a="http://schemas.openxmlformats.org/drawingml/2006/main">
+  <a:clrScheme name="Office Theme">
+    <a:dk1>
+      <a:sysClr val="windowText" lastClr="000000"/>
+    </a:dk1>
+    <a:lt1>
+      <a:sysClr val="window" lastClr="FFFFFF"/>
+    </a:lt1>
+    <a:dk2>
+      <a:srgbClr val="44546A"/>
+    </a:dk2>
+    <a:lt2>
+      <a:srgbClr val="E7E6E6"/>
+    </a:lt2>
+    <a:accent1>
+      <a:srgbClr val="5B9BD5"/>
+    </a:accent1>
+    <a:accent2>
+      <a:srgbClr val="ED7D31"/>
+    </a:accent2>
+    <a:accent3>
+      <a:srgbClr val="A5A5A5"/>
+    </a:accent3>
+    <a:accent4>
+      <a:srgbClr val="FFC000"/>
+    </a:accent4>
+    <a:accent5>
+      <a:srgbClr val="4472C4"/>
+    </a:accent5>
+    <a:accent6>
+      <a:srgbClr val="70AD47"/>
+    </a:accent6>
+    <a:hlink>
+      <a:srgbClr val="0563C1"/>
+    </a:hlink>
+    <a:folHlink>
+      <a:srgbClr val="954F72"/>
+    </a:folHlink>
+  </a:clrScheme>
+</a:themeOverride>
+</file>
+
+<file path=ppt/theme/themeOverride3.xml><?xml version="1.0" encoding="utf-8"?>
+<a:themeOverride xmlns:a="http://schemas.openxmlformats.org/drawingml/2006/main">
+  <a:clrScheme name="Office Theme">
+    <a:dk1>
+      <a:sysClr val="windowText" lastClr="000000"/>
+    </a:dk1>
+    <a:lt1>
+      <a:sysClr val="window" lastClr="FFFFFF"/>
+    </a:lt1>
+    <a:dk2>
+      <a:srgbClr val="44546A"/>
+    </a:dk2>
+    <a:lt2>
+      <a:srgbClr val="E7E6E6"/>
+    </a:lt2>
+    <a:accent1>
+      <a:srgbClr val="5B9BD5"/>
+    </a:accent1>
+    <a:accent2>
+      <a:srgbClr val="ED7D31"/>
+    </a:accent2>
+    <a:accent3>
+      <a:srgbClr val="A5A5A5"/>
+    </a:accent3>
+    <a:accent4>
+      <a:srgbClr val="FFC000"/>
+    </a:accent4>
+    <a:accent5>
+      <a:srgbClr val="4472C4"/>
+    </a:accent5>
+    <a:accent6>
+      <a:srgbClr val="70AD47"/>
+    </a:accent6>
+    <a:hlink>
+      <a:srgbClr val="0563C1"/>
+    </a:hlink>
+    <a:folHlink>
+      <a:srgbClr val="954F72"/>
+    </a:folHlink>
+  </a:clrScheme>
+</a:themeOverride>
+</file>
+
+<file path=ppt/theme/themeOverride4.xml><?xml version="1.0" encoding="utf-8"?>
+<a:themeOverride xmlns:a="http://schemas.openxmlformats.org/drawingml/2006/main">
+  <a:clrScheme name="Office Theme">
+    <a:dk1>
+      <a:sysClr val="windowText" lastClr="000000"/>
+    </a:dk1>
+    <a:lt1>
+      <a:sysClr val="window" lastClr="FFFFFF"/>
+    </a:lt1>
+    <a:dk2>
+      <a:srgbClr val="44546A"/>
+    </a:dk2>
+    <a:lt2>
+      <a:srgbClr val="E7E6E6"/>
+    </a:lt2>
+    <a:accent1>
+      <a:srgbClr val="5B9BD5"/>
+    </a:accent1>
+    <a:accent2>
+      <a:srgbClr val="ED7D31"/>
+    </a:accent2>
+    <a:accent3>
+      <a:srgbClr val="A5A5A5"/>
+    </a:accent3>
+    <a:accent4>
+      <a:srgbClr val="FFC000"/>
+    </a:accent4>
+    <a:accent5>
+      <a:srgbClr val="4472C4"/>
+    </a:accent5>
+    <a:accent6>
+      <a:srgbClr val="70AD47"/>
+    </a:accent6>
+    <a:hlink>
+      <a:srgbClr val="0563C1"/>
+    </a:hlink>
+    <a:folHlink>
+      <a:srgbClr val="954F72"/>
+    </a:folHlink>
+  </a:clrScheme>
+</a:themeOverride>
+</file>
+
+<file path=ppt/theme/themeOverride5.xml><?xml version="1.0" encoding="utf-8"?>
+<a:themeOverride xmlns:a="http://schemas.openxmlformats.org/drawingml/2006/main">
+  <a:clrScheme name="Office Theme">
+    <a:dk1>
+      <a:sysClr val="windowText" lastClr="000000"/>
+    </a:dk1>
+    <a:lt1>
+      <a:sysClr val="window" lastClr="FFFFFF"/>
+    </a:lt1>
+    <a:dk2>
+      <a:srgbClr val="44546A"/>
+    </a:dk2>
+    <a:lt2>
+      <a:srgbClr val="E7E6E6"/>
+    </a:lt2>
+    <a:accent1>
+      <a:srgbClr val="5B9BD5"/>
+    </a:accent1>
+    <a:accent2>
+      <a:srgbClr val="ED7D31"/>
+    </a:accent2>
+    <a:accent3>
+      <a:srgbClr val="A5A5A5"/>
+    </a:accent3>
+    <a:accent4>
+      <a:srgbClr val="FFC000"/>
+    </a:accent4>
+    <a:accent5>
+      <a:srgbClr val="4472C4"/>
+    </a:accent5>
+    <a:accent6>
+      <a:srgbClr val="70AD47"/>
+    </a:accent6>
+    <a:hlink>
+      <a:srgbClr val="0563C1"/>
+    </a:hlink>
+    <a:folHlink>
+      <a:srgbClr val="954F72"/>
+    </a:folHlink>
+  </a:clrScheme>
+</a:themeOverride>
 </file>
--- a/images/slides/Powerpoint/Dashboard Pictures (Potrait).pptx
+++ b/images/slides/Powerpoint/Dashboard Pictures (Potrait).pptx
@@ -255,7 +255,7 @@
                 </a:solidFill>
               </a:rPr>
               <a:pPr/>
-              <a:t>11/13/2018</a:t>
+              <a:t>1/14/2019</a:t>
             </a:fld>
             <a:endParaRPr lang="en-US">
               <a:solidFill>
@@ -476,7 +476,7 @@
                 </a:solidFill>
               </a:rPr>
               <a:pPr/>
-              <a:t>11/13/2018</a:t>
+              <a:t>1/14/2019</a:t>
             </a:fld>
             <a:endParaRPr lang="en-US">
               <a:solidFill>
@@ -707,7 +707,7 @@
                 </a:solidFill>
               </a:rPr>
               <a:pPr/>
-              <a:t>11/13/2018</a:t>
+              <a:t>1/14/2019</a:t>
             </a:fld>
             <a:endParaRPr lang="en-US">
               <a:solidFill>
@@ -928,7 +928,7 @@
                 </a:solidFill>
               </a:rPr>
               <a:pPr/>
-              <a:t>11/13/2018</a:t>
+              <a:t>1/14/2019</a:t>
             </a:fld>
             <a:endParaRPr lang="en-US">
               <a:solidFill>
@@ -1223,7 +1223,7 @@
                 </a:solidFill>
               </a:rPr>
               <a:pPr/>
-              <a:t>11/13/2018</a:t>
+              <a:t>1/14/2019</a:t>
             </a:fld>
             <a:endParaRPr lang="en-US">
               <a:solidFill>
@@ -1506,7 +1506,7 @@
                 </a:solidFill>
               </a:rPr>
               <a:pPr/>
-              <a:t>11/13/2018</a:t>
+              <a:t>1/14/2019</a:t>
             </a:fld>
             <a:endParaRPr lang="en-US">
               <a:solidFill>
@@ -1924,7 +1924,7 @@
                 </a:solidFill>
               </a:rPr>
               <a:pPr/>
-              <a:t>11/13/2018</a:t>
+              <a:t>1/14/2019</a:t>
             </a:fld>
             <a:endParaRPr lang="en-US">
               <a:solidFill>
@@ -2093,7 +2093,7 @@
                 </a:solidFill>
               </a:rPr>
               <a:pPr/>
-              <a:t>11/13/2018</a:t>
+              <a:t>1/14/2019</a:t>
             </a:fld>
             <a:endParaRPr lang="en-US">
               <a:solidFill>
@@ -2239,7 +2239,7 @@
                 </a:solidFill>
               </a:rPr>
               <a:pPr/>
-              <a:t>11/13/2018</a:t>
+              <a:t>1/14/2019</a:t>
             </a:fld>
             <a:endParaRPr lang="en-US">
               <a:solidFill>
@@ -2567,7 +2567,7 @@
                 </a:solidFill>
               </a:rPr>
               <a:pPr/>
-              <a:t>11/13/2018</a:t>
+              <a:t>1/14/2019</a:t>
             </a:fld>
             <a:endParaRPr lang="en-US">
               <a:solidFill>
@@ -2875,7 +2875,7 @@
                 </a:solidFill>
               </a:rPr>
               <a:pPr/>
-              <a:t>11/13/2018</a:t>
+              <a:t>1/14/2019</a:t>
             </a:fld>
             <a:endParaRPr lang="en-US">
               <a:solidFill>
@@ -3139,7 +3139,7 @@
                 </a:solidFill>
               </a:rPr>
               <a:pPr/>
-              <a:t>11/13/2018</a:t>
+              <a:t>1/14/2019</a:t>
             </a:fld>
             <a:endParaRPr lang="en-US">
               <a:solidFill>
@@ -7127,482 +7127,370 @@
       </p:sp>
       <p:grpSp>
         <p:nvGrpSpPr>
-          <p:cNvPr id="2" name="Group 1"/>
+          <p:cNvPr id="7" name="Group 6"/>
           <p:cNvGrpSpPr/>
           <p:nvPr/>
         </p:nvGrpSpPr>
         <p:grpSpPr>
           <a:xfrm>
-            <a:off x="2954852" y="10747069"/>
-            <a:ext cx="19532614" cy="13988303"/>
-            <a:chOff x="3695365" y="2679401"/>
-            <a:chExt cx="7337990" cy="5255111"/>
+            <a:off x="2964192" y="10747069"/>
+            <a:ext cx="14897983" cy="4695959"/>
+            <a:chOff x="6201443" y="4312943"/>
+            <a:chExt cx="5596857" cy="1764172"/>
           </a:xfrm>
         </p:grpSpPr>
-        <p:grpSp>
-          <p:nvGrpSpPr>
-            <p:cNvPr id="7" name="Group 6"/>
-            <p:cNvGrpSpPr/>
+        <p:pic>
+          <p:nvPicPr>
+            <p:cNvPr id="9" name="Picture 8"/>
+            <p:cNvPicPr>
+              <a:picLocks noChangeAspect="1"/>
+            </p:cNvPicPr>
             <p:nvPr/>
-          </p:nvGrpSpPr>
-          <p:grpSpPr>
+          </p:nvPicPr>
+          <p:blipFill rotWithShape="1">
+            <a:blip r:embed="rId3" cstate="print">
+              <a:extLst>
+                <a:ext uri="{28A0092B-C50C-407E-A947-70E740481C1C}">
+                  <a14:useLocalDpi xmlns:a14="http://schemas.microsoft.com/office/drawing/2010/main" val="0"/>
+                </a:ext>
+              </a:extLst>
+            </a:blip>
+            <a:srcRect t="6142"/>
+            <a:stretch/>
+          </p:blipFill>
+          <p:spPr>
             <a:xfrm>
-              <a:off x="3698874" y="2679401"/>
-              <a:ext cx="5596857" cy="1764173"/>
-              <a:chOff x="6201443" y="4312943"/>
-              <a:chExt cx="5596857" cy="1764172"/>
+              <a:off x="6201443" y="4312943"/>
+              <a:ext cx="1409700" cy="1764172"/>
             </a:xfrm>
-          </p:grpSpPr>
-          <p:pic>
-            <p:nvPicPr>
-              <p:cNvPr id="9" name="Picture 8"/>
-              <p:cNvPicPr>
-                <a:picLocks noChangeAspect="1"/>
-              </p:cNvPicPr>
-              <p:nvPr/>
-            </p:nvPicPr>
-            <p:blipFill rotWithShape="1">
-              <a:blip r:embed="rId3" cstate="print">
-                <a:extLst>
-                  <a:ext uri="{28A0092B-C50C-407E-A947-70E740481C1C}">
-                    <a14:useLocalDpi xmlns:a14="http://schemas.microsoft.com/office/drawing/2010/main" val="0"/>
-                  </a:ext>
-                </a:extLst>
-              </a:blip>
-              <a:srcRect t="6142"/>
-              <a:stretch/>
-            </p:blipFill>
-            <p:spPr>
-              <a:xfrm>
-                <a:off x="6201443" y="4312943"/>
-                <a:ext cx="1409700" cy="1764172"/>
-              </a:xfrm>
-              <a:prstGeom prst="rect">
-                <a:avLst/>
-              </a:prstGeom>
-            </p:spPr>
-          </p:pic>
-          <p:sp>
-            <p:nvSpPr>
-              <p:cNvPr id="10" name="TextBox 9"/>
-              <p:cNvSpPr txBox="1"/>
-              <p:nvPr/>
-            </p:nvSpPr>
-            <p:spPr>
-              <a:xfrm>
-                <a:off x="7683334" y="4416391"/>
-                <a:ext cx="2114698" cy="450938"/>
-              </a:xfrm>
-              <a:prstGeom prst="rect">
-                <a:avLst/>
-              </a:prstGeom>
-              <a:noFill/>
-            </p:spPr>
-            <p:txBody>
-              <a:bodyPr wrap="square" rtlCol="0">
-                <a:spAutoFit/>
-              </a:bodyPr>
-              <a:lstStyle/>
-              <a:p>
-                <a:r>
-                  <a:rPr lang="en-US" sz="7200" dirty="0">
-                    <a:solidFill>
-                      <a:srgbClr val="FFFF00"/>
-                    </a:solidFill>
-                    <a:latin typeface="Century Gothic" panose="020B0502020202020204" pitchFamily="34" charset="0"/>
-                  </a:rPr>
-                  <a:t>MARK</a:t>
-                </a:r>
-              </a:p>
-            </p:txBody>
-          </p:sp>
-          <p:sp>
-            <p:nvSpPr>
-              <p:cNvPr id="11" name="TextBox 10"/>
-              <p:cNvSpPr txBox="1"/>
-              <p:nvPr/>
-            </p:nvSpPr>
-            <p:spPr>
-              <a:xfrm>
-                <a:off x="7683334" y="5078975"/>
-                <a:ext cx="4114966" cy="450938"/>
-              </a:xfrm>
-              <a:prstGeom prst="rect">
-                <a:avLst/>
-              </a:prstGeom>
-              <a:noFill/>
-            </p:spPr>
-            <p:txBody>
-              <a:bodyPr wrap="square" rtlCol="0">
-                <a:spAutoFit/>
-              </a:bodyPr>
-              <a:lstStyle/>
-              <a:p>
-                <a:r>
-                  <a:rPr lang="en-US" sz="7200" dirty="0">
-                    <a:solidFill>
-                      <a:srgbClr val="92D050"/>
-                    </a:solidFill>
-                    <a:latin typeface="Century Gothic" panose="020B0502020202020204" pitchFamily="34" charset="0"/>
-                  </a:rPr>
-                  <a:t>mark@daly.com</a:t>
-                </a:r>
-              </a:p>
-            </p:txBody>
-          </p:sp>
-        </p:grpSp>
-        <p:grpSp>
-          <p:nvGrpSpPr>
-            <p:cNvPr id="12" name="Group 11"/>
-            <p:cNvGrpSpPr/>
+            <a:prstGeom prst="rect">
+              <a:avLst/>
+            </a:prstGeom>
+          </p:spPr>
+        </p:pic>
+        <p:sp>
+          <p:nvSpPr>
+            <p:cNvPr id="10" name="TextBox 9"/>
+            <p:cNvSpPr txBox="1"/>
             <p:nvPr/>
-          </p:nvGrpSpPr>
-          <p:grpSpPr>
+          </p:nvSpPr>
+          <p:spPr>
             <a:xfrm>
-              <a:off x="3695365" y="6504896"/>
-              <a:ext cx="6343381" cy="1429616"/>
-              <a:chOff x="5752764" y="5923090"/>
-              <a:chExt cx="6343381" cy="1429615"/>
+              <a:off x="7683334" y="4416391"/>
+              <a:ext cx="2114698" cy="450938"/>
             </a:xfrm>
-          </p:grpSpPr>
-          <p:pic>
-            <p:nvPicPr>
-              <p:cNvPr id="13" name="Picture 12"/>
-              <p:cNvPicPr>
-                <a:picLocks noChangeAspect="1"/>
-              </p:cNvPicPr>
-              <p:nvPr/>
-            </p:nvPicPr>
-            <p:blipFill>
-              <a:blip r:embed="rId4" cstate="print">
-                <a:extLst>
-                  <a:ext uri="{28A0092B-C50C-407E-A947-70E740481C1C}">
-                    <a14:useLocalDpi xmlns:a14="http://schemas.microsoft.com/office/drawing/2010/main" val="0"/>
-                  </a:ext>
-                </a:extLst>
-              </a:blip>
-              <a:stretch>
-                <a:fillRect/>
-              </a:stretch>
-            </p:blipFill>
-            <p:spPr>
-              <a:xfrm>
-                <a:off x="5752764" y="5923090"/>
-                <a:ext cx="1429615" cy="1429615"/>
-              </a:xfrm>
-              <a:prstGeom prst="rect">
-                <a:avLst/>
-              </a:prstGeom>
-            </p:spPr>
-          </p:pic>
-          <p:sp>
-            <p:nvSpPr>
-              <p:cNvPr id="14" name="TextBox 13"/>
-              <p:cNvSpPr txBox="1"/>
-              <p:nvPr/>
-            </p:nvSpPr>
-            <p:spPr>
-              <a:xfrm>
-                <a:off x="7238162" y="6102413"/>
-                <a:ext cx="2114698" cy="450938"/>
-              </a:xfrm>
-              <a:prstGeom prst="rect">
-                <a:avLst/>
-              </a:prstGeom>
-              <a:noFill/>
-            </p:spPr>
-            <p:txBody>
-              <a:bodyPr wrap="square" rtlCol="0">
-                <a:spAutoFit/>
-              </a:bodyPr>
-              <a:lstStyle/>
-              <a:p>
-                <a:r>
-                  <a:rPr lang="en-US" sz="7200" dirty="0">
-                    <a:solidFill>
-                      <a:srgbClr val="92D050"/>
-                    </a:solidFill>
-                    <a:latin typeface="Century Gothic" panose="020B0502020202020204" pitchFamily="34" charset="0"/>
-                  </a:rPr>
-                  <a:t>CHRIS</a:t>
-                </a:r>
-              </a:p>
-            </p:txBody>
-          </p:sp>
-          <p:sp>
-            <p:nvSpPr>
-              <p:cNvPr id="15" name="TextBox 14"/>
-              <p:cNvSpPr txBox="1"/>
-              <p:nvPr/>
-            </p:nvSpPr>
-            <p:spPr>
-              <a:xfrm>
-                <a:off x="7238162" y="6860470"/>
-                <a:ext cx="4857983" cy="450938"/>
-              </a:xfrm>
-              <a:prstGeom prst="rect">
-                <a:avLst/>
-              </a:prstGeom>
-              <a:noFill/>
-            </p:spPr>
-            <p:txBody>
-              <a:bodyPr wrap="square" rtlCol="0">
-                <a:spAutoFit/>
-              </a:bodyPr>
-              <a:lstStyle/>
-              <a:p>
-                <a:r>
-                  <a:rPr lang="en-US" sz="7200" dirty="0">
-                    <a:solidFill>
-                      <a:srgbClr val="92D050"/>
-                    </a:solidFill>
-                    <a:latin typeface="Century Gothic" panose="020B0502020202020204" pitchFamily="34" charset="0"/>
-                  </a:rPr>
-                  <a:t>chris.teabo@daly.com</a:t>
-                </a:r>
-              </a:p>
-            </p:txBody>
-          </p:sp>
-        </p:grpSp>
-        <p:grpSp>
-          <p:nvGrpSpPr>
-            <p:cNvPr id="16" name="Group 15"/>
-            <p:cNvGrpSpPr/>
+            <a:prstGeom prst="rect">
+              <a:avLst/>
+            </a:prstGeom>
+            <a:noFill/>
+          </p:spPr>
+          <p:txBody>
+            <a:bodyPr wrap="square" rtlCol="0">
+              <a:spAutoFit/>
+            </a:bodyPr>
+            <a:lstStyle/>
+            <a:p>
+              <a:r>
+                <a:rPr lang="en-US" sz="7200" dirty="0">
+                  <a:solidFill>
+                    <a:srgbClr val="FFFF00"/>
+                  </a:solidFill>
+                  <a:latin typeface="Century Gothic" panose="020B0502020202020204" pitchFamily="34" charset="0"/>
+                </a:rPr>
+                <a:t>MARK</a:t>
+              </a:r>
+            </a:p>
+          </p:txBody>
+        </p:sp>
+        <p:sp>
+          <p:nvSpPr>
+            <p:cNvPr id="11" name="TextBox 10"/>
+            <p:cNvSpPr txBox="1"/>
             <p:nvPr/>
-          </p:nvGrpSpPr>
-          <p:grpSpPr>
+          </p:nvSpPr>
+          <p:spPr>
             <a:xfrm>
-              <a:off x="3698874" y="4637330"/>
-              <a:ext cx="7334481" cy="1683371"/>
-              <a:chOff x="6216419" y="7879522"/>
-              <a:chExt cx="7334481" cy="1683371"/>
+              <a:off x="7683334" y="5078975"/>
+              <a:ext cx="4114966" cy="450938"/>
             </a:xfrm>
-          </p:grpSpPr>
-          <p:pic>
-            <p:nvPicPr>
-              <p:cNvPr id="17" name="Picture 16"/>
-              <p:cNvPicPr>
-                <a:picLocks noChangeAspect="1"/>
-              </p:cNvPicPr>
-              <p:nvPr/>
-            </p:nvPicPr>
-            <p:blipFill rotWithShape="1">
-              <a:blip r:embed="rId5" cstate="print">
-                <a:extLst>
-                  <a:ext uri="{28A0092B-C50C-407E-A947-70E740481C1C}">
-                    <a14:useLocalDpi xmlns:a14="http://schemas.microsoft.com/office/drawing/2010/main" val="0"/>
-                  </a:ext>
-                </a:extLst>
-              </a:blip>
-              <a:srcRect t="10440"/>
-              <a:stretch/>
-            </p:blipFill>
-            <p:spPr>
-              <a:xfrm>
-                <a:off x="6216419" y="7879522"/>
-                <a:ext cx="1409700" cy="1683371"/>
-              </a:xfrm>
-              <a:prstGeom prst="rect">
-                <a:avLst/>
-              </a:prstGeom>
-            </p:spPr>
-          </p:pic>
-          <p:sp>
-            <p:nvSpPr>
-              <p:cNvPr id="18" name="TextBox 17"/>
-              <p:cNvSpPr txBox="1"/>
-              <p:nvPr/>
-            </p:nvSpPr>
-            <p:spPr>
-              <a:xfrm>
-                <a:off x="7683333" y="7967798"/>
-                <a:ext cx="2114698" cy="450938"/>
-              </a:xfrm>
-              <a:prstGeom prst="rect">
-                <a:avLst/>
-              </a:prstGeom>
-              <a:noFill/>
-            </p:spPr>
-            <p:txBody>
-              <a:bodyPr wrap="square" rtlCol="0">
-                <a:spAutoFit/>
-              </a:bodyPr>
-              <a:lstStyle/>
-              <a:p>
-                <a:r>
-                  <a:rPr lang="en-US" sz="7200" dirty="0">
-                    <a:solidFill>
-                      <a:srgbClr val="FFFF00"/>
-                    </a:solidFill>
-                    <a:latin typeface="Century Gothic" panose="020B0502020202020204" pitchFamily="34" charset="0"/>
-                  </a:rPr>
-                  <a:t>ALEKS</a:t>
-                </a:r>
-              </a:p>
-            </p:txBody>
-          </p:sp>
-          <p:sp>
-            <p:nvSpPr>
-              <p:cNvPr id="19" name="TextBox 18"/>
-              <p:cNvSpPr txBox="1"/>
-              <p:nvPr/>
-            </p:nvSpPr>
-            <p:spPr>
-              <a:xfrm>
-                <a:off x="7626119" y="8848970"/>
-                <a:ext cx="5924781" cy="450938"/>
-              </a:xfrm>
-              <a:prstGeom prst="rect">
-                <a:avLst/>
-              </a:prstGeom>
-              <a:noFill/>
-            </p:spPr>
-            <p:txBody>
-              <a:bodyPr wrap="square" rtlCol="0">
-                <a:spAutoFit/>
-              </a:bodyPr>
-              <a:lstStyle/>
-              <a:p>
-                <a:r>
-                  <a:rPr lang="en-US" sz="7200" dirty="0">
-                    <a:solidFill>
-                      <a:srgbClr val="92D050"/>
-                    </a:solidFill>
-                    <a:latin typeface="Century Gothic" panose="020B0502020202020204" pitchFamily="34" charset="0"/>
-                  </a:rPr>
-                  <a:t>aleks.pokalenko@daly.com</a:t>
-                </a:r>
-              </a:p>
-            </p:txBody>
-          </p:sp>
-        </p:grpSp>
+            <a:prstGeom prst="rect">
+              <a:avLst/>
+            </a:prstGeom>
+            <a:noFill/>
+          </p:spPr>
+          <p:txBody>
+            <a:bodyPr wrap="square" rtlCol="0">
+              <a:spAutoFit/>
+            </a:bodyPr>
+            <a:lstStyle/>
+            <a:p>
+              <a:r>
+                <a:rPr lang="en-US" sz="7200" dirty="0">
+                  <a:solidFill>
+                    <a:srgbClr val="92D050"/>
+                  </a:solidFill>
+                  <a:latin typeface="Century Gothic" panose="020B0502020202020204" pitchFamily="34" charset="0"/>
+                </a:rPr>
+                <a:t>mark@daly.com</a:t>
+              </a:r>
+            </a:p>
+          </p:txBody>
+        </p:sp>
       </p:grpSp>
-      <p:pic>
-        <p:nvPicPr>
-          <p:cNvPr id="15366" name="Picture 6" descr="Image result for CAR CRASH png icon"/>
-          <p:cNvPicPr>
-            <a:picLocks noChangeAspect="1" noChangeArrowheads="1"/>
-          </p:cNvPicPr>
+      <p:grpSp>
+        <p:nvGrpSpPr>
+          <p:cNvPr id="12" name="Group 11"/>
+          <p:cNvGrpSpPr/>
           <p:nvPr/>
-        </p:nvPicPr>
-        <p:blipFill>
-          <a:blip r:embed="rId6" cstate="print">
-            <a:lum bright="70000" contrast="-70000"/>
+        </p:nvGrpSpPr>
+        <p:grpSpPr>
+          <a:xfrm>
+            <a:off x="2954852" y="16532121"/>
+            <a:ext cx="16885116" cy="3805419"/>
+            <a:chOff x="5752764" y="5923090"/>
+            <a:chExt cx="6343381" cy="1429615"/>
+          </a:xfrm>
+        </p:grpSpPr>
+        <p:pic>
+          <p:nvPicPr>
+            <p:cNvPr id="13" name="Picture 12"/>
+            <p:cNvPicPr>
+              <a:picLocks noChangeAspect="1"/>
+            </p:cNvPicPr>
+            <p:nvPr/>
+          </p:nvPicPr>
+          <p:blipFill>
+            <a:blip r:embed="rId4" cstate="print">
+              <a:extLst>
+                <a:ext uri="{28A0092B-C50C-407E-A947-70E740481C1C}">
+                  <a14:useLocalDpi xmlns:a14="http://schemas.microsoft.com/office/drawing/2010/main" val="0"/>
+                </a:ext>
+              </a:extLst>
+            </a:blip>
+            <a:stretch>
+              <a:fillRect/>
+            </a:stretch>
+          </p:blipFill>
+          <p:spPr>
+            <a:xfrm>
+              <a:off x="5752764" y="5923090"/>
+              <a:ext cx="1429615" cy="1429615"/>
+            </a:xfrm>
+            <a:prstGeom prst="rect">
+              <a:avLst/>
+            </a:prstGeom>
+          </p:spPr>
+        </p:pic>
+        <p:sp>
+          <p:nvSpPr>
+            <p:cNvPr id="14" name="TextBox 13"/>
+            <p:cNvSpPr txBox="1"/>
+            <p:nvPr/>
+          </p:nvSpPr>
+          <p:spPr>
+            <a:xfrm>
+              <a:off x="7238162" y="6102413"/>
+              <a:ext cx="2114698" cy="450938"/>
+            </a:xfrm>
+            <a:prstGeom prst="rect">
+              <a:avLst/>
+            </a:prstGeom>
+            <a:noFill/>
+          </p:spPr>
+          <p:txBody>
+            <a:bodyPr wrap="square" rtlCol="0">
+              <a:spAutoFit/>
+            </a:bodyPr>
+            <a:lstStyle/>
+            <a:p>
+              <a:r>
+                <a:rPr lang="en-US" sz="7200" dirty="0">
+                  <a:solidFill>
+                    <a:srgbClr val="FFFF00"/>
+                  </a:solidFill>
+                  <a:latin typeface="Century Gothic" panose="020B0502020202020204" pitchFamily="34" charset="0"/>
+                </a:rPr>
+                <a:t>CHRIS</a:t>
+              </a:r>
+            </a:p>
+          </p:txBody>
+        </p:sp>
+        <p:sp>
+          <p:nvSpPr>
+            <p:cNvPr id="15" name="TextBox 14"/>
+            <p:cNvSpPr txBox="1"/>
+            <p:nvPr/>
+          </p:nvSpPr>
+          <p:spPr>
+            <a:xfrm>
+              <a:off x="7238162" y="6860470"/>
+              <a:ext cx="4857983" cy="450938"/>
+            </a:xfrm>
+            <a:prstGeom prst="rect">
+              <a:avLst/>
+            </a:prstGeom>
+            <a:noFill/>
+          </p:spPr>
+          <p:txBody>
+            <a:bodyPr wrap="square" rtlCol="0">
+              <a:spAutoFit/>
+            </a:bodyPr>
+            <a:lstStyle/>
+            <a:p>
+              <a:r>
+                <a:rPr lang="en-US" sz="7200" dirty="0">
+                  <a:solidFill>
+                    <a:srgbClr val="92D050"/>
+                  </a:solidFill>
+                  <a:latin typeface="Century Gothic" panose="020B0502020202020204" pitchFamily="34" charset="0"/>
+                </a:rPr>
+                <a:t>chris.teabo@daly.com</a:t>
+              </a:r>
+            </a:p>
+          </p:txBody>
+        </p:sp>
+      </p:grpSp>
+      <p:grpSp>
+        <p:nvGrpSpPr>
+          <p:cNvPr id="3" name="Group 2"/>
+          <p:cNvGrpSpPr/>
+          <p:nvPr/>
+        </p:nvGrpSpPr>
+        <p:grpSpPr>
+          <a:xfrm>
+            <a:off x="2904108" y="28102555"/>
+            <a:ext cx="13341518" cy="3605182"/>
+            <a:chOff x="3388615" y="26785600"/>
+            <a:chExt cx="13341518" cy="3965700"/>
+          </a:xfrm>
+        </p:grpSpPr>
+        <p:pic>
+          <p:nvPicPr>
+            <p:cNvPr id="15366" name="Picture 6" descr="Image result for CAR CRASH png icon"/>
+            <p:cNvPicPr>
+              <a:picLocks noChangeAspect="1" noChangeArrowheads="1"/>
+            </p:cNvPicPr>
+            <p:nvPr/>
+          </p:nvPicPr>
+          <p:blipFill>
+            <a:blip r:embed="rId5" cstate="print">
+              <a:lum bright="70000" contrast="-70000"/>
+              <a:extLst>
+                <a:ext uri="{28A0092B-C50C-407E-A947-70E740481C1C}">
+                  <a14:useLocalDpi xmlns:a14="http://schemas.microsoft.com/office/drawing/2010/main" val="0"/>
+                </a:ext>
+              </a:extLst>
+            </a:blip>
+            <a:srcRect/>
+            <a:stretch>
+              <a:fillRect/>
+            </a:stretch>
+          </p:blipFill>
+          <p:spPr bwMode="auto">
+            <a:xfrm>
+              <a:off x="8331201" y="26785600"/>
+              <a:ext cx="3732426" cy="3732426"/>
+            </a:xfrm>
+            <a:prstGeom prst="rect">
+              <a:avLst/>
+            </a:prstGeom>
+            <a:noFill/>
             <a:extLst>
-              <a:ext uri="{28A0092B-C50C-407E-A947-70E740481C1C}">
-                <a14:useLocalDpi xmlns:a14="http://schemas.microsoft.com/office/drawing/2010/main" val="0"/>
+              <a:ext uri="{909E8E84-426E-40DD-AFC4-6F175D3DCCD1}">
+                <a14:hiddenFill xmlns:a14="http://schemas.microsoft.com/office/drawing/2010/main">
+                  <a:solidFill>
+                    <a:srgbClr val="FFFFFF"/>
+                  </a:solidFill>
+                </a14:hiddenFill>
               </a:ext>
             </a:extLst>
-          </a:blip>
-          <a:srcRect/>
-          <a:stretch>
-            <a:fillRect/>
-          </a:stretch>
-        </p:blipFill>
-        <p:spPr bwMode="auto">
-          <a:xfrm>
-            <a:off x="8331201" y="26785600"/>
-            <a:ext cx="3732426" cy="3732426"/>
-          </a:xfrm>
-          <a:prstGeom prst="rect">
-            <a:avLst/>
-          </a:prstGeom>
-          <a:noFill/>
-          <a:extLst>
-            <a:ext uri="{909E8E84-426E-40DD-AFC4-6F175D3DCCD1}">
-              <a14:hiddenFill xmlns:a14="http://schemas.microsoft.com/office/drawing/2010/main">
-                <a:solidFill>
-                  <a:srgbClr val="FFFFFF"/>
-                </a:solidFill>
-              </a14:hiddenFill>
-            </a:ext>
-          </a:extLst>
-        </p:spPr>
-      </p:pic>
-      <p:pic>
-        <p:nvPicPr>
-          <p:cNvPr id="15368" name="Picture 8" descr="Image result for SICK png icon"/>
-          <p:cNvPicPr>
-            <a:picLocks noChangeAspect="1" noChangeArrowheads="1"/>
-          </p:cNvPicPr>
-          <p:nvPr/>
-        </p:nvPicPr>
-        <p:blipFill>
-          <a:blip r:embed="rId7" cstate="print">
-            <a:lum bright="70000" contrast="-70000"/>
+          </p:spPr>
+        </p:pic>
+        <p:pic>
+          <p:nvPicPr>
+            <p:cNvPr id="15368" name="Picture 8" descr="Image result for SICK png icon"/>
+            <p:cNvPicPr>
+              <a:picLocks noChangeAspect="1" noChangeArrowheads="1"/>
+            </p:cNvPicPr>
+            <p:nvPr/>
+          </p:nvPicPr>
+          <p:blipFill>
+            <a:blip r:embed="rId6" cstate="print">
+              <a:lum bright="70000" contrast="-70000"/>
+              <a:extLst>
+                <a:ext uri="{28A0092B-C50C-407E-A947-70E740481C1C}">
+                  <a14:useLocalDpi xmlns:a14="http://schemas.microsoft.com/office/drawing/2010/main" val="0"/>
+                </a:ext>
+              </a:extLst>
+            </a:blip>
+            <a:srcRect/>
+            <a:stretch>
+              <a:fillRect/>
+            </a:stretch>
+          </p:blipFill>
+          <p:spPr bwMode="auto">
+            <a:xfrm>
+              <a:off x="3388615" y="26960182"/>
+              <a:ext cx="3791118" cy="3791118"/>
+            </a:xfrm>
+            <a:prstGeom prst="rect">
+              <a:avLst/>
+            </a:prstGeom>
+            <a:noFill/>
             <a:extLst>
-              <a:ext uri="{28A0092B-C50C-407E-A947-70E740481C1C}">
-                <a14:useLocalDpi xmlns:a14="http://schemas.microsoft.com/office/drawing/2010/main" val="0"/>
+              <a:ext uri="{909E8E84-426E-40DD-AFC4-6F175D3DCCD1}">
+                <a14:hiddenFill xmlns:a14="http://schemas.microsoft.com/office/drawing/2010/main">
+                  <a:solidFill>
+                    <a:srgbClr val="FFFFFF"/>
+                  </a:solidFill>
+                </a14:hiddenFill>
               </a:ext>
             </a:extLst>
-          </a:blip>
-          <a:srcRect/>
-          <a:stretch>
-            <a:fillRect/>
-          </a:stretch>
-        </p:blipFill>
-        <p:spPr bwMode="auto">
-          <a:xfrm>
-            <a:off x="3388615" y="26960182"/>
-            <a:ext cx="3791118" cy="3791118"/>
-          </a:xfrm>
-          <a:prstGeom prst="rect">
-            <a:avLst/>
-          </a:prstGeom>
-          <a:noFill/>
-          <a:extLst>
-            <a:ext uri="{909E8E84-426E-40DD-AFC4-6F175D3DCCD1}">
-              <a14:hiddenFill xmlns:a14="http://schemas.microsoft.com/office/drawing/2010/main">
-                <a:solidFill>
-                  <a:srgbClr val="FFFFFF"/>
-                </a:solidFill>
-              </a14:hiddenFill>
-            </a:ext>
-          </a:extLst>
-        </p:spPr>
-      </p:pic>
-      <p:pic>
-        <p:nvPicPr>
-          <p:cNvPr id="15370" name="Picture 10" descr="Related image"/>
-          <p:cNvPicPr>
-            <a:picLocks noChangeAspect="1" noChangeArrowheads="1"/>
-          </p:cNvPicPr>
-          <p:nvPr/>
-        </p:nvPicPr>
-        <p:blipFill>
-          <a:blip r:embed="rId8" cstate="print">
-            <a:lum bright="70000" contrast="-70000"/>
+          </p:spPr>
+        </p:pic>
+        <p:pic>
+          <p:nvPicPr>
+            <p:cNvPr id="15370" name="Picture 10" descr="Related image"/>
+            <p:cNvPicPr>
+              <a:picLocks noChangeAspect="1" noChangeArrowheads="1"/>
+            </p:cNvPicPr>
+            <p:nvPr/>
+          </p:nvPicPr>
+          <p:blipFill>
+            <a:blip r:embed="rId7" cstate="print">
+              <a:lum bright="70000" contrast="-70000"/>
+              <a:extLst>
+                <a:ext uri="{28A0092B-C50C-407E-A947-70E740481C1C}">
+                  <a14:useLocalDpi xmlns:a14="http://schemas.microsoft.com/office/drawing/2010/main" val="0"/>
+                </a:ext>
+              </a:extLst>
+            </a:blip>
+            <a:srcRect/>
+            <a:stretch>
+              <a:fillRect/>
+            </a:stretch>
+          </p:blipFill>
+          <p:spPr bwMode="auto">
+            <a:xfrm>
+              <a:off x="13215095" y="27286879"/>
+              <a:ext cx="3515038" cy="2984197"/>
+            </a:xfrm>
+            <a:prstGeom prst="rect">
+              <a:avLst/>
+            </a:prstGeom>
+            <a:noFill/>
             <a:extLst>
-              <a:ext uri="{28A0092B-C50C-407E-A947-70E740481C1C}">
-                <a14:useLocalDpi xmlns:a14="http://schemas.microsoft.com/office/drawing/2010/main" val="0"/>
+              <a:ext uri="{909E8E84-426E-40DD-AFC4-6F175D3DCCD1}">
+                <a14:hiddenFill xmlns:a14="http://schemas.microsoft.com/office/drawing/2010/main">
+                  <a:solidFill>
+                    <a:srgbClr val="FFFFFF"/>
+                  </a:solidFill>
+                </a14:hiddenFill>
               </a:ext>
             </a:extLst>
-          </a:blip>
-          <a:srcRect/>
-          <a:stretch>
-            <a:fillRect/>
-          </a:stretch>
-        </p:blipFill>
-        <p:spPr bwMode="auto">
-          <a:xfrm>
-            <a:off x="13215095" y="27286879"/>
-            <a:ext cx="3515038" cy="2984197"/>
-          </a:xfrm>
-          <a:prstGeom prst="rect">
-            <a:avLst/>
-          </a:prstGeom>
-          <a:noFill/>
-          <a:extLst>
-            <a:ext uri="{909E8E84-426E-40DD-AFC4-6F175D3DCCD1}">
-              <a14:hiddenFill xmlns:a14="http://schemas.microsoft.com/office/drawing/2010/main">
-                <a:solidFill>
-                  <a:srgbClr val="FFFFFF"/>
-                </a:solidFill>
-              </a14:hiddenFill>
-            </a:ext>
-          </a:extLst>
-        </p:spPr>
-      </p:pic>
+          </p:spPr>
+        </p:pic>
+      </p:grpSp>
       <p:sp>
         <p:nvSpPr>
           <p:cNvPr id="20" name="Isosceles Triangle 19">
@@ -7787,6 +7675,131 @@
           </a:p>
         </p:txBody>
       </p:sp>
+      <p:grpSp>
+        <p:nvGrpSpPr>
+          <p:cNvPr id="8" name="Group 7"/>
+          <p:cNvGrpSpPr/>
+          <p:nvPr/>
+        </p:nvGrpSpPr>
+        <p:grpSpPr>
+          <a:xfrm>
+            <a:off x="2964192" y="21474458"/>
+            <a:ext cx="17040764" cy="3889454"/>
+            <a:chOff x="2827145" y="25391884"/>
+            <a:chExt cx="17040764" cy="3889454"/>
+          </a:xfrm>
+        </p:grpSpPr>
+        <p:pic>
+          <p:nvPicPr>
+            <p:cNvPr id="4" name="Picture 3"/>
+            <p:cNvPicPr>
+              <a:picLocks noChangeAspect="1"/>
+            </p:cNvPicPr>
+            <p:nvPr/>
+          </p:nvPicPr>
+          <p:blipFill>
+            <a:blip r:embed="rId8">
+              <a:extLst>
+                <a:ext uri="{28A0092B-C50C-407E-A947-70E740481C1C}">
+                  <a14:useLocalDpi xmlns:a14="http://schemas.microsoft.com/office/drawing/2010/main" val="0"/>
+                </a:ext>
+              </a:extLst>
+            </a:blip>
+            <a:stretch>
+              <a:fillRect/>
+            </a:stretch>
+          </p:blipFill>
+          <p:spPr>
+            <a:xfrm>
+              <a:off x="2827145" y="25391884"/>
+              <a:ext cx="3889454" cy="3889454"/>
+            </a:xfrm>
+            <a:prstGeom prst="rect">
+              <a:avLst/>
+            </a:prstGeom>
+          </p:spPr>
+        </p:pic>
+        <p:sp>
+          <p:nvSpPr>
+            <p:cNvPr id="25" name="TextBox 24"/>
+            <p:cNvSpPr txBox="1"/>
+            <p:nvPr/>
+          </p:nvSpPr>
+          <p:spPr>
+            <a:xfrm>
+              <a:off x="6936697" y="27852504"/>
+              <a:ext cx="12931212" cy="1200329"/>
+            </a:xfrm>
+            <a:prstGeom prst="rect">
+              <a:avLst/>
+            </a:prstGeom>
+            <a:noFill/>
+          </p:spPr>
+          <p:txBody>
+            <a:bodyPr wrap="square" rtlCol="0">
+              <a:spAutoFit/>
+            </a:bodyPr>
+            <a:lstStyle/>
+            <a:p>
+              <a:r>
+                <a:rPr lang="en-US" sz="7200" dirty="0" smtClean="0">
+                  <a:solidFill>
+                    <a:srgbClr val="92D050"/>
+                  </a:solidFill>
+                  <a:latin typeface="Century Gothic" panose="020B0502020202020204" pitchFamily="34" charset="0"/>
+                </a:rPr>
+                <a:t>bgm@daly.com</a:t>
+              </a:r>
+              <a:endParaRPr lang="en-US" sz="7200" dirty="0">
+                <a:solidFill>
+                  <a:srgbClr val="92D050"/>
+                </a:solidFill>
+                <a:latin typeface="Century Gothic" panose="020B0502020202020204" pitchFamily="34" charset="0"/>
+              </a:endParaRPr>
+            </a:p>
+          </p:txBody>
+        </p:sp>
+        <p:sp>
+          <p:nvSpPr>
+            <p:cNvPr id="26" name="TextBox 25"/>
+            <p:cNvSpPr txBox="1"/>
+            <p:nvPr/>
+          </p:nvSpPr>
+          <p:spPr>
+            <a:xfrm>
+              <a:off x="7035998" y="25967226"/>
+              <a:ext cx="5629005" cy="1200329"/>
+            </a:xfrm>
+            <a:prstGeom prst="rect">
+              <a:avLst/>
+            </a:prstGeom>
+            <a:noFill/>
+          </p:spPr>
+          <p:txBody>
+            <a:bodyPr wrap="square" rtlCol="0">
+              <a:spAutoFit/>
+            </a:bodyPr>
+            <a:lstStyle/>
+            <a:p>
+              <a:r>
+                <a:rPr lang="en-US" sz="7200" dirty="0" smtClean="0">
+                  <a:solidFill>
+                    <a:srgbClr val="FFFF00"/>
+                  </a:solidFill>
+                  <a:latin typeface="Century Gothic" panose="020B0502020202020204" pitchFamily="34" charset="0"/>
+                </a:rPr>
+                <a:t>Berni </a:t>
+              </a:r>
+              <a:endParaRPr lang="en-US" sz="7200" dirty="0">
+                <a:solidFill>
+                  <a:srgbClr val="FFFF00"/>
+                </a:solidFill>
+                <a:latin typeface="Century Gothic" panose="020B0502020202020204" pitchFamily="34" charset="0"/>
+              </a:endParaRPr>
+            </a:p>
+          </p:txBody>
+        </p:sp>
+      </p:grpSp>
     </p:spTree>
     <p:extLst>
       <p:ext uri="{BB962C8B-B14F-4D97-AF65-F5344CB8AC3E}">
